--- a/documents/JSM_2021/15min_version.pptx
+++ b/documents/JSM_2021/15min_version.pptx
@@ -280,7 +280,7 @@
           <a:p>
             <a:fld id="{1FD15BE6-D28F-4CB9-886B-8E7E78239579}" type="datetimeFigureOut">
               <a:rPr lang="en-US" smtClean="0"/>
-              <a:t>6/13/2021</a:t>
+              <a:t>6/14/2021</a:t>
             </a:fld>
             <a:endParaRPr lang="en-US"/>
           </a:p>
@@ -478,7 +478,7 @@
           <a:p>
             <a:fld id="{1FD15BE6-D28F-4CB9-886B-8E7E78239579}" type="datetimeFigureOut">
               <a:rPr lang="en-US" smtClean="0"/>
-              <a:t>6/13/2021</a:t>
+              <a:t>6/14/2021</a:t>
             </a:fld>
             <a:endParaRPr lang="en-US"/>
           </a:p>
@@ -686,7 +686,7 @@
           <a:p>
             <a:fld id="{1FD15BE6-D28F-4CB9-886B-8E7E78239579}" type="datetimeFigureOut">
               <a:rPr lang="en-US" smtClean="0"/>
-              <a:t>6/13/2021</a:t>
+              <a:t>6/14/2021</a:t>
             </a:fld>
             <a:endParaRPr lang="en-US"/>
           </a:p>
@@ -884,7 +884,7 @@
           <a:p>
             <a:fld id="{1FD15BE6-D28F-4CB9-886B-8E7E78239579}" type="datetimeFigureOut">
               <a:rPr lang="en-US" smtClean="0"/>
-              <a:t>6/13/2021</a:t>
+              <a:t>6/14/2021</a:t>
             </a:fld>
             <a:endParaRPr lang="en-US"/>
           </a:p>
@@ -1159,7 +1159,7 @@
           <a:p>
             <a:fld id="{1FD15BE6-D28F-4CB9-886B-8E7E78239579}" type="datetimeFigureOut">
               <a:rPr lang="en-US" smtClean="0"/>
-              <a:t>6/13/2021</a:t>
+              <a:t>6/14/2021</a:t>
             </a:fld>
             <a:endParaRPr lang="en-US"/>
           </a:p>
@@ -1424,7 +1424,7 @@
           <a:p>
             <a:fld id="{1FD15BE6-D28F-4CB9-886B-8E7E78239579}" type="datetimeFigureOut">
               <a:rPr lang="en-US" smtClean="0"/>
-              <a:t>6/13/2021</a:t>
+              <a:t>6/14/2021</a:t>
             </a:fld>
             <a:endParaRPr lang="en-US"/>
           </a:p>
@@ -1836,7 +1836,7 @@
           <a:p>
             <a:fld id="{1FD15BE6-D28F-4CB9-886B-8E7E78239579}" type="datetimeFigureOut">
               <a:rPr lang="en-US" smtClean="0"/>
-              <a:t>6/13/2021</a:t>
+              <a:t>6/14/2021</a:t>
             </a:fld>
             <a:endParaRPr lang="en-US"/>
           </a:p>
@@ -1977,7 +1977,7 @@
           <a:p>
             <a:fld id="{1FD15BE6-D28F-4CB9-886B-8E7E78239579}" type="datetimeFigureOut">
               <a:rPr lang="en-US" smtClean="0"/>
-              <a:t>6/13/2021</a:t>
+              <a:t>6/14/2021</a:t>
             </a:fld>
             <a:endParaRPr lang="en-US"/>
           </a:p>
@@ -2090,7 +2090,7 @@
           <a:p>
             <a:fld id="{1FD15BE6-D28F-4CB9-886B-8E7E78239579}" type="datetimeFigureOut">
               <a:rPr lang="en-US" smtClean="0"/>
-              <a:t>6/13/2021</a:t>
+              <a:t>6/14/2021</a:t>
             </a:fld>
             <a:endParaRPr lang="en-US"/>
           </a:p>
@@ -2401,7 +2401,7 @@
           <a:p>
             <a:fld id="{1FD15BE6-D28F-4CB9-886B-8E7E78239579}" type="datetimeFigureOut">
               <a:rPr lang="en-US" smtClean="0"/>
-              <a:t>6/13/2021</a:t>
+              <a:t>6/14/2021</a:t>
             </a:fld>
             <a:endParaRPr lang="en-US"/>
           </a:p>
@@ -2689,7 +2689,7 @@
           <a:p>
             <a:fld id="{1FD15BE6-D28F-4CB9-886B-8E7E78239579}" type="datetimeFigureOut">
               <a:rPr lang="en-US" smtClean="0"/>
-              <a:t>6/13/2021</a:t>
+              <a:t>6/14/2021</a:t>
             </a:fld>
             <a:endParaRPr lang="en-US"/>
           </a:p>
@@ -2930,7 +2930,7 @@
           <a:p>
             <a:fld id="{1FD15BE6-D28F-4CB9-886B-8E7E78239579}" type="datetimeFigureOut">
               <a:rPr lang="en-US" smtClean="0"/>
-              <a:t>6/13/2021</a:t>
+              <a:t>6/14/2021</a:t>
             </a:fld>
             <a:endParaRPr lang="en-US"/>
           </a:p>
@@ -3464,7 +3464,7 @@
           <a:p>
             <a:r>
               <a:rPr lang="en-US" dirty="0"/>
-              <a:t>Application: revisit V1 data</a:t>
+              <a:t>Application: V1 data revisit</a:t>
             </a:r>
           </a:p>
         </p:txBody>
@@ -4269,8 +4269,8 @@
           </a:p>
         </p:txBody>
       </p:sp>
-      <mc:AlternateContent xmlns:mc="http://schemas.openxmlformats.org/markup-compatibility/2006">
-        <mc:Choice xmlns:a14="http://schemas.microsoft.com/office/drawing/2010/main" Requires="a14">
+      <mc:AlternateContent xmlns:mc="http://schemas.openxmlformats.org/markup-compatibility/2006" xmlns:a14="http://schemas.microsoft.com/office/drawing/2010/main">
+        <mc:Choice Requires="a14">
           <p:sp>
             <p:nvSpPr>
               <p:cNvPr id="3" name="Content Placeholder 2">
@@ -5217,7 +5217,7 @@
             </p:txBody>
           </p:sp>
         </mc:Choice>
-        <mc:Fallback>
+        <mc:Fallback xmlns="">
           <p:sp>
             <p:nvSpPr>
               <p:cNvPr id="3" name="Content Placeholder 2">
@@ -5315,8 +5315,8 @@
           </a:p>
         </p:txBody>
       </p:sp>
-      <mc:AlternateContent xmlns:mc="http://schemas.openxmlformats.org/markup-compatibility/2006">
-        <mc:Choice xmlns:a14="http://schemas.microsoft.com/office/drawing/2010/main" Requires="a14">
+      <mc:AlternateContent xmlns:mc="http://schemas.openxmlformats.org/markup-compatibility/2006" xmlns:a14="http://schemas.microsoft.com/office/drawing/2010/main">
+        <mc:Choice Requires="a14">
           <p:sp>
             <p:nvSpPr>
               <p:cNvPr id="3" name="Content Placeholder 2">
@@ -6920,7 +6920,7 @@
             </p:txBody>
           </p:sp>
         </mc:Choice>
-        <mc:Fallback>
+        <mc:Fallback xmlns="">
           <p:sp>
             <p:nvSpPr>
               <p:cNvPr id="3" name="Content Placeholder 2">
@@ -7018,8 +7018,8 @@
           </a:p>
         </p:txBody>
       </p:sp>
-      <mc:AlternateContent xmlns:mc="http://schemas.openxmlformats.org/markup-compatibility/2006">
-        <mc:Choice xmlns:a14="http://schemas.microsoft.com/office/drawing/2010/main" Requires="a14">
+      <mc:AlternateContent xmlns:mc="http://schemas.openxmlformats.org/markup-compatibility/2006" xmlns:a14="http://schemas.microsoft.com/office/drawing/2010/main">
+        <mc:Choice Requires="a14">
           <p:sp>
             <p:nvSpPr>
               <p:cNvPr id="3" name="Content Placeholder 2">
@@ -7688,16 +7688,22 @@
                         <m:chr m:val="∑"/>
                         <m:limLoc m:val="undOvr"/>
                         <m:ctrlPr>
-                          <a:rPr lang="en-US" i="1"/>
+                          <a:rPr lang="en-US" i="1">
+                            <a:latin typeface="Cambria Math" panose="02040503050406030204" pitchFamily="18" charset="0"/>
+                          </a:rPr>
                         </m:ctrlPr>
                       </m:naryPr>
                       <m:sub>
                         <m:r>
-                          <a:rPr lang="en-US" i="1"/>
+                          <a:rPr lang="en-US" i="1">
+                            <a:latin typeface="Cambria Math" panose="02040503050406030204" pitchFamily="18" charset="0"/>
+                          </a:rPr>
                           <m:t>𝑖</m:t>
                         </m:r>
                         <m:r>
-                          <a:rPr lang="en-US" i="1"/>
+                          <a:rPr lang="en-US" i="1">
+                            <a:latin typeface="Cambria Math" panose="02040503050406030204" pitchFamily="18" charset="0"/>
+                          </a:rPr>
                           <m:t>=1</m:t>
                         </m:r>
                       </m:sub>
@@ -7705,18 +7711,24 @@
                         <m:sSub>
                           <m:sSubPr>
                             <m:ctrlPr>
-                              <a:rPr lang="en-US" i="1"/>
+                              <a:rPr lang="en-US" i="1">
+                                <a:latin typeface="Cambria Math" panose="02040503050406030204" pitchFamily="18" charset="0"/>
+                              </a:rPr>
                             </m:ctrlPr>
                           </m:sSubPr>
                           <m:e>
                             <m:r>
-                              <a:rPr lang="en-US" i="1"/>
+                              <a:rPr lang="en-US" i="1">
+                                <a:latin typeface="Cambria Math" panose="02040503050406030204" pitchFamily="18" charset="0"/>
+                              </a:rPr>
                               <m:t>𝑛</m:t>
                             </m:r>
                           </m:e>
                           <m:sub>
                             <m:r>
-                              <a:rPr lang="en-US" i="1"/>
+                              <a:rPr lang="en-US" i="1">
+                                <a:latin typeface="Cambria Math" panose="02040503050406030204" pitchFamily="18" charset="0"/>
+                              </a:rPr>
                               <m:t>𝑘</m:t>
                             </m:r>
                           </m:sub>
@@ -7726,14 +7738,18 @@
                         <m:sSub>
                           <m:sSubPr>
                             <m:ctrlPr>
-                              <a:rPr lang="en-US" i="1"/>
+                              <a:rPr lang="en-US" i="1">
+                                <a:latin typeface="Cambria Math" panose="02040503050406030204" pitchFamily="18" charset="0"/>
+                              </a:rPr>
                             </m:ctrlPr>
                           </m:sSubPr>
                           <m:e>
                             <m:d>
                               <m:dPr>
                                 <m:ctrlPr>
-                                  <a:rPr lang="en-US" i="1"/>
+                                  <a:rPr lang="en-US" i="1">
+                                    <a:latin typeface="Cambria Math" panose="02040503050406030204" pitchFamily="18" charset="0"/>
+                                  </a:rPr>
                                 </m:ctrlPr>
                               </m:dPr>
                               <m:e>
@@ -7748,7 +7764,9 @@
                                       </m:mc>
                                     </m:mcs>
                                     <m:ctrlPr>
-                                      <a:rPr lang="en-US" i="1"/>
+                                      <a:rPr lang="en-US" i="1">
+                                        <a:latin typeface="Cambria Math" panose="02040503050406030204" pitchFamily="18" charset="0"/>
+                                      </a:rPr>
                                     </m:ctrlPr>
                                   </m:mPr>
                                   <m:mr>
@@ -7756,14 +7774,18 @@
                                       <m:sSubSup>
                                         <m:sSubSupPr>
                                           <m:ctrlPr>
-                                            <a:rPr lang="en-US" b="1" i="1"/>
+                                            <a:rPr lang="en-US" b="1" i="1">
+                                              <a:latin typeface="Cambria Math" panose="02040503050406030204" pitchFamily="18" charset="0"/>
+                                            </a:rPr>
                                           </m:ctrlPr>
                                         </m:sSubSupPr>
                                         <m:e>
                                           <m:sSub>
                                             <m:sSubPr>
                                               <m:ctrlPr>
-                                                <a:rPr lang="en-US" b="1" i="1"/>
+                                                <a:rPr lang="en-US" b="1" i="1">
+                                                  <a:latin typeface="Cambria Math" panose="02040503050406030204" pitchFamily="18" charset="0"/>
+                                                </a:rPr>
                                               </m:ctrlPr>
                                             </m:sSubPr>
                                             <m:e>
@@ -7774,20 +7796,26 @@
                                                 <m:t>−</m:t>
                                               </m:r>
                                               <m:r>
-                                                <a:rPr lang="en-US" i="1"/>
+                                                <a:rPr lang="en-US" i="1">
+                                                  <a:latin typeface="Cambria Math" panose="02040503050406030204" pitchFamily="18" charset="0"/>
+                                                </a:rPr>
                                                 <m:t>𝑉𝑎𝑟</m:t>
                                               </m:r>
                                               <m:d>
                                                 <m:dPr>
                                                   <m:ctrlPr>
-                                                    <a:rPr lang="en-US" i="1"/>
+                                                    <a:rPr lang="en-US" i="1">
+                                                      <a:latin typeface="Cambria Math" panose="02040503050406030204" pitchFamily="18" charset="0"/>
+                                                    </a:rPr>
                                                   </m:ctrlPr>
                                                 </m:dPr>
                                                 <m:e>
                                                   <m:sSub>
                                                     <m:sSubPr>
                                                       <m:ctrlPr>
-                                                        <a:rPr lang="en-US" i="1"/>
+                                                        <a:rPr lang="en-US" i="1">
+                                                          <a:latin typeface="Cambria Math" panose="02040503050406030204" pitchFamily="18" charset="0"/>
+                                                        </a:rPr>
                                                       </m:ctrlPr>
                                                     </m:sSubPr>
                                                     <m:e>
@@ -7795,7 +7823,9 @@
                                                         <m:rPr>
                                                           <m:sty m:val="p"/>
                                                         </m:rPr>
-                                                        <a:rPr lang="en-US"/>
+                                                        <a:rPr lang="en-US">
+                                                          <a:latin typeface="Cambria Math" panose="02040503050406030204" pitchFamily="18" charset="0"/>
+                                                        </a:rPr>
                                                         <m:t>Y</m:t>
                                                       </m:r>
                                                     </m:e>
@@ -7804,7 +7834,9 @@
                                                         <m:rPr>
                                                           <m:sty m:val="p"/>
                                                         </m:rPr>
-                                                        <a:rPr lang="en-US"/>
+                                                        <a:rPr lang="en-US">
+                                                          <a:latin typeface="Cambria Math" panose="02040503050406030204" pitchFamily="18" charset="0"/>
+                                                        </a:rPr>
                                                         <m:t>ki</m:t>
                                                       </m:r>
                                                     </m:sub>
@@ -7812,31 +7844,41 @@
                                                 </m:e>
                                               </m:d>
                                               <m:r>
-                                                <a:rPr lang="en-US" b="1" i="1"/>
+                                                <a:rPr lang="en-US" b="1" i="1">
+                                                  <a:latin typeface="Cambria Math" panose="02040503050406030204" pitchFamily="18" charset="0"/>
+                                                </a:rPr>
                                                 <m:t>𝒙</m:t>
                                               </m:r>
                                             </m:e>
                                             <m:sub>
                                               <m:r>
-                                                <a:rPr lang="en-US" i="1"/>
+                                                <a:rPr lang="en-US" i="1">
+                                                  <a:latin typeface="Cambria Math" panose="02040503050406030204" pitchFamily="18" charset="0"/>
+                                                </a:rPr>
                                                 <m:t>𝑘𝑖</m:t>
                                               </m:r>
                                             </m:sub>
                                           </m:sSub>
                                           <m:r>
-                                            <a:rPr lang="en-US" b="1" i="1"/>
+                                            <a:rPr lang="en-US" b="1" i="1">
+                                              <a:latin typeface="Cambria Math" panose="02040503050406030204" pitchFamily="18" charset="0"/>
+                                            </a:rPr>
                                             <m:t>𝒙</m:t>
                                           </m:r>
                                         </m:e>
                                         <m:sub>
                                           <m:r>
-                                            <a:rPr lang="en-US" i="1"/>
+                                            <a:rPr lang="en-US" i="1">
+                                              <a:latin typeface="Cambria Math" panose="02040503050406030204" pitchFamily="18" charset="0"/>
+                                            </a:rPr>
                                             <m:t>𝑘𝑖</m:t>
                                           </m:r>
                                         </m:sub>
                                         <m:sup>
                                           <m:r>
-                                            <a:rPr lang="en-US" b="1" i="1"/>
+                                            <a:rPr lang="en-US" b="1" i="1">
+                                              <a:latin typeface="Cambria Math" panose="02040503050406030204" pitchFamily="18" charset="0"/>
+                                            </a:rPr>
                                             <m:t>′</m:t>
                                           </m:r>
                                         </m:sup>
@@ -7846,7 +7888,9 @@
                                       <m:sSub>
                                         <m:sSubPr>
                                           <m:ctrlPr>
-                                            <a:rPr lang="en-US" i="1"/>
+                                            <a:rPr lang="en-US" i="1">
+                                              <a:latin typeface="Cambria Math" panose="02040503050406030204" pitchFamily="18" charset="0"/>
+                                            </a:rPr>
                                           </m:ctrlPr>
                                         </m:sSubPr>
                                         <m:e>
@@ -7854,7 +7898,9 @@
                                             <m:rPr>
                                               <m:sty m:val="p"/>
                                             </m:rPr>
-                                            <a:rPr lang="en-US"/>
+                                            <a:rPr lang="en-US">
+                                              <a:latin typeface="Cambria Math" panose="02040503050406030204" pitchFamily="18" charset="0"/>
+                                            </a:rPr>
                                             <m:t>ν</m:t>
                                           </m:r>
                                         </m:e>
@@ -7863,26 +7909,34 @@
                                             <m:rPr>
                                               <m:sty m:val="p"/>
                                             </m:rPr>
-                                            <a:rPr lang="en-US"/>
+                                            <a:rPr lang="en-US">
+                                              <a:latin typeface="Cambria Math" panose="02040503050406030204" pitchFamily="18" charset="0"/>
+                                            </a:rPr>
                                             <m:t>ki</m:t>
                                           </m:r>
                                         </m:sub>
                                       </m:sSub>
                                       <m:r>
-                                        <a:rPr lang="en-US" i="1"/>
+                                        <a:rPr lang="en-US" i="1">
+                                          <a:latin typeface="Cambria Math" panose="02040503050406030204" pitchFamily="18" charset="0"/>
+                                        </a:rPr>
                                         <m:t>𝐶𝑜𝑣</m:t>
                                       </m:r>
                                       <m:d>
                                         <m:dPr>
                                           <m:ctrlPr>
-                                            <a:rPr lang="en-US" i="1"/>
+                                            <a:rPr lang="en-US" i="1">
+                                              <a:latin typeface="Cambria Math" panose="02040503050406030204" pitchFamily="18" charset="0"/>
+                                            </a:rPr>
                                           </m:ctrlPr>
                                         </m:dPr>
                                         <m:e>
                                           <m:sSub>
                                             <m:sSubPr>
                                               <m:ctrlPr>
-                                                <a:rPr lang="en-US" i="1"/>
+                                                <a:rPr lang="en-US" i="1">
+                                                  <a:latin typeface="Cambria Math" panose="02040503050406030204" pitchFamily="18" charset="0"/>
+                                                </a:rPr>
                                               </m:ctrlPr>
                                             </m:sSubPr>
                                             <m:e>
@@ -7890,7 +7944,9 @@
                                                 <m:rPr>
                                                   <m:sty m:val="p"/>
                                                 </m:rPr>
-                                                <a:rPr lang="en-US"/>
+                                                <a:rPr lang="en-US">
+                                                  <a:latin typeface="Cambria Math" panose="02040503050406030204" pitchFamily="18" charset="0"/>
+                                                </a:rPr>
                                                 <m:t>Y</m:t>
                                               </m:r>
                                             </m:e>
@@ -7899,19 +7955,25 @@
                                                 <m:rPr>
                                                   <m:sty m:val="p"/>
                                                 </m:rPr>
-                                                <a:rPr lang="en-US"/>
+                                                <a:rPr lang="en-US">
+                                                  <a:latin typeface="Cambria Math" panose="02040503050406030204" pitchFamily="18" charset="0"/>
+                                                </a:rPr>
                                                 <m:t>ki</m:t>
                                               </m:r>
                                             </m:sub>
                                           </m:sSub>
                                           <m:r>
-                                            <a:rPr lang="en-US" i="1"/>
+                                            <a:rPr lang="en-US" i="1">
+                                              <a:latin typeface="Cambria Math" panose="02040503050406030204" pitchFamily="18" charset="0"/>
+                                            </a:rPr>
                                             <m:t>, </m:t>
                                           </m:r>
                                           <m:func>
                                             <m:funcPr>
                                               <m:ctrlPr>
-                                                <a:rPr lang="en-US" i="1"/>
+                                                <a:rPr lang="en-US" i="1">
+                                                  <a:latin typeface="Cambria Math" panose="02040503050406030204" pitchFamily="18" charset="0"/>
+                                                </a:rPr>
                                               </m:ctrlPr>
                                             </m:funcPr>
                                             <m:fName>
@@ -7919,7 +7981,9 @@
                                                 <m:rPr>
                                                   <m:sty m:val="p"/>
                                                 </m:rPr>
-                                                <a:rPr lang="en-US"/>
+                                                <a:rPr lang="en-US">
+                                                  <a:latin typeface="Cambria Math" panose="02040503050406030204" pitchFamily="18" charset="0"/>
+                                                </a:rPr>
                                                 <m:t>log</m:t>
                                               </m:r>
                                             </m:fName>
@@ -7927,24 +7991,32 @@
                                               <m:sSub>
                                                 <m:sSubPr>
                                                   <m:ctrlPr>
-                                                    <a:rPr lang="en-US" i="1"/>
+                                                    <a:rPr lang="en-US" i="1">
+                                                      <a:latin typeface="Cambria Math" panose="02040503050406030204" pitchFamily="18" charset="0"/>
+                                                    </a:rPr>
                                                   </m:ctrlPr>
                                                 </m:sSubPr>
                                                 <m:e>
                                                   <m:r>
-                                                    <a:rPr lang="en-US" i="1"/>
+                                                    <a:rPr lang="en-US" i="1">
+                                                      <a:latin typeface="Cambria Math" panose="02040503050406030204" pitchFamily="18" charset="0"/>
+                                                    </a:rPr>
                                                     <m:t>𝑌</m:t>
                                                   </m:r>
                                                 </m:e>
                                                 <m:sub>
                                                   <m:r>
-                                                    <a:rPr lang="en-US" i="1"/>
+                                                    <a:rPr lang="en-US" i="1">
+                                                      <a:latin typeface="Cambria Math" panose="02040503050406030204" pitchFamily="18" charset="0"/>
+                                                    </a:rPr>
                                                     <m:t>𝑘𝑖</m:t>
                                                   </m:r>
                                                 </m:sub>
                                               </m:sSub>
                                               <m:r>
-                                                <a:rPr lang="en-US" i="1"/>
+                                                <a:rPr lang="en-US" i="1">
+                                                  <a:latin typeface="Cambria Math" panose="02040503050406030204" pitchFamily="18" charset="0"/>
+                                                </a:rPr>
                                                 <m:t>!</m:t>
                                               </m:r>
                                             </m:e>
@@ -7954,18 +8026,24 @@
                                       <m:sSub>
                                         <m:sSubPr>
                                           <m:ctrlPr>
-                                            <a:rPr lang="en-US" b="1" i="1"/>
+                                            <a:rPr lang="en-US" b="1" i="1">
+                                              <a:latin typeface="Cambria Math" panose="02040503050406030204" pitchFamily="18" charset="0"/>
+                                            </a:rPr>
                                           </m:ctrlPr>
                                         </m:sSubPr>
                                         <m:e>
                                           <m:r>
-                                            <a:rPr lang="en-US" b="1" i="1"/>
+                                            <a:rPr lang="en-US" b="1" i="1">
+                                              <a:latin typeface="Cambria Math" panose="02040503050406030204" pitchFamily="18" charset="0"/>
+                                            </a:rPr>
                                             <m:t>𝒙</m:t>
                                           </m:r>
                                         </m:e>
                                         <m:sub>
                                           <m:r>
-                                            <a:rPr lang="en-US" i="1"/>
+                                            <a:rPr lang="en-US" i="1">
+                                              <a:latin typeface="Cambria Math" panose="02040503050406030204" pitchFamily="18" charset="0"/>
+                                            </a:rPr>
                                             <m:t>𝑘𝑖</m:t>
                                           </m:r>
                                         </m:sub>
@@ -7973,24 +8051,32 @@
                                       <m:sSubSup>
                                         <m:sSubSupPr>
                                           <m:ctrlPr>
-                                            <a:rPr lang="en-US" b="1" i="1"/>
+                                            <a:rPr lang="en-US" b="1" i="1">
+                                              <a:latin typeface="Cambria Math" panose="02040503050406030204" pitchFamily="18" charset="0"/>
+                                            </a:rPr>
                                           </m:ctrlPr>
                                         </m:sSubSupPr>
                                         <m:e>
                                           <m:r>
-                                            <a:rPr lang="en-US" b="1" i="1"/>
+                                            <a:rPr lang="en-US" b="1" i="1">
+                                              <a:latin typeface="Cambria Math" panose="02040503050406030204" pitchFamily="18" charset="0"/>
+                                            </a:rPr>
                                             <m:t>𝒈</m:t>
                                           </m:r>
                                         </m:e>
                                         <m:sub>
                                           <m:r>
-                                            <a:rPr lang="en-US" i="1"/>
+                                            <a:rPr lang="en-US" i="1">
+                                              <a:latin typeface="Cambria Math" panose="02040503050406030204" pitchFamily="18" charset="0"/>
+                                            </a:rPr>
                                             <m:t>𝑘𝑖</m:t>
                                           </m:r>
                                         </m:sub>
                                         <m:sup>
                                           <m:r>
-                                            <a:rPr lang="en-US" b="1" i="1"/>
+                                            <a:rPr lang="en-US" b="1" i="1">
+                                              <a:latin typeface="Cambria Math" panose="02040503050406030204" pitchFamily="18" charset="0"/>
+                                            </a:rPr>
                                             <m:t>′</m:t>
                                           </m:r>
                                         </m:sup>
@@ -8002,7 +8088,9 @@
                                       <m:sSub>
                                         <m:sSubPr>
                                           <m:ctrlPr>
-                                            <a:rPr lang="en-US" i="1"/>
+                                            <a:rPr lang="en-US" i="1">
+                                              <a:latin typeface="Cambria Math" panose="02040503050406030204" pitchFamily="18" charset="0"/>
+                                            </a:rPr>
                                           </m:ctrlPr>
                                         </m:sSubPr>
                                         <m:e>
@@ -8010,7 +8098,9 @@
                                             <m:rPr>
                                               <m:sty m:val="p"/>
                                             </m:rPr>
-                                            <a:rPr lang="en-US"/>
+                                            <a:rPr lang="en-US">
+                                              <a:latin typeface="Cambria Math" panose="02040503050406030204" pitchFamily="18" charset="0"/>
+                                            </a:rPr>
                                             <m:t>ν</m:t>
                                           </m:r>
                                         </m:e>
@@ -8019,26 +8109,34 @@
                                             <m:rPr>
                                               <m:sty m:val="p"/>
                                             </m:rPr>
-                                            <a:rPr lang="en-US"/>
+                                            <a:rPr lang="en-US">
+                                              <a:latin typeface="Cambria Math" panose="02040503050406030204" pitchFamily="18" charset="0"/>
+                                            </a:rPr>
                                             <m:t>ki</m:t>
                                           </m:r>
                                         </m:sub>
                                       </m:sSub>
                                       <m:r>
-                                        <a:rPr lang="en-US" i="1"/>
+                                        <a:rPr lang="en-US" i="1">
+                                          <a:latin typeface="Cambria Math" panose="02040503050406030204" pitchFamily="18" charset="0"/>
+                                        </a:rPr>
                                         <m:t>𝐶𝑜𝑣</m:t>
                                       </m:r>
                                       <m:d>
                                         <m:dPr>
                                           <m:ctrlPr>
-                                            <a:rPr lang="en-US" i="1"/>
+                                            <a:rPr lang="en-US" i="1">
+                                              <a:latin typeface="Cambria Math" panose="02040503050406030204" pitchFamily="18" charset="0"/>
+                                            </a:rPr>
                                           </m:ctrlPr>
                                         </m:dPr>
                                         <m:e>
                                           <m:sSub>
                                             <m:sSubPr>
                                               <m:ctrlPr>
-                                                <a:rPr lang="en-US" i="1"/>
+                                                <a:rPr lang="en-US" i="1">
+                                                  <a:latin typeface="Cambria Math" panose="02040503050406030204" pitchFamily="18" charset="0"/>
+                                                </a:rPr>
                                               </m:ctrlPr>
                                             </m:sSubPr>
                                             <m:e>
@@ -8046,7 +8144,9 @@
                                                 <m:rPr>
                                                   <m:sty m:val="p"/>
                                                 </m:rPr>
-                                                <a:rPr lang="en-US"/>
+                                                <a:rPr lang="en-US">
+                                                  <a:latin typeface="Cambria Math" panose="02040503050406030204" pitchFamily="18" charset="0"/>
+                                                </a:rPr>
                                                 <m:t>Y</m:t>
                                               </m:r>
                                             </m:e>
@@ -8055,19 +8155,25 @@
                                                 <m:rPr>
                                                   <m:sty m:val="p"/>
                                                 </m:rPr>
-                                                <a:rPr lang="en-US"/>
+                                                <a:rPr lang="en-US">
+                                                  <a:latin typeface="Cambria Math" panose="02040503050406030204" pitchFamily="18" charset="0"/>
+                                                </a:rPr>
                                                 <m:t>ki</m:t>
                                               </m:r>
                                             </m:sub>
                                           </m:sSub>
                                           <m:r>
-                                            <a:rPr lang="en-US" i="1"/>
+                                            <a:rPr lang="en-US" i="1">
+                                              <a:latin typeface="Cambria Math" panose="02040503050406030204" pitchFamily="18" charset="0"/>
+                                            </a:rPr>
                                             <m:t>, </m:t>
                                           </m:r>
                                           <m:func>
                                             <m:funcPr>
                                               <m:ctrlPr>
-                                                <a:rPr lang="en-US" i="1"/>
+                                                <a:rPr lang="en-US" i="1">
+                                                  <a:latin typeface="Cambria Math" panose="02040503050406030204" pitchFamily="18" charset="0"/>
+                                                </a:rPr>
                                               </m:ctrlPr>
                                             </m:funcPr>
                                             <m:fName>
@@ -8075,7 +8181,9 @@
                                                 <m:rPr>
                                                   <m:sty m:val="p"/>
                                                 </m:rPr>
-                                                <a:rPr lang="en-US"/>
+                                                <a:rPr lang="en-US">
+                                                  <a:latin typeface="Cambria Math" panose="02040503050406030204" pitchFamily="18" charset="0"/>
+                                                </a:rPr>
                                                 <m:t>log</m:t>
                                               </m:r>
                                             </m:fName>
@@ -8083,24 +8191,32 @@
                                               <m:sSub>
                                                 <m:sSubPr>
                                                   <m:ctrlPr>
-                                                    <a:rPr lang="en-US" i="1"/>
+                                                    <a:rPr lang="en-US" i="1">
+                                                      <a:latin typeface="Cambria Math" panose="02040503050406030204" pitchFamily="18" charset="0"/>
+                                                    </a:rPr>
                                                   </m:ctrlPr>
                                                 </m:sSubPr>
                                                 <m:e>
                                                   <m:r>
-                                                    <a:rPr lang="en-US" i="1"/>
+                                                    <a:rPr lang="en-US" i="1">
+                                                      <a:latin typeface="Cambria Math" panose="02040503050406030204" pitchFamily="18" charset="0"/>
+                                                    </a:rPr>
                                                     <m:t>𝑌</m:t>
                                                   </m:r>
                                                 </m:e>
                                                 <m:sub>
                                                   <m:r>
-                                                    <a:rPr lang="en-US" i="1"/>
+                                                    <a:rPr lang="en-US" i="1">
+                                                      <a:latin typeface="Cambria Math" panose="02040503050406030204" pitchFamily="18" charset="0"/>
+                                                    </a:rPr>
                                                     <m:t>𝑘𝑖</m:t>
                                                   </m:r>
                                                 </m:sub>
                                               </m:sSub>
                                               <m:r>
-                                                <a:rPr lang="en-US" i="1"/>
+                                                <a:rPr lang="en-US" i="1">
+                                                  <a:latin typeface="Cambria Math" panose="02040503050406030204" pitchFamily="18" charset="0"/>
+                                                </a:rPr>
                                                 <m:t>!</m:t>
                                               </m:r>
                                             </m:e>
@@ -8110,18 +8226,24 @@
                                       <m:sSub>
                                         <m:sSubPr>
                                           <m:ctrlPr>
-                                            <a:rPr lang="en-US" i="1"/>
+                                            <a:rPr lang="en-US" i="1">
+                                              <a:latin typeface="Cambria Math" panose="02040503050406030204" pitchFamily="18" charset="0"/>
+                                            </a:rPr>
                                           </m:ctrlPr>
                                         </m:sSubPr>
                                         <m:e>
                                           <m:r>
-                                            <a:rPr lang="en-US" b="1" i="1"/>
+                                            <a:rPr lang="en-US" b="1" i="1">
+                                              <a:latin typeface="Cambria Math" panose="02040503050406030204" pitchFamily="18" charset="0"/>
+                                            </a:rPr>
                                             <m:t>𝒈</m:t>
                                           </m:r>
                                         </m:e>
                                         <m:sub>
                                           <m:r>
-                                            <a:rPr lang="en-US" i="1"/>
+                                            <a:rPr lang="en-US" i="1">
+                                              <a:latin typeface="Cambria Math" panose="02040503050406030204" pitchFamily="18" charset="0"/>
+                                            </a:rPr>
                                             <m:t>𝑘𝑖</m:t>
                                           </m:r>
                                         </m:sub>
@@ -8129,24 +8251,32 @@
                                       <m:sSubSup>
                                         <m:sSubSupPr>
                                           <m:ctrlPr>
-                                            <a:rPr lang="en-US" b="1" i="1"/>
+                                            <a:rPr lang="en-US" b="1" i="1">
+                                              <a:latin typeface="Cambria Math" panose="02040503050406030204" pitchFamily="18" charset="0"/>
+                                            </a:rPr>
                                           </m:ctrlPr>
                                         </m:sSubSupPr>
                                         <m:e>
                                           <m:r>
-                                            <a:rPr lang="en-US" b="1" i="1"/>
+                                            <a:rPr lang="en-US" b="1" i="1">
+                                              <a:latin typeface="Cambria Math" panose="02040503050406030204" pitchFamily="18" charset="0"/>
+                                            </a:rPr>
                                             <m:t>𝒙</m:t>
                                           </m:r>
                                         </m:e>
                                         <m:sub>
                                           <m:r>
-                                            <a:rPr lang="en-US" i="1"/>
+                                            <a:rPr lang="en-US" i="1">
+                                              <a:latin typeface="Cambria Math" panose="02040503050406030204" pitchFamily="18" charset="0"/>
+                                            </a:rPr>
                                             <m:t>𝑘𝑖</m:t>
                                           </m:r>
                                         </m:sub>
                                         <m:sup>
                                           <m:r>
-                                            <a:rPr lang="en-US" b="1" i="1"/>
+                                            <a:rPr lang="en-US" b="1" i="1">
+                                              <a:latin typeface="Cambria Math" panose="02040503050406030204" pitchFamily="18" charset="0"/>
+                                            </a:rPr>
                                             <m:t>′</m:t>
                                           </m:r>
                                         </m:sup>
@@ -8156,7 +8286,9 @@
                                       <m:sSub>
                                         <m:sSubPr>
                                           <m:ctrlPr>
-                                            <a:rPr lang="en-US" i="1"/>
+                                            <a:rPr lang="en-US" i="1">
+                                              <a:latin typeface="Cambria Math" panose="02040503050406030204" pitchFamily="18" charset="0"/>
+                                            </a:rPr>
                                           </m:ctrlPr>
                                         </m:sSubPr>
                                         <m:e>
@@ -8170,7 +8302,9 @@
                                             <m:rPr>
                                               <m:sty m:val="p"/>
                                             </m:rPr>
-                                            <a:rPr lang="en-US"/>
+                                            <a:rPr lang="en-US">
+                                              <a:latin typeface="Cambria Math" panose="02040503050406030204" pitchFamily="18" charset="0"/>
+                                            </a:rPr>
                                             <m:t>ν</m:t>
                                           </m:r>
                                         </m:e>
@@ -8179,7 +8313,9 @@
                                             <m:rPr>
                                               <m:sty m:val="p"/>
                                             </m:rPr>
-                                            <a:rPr lang="en-US"/>
+                                            <a:rPr lang="en-US">
+                                              <a:latin typeface="Cambria Math" panose="02040503050406030204" pitchFamily="18" charset="0"/>
+                                            </a:rPr>
                                             <m:t>ki</m:t>
                                           </m:r>
                                         </m:sub>
@@ -8187,14 +8323,18 @@
                                       <m:d>
                                         <m:dPr>
                                           <m:ctrlPr>
-                                            <a:rPr lang="en-US" i="1"/>
+                                            <a:rPr lang="en-US" i="1">
+                                              <a:latin typeface="Cambria Math" panose="02040503050406030204" pitchFamily="18" charset="0"/>
+                                            </a:rPr>
                                           </m:ctrlPr>
                                         </m:dPr>
                                         <m:e>
                                           <m:sSub>
                                             <m:sSubPr>
                                               <m:ctrlPr>
-                                                <a:rPr lang="en-US" i="1"/>
+                                                <a:rPr lang="en-US" i="1">
+                                                  <a:latin typeface="Cambria Math" panose="02040503050406030204" pitchFamily="18" charset="0"/>
+                                                </a:rPr>
                                               </m:ctrlPr>
                                             </m:sSubPr>
                                             <m:e>
@@ -8202,7 +8342,9 @@
                                                 <m:rPr>
                                                   <m:sty m:val="p"/>
                                                 </m:rPr>
-                                                <a:rPr lang="en-US"/>
+                                                <a:rPr lang="en-US">
+                                                  <a:latin typeface="Cambria Math" panose="02040503050406030204" pitchFamily="18" charset="0"/>
+                                                </a:rPr>
                                                 <m:t>ν</m:t>
                                               </m:r>
                                             </m:e>
@@ -8211,26 +8353,34 @@
                                                 <m:rPr>
                                                   <m:sty m:val="p"/>
                                                 </m:rPr>
-                                                <a:rPr lang="en-US"/>
+                                                <a:rPr lang="en-US">
+                                                  <a:latin typeface="Cambria Math" panose="02040503050406030204" pitchFamily="18" charset="0"/>
+                                                </a:rPr>
                                                 <m:t>ki</m:t>
                                               </m:r>
                                             </m:sub>
                                           </m:sSub>
                                           <m:r>
-                                            <a:rPr lang="en-US" i="1"/>
+                                            <a:rPr lang="en-US" i="1">
+                                              <a:latin typeface="Cambria Math" panose="02040503050406030204" pitchFamily="18" charset="0"/>
+                                            </a:rPr>
                                             <m:t>𝑉𝑎𝑟</m:t>
                                           </m:r>
                                           <m:d>
                                             <m:dPr>
                                               <m:ctrlPr>
-                                                <a:rPr lang="en-US" i="1"/>
+                                                <a:rPr lang="en-US" i="1">
+                                                  <a:latin typeface="Cambria Math" panose="02040503050406030204" pitchFamily="18" charset="0"/>
+                                                </a:rPr>
                                               </m:ctrlPr>
                                             </m:dPr>
                                             <m:e>
                                               <m:func>
                                                 <m:funcPr>
                                                   <m:ctrlPr>
-                                                    <a:rPr lang="en-US" i="1"/>
+                                                    <a:rPr lang="en-US" i="1">
+                                                      <a:latin typeface="Cambria Math" panose="02040503050406030204" pitchFamily="18" charset="0"/>
+                                                    </a:rPr>
                                                   </m:ctrlPr>
                                                 </m:funcPr>
                                                 <m:fName>
@@ -8238,7 +8388,9 @@
                                                     <m:rPr>
                                                       <m:sty m:val="p"/>
                                                     </m:rPr>
-                                                    <a:rPr lang="en-US"/>
+                                                    <a:rPr lang="en-US">
+                                                      <a:latin typeface="Cambria Math" panose="02040503050406030204" pitchFamily="18" charset="0"/>
+                                                    </a:rPr>
                                                     <m:t>log</m:t>
                                                   </m:r>
                                                 </m:fName>
@@ -8246,24 +8398,32 @@
                                                   <m:sSub>
                                                     <m:sSubPr>
                                                       <m:ctrlPr>
-                                                        <a:rPr lang="en-US" i="1"/>
+                                                        <a:rPr lang="en-US" i="1">
+                                                          <a:latin typeface="Cambria Math" panose="02040503050406030204" pitchFamily="18" charset="0"/>
+                                                        </a:rPr>
                                                       </m:ctrlPr>
                                                     </m:sSubPr>
                                                     <m:e>
                                                       <m:r>
-                                                        <a:rPr lang="en-US" i="1"/>
+                                                        <a:rPr lang="en-US" i="1">
+                                                          <a:latin typeface="Cambria Math" panose="02040503050406030204" pitchFamily="18" charset="0"/>
+                                                        </a:rPr>
                                                         <m:t>𝑌</m:t>
                                                       </m:r>
                                                     </m:e>
                                                     <m:sub>
                                                       <m:r>
-                                                        <a:rPr lang="en-US" i="1"/>
+                                                        <a:rPr lang="en-US" i="1">
+                                                          <a:latin typeface="Cambria Math" panose="02040503050406030204" pitchFamily="18" charset="0"/>
+                                                        </a:rPr>
                                                         <m:t>𝑘𝑖</m:t>
                                                       </m:r>
                                                     </m:sub>
                                                   </m:sSub>
                                                   <m:r>
-                                                    <a:rPr lang="en-US" i="1"/>
+                                                    <a:rPr lang="en-US" i="1">
+                                                      <a:latin typeface="Cambria Math" panose="02040503050406030204" pitchFamily="18" charset="0"/>
+                                                    </a:rPr>
                                                     <m:t>!</m:t>
                                                   </m:r>
                                                 </m:e>
@@ -8271,24 +8431,32 @@
                                             </m:e>
                                           </m:d>
                                           <m:r>
-                                            <a:rPr lang="en-US" i="1"/>
+                                            <a:rPr lang="en-US" i="1">
+                                              <a:latin typeface="Cambria Math" panose="02040503050406030204" pitchFamily="18" charset="0"/>
+                                            </a:rPr>
                                             <m:t>−</m:t>
                                           </m:r>
                                           <m:r>
-                                            <a:rPr lang="en-US" i="1"/>
+                                            <a:rPr lang="en-US" i="1">
+                                              <a:latin typeface="Cambria Math" panose="02040503050406030204" pitchFamily="18" charset="0"/>
+                                            </a:rPr>
                                             <m:t>𝐸</m:t>
                                           </m:r>
                                           <m:d>
                                             <m:dPr>
                                               <m:ctrlPr>
-                                                <a:rPr lang="en-US" i="1"/>
+                                                <a:rPr lang="en-US" i="1">
+                                                  <a:latin typeface="Cambria Math" panose="02040503050406030204" pitchFamily="18" charset="0"/>
+                                                </a:rPr>
                                               </m:ctrlPr>
                                             </m:dPr>
                                             <m:e>
                                               <m:func>
                                                 <m:funcPr>
                                                   <m:ctrlPr>
-                                                    <a:rPr lang="en-US" i="1"/>
+                                                    <a:rPr lang="en-US" i="1">
+                                                      <a:latin typeface="Cambria Math" panose="02040503050406030204" pitchFamily="18" charset="0"/>
+                                                    </a:rPr>
                                                   </m:ctrlPr>
                                                 </m:funcPr>
                                                 <m:fName>
@@ -8296,7 +8464,9 @@
                                                     <m:rPr>
                                                       <m:sty m:val="p"/>
                                                     </m:rPr>
-                                                    <a:rPr lang="en-US"/>
+                                                    <a:rPr lang="en-US">
+                                                      <a:latin typeface="Cambria Math" panose="02040503050406030204" pitchFamily="18" charset="0"/>
+                                                    </a:rPr>
                                                     <m:t>log</m:t>
                                                   </m:r>
                                                 </m:fName>
@@ -8304,24 +8474,32 @@
                                                   <m:sSub>
                                                     <m:sSubPr>
                                                       <m:ctrlPr>
-                                                        <a:rPr lang="en-US" i="1"/>
+                                                        <a:rPr lang="en-US" i="1">
+                                                          <a:latin typeface="Cambria Math" panose="02040503050406030204" pitchFamily="18" charset="0"/>
+                                                        </a:rPr>
                                                       </m:ctrlPr>
                                                     </m:sSubPr>
                                                     <m:e>
                                                       <m:r>
-                                                        <a:rPr lang="en-US" i="1"/>
+                                                        <a:rPr lang="en-US" i="1">
+                                                          <a:latin typeface="Cambria Math" panose="02040503050406030204" pitchFamily="18" charset="0"/>
+                                                        </a:rPr>
                                                         <m:t>𝑌</m:t>
                                                       </m:r>
                                                     </m:e>
                                                     <m:sub>
                                                       <m:r>
-                                                        <a:rPr lang="en-US" i="1"/>
+                                                        <a:rPr lang="en-US" i="1">
+                                                          <a:latin typeface="Cambria Math" panose="02040503050406030204" pitchFamily="18" charset="0"/>
+                                                        </a:rPr>
                                                         <m:t>𝑘𝑖</m:t>
                                                       </m:r>
                                                     </m:sub>
                                                   </m:sSub>
                                                   <m:r>
-                                                    <a:rPr lang="en-US" i="1"/>
+                                                    <a:rPr lang="en-US" i="1">
+                                                      <a:latin typeface="Cambria Math" panose="02040503050406030204" pitchFamily="18" charset="0"/>
+                                                    </a:rPr>
                                                     <m:t>!</m:t>
                                                   </m:r>
                                                 </m:e>
@@ -8329,13 +8507,17 @@
                                             </m:e>
                                           </m:d>
                                           <m:r>
-                                            <a:rPr lang="en-US" i="1"/>
+                                            <a:rPr lang="en-US" i="1">
+                                              <a:latin typeface="Cambria Math" panose="02040503050406030204" pitchFamily="18" charset="0"/>
+                                            </a:rPr>
                                             <m:t>+</m:t>
                                           </m:r>
                                           <m:func>
                                             <m:funcPr>
                                               <m:ctrlPr>
-                                                <a:rPr lang="en-US" i="1"/>
+                                                <a:rPr lang="en-US" i="1">
+                                                  <a:latin typeface="Cambria Math" panose="02040503050406030204" pitchFamily="18" charset="0"/>
+                                                </a:rPr>
                                               </m:ctrlPr>
                                             </m:funcPr>
                                             <m:fName>
@@ -8343,7 +8525,9 @@
                                                 <m:rPr>
                                                   <m:sty m:val="p"/>
                                                 </m:rPr>
-                                                <a:rPr lang="en-US"/>
+                                                <a:rPr lang="en-US">
+                                                  <a:latin typeface="Cambria Math" panose="02040503050406030204" pitchFamily="18" charset="0"/>
+                                                </a:rPr>
                                                 <m:t>log</m:t>
                                               </m:r>
                                             </m:fName>
@@ -8351,24 +8535,32 @@
                                               <m:sSub>
                                                 <m:sSubPr>
                                                   <m:ctrlPr>
-                                                    <a:rPr lang="en-US" i="1"/>
+                                                    <a:rPr lang="en-US" i="1">
+                                                      <a:latin typeface="Cambria Math" panose="02040503050406030204" pitchFamily="18" charset="0"/>
+                                                    </a:rPr>
                                                   </m:ctrlPr>
                                                 </m:sSubPr>
                                                 <m:e>
                                                   <m:r>
-                                                    <a:rPr lang="en-US" i="1"/>
+                                                    <a:rPr lang="en-US" i="1">
+                                                      <a:latin typeface="Cambria Math" panose="02040503050406030204" pitchFamily="18" charset="0"/>
+                                                    </a:rPr>
                                                     <m:t>𝑦</m:t>
                                                   </m:r>
                                                 </m:e>
                                                 <m:sub>
                                                   <m:r>
-                                                    <a:rPr lang="en-US" i="1"/>
+                                                    <a:rPr lang="en-US" i="1">
+                                                      <a:latin typeface="Cambria Math" panose="02040503050406030204" pitchFamily="18" charset="0"/>
+                                                    </a:rPr>
                                                     <m:t>𝑘𝑖</m:t>
                                                   </m:r>
                                                 </m:sub>
                                               </m:sSub>
                                               <m:r>
-                                                <a:rPr lang="en-US" i="1"/>
+                                                <a:rPr lang="en-US" i="1">
+                                                  <a:latin typeface="Cambria Math" panose="02040503050406030204" pitchFamily="18" charset="0"/>
+                                                </a:rPr>
                                                 <m:t>!</m:t>
                                               </m:r>
                                             </m:e>
@@ -8378,18 +8570,24 @@
                                       <m:sSub>
                                         <m:sSubPr>
                                           <m:ctrlPr>
-                                            <a:rPr lang="en-US" i="1"/>
+                                            <a:rPr lang="en-US" i="1">
+                                              <a:latin typeface="Cambria Math" panose="02040503050406030204" pitchFamily="18" charset="0"/>
+                                            </a:rPr>
                                           </m:ctrlPr>
                                         </m:sSubPr>
                                         <m:e>
                                           <m:r>
-                                            <a:rPr lang="en-US" b="1" i="1"/>
+                                            <a:rPr lang="en-US" b="1" i="1">
+                                              <a:latin typeface="Cambria Math" panose="02040503050406030204" pitchFamily="18" charset="0"/>
+                                            </a:rPr>
                                             <m:t>𝒈</m:t>
                                           </m:r>
                                         </m:e>
                                         <m:sub>
                                           <m:r>
-                                            <a:rPr lang="en-US" i="1"/>
+                                            <a:rPr lang="en-US" i="1">
+                                              <a:latin typeface="Cambria Math" panose="02040503050406030204" pitchFamily="18" charset="0"/>
+                                            </a:rPr>
                                             <m:t>𝑘𝑖</m:t>
                                           </m:r>
                                         </m:sub>
@@ -8397,24 +8595,32 @@
                                       <m:sSubSup>
                                         <m:sSubSupPr>
                                           <m:ctrlPr>
-                                            <a:rPr lang="en-US" b="1" i="1"/>
+                                            <a:rPr lang="en-US" b="1" i="1">
+                                              <a:latin typeface="Cambria Math" panose="02040503050406030204" pitchFamily="18" charset="0"/>
+                                            </a:rPr>
                                           </m:ctrlPr>
                                         </m:sSubSupPr>
                                         <m:e>
                                           <m:r>
-                                            <a:rPr lang="en-US" b="1" i="1"/>
+                                            <a:rPr lang="en-US" b="1" i="1">
+                                              <a:latin typeface="Cambria Math" panose="02040503050406030204" pitchFamily="18" charset="0"/>
+                                            </a:rPr>
                                             <m:t>𝒈</m:t>
                                           </m:r>
                                         </m:e>
                                         <m:sub>
                                           <m:r>
-                                            <a:rPr lang="en-US" i="1"/>
+                                            <a:rPr lang="en-US" i="1">
+                                              <a:latin typeface="Cambria Math" panose="02040503050406030204" pitchFamily="18" charset="0"/>
+                                            </a:rPr>
                                             <m:t>𝑘𝑖</m:t>
                                           </m:r>
                                         </m:sub>
                                         <m:sup>
                                           <m:r>
-                                            <a:rPr lang="en-US" b="1" i="1"/>
+                                            <a:rPr lang="en-US" b="1" i="1">
+                                              <a:latin typeface="Cambria Math" panose="02040503050406030204" pitchFamily="18" charset="0"/>
+                                            </a:rPr>
                                             <m:t>′</m:t>
                                           </m:r>
                                         </m:sup>
@@ -8429,30 +8635,42 @@
                             <m:sSub>
                               <m:sSubPr>
                                 <m:ctrlPr>
-                                  <a:rPr lang="en-US" i="1"/>
+                                  <a:rPr lang="en-US" i="1">
+                                    <a:latin typeface="Cambria Math" panose="02040503050406030204" pitchFamily="18" charset="0"/>
+                                  </a:rPr>
                                 </m:ctrlPr>
                               </m:sSubPr>
                               <m:e>
                                 <m:r>
-                                  <a:rPr lang="en-US" b="1" i="1"/>
+                                  <a:rPr lang="en-US" b="1" i="1">
+                                    <a:latin typeface="Cambria Math" panose="02040503050406030204" pitchFamily="18" charset="0"/>
+                                  </a:rPr>
                                   <m:t>𝜽</m:t>
                                 </m:r>
                               </m:e>
                               <m:sub>
                                 <m:r>
-                                  <a:rPr lang="en-US" i="1"/>
+                                  <a:rPr lang="en-US" i="1">
+                                    <a:latin typeface="Cambria Math" panose="02040503050406030204" pitchFamily="18" charset="0"/>
+                                  </a:rPr>
                                   <m:t>𝑘</m:t>
                                 </m:r>
                                 <m:r>
-                                  <a:rPr lang="en-US" i="1"/>
+                                  <a:rPr lang="en-US" i="1">
+                                    <a:latin typeface="Cambria Math" panose="02040503050406030204" pitchFamily="18" charset="0"/>
+                                  </a:rPr>
                                   <m:t>|</m:t>
                                 </m:r>
                                 <m:r>
-                                  <a:rPr lang="en-US" i="1"/>
+                                  <a:rPr lang="en-US" i="1">
+                                    <a:latin typeface="Cambria Math" panose="02040503050406030204" pitchFamily="18" charset="0"/>
+                                  </a:rPr>
                                   <m:t>𝑘</m:t>
                                 </m:r>
                                 <m:r>
-                                  <a:rPr lang="en-US" i="1"/>
+                                  <a:rPr lang="en-US" i="1">
+                                    <a:latin typeface="Cambria Math" panose="02040503050406030204" pitchFamily="18" charset="0"/>
+                                  </a:rPr>
                                   <m:t>−1</m:t>
                                 </m:r>
                               </m:sub>
@@ -8604,16 +8822,22 @@
                         <m:chr m:val="∑"/>
                         <m:limLoc m:val="undOvr"/>
                         <m:ctrlPr>
-                          <a:rPr lang="en-US" i="1"/>
+                          <a:rPr lang="en-US" i="1">
+                            <a:latin typeface="Cambria Math" panose="02040503050406030204" pitchFamily="18" charset="0"/>
+                          </a:rPr>
                         </m:ctrlPr>
                       </m:naryPr>
                       <m:sub>
                         <m:r>
-                          <a:rPr lang="en-US" i="1"/>
+                          <a:rPr lang="en-US" i="1">
+                            <a:latin typeface="Cambria Math" panose="02040503050406030204" pitchFamily="18" charset="0"/>
+                          </a:rPr>
                           <m:t>𝑖</m:t>
                         </m:r>
                         <m:r>
-                          <a:rPr lang="en-US" i="1"/>
+                          <a:rPr lang="en-US" i="1">
+                            <a:latin typeface="Cambria Math" panose="02040503050406030204" pitchFamily="18" charset="0"/>
+                          </a:rPr>
                           <m:t>=1</m:t>
                         </m:r>
                       </m:sub>
@@ -8621,18 +8845,24 @@
                         <m:sSub>
                           <m:sSubPr>
                             <m:ctrlPr>
-                              <a:rPr lang="en-US" i="1"/>
+                              <a:rPr lang="en-US" i="1">
+                                <a:latin typeface="Cambria Math" panose="02040503050406030204" pitchFamily="18" charset="0"/>
+                              </a:rPr>
                             </m:ctrlPr>
                           </m:sSubPr>
                           <m:e>
                             <m:r>
-                              <a:rPr lang="en-US" i="1"/>
+                              <a:rPr lang="en-US" i="1">
+                                <a:latin typeface="Cambria Math" panose="02040503050406030204" pitchFamily="18" charset="0"/>
+                              </a:rPr>
                               <m:t>𝑛</m:t>
                             </m:r>
                           </m:e>
                           <m:sub>
                             <m:r>
-                              <a:rPr lang="en-US" i="1"/>
+                              <a:rPr lang="en-US" i="1">
+                                <a:latin typeface="Cambria Math" panose="02040503050406030204" pitchFamily="18" charset="0"/>
+                              </a:rPr>
                               <m:t>𝑘</m:t>
                             </m:r>
                           </m:sub>
@@ -8642,14 +8872,18 @@
                         <m:sSub>
                           <m:sSubPr>
                             <m:ctrlPr>
-                              <a:rPr lang="en-US" i="1"/>
+                              <a:rPr lang="en-US" i="1">
+                                <a:latin typeface="Cambria Math" panose="02040503050406030204" pitchFamily="18" charset="0"/>
+                              </a:rPr>
                             </m:ctrlPr>
                           </m:sSubPr>
                           <m:e>
                             <m:d>
                               <m:dPr>
                                 <m:ctrlPr>
-                                  <a:rPr lang="en-US" i="1"/>
+                                  <a:rPr lang="en-US" i="1">
+                                    <a:latin typeface="Cambria Math" panose="02040503050406030204" pitchFamily="18" charset="0"/>
+                                  </a:rPr>
                                 </m:ctrlPr>
                               </m:dPr>
                               <m:e>
@@ -8664,7 +8898,9 @@
                                       </m:mc>
                                     </m:mcs>
                                     <m:ctrlPr>
-                                      <a:rPr lang="en-US" i="1"/>
+                                      <a:rPr lang="en-US" i="1">
+                                        <a:latin typeface="Cambria Math" panose="02040503050406030204" pitchFamily="18" charset="0"/>
+                                      </a:rPr>
                                     </m:ctrlPr>
                                   </m:mPr>
                                   <m:mr>
@@ -8672,55 +8908,73 @@
                                       <m:sSub>
                                         <m:sSubPr>
                                           <m:ctrlPr>
-                                            <a:rPr lang="en-US" b="1" i="1"/>
+                                            <a:rPr lang="en-US" b="1" i="1">
+                                              <a:latin typeface="Cambria Math" panose="02040503050406030204" pitchFamily="18" charset="0"/>
+                                            </a:rPr>
                                           </m:ctrlPr>
                                         </m:sSubPr>
                                         <m:e>
                                           <m:d>
                                             <m:dPr>
                                               <m:ctrlPr>
-                                                <a:rPr lang="en-US" b="1" i="1"/>
+                                                <a:rPr lang="en-US" b="1" i="1">
+                                                  <a:latin typeface="Cambria Math" panose="02040503050406030204" pitchFamily="18" charset="0"/>
+                                                </a:rPr>
                                               </m:ctrlPr>
                                             </m:dPr>
                                             <m:e>
                                               <m:sSub>
                                                 <m:sSubPr>
                                                   <m:ctrlPr>
-                                                    <a:rPr lang="en-US" i="1"/>
+                                                    <a:rPr lang="en-US" i="1">
+                                                      <a:latin typeface="Cambria Math" panose="02040503050406030204" pitchFamily="18" charset="0"/>
+                                                    </a:rPr>
                                                   </m:ctrlPr>
                                                 </m:sSubPr>
                                                 <m:e>
                                                   <m:r>
-                                                    <a:rPr lang="en-US" i="1"/>
+                                                    <a:rPr lang="en-US" i="1">
+                                                      <a:latin typeface="Cambria Math" panose="02040503050406030204" pitchFamily="18" charset="0"/>
+                                                    </a:rPr>
                                                     <m:t>𝑦</m:t>
                                                   </m:r>
                                                 </m:e>
                                                 <m:sub>
                                                   <m:r>
-                                                    <a:rPr lang="en-US" i="1"/>
+                                                    <a:rPr lang="en-US" i="1">
+                                                      <a:latin typeface="Cambria Math" panose="02040503050406030204" pitchFamily="18" charset="0"/>
+                                                    </a:rPr>
                                                     <m:t>𝑘𝑖</m:t>
                                                   </m:r>
                                                 </m:sub>
                                               </m:sSub>
                                               <m:r>
-                                                <a:rPr lang="en-US" i="1"/>
+                                                <a:rPr lang="en-US" i="1">
+                                                  <a:latin typeface="Cambria Math" panose="02040503050406030204" pitchFamily="18" charset="0"/>
+                                                </a:rPr>
                                                 <m:t>−</m:t>
                                               </m:r>
                                               <m:r>
-                                                <a:rPr lang="en-US" i="1"/>
+                                                <a:rPr lang="en-US" i="1">
+                                                  <a:latin typeface="Cambria Math" panose="02040503050406030204" pitchFamily="18" charset="0"/>
+                                                </a:rPr>
                                                 <m:t>𝐸</m:t>
                                               </m:r>
                                               <m:d>
                                                 <m:dPr>
                                                   <m:ctrlPr>
-                                                    <a:rPr lang="en-US" i="1"/>
+                                                    <a:rPr lang="en-US" i="1">
+                                                      <a:latin typeface="Cambria Math" panose="02040503050406030204" pitchFamily="18" charset="0"/>
+                                                    </a:rPr>
                                                   </m:ctrlPr>
                                                 </m:dPr>
                                                 <m:e>
                                                   <m:sSub>
                                                     <m:sSubPr>
                                                       <m:ctrlPr>
-                                                        <a:rPr lang="en-US" i="1"/>
+                                                        <a:rPr lang="en-US" i="1">
+                                                          <a:latin typeface="Cambria Math" panose="02040503050406030204" pitchFamily="18" charset="0"/>
+                                                        </a:rPr>
                                                       </m:ctrlPr>
                                                     </m:sSubPr>
                                                     <m:e>
@@ -8728,7 +8982,9 @@
                                                         <m:rPr>
                                                           <m:sty m:val="p"/>
                                                         </m:rPr>
-                                                        <a:rPr lang="en-US"/>
+                                                        <a:rPr lang="en-US">
+                                                          <a:latin typeface="Cambria Math" panose="02040503050406030204" pitchFamily="18" charset="0"/>
+                                                        </a:rPr>
                                                         <m:t>Y</m:t>
                                                       </m:r>
                                                     </m:e>
@@ -8737,7 +8993,9 @@
                                                         <m:rPr>
                                                           <m:sty m:val="p"/>
                                                         </m:rPr>
-                                                        <a:rPr lang="en-US"/>
+                                                        <a:rPr lang="en-US">
+                                                          <a:latin typeface="Cambria Math" panose="02040503050406030204" pitchFamily="18" charset="0"/>
+                                                        </a:rPr>
                                                         <m:t>ki</m:t>
                                                       </m:r>
                                                     </m:sub>
@@ -8747,13 +9005,17 @@
                                             </m:e>
                                           </m:d>
                                           <m:r>
-                                            <a:rPr lang="en-US" b="1" i="1"/>
+                                            <a:rPr lang="en-US" b="1" i="1">
+                                              <a:latin typeface="Cambria Math" panose="02040503050406030204" pitchFamily="18" charset="0"/>
+                                            </a:rPr>
                                             <m:t>𝒙</m:t>
                                           </m:r>
                                         </m:e>
                                         <m:sub>
                                           <m:r>
-                                            <a:rPr lang="en-US" i="1"/>
+                                            <a:rPr lang="en-US" i="1">
+                                              <a:latin typeface="Cambria Math" panose="02040503050406030204" pitchFamily="18" charset="0"/>
+                                            </a:rPr>
                                             <m:t>𝑘𝑖</m:t>
                                           </m:r>
                                         </m:sub>
@@ -8765,14 +9027,18 @@
                                       <m:sSub>
                                         <m:sSubPr>
                                           <m:ctrlPr>
-                                            <a:rPr lang="en-US" i="1"/>
+                                            <a:rPr lang="en-US" i="1">
+                                              <a:latin typeface="Cambria Math" panose="02040503050406030204" pitchFamily="18" charset="0"/>
+                                            </a:rPr>
                                           </m:ctrlPr>
                                         </m:sSubPr>
                                         <m:e>
                                           <m:sSub>
                                             <m:sSubPr>
                                               <m:ctrlPr>
-                                                <a:rPr lang="en-US" i="1"/>
+                                                <a:rPr lang="en-US" i="1">
+                                                  <a:latin typeface="Cambria Math" panose="02040503050406030204" pitchFamily="18" charset="0"/>
+                                                </a:rPr>
                                               </m:ctrlPr>
                                             </m:sSubPr>
                                             <m:e>
@@ -8780,7 +9046,9 @@
                                                 <m:rPr>
                                                   <m:sty m:val="p"/>
                                                 </m:rPr>
-                                                <a:rPr lang="en-US"/>
+                                                <a:rPr lang="en-US">
+                                                  <a:latin typeface="Cambria Math" panose="02040503050406030204" pitchFamily="18" charset="0"/>
+                                                </a:rPr>
                                                 <m:t>ν</m:t>
                                               </m:r>
                                             </m:e>
@@ -8789,7 +9057,9 @@
                                                 <m:rPr>
                                                   <m:sty m:val="p"/>
                                                 </m:rPr>
-                                                <a:rPr lang="en-US"/>
+                                                <a:rPr lang="en-US">
+                                                  <a:latin typeface="Cambria Math" panose="02040503050406030204" pitchFamily="18" charset="0"/>
+                                                </a:rPr>
                                                 <m:t>ki</m:t>
                                               </m:r>
                                             </m:sub>
@@ -8797,25 +9067,33 @@
                                           <m:d>
                                             <m:dPr>
                                               <m:ctrlPr>
-                                                <a:rPr lang="en-US" i="1"/>
+                                                <a:rPr lang="en-US" i="1">
+                                                  <a:latin typeface="Cambria Math" panose="02040503050406030204" pitchFamily="18" charset="0"/>
+                                                </a:rPr>
                                               </m:ctrlPr>
                                             </m:dPr>
                                             <m:e>
                                               <m:r>
-                                                <a:rPr lang="en-US" i="1"/>
+                                                <a:rPr lang="en-US" i="1">
+                                                  <a:latin typeface="Cambria Math" panose="02040503050406030204" pitchFamily="18" charset="0"/>
+                                                </a:rPr>
                                                 <m:t>𝐸</m:t>
                                               </m:r>
                                               <m:d>
                                                 <m:dPr>
                                                   <m:ctrlPr>
-                                                    <a:rPr lang="en-US" i="1"/>
+                                                    <a:rPr lang="en-US" i="1">
+                                                      <a:latin typeface="Cambria Math" panose="02040503050406030204" pitchFamily="18" charset="0"/>
+                                                    </a:rPr>
                                                   </m:ctrlPr>
                                                 </m:dPr>
                                                 <m:e>
                                                   <m:func>
                                                     <m:funcPr>
                                                       <m:ctrlPr>
-                                                        <a:rPr lang="en-US" i="1"/>
+                                                        <a:rPr lang="en-US" i="1">
+                                                          <a:latin typeface="Cambria Math" panose="02040503050406030204" pitchFamily="18" charset="0"/>
+                                                        </a:rPr>
                                                       </m:ctrlPr>
                                                     </m:funcPr>
                                                     <m:fName>
@@ -8823,7 +9101,9 @@
                                                         <m:rPr>
                                                           <m:sty m:val="p"/>
                                                         </m:rPr>
-                                                        <a:rPr lang="en-US"/>
+                                                        <a:rPr lang="en-US">
+                                                          <a:latin typeface="Cambria Math" panose="02040503050406030204" pitchFamily="18" charset="0"/>
+                                                        </a:rPr>
                                                         <m:t>log</m:t>
                                                       </m:r>
                                                     </m:fName>
@@ -8831,24 +9111,32 @@
                                                       <m:sSub>
                                                         <m:sSubPr>
                                                           <m:ctrlPr>
-                                                            <a:rPr lang="en-US" i="1"/>
+                                                            <a:rPr lang="en-US" i="1">
+                                                              <a:latin typeface="Cambria Math" panose="02040503050406030204" pitchFamily="18" charset="0"/>
+                                                            </a:rPr>
                                                           </m:ctrlPr>
                                                         </m:sSubPr>
                                                         <m:e>
                                                           <m:r>
-                                                            <a:rPr lang="en-US" i="1"/>
+                                                            <a:rPr lang="en-US" i="1">
+                                                              <a:latin typeface="Cambria Math" panose="02040503050406030204" pitchFamily="18" charset="0"/>
+                                                            </a:rPr>
                                                             <m:t>𝑌</m:t>
                                                           </m:r>
                                                         </m:e>
                                                         <m:sub>
                                                           <m:r>
-                                                            <a:rPr lang="en-US" i="1"/>
+                                                            <a:rPr lang="en-US" i="1">
+                                                              <a:latin typeface="Cambria Math" panose="02040503050406030204" pitchFamily="18" charset="0"/>
+                                                            </a:rPr>
                                                             <m:t>𝑘𝑖</m:t>
                                                           </m:r>
                                                         </m:sub>
                                                       </m:sSub>
                                                       <m:r>
-                                                        <a:rPr lang="en-US" i="1"/>
+                                                        <a:rPr lang="en-US" i="1">
+                                                          <a:latin typeface="Cambria Math" panose="02040503050406030204" pitchFamily="18" charset="0"/>
+                                                        </a:rPr>
                                                         <m:t>!</m:t>
                                                       </m:r>
                                                     </m:e>
@@ -8856,13 +9144,17 @@
                                                 </m:e>
                                               </m:d>
                                               <m:r>
-                                                <a:rPr lang="en-US" i="1"/>
+                                                <a:rPr lang="en-US" i="1">
+                                                  <a:latin typeface="Cambria Math" panose="02040503050406030204" pitchFamily="18" charset="0"/>
+                                                </a:rPr>
                                                 <m:t>−</m:t>
                                               </m:r>
                                               <m:func>
                                                 <m:funcPr>
                                                   <m:ctrlPr>
-                                                    <a:rPr lang="en-US" i="1"/>
+                                                    <a:rPr lang="en-US" i="1">
+                                                      <a:latin typeface="Cambria Math" panose="02040503050406030204" pitchFamily="18" charset="0"/>
+                                                    </a:rPr>
                                                   </m:ctrlPr>
                                                 </m:funcPr>
                                                 <m:fName>
@@ -8870,7 +9162,9 @@
                                                     <m:rPr>
                                                       <m:sty m:val="p"/>
                                                     </m:rPr>
-                                                    <a:rPr lang="en-US"/>
+                                                    <a:rPr lang="en-US">
+                                                      <a:latin typeface="Cambria Math" panose="02040503050406030204" pitchFamily="18" charset="0"/>
+                                                    </a:rPr>
                                                     <m:t>log</m:t>
                                                   </m:r>
                                                 </m:fName>
@@ -8878,24 +9172,32 @@
                                                   <m:sSub>
                                                     <m:sSubPr>
                                                       <m:ctrlPr>
-                                                        <a:rPr lang="en-US" i="1"/>
+                                                        <a:rPr lang="en-US" i="1">
+                                                          <a:latin typeface="Cambria Math" panose="02040503050406030204" pitchFamily="18" charset="0"/>
+                                                        </a:rPr>
                                                       </m:ctrlPr>
                                                     </m:sSubPr>
                                                     <m:e>
                                                       <m:r>
-                                                        <a:rPr lang="en-US" i="1"/>
+                                                        <a:rPr lang="en-US" i="1">
+                                                          <a:latin typeface="Cambria Math" panose="02040503050406030204" pitchFamily="18" charset="0"/>
+                                                        </a:rPr>
                                                         <m:t>𝑦</m:t>
                                                       </m:r>
                                                     </m:e>
                                                     <m:sub>
                                                       <m:r>
-                                                        <a:rPr lang="en-US" i="1"/>
+                                                        <a:rPr lang="en-US" i="1">
+                                                          <a:latin typeface="Cambria Math" panose="02040503050406030204" pitchFamily="18" charset="0"/>
+                                                        </a:rPr>
                                                         <m:t>𝑘𝑖</m:t>
                                                       </m:r>
                                                     </m:sub>
                                                   </m:sSub>
                                                   <m:r>
-                                                    <a:rPr lang="en-US" i="1"/>
+                                                    <a:rPr lang="en-US" i="1">
+                                                      <a:latin typeface="Cambria Math" panose="02040503050406030204" pitchFamily="18" charset="0"/>
+                                                    </a:rPr>
                                                     <m:t>!</m:t>
                                                   </m:r>
                                                 </m:e>
@@ -8903,13 +9205,17 @@
                                             </m:e>
                                           </m:d>
                                           <m:r>
-                                            <a:rPr lang="en-US" b="1" i="1"/>
+                                            <a:rPr lang="en-US" b="1" i="1">
+                                              <a:latin typeface="Cambria Math" panose="02040503050406030204" pitchFamily="18" charset="0"/>
+                                            </a:rPr>
                                             <m:t>𝒈</m:t>
                                           </m:r>
                                         </m:e>
                                         <m:sub>
                                           <m:r>
-                                            <a:rPr lang="en-US" i="1"/>
+                                            <a:rPr lang="en-US" i="1">
+                                              <a:latin typeface="Cambria Math" panose="02040503050406030204" pitchFamily="18" charset="0"/>
+                                            </a:rPr>
                                             <m:t>𝑘𝑖</m:t>
                                           </m:r>
                                         </m:sub>
@@ -8924,30 +9230,42 @@
                             <m:sSub>
                               <m:sSubPr>
                                 <m:ctrlPr>
-                                  <a:rPr lang="en-US" i="1"/>
+                                  <a:rPr lang="en-US" i="1">
+                                    <a:latin typeface="Cambria Math" panose="02040503050406030204" pitchFamily="18" charset="0"/>
+                                  </a:rPr>
                                 </m:ctrlPr>
                               </m:sSubPr>
                               <m:e>
                                 <m:r>
-                                  <a:rPr lang="en-US" b="1" i="1"/>
+                                  <a:rPr lang="en-US" b="1" i="1">
+                                    <a:latin typeface="Cambria Math" panose="02040503050406030204" pitchFamily="18" charset="0"/>
+                                  </a:rPr>
                                   <m:t>𝜽</m:t>
                                 </m:r>
                               </m:e>
                               <m:sub>
                                 <m:r>
-                                  <a:rPr lang="en-US" i="1"/>
+                                  <a:rPr lang="en-US" i="1">
+                                    <a:latin typeface="Cambria Math" panose="02040503050406030204" pitchFamily="18" charset="0"/>
+                                  </a:rPr>
                                   <m:t>𝑘</m:t>
                                 </m:r>
                                 <m:r>
-                                  <a:rPr lang="en-US" i="1"/>
+                                  <a:rPr lang="en-US" i="1">
+                                    <a:latin typeface="Cambria Math" panose="02040503050406030204" pitchFamily="18" charset="0"/>
+                                  </a:rPr>
                                   <m:t>|</m:t>
                                 </m:r>
                                 <m:r>
-                                  <a:rPr lang="en-US" i="1"/>
+                                  <a:rPr lang="en-US" i="1">
+                                    <a:latin typeface="Cambria Math" panose="02040503050406030204" pitchFamily="18" charset="0"/>
+                                  </a:rPr>
                                   <m:t>𝑘</m:t>
                                 </m:r>
                                 <m:r>
-                                  <a:rPr lang="en-US" i="1"/>
+                                  <a:rPr lang="en-US" i="1">
+                                    <a:latin typeface="Cambria Math" panose="02040503050406030204" pitchFamily="18" charset="0"/>
+                                  </a:rPr>
                                   <m:t>−1</m:t>
                                 </m:r>
                               </m:sub>
@@ -8963,7 +9281,7 @@
             </p:txBody>
           </p:sp>
         </mc:Choice>
-        <mc:Fallback>
+        <mc:Fallback xmlns="">
           <p:sp>
             <p:nvSpPr>
               <p:cNvPr id="3" name="Content Placeholder 2">
@@ -9298,7 +9616,7 @@
                 <a:pPr lvl="1"/>
                 <a:r>
                   <a:rPr lang="en-US" dirty="0"/>
-                  <a:t>Can even lead to negative-definite covariance matrix</a:t>
+                  <a:t>Can even lead to a negative-definite covariance matrix</a:t>
                 </a:r>
               </a:p>
               <a:p>
@@ -9327,7 +9645,7 @@
                     <m:d>
                       <m:dPr>
                         <m:ctrlPr>
-                          <a:rPr lang="en-US" b="0" i="0" smtClean="0">
+                          <a:rPr lang="en-US" b="0" i="1" smtClean="0">
                             <a:latin typeface="Cambria Math" panose="02040503050406030204" pitchFamily="18" charset="0"/>
                           </a:rPr>
                         </m:ctrlPr>
@@ -9523,6 +9841,13 @@
                 <a:endParaRPr lang="en-US" dirty="0"/>
               </a:p>
               <a:p>
+                <a:pPr lvl="1"/>
+                <a:r>
+                  <a:rPr lang="en-US" dirty="0"/>
+                  <a:t>Sacrifice some sensitivity to observations</a:t>
+                </a:r>
+              </a:p>
+              <a:p>
                 <a:pPr lvl="0"/>
                 <a:r>
                   <a:rPr lang="en-US" dirty="0">
@@ -9534,6 +9859,49 @@
                 </a:r>
                 <a14:m>
                   <m:oMath xmlns:m="http://schemas.openxmlformats.org/officeDocument/2006/math">
+                    <m:sSub>
+                      <m:sSubPr>
+                        <m:ctrlPr>
+                          <a:rPr lang="en-US" b="1" i="1" smtClean="0">
+                            <a:solidFill>
+                              <a:prstClr val="black"/>
+                            </a:solidFill>
+                            <a:latin typeface="Cambria Math" panose="02040503050406030204" pitchFamily="18" charset="0"/>
+                          </a:rPr>
+                        </m:ctrlPr>
+                      </m:sSubPr>
+                      <m:e>
+                        <m:r>
+                          <a:rPr lang="en-US" b="1" i="1" smtClean="0">
+                            <a:solidFill>
+                              <a:prstClr val="black"/>
+                            </a:solidFill>
+                            <a:latin typeface="Cambria Math" panose="02040503050406030204" pitchFamily="18" charset="0"/>
+                          </a:rPr>
+                          <m:t>𝑸</m:t>
+                        </m:r>
+                      </m:e>
+                      <m:sub>
+                        <m:r>
+                          <a:rPr lang="en-US" b="0" i="1" smtClean="0">
+                            <a:solidFill>
+                              <a:prstClr val="black"/>
+                            </a:solidFill>
+                            <a:latin typeface="Cambria Math" panose="02040503050406030204" pitchFamily="18" charset="0"/>
+                          </a:rPr>
+                          <m:t>𝑘</m:t>
+                        </m:r>
+                      </m:sub>
+                    </m:sSub>
+                    <m:r>
+                      <a:rPr lang="en-US" b="0" i="1" smtClean="0">
+                        <a:solidFill>
+                          <a:prstClr val="black"/>
+                        </a:solidFill>
+                        <a:latin typeface="Cambria Math" panose="02040503050406030204" pitchFamily="18" charset="0"/>
+                      </a:rPr>
+                      <m:t>=</m:t>
+                    </m:r>
                     <m:r>
                       <a:rPr lang="en-US" b="1" i="1" smtClean="0">
                         <a:solidFill>
@@ -9574,7 +9942,7 @@
               <a:blipFill>
                 <a:blip r:embed="rId2"/>
                 <a:stretch>
-                  <a:fillRect l="-1043" t="-2241"/>
+                  <a:fillRect l="-1043" t="-2241" b="-1681"/>
                 </a:stretch>
               </a:blipFill>
             </p:spPr>
@@ -9651,8 +10019,8 @@
           </a:p>
         </p:txBody>
       </p:sp>
-      <mc:AlternateContent xmlns:mc="http://schemas.openxmlformats.org/markup-compatibility/2006">
-        <mc:Choice xmlns:a14="http://schemas.microsoft.com/office/drawing/2010/main" Requires="a14">
+      <mc:AlternateContent xmlns:mc="http://schemas.openxmlformats.org/markup-compatibility/2006" xmlns:a14="http://schemas.microsoft.com/office/drawing/2010/main">
+        <mc:Choice Requires="a14">
           <p:sp>
             <p:nvSpPr>
               <p:cNvPr id="3" name="Content Placeholder 2">
@@ -9677,7 +10045,7 @@
             </p:spPr>
             <p:txBody>
               <a:bodyPr>
-                <a:normAutofit fontScale="92500" lnSpcReduction="20000"/>
+                <a:normAutofit fontScale="92500" lnSpcReduction="10000"/>
               </a:bodyPr>
               <a:lstStyle/>
               <a:p>
@@ -9691,13 +10059,6 @@
                 <a:r>
                   <a:rPr lang="en-US" dirty="0"/>
                   <a:t>Prior + single observation: recursive prior leads posterior</a:t>
-                </a:r>
-              </a:p>
-              <a:p>
-                <a:pPr lvl="1"/>
-                <a:r>
-                  <a:rPr lang="en-US" dirty="0"/>
-                  <a:t>Not sensitive enough to observation</a:t>
                 </a:r>
               </a:p>
               <a:p>
@@ -9778,7 +10139,7 @@
             </p:txBody>
           </p:sp>
         </mc:Choice>
-        <mc:Fallback>
+        <mc:Fallback xmlns="">
           <p:sp>
             <p:nvSpPr>
               <p:cNvPr id="3" name="Content Placeholder 2">
@@ -9803,7 +10164,7 @@
               <a:blipFill>
                 <a:blip r:embed="rId2"/>
                 <a:stretch>
-                  <a:fillRect l="-1863" t="-3501" r="-1118"/>
+                  <a:fillRect l="-1863" t="-2801" r="-1118"/>
                 </a:stretch>
               </a:blipFill>
             </p:spPr>
@@ -10141,8 +10502,8 @@
           </a:p>
         </p:txBody>
       </p:sp>
-      <mc:AlternateContent xmlns:mc="http://schemas.openxmlformats.org/markup-compatibility/2006">
-        <mc:Choice xmlns:a14="http://schemas.microsoft.com/office/drawing/2010/main" Requires="a14">
+      <mc:AlternateContent xmlns:mc="http://schemas.openxmlformats.org/markup-compatibility/2006" xmlns:a14="http://schemas.microsoft.com/office/drawing/2010/main">
+        <mc:Choice Requires="a14">
           <p:sp>
             <p:nvSpPr>
               <p:cNvPr id="4" name="Content Placeholder 2">
@@ -10667,13 +11028,13 @@
                       <a:srgbClr val="FFFF00"/>
                     </a:highlight>
                   </a:rPr>
-                  <a:t>CAUTION: the appropriate example is not decided yet… The plot is the old version. Will update to new plots once decide which example to put</a:t>
+                  <a:t>CAUTION: the appropriate example is not decided yet… The plot is the old version. Will update to new plots once decide which example to show</a:t>
                 </a:r>
               </a:p>
             </p:txBody>
           </p:sp>
         </mc:Choice>
-        <mc:Fallback>
+        <mc:Fallback xmlns="">
           <p:sp>
             <p:nvSpPr>
               <p:cNvPr id="4" name="Content Placeholder 2">

--- a/documents/JSM_2021/15min_version.pptx
+++ b/documents/JSM_2021/15min_version.pptx
@@ -3393,20 +3393,256 @@
             <p:ph type="subTitle" idx="1"/>
           </p:nvPr>
         </p:nvSpPr>
-        <p:spPr/>
+        <p:spPr>
+          <a:xfrm>
+            <a:off x="2250490" y="3602038"/>
+            <a:ext cx="3376474" cy="1655762"/>
+          </a:xfrm>
+        </p:spPr>
         <p:txBody>
-          <a:bodyPr/>
+          <a:bodyPr>
+            <a:normAutofit/>
+          </a:bodyPr>
           <a:lstStyle/>
           <a:p>
             <a:r>
-              <a:rPr lang="en-US" dirty="0"/>
-              <a:t>Ganchao Wei &amp; Ian H. Stevenson</a:t>
+              <a:rPr lang="en-US" b="1" dirty="0"/>
+              <a:t>Ganchao Wei</a:t>
             </a:r>
           </a:p>
           <a:p>
             <a:r>
-              <a:rPr lang="en-US" dirty="0"/>
+              <a:rPr lang="en-US" sz="2000" dirty="0"/>
+              <a:t>Department of Statistics </a:t>
+            </a:r>
+          </a:p>
+          <a:p>
+            <a:r>
+              <a:rPr lang="en-US" sz="2000" dirty="0"/>
               <a:t>University of Connecticut</a:t>
+            </a:r>
+          </a:p>
+          <a:p>
+            <a:r>
+              <a:rPr lang="en-US" sz="2000" dirty="0"/>
+              <a:t>ganchao.wei@uconn.edu</a:t>
+            </a:r>
+          </a:p>
+        </p:txBody>
+      </p:sp>
+      <p:sp>
+        <p:nvSpPr>
+          <p:cNvPr id="4" name="Subtitle 2">
+            <a:extLst>
+              <a:ext uri="{FF2B5EF4-FFF2-40B4-BE49-F238E27FC236}">
+                <a16:creationId xmlns:a16="http://schemas.microsoft.com/office/drawing/2014/main" id="{38E86D61-ABB1-4823-A720-B7D4063C990A}"/>
+              </a:ext>
+            </a:extLst>
+          </p:cNvPr>
+          <p:cNvSpPr txBox="1">
+            <a:spLocks/>
+          </p:cNvSpPr>
+          <p:nvPr/>
+        </p:nvSpPr>
+        <p:spPr>
+          <a:xfrm>
+            <a:off x="6565037" y="3602038"/>
+            <a:ext cx="4102963" cy="1655762"/>
+          </a:xfrm>
+          <a:prstGeom prst="rect">
+            <a:avLst/>
+          </a:prstGeom>
+        </p:spPr>
+        <p:txBody>
+          <a:bodyPr vert="horz" lIns="91440" tIns="45720" rIns="91440" bIns="45720" rtlCol="0">
+            <a:normAutofit fontScale="55000" lnSpcReduction="20000"/>
+          </a:bodyPr>
+          <a:lstStyle>
+            <a:lvl1pPr marL="0" indent="0" algn="ctr" defTabSz="914400" rtl="0" eaLnBrk="1" latinLnBrk="0" hangingPunct="1">
+              <a:lnSpc>
+                <a:spcPct val="90000"/>
+              </a:lnSpc>
+              <a:spcBef>
+                <a:spcPts val="1000"/>
+              </a:spcBef>
+              <a:buFont typeface="Arial" panose="020B0604020202020204" pitchFamily="34" charset="0"/>
+              <a:buNone/>
+              <a:defRPr sz="2400" kern="1200">
+                <a:solidFill>
+                  <a:schemeClr val="tx1"/>
+                </a:solidFill>
+                <a:latin typeface="+mn-lt"/>
+                <a:ea typeface="+mn-ea"/>
+                <a:cs typeface="+mn-cs"/>
+              </a:defRPr>
+            </a:lvl1pPr>
+            <a:lvl2pPr marL="457200" indent="0" algn="ctr" defTabSz="914400" rtl="0" eaLnBrk="1" latinLnBrk="0" hangingPunct="1">
+              <a:lnSpc>
+                <a:spcPct val="90000"/>
+              </a:lnSpc>
+              <a:spcBef>
+                <a:spcPts val="500"/>
+              </a:spcBef>
+              <a:buFont typeface="Arial" panose="020B0604020202020204" pitchFamily="34" charset="0"/>
+              <a:buNone/>
+              <a:defRPr sz="2000" kern="1200">
+                <a:solidFill>
+                  <a:schemeClr val="tx1"/>
+                </a:solidFill>
+                <a:latin typeface="+mn-lt"/>
+                <a:ea typeface="+mn-ea"/>
+                <a:cs typeface="+mn-cs"/>
+              </a:defRPr>
+            </a:lvl2pPr>
+            <a:lvl3pPr marL="914400" indent="0" algn="ctr" defTabSz="914400" rtl="0" eaLnBrk="1" latinLnBrk="0" hangingPunct="1">
+              <a:lnSpc>
+                <a:spcPct val="90000"/>
+              </a:lnSpc>
+              <a:spcBef>
+                <a:spcPts val="500"/>
+              </a:spcBef>
+              <a:buFont typeface="Arial" panose="020B0604020202020204" pitchFamily="34" charset="0"/>
+              <a:buNone/>
+              <a:defRPr sz="1800" kern="1200">
+                <a:solidFill>
+                  <a:schemeClr val="tx1"/>
+                </a:solidFill>
+                <a:latin typeface="+mn-lt"/>
+                <a:ea typeface="+mn-ea"/>
+                <a:cs typeface="+mn-cs"/>
+              </a:defRPr>
+            </a:lvl3pPr>
+            <a:lvl4pPr marL="1371600" indent="0" algn="ctr" defTabSz="914400" rtl="0" eaLnBrk="1" latinLnBrk="0" hangingPunct="1">
+              <a:lnSpc>
+                <a:spcPct val="90000"/>
+              </a:lnSpc>
+              <a:spcBef>
+                <a:spcPts val="500"/>
+              </a:spcBef>
+              <a:buFont typeface="Arial" panose="020B0604020202020204" pitchFamily="34" charset="0"/>
+              <a:buNone/>
+              <a:defRPr sz="1600" kern="1200">
+                <a:solidFill>
+                  <a:schemeClr val="tx1"/>
+                </a:solidFill>
+                <a:latin typeface="+mn-lt"/>
+                <a:ea typeface="+mn-ea"/>
+                <a:cs typeface="+mn-cs"/>
+              </a:defRPr>
+            </a:lvl4pPr>
+            <a:lvl5pPr marL="1828800" indent="0" algn="ctr" defTabSz="914400" rtl="0" eaLnBrk="1" latinLnBrk="0" hangingPunct="1">
+              <a:lnSpc>
+                <a:spcPct val="90000"/>
+              </a:lnSpc>
+              <a:spcBef>
+                <a:spcPts val="500"/>
+              </a:spcBef>
+              <a:buFont typeface="Arial" panose="020B0604020202020204" pitchFamily="34" charset="0"/>
+              <a:buNone/>
+              <a:defRPr sz="1600" kern="1200">
+                <a:solidFill>
+                  <a:schemeClr val="tx1"/>
+                </a:solidFill>
+                <a:latin typeface="+mn-lt"/>
+                <a:ea typeface="+mn-ea"/>
+                <a:cs typeface="+mn-cs"/>
+              </a:defRPr>
+            </a:lvl5pPr>
+            <a:lvl6pPr marL="2286000" indent="0" algn="ctr" defTabSz="914400" rtl="0" eaLnBrk="1" latinLnBrk="0" hangingPunct="1">
+              <a:lnSpc>
+                <a:spcPct val="90000"/>
+              </a:lnSpc>
+              <a:spcBef>
+                <a:spcPts val="500"/>
+              </a:spcBef>
+              <a:buFont typeface="Arial" panose="020B0604020202020204" pitchFamily="34" charset="0"/>
+              <a:buNone/>
+              <a:defRPr sz="1600" kern="1200">
+                <a:solidFill>
+                  <a:schemeClr val="tx1"/>
+                </a:solidFill>
+                <a:latin typeface="+mn-lt"/>
+                <a:ea typeface="+mn-ea"/>
+                <a:cs typeface="+mn-cs"/>
+              </a:defRPr>
+            </a:lvl6pPr>
+            <a:lvl7pPr marL="2743200" indent="0" algn="ctr" defTabSz="914400" rtl="0" eaLnBrk="1" latinLnBrk="0" hangingPunct="1">
+              <a:lnSpc>
+                <a:spcPct val="90000"/>
+              </a:lnSpc>
+              <a:spcBef>
+                <a:spcPts val="500"/>
+              </a:spcBef>
+              <a:buFont typeface="Arial" panose="020B0604020202020204" pitchFamily="34" charset="0"/>
+              <a:buNone/>
+              <a:defRPr sz="1600" kern="1200">
+                <a:solidFill>
+                  <a:schemeClr val="tx1"/>
+                </a:solidFill>
+                <a:latin typeface="+mn-lt"/>
+                <a:ea typeface="+mn-ea"/>
+                <a:cs typeface="+mn-cs"/>
+              </a:defRPr>
+            </a:lvl7pPr>
+            <a:lvl8pPr marL="3200400" indent="0" algn="ctr" defTabSz="914400" rtl="0" eaLnBrk="1" latinLnBrk="0" hangingPunct="1">
+              <a:lnSpc>
+                <a:spcPct val="90000"/>
+              </a:lnSpc>
+              <a:spcBef>
+                <a:spcPts val="500"/>
+              </a:spcBef>
+              <a:buFont typeface="Arial" panose="020B0604020202020204" pitchFamily="34" charset="0"/>
+              <a:buNone/>
+              <a:defRPr sz="1600" kern="1200">
+                <a:solidFill>
+                  <a:schemeClr val="tx1"/>
+                </a:solidFill>
+                <a:latin typeface="+mn-lt"/>
+                <a:ea typeface="+mn-ea"/>
+                <a:cs typeface="+mn-cs"/>
+              </a:defRPr>
+            </a:lvl8pPr>
+            <a:lvl9pPr marL="3657600" indent="0" algn="ctr" defTabSz="914400" rtl="0" eaLnBrk="1" latinLnBrk="0" hangingPunct="1">
+              <a:lnSpc>
+                <a:spcPct val="90000"/>
+              </a:lnSpc>
+              <a:spcBef>
+                <a:spcPts val="500"/>
+              </a:spcBef>
+              <a:buFont typeface="Arial" panose="020B0604020202020204" pitchFamily="34" charset="0"/>
+              <a:buNone/>
+              <a:defRPr sz="1600" kern="1200">
+                <a:solidFill>
+                  <a:schemeClr val="tx1"/>
+                </a:solidFill>
+                <a:latin typeface="+mn-lt"/>
+                <a:ea typeface="+mn-ea"/>
+                <a:cs typeface="+mn-cs"/>
+              </a:defRPr>
+            </a:lvl9pPr>
+          </a:lstStyle>
+          <a:p>
+            <a:r>
+              <a:rPr lang="en-US" sz="5100" b="1" dirty="0"/>
+              <a:t>Ian H. Stevenson</a:t>
+            </a:r>
+          </a:p>
+          <a:p>
+            <a:r>
+              <a:rPr lang="en-US" sz="3600" dirty="0"/>
+              <a:t>Department of Psychological Science and Biomedical Engineering </a:t>
+            </a:r>
+          </a:p>
+          <a:p>
+            <a:r>
+              <a:rPr lang="en-US" sz="3600" dirty="0"/>
+              <a:t>University of Connecticut</a:t>
+            </a:r>
+          </a:p>
+          <a:p>
+            <a:r>
+              <a:rPr lang="en-US" sz="3600" dirty="0"/>
+              <a:t>ian.stevenson@uconn.edu</a:t>
             </a:r>
           </a:p>
         </p:txBody>
@@ -9379,8 +9615,8 @@
           </a:p>
         </p:txBody>
       </p:sp>
-      <mc:AlternateContent xmlns:mc="http://schemas.openxmlformats.org/markup-compatibility/2006">
-        <mc:Choice xmlns:a14="http://schemas.microsoft.com/office/drawing/2010/main" Requires="a14">
+      <mc:AlternateContent xmlns:mc="http://schemas.openxmlformats.org/markup-compatibility/2006" xmlns:a14="http://schemas.microsoft.com/office/drawing/2010/main">
+        <mc:Choice Requires="a14">
           <p:sp>
             <p:nvSpPr>
               <p:cNvPr id="3" name="Content Placeholder 2">
@@ -9921,7 +10157,7 @@
             </p:txBody>
           </p:sp>
         </mc:Choice>
-        <mc:Fallback>
+        <mc:Fallback xmlns="">
           <p:sp>
             <p:nvSpPr>
               <p:cNvPr id="3" name="Content Placeholder 2">

--- a/documents/JSM_2021/15min_version.pptx
+++ b/documents/JSM_2021/15min_version.pptx
@@ -280,7 +280,7 @@
           <a:p>
             <a:fld id="{1FD15BE6-D28F-4CB9-886B-8E7E78239579}" type="datetimeFigureOut">
               <a:rPr lang="en-US" smtClean="0"/>
-              <a:t>6/14/2021</a:t>
+              <a:t>6/17/2021</a:t>
             </a:fld>
             <a:endParaRPr lang="en-US"/>
           </a:p>
@@ -478,7 +478,7 @@
           <a:p>
             <a:fld id="{1FD15BE6-D28F-4CB9-886B-8E7E78239579}" type="datetimeFigureOut">
               <a:rPr lang="en-US" smtClean="0"/>
-              <a:t>6/14/2021</a:t>
+              <a:t>6/17/2021</a:t>
             </a:fld>
             <a:endParaRPr lang="en-US"/>
           </a:p>
@@ -686,7 +686,7 @@
           <a:p>
             <a:fld id="{1FD15BE6-D28F-4CB9-886B-8E7E78239579}" type="datetimeFigureOut">
               <a:rPr lang="en-US" smtClean="0"/>
-              <a:t>6/14/2021</a:t>
+              <a:t>6/17/2021</a:t>
             </a:fld>
             <a:endParaRPr lang="en-US"/>
           </a:p>
@@ -884,7 +884,7 @@
           <a:p>
             <a:fld id="{1FD15BE6-D28F-4CB9-886B-8E7E78239579}" type="datetimeFigureOut">
               <a:rPr lang="en-US" smtClean="0"/>
-              <a:t>6/14/2021</a:t>
+              <a:t>6/17/2021</a:t>
             </a:fld>
             <a:endParaRPr lang="en-US"/>
           </a:p>
@@ -1159,7 +1159,7 @@
           <a:p>
             <a:fld id="{1FD15BE6-D28F-4CB9-886B-8E7E78239579}" type="datetimeFigureOut">
               <a:rPr lang="en-US" smtClean="0"/>
-              <a:t>6/14/2021</a:t>
+              <a:t>6/17/2021</a:t>
             </a:fld>
             <a:endParaRPr lang="en-US"/>
           </a:p>
@@ -1424,7 +1424,7 @@
           <a:p>
             <a:fld id="{1FD15BE6-D28F-4CB9-886B-8E7E78239579}" type="datetimeFigureOut">
               <a:rPr lang="en-US" smtClean="0"/>
-              <a:t>6/14/2021</a:t>
+              <a:t>6/17/2021</a:t>
             </a:fld>
             <a:endParaRPr lang="en-US"/>
           </a:p>
@@ -1836,7 +1836,7 @@
           <a:p>
             <a:fld id="{1FD15BE6-D28F-4CB9-886B-8E7E78239579}" type="datetimeFigureOut">
               <a:rPr lang="en-US" smtClean="0"/>
-              <a:t>6/14/2021</a:t>
+              <a:t>6/17/2021</a:t>
             </a:fld>
             <a:endParaRPr lang="en-US"/>
           </a:p>
@@ -1977,7 +1977,7 @@
           <a:p>
             <a:fld id="{1FD15BE6-D28F-4CB9-886B-8E7E78239579}" type="datetimeFigureOut">
               <a:rPr lang="en-US" smtClean="0"/>
-              <a:t>6/14/2021</a:t>
+              <a:t>6/17/2021</a:t>
             </a:fld>
             <a:endParaRPr lang="en-US"/>
           </a:p>
@@ -2090,7 +2090,7 @@
           <a:p>
             <a:fld id="{1FD15BE6-D28F-4CB9-886B-8E7E78239579}" type="datetimeFigureOut">
               <a:rPr lang="en-US" smtClean="0"/>
-              <a:t>6/14/2021</a:t>
+              <a:t>6/17/2021</a:t>
             </a:fld>
             <a:endParaRPr lang="en-US"/>
           </a:p>
@@ -2401,7 +2401,7 @@
           <a:p>
             <a:fld id="{1FD15BE6-D28F-4CB9-886B-8E7E78239579}" type="datetimeFigureOut">
               <a:rPr lang="en-US" smtClean="0"/>
-              <a:t>6/14/2021</a:t>
+              <a:t>6/17/2021</a:t>
             </a:fld>
             <a:endParaRPr lang="en-US"/>
           </a:p>
@@ -2689,7 +2689,7 @@
           <a:p>
             <a:fld id="{1FD15BE6-D28F-4CB9-886B-8E7E78239579}" type="datetimeFigureOut">
               <a:rPr lang="en-US" smtClean="0"/>
-              <a:t>6/14/2021</a:t>
+              <a:t>6/17/2021</a:t>
             </a:fld>
             <a:endParaRPr lang="en-US"/>
           </a:p>
@@ -2930,7 +2930,7 @@
           <a:p>
             <a:fld id="{1FD15BE6-D28F-4CB9-886B-8E7E78239579}" type="datetimeFigureOut">
               <a:rPr lang="en-US" smtClean="0"/>
-              <a:t>6/14/2021</a:t>
+              <a:t>6/17/2021</a:t>
             </a:fld>
             <a:endParaRPr lang="en-US"/>
           </a:p>
@@ -3986,6 +3986,36 @@
           <a:chExt cx="0" cy="0"/>
         </a:xfrm>
       </p:grpSpPr>
+      <p:pic>
+        <p:nvPicPr>
+          <p:cNvPr id="3" name="Picture 2">
+            <a:extLst>
+              <a:ext uri="{FF2B5EF4-FFF2-40B4-BE49-F238E27FC236}">
+                <a16:creationId xmlns:a16="http://schemas.microsoft.com/office/drawing/2014/main" id="{7AD33313-5AF1-43D5-B4D4-8B20B62E235D}"/>
+              </a:ext>
+            </a:extLst>
+          </p:cNvPr>
+          <p:cNvPicPr>
+            <a:picLocks noChangeAspect="1"/>
+          </p:cNvPicPr>
+          <p:nvPr/>
+        </p:nvPicPr>
+        <p:blipFill>
+          <a:blip r:embed="rId2"/>
+          <a:stretch>
+            <a:fillRect/>
+          </a:stretch>
+        </p:blipFill>
+        <p:spPr>
+          <a:xfrm>
+            <a:off x="241276" y="1091516"/>
+            <a:ext cx="4201608" cy="2709674"/>
+          </a:xfrm>
+          <a:prstGeom prst="rect">
+            <a:avLst/>
+          </a:prstGeom>
+        </p:spPr>
+      </p:pic>
       <p:sp>
         <p:nvSpPr>
           <p:cNvPr id="2" name="Title 1">
@@ -4029,36 +4059,6 @@
           <p:nvPr/>
         </p:nvPicPr>
         <p:blipFill>
-          <a:blip r:embed="rId2"/>
-          <a:stretch>
-            <a:fillRect/>
-          </a:stretch>
-        </p:blipFill>
-        <p:spPr>
-          <a:xfrm>
-            <a:off x="838202" y="1346707"/>
-            <a:ext cx="3604688" cy="2704847"/>
-          </a:xfrm>
-          <a:prstGeom prst="rect">
-            <a:avLst/>
-          </a:prstGeom>
-        </p:spPr>
-      </p:pic>
-      <p:pic>
-        <p:nvPicPr>
-          <p:cNvPr id="9" name="Picture 8">
-            <a:extLst>
-              <a:ext uri="{FF2B5EF4-FFF2-40B4-BE49-F238E27FC236}">
-                <a16:creationId xmlns:a16="http://schemas.microsoft.com/office/drawing/2014/main" id="{39EC529A-DE67-4938-85AE-9B571E2417AE}"/>
-              </a:ext>
-            </a:extLst>
-          </p:cNvPr>
-          <p:cNvPicPr>
-            <a:picLocks noChangeAspect="1"/>
-          </p:cNvPicPr>
-          <p:nvPr/>
-        </p:nvPicPr>
-        <p:blipFill>
           <a:blip r:embed="rId3"/>
           <a:stretch>
             <a:fillRect/>
@@ -4066,7 +4066,7 @@
         </p:blipFill>
         <p:spPr>
           <a:xfrm>
-            <a:off x="4442888" y="1346706"/>
+            <a:off x="4442885" y="1146681"/>
             <a:ext cx="3604688" cy="2704847"/>
           </a:xfrm>
           <a:prstGeom prst="rect">
@@ -4505,6 +4505,36 @@
           </a:p>
         </p:txBody>
       </p:sp>
+      <p:pic>
+        <p:nvPicPr>
+          <p:cNvPr id="4" name="Picture 3">
+            <a:extLst>
+              <a:ext uri="{FF2B5EF4-FFF2-40B4-BE49-F238E27FC236}">
+                <a16:creationId xmlns:a16="http://schemas.microsoft.com/office/drawing/2014/main" id="{97ACEF2F-8603-45F8-8F26-840FB6FB39AB}"/>
+              </a:ext>
+            </a:extLst>
+          </p:cNvPr>
+          <p:cNvPicPr>
+            <a:picLocks noChangeAspect="1"/>
+          </p:cNvPicPr>
+          <p:nvPr/>
+        </p:nvPicPr>
+        <p:blipFill>
+          <a:blip r:embed="rId2"/>
+          <a:stretch>
+            <a:fillRect/>
+          </a:stretch>
+        </p:blipFill>
+        <p:spPr>
+          <a:xfrm>
+            <a:off x="7734300" y="3063875"/>
+            <a:ext cx="3619500" cy="3248025"/>
+          </a:xfrm>
+          <a:prstGeom prst="rect">
+            <a:avLst/>
+          </a:prstGeom>
+        </p:spPr>
+      </p:pic>
       <mc:AlternateContent xmlns:mc="http://schemas.openxmlformats.org/markup-compatibility/2006" xmlns:a14="http://schemas.microsoft.com/office/drawing/2010/main">
         <mc:Choice Requires="a14">
           <p:sp>
@@ -5472,7 +5502,7 @@
             </p:nvSpPr>
             <p:spPr>
               <a:blipFill>
-                <a:blip r:embed="rId2"/>
+                <a:blip r:embed="rId3"/>
                 <a:stretch>
                   <a:fillRect l="-928" t="-3501" b="-560"/>
                 </a:stretch>

--- a/documents/JSM_2021/15min_version.pptx
+++ b/documents/JSM_2021/15min_version.pptx
@@ -13,8 +13,8 @@
     <p:sldId id="262" r:id="rId7"/>
     <p:sldId id="263" r:id="rId8"/>
     <p:sldId id="264" r:id="rId9"/>
-    <p:sldId id="265" r:id="rId10"/>
-    <p:sldId id="266" r:id="rId11"/>
+    <p:sldId id="266" r:id="rId10"/>
+    <p:sldId id="267" r:id="rId11"/>
   </p:sldIdLst>
   <p:sldSz cx="12192000" cy="6858000"/>
   <p:notesSz cx="6858000" cy="9144000"/>
@@ -280,7 +280,7 @@
           <a:p>
             <a:fld id="{1FD15BE6-D28F-4CB9-886B-8E7E78239579}" type="datetimeFigureOut">
               <a:rPr lang="en-US" smtClean="0"/>
-              <a:t>6/17/2021</a:t>
+              <a:t>6/23/2021</a:t>
             </a:fld>
             <a:endParaRPr lang="en-US"/>
           </a:p>
@@ -478,7 +478,7 @@
           <a:p>
             <a:fld id="{1FD15BE6-D28F-4CB9-886B-8E7E78239579}" type="datetimeFigureOut">
               <a:rPr lang="en-US" smtClean="0"/>
-              <a:t>6/17/2021</a:t>
+              <a:t>6/23/2021</a:t>
             </a:fld>
             <a:endParaRPr lang="en-US"/>
           </a:p>
@@ -686,7 +686,7 @@
           <a:p>
             <a:fld id="{1FD15BE6-D28F-4CB9-886B-8E7E78239579}" type="datetimeFigureOut">
               <a:rPr lang="en-US" smtClean="0"/>
-              <a:t>6/17/2021</a:t>
+              <a:t>6/23/2021</a:t>
             </a:fld>
             <a:endParaRPr lang="en-US"/>
           </a:p>
@@ -884,7 +884,7 @@
           <a:p>
             <a:fld id="{1FD15BE6-D28F-4CB9-886B-8E7E78239579}" type="datetimeFigureOut">
               <a:rPr lang="en-US" smtClean="0"/>
-              <a:t>6/17/2021</a:t>
+              <a:t>6/23/2021</a:t>
             </a:fld>
             <a:endParaRPr lang="en-US"/>
           </a:p>
@@ -1159,7 +1159,7 @@
           <a:p>
             <a:fld id="{1FD15BE6-D28F-4CB9-886B-8E7E78239579}" type="datetimeFigureOut">
               <a:rPr lang="en-US" smtClean="0"/>
-              <a:t>6/17/2021</a:t>
+              <a:t>6/23/2021</a:t>
             </a:fld>
             <a:endParaRPr lang="en-US"/>
           </a:p>
@@ -1424,7 +1424,7 @@
           <a:p>
             <a:fld id="{1FD15BE6-D28F-4CB9-886B-8E7E78239579}" type="datetimeFigureOut">
               <a:rPr lang="en-US" smtClean="0"/>
-              <a:t>6/17/2021</a:t>
+              <a:t>6/23/2021</a:t>
             </a:fld>
             <a:endParaRPr lang="en-US"/>
           </a:p>
@@ -1836,7 +1836,7 @@
           <a:p>
             <a:fld id="{1FD15BE6-D28F-4CB9-886B-8E7E78239579}" type="datetimeFigureOut">
               <a:rPr lang="en-US" smtClean="0"/>
-              <a:t>6/17/2021</a:t>
+              <a:t>6/23/2021</a:t>
             </a:fld>
             <a:endParaRPr lang="en-US"/>
           </a:p>
@@ -1977,7 +1977,7 @@
           <a:p>
             <a:fld id="{1FD15BE6-D28F-4CB9-886B-8E7E78239579}" type="datetimeFigureOut">
               <a:rPr lang="en-US" smtClean="0"/>
-              <a:t>6/17/2021</a:t>
+              <a:t>6/23/2021</a:t>
             </a:fld>
             <a:endParaRPr lang="en-US"/>
           </a:p>
@@ -2090,7 +2090,7 @@
           <a:p>
             <a:fld id="{1FD15BE6-D28F-4CB9-886B-8E7E78239579}" type="datetimeFigureOut">
               <a:rPr lang="en-US" smtClean="0"/>
-              <a:t>6/17/2021</a:t>
+              <a:t>6/23/2021</a:t>
             </a:fld>
             <a:endParaRPr lang="en-US"/>
           </a:p>
@@ -2401,7 +2401,7 @@
           <a:p>
             <a:fld id="{1FD15BE6-D28F-4CB9-886B-8E7E78239579}" type="datetimeFigureOut">
               <a:rPr lang="en-US" smtClean="0"/>
-              <a:t>6/17/2021</a:t>
+              <a:t>6/23/2021</a:t>
             </a:fld>
             <a:endParaRPr lang="en-US"/>
           </a:p>
@@ -2689,7 +2689,7 @@
           <a:p>
             <a:fld id="{1FD15BE6-D28F-4CB9-886B-8E7E78239579}" type="datetimeFigureOut">
               <a:rPr lang="en-US" smtClean="0"/>
-              <a:t>6/17/2021</a:t>
+              <a:t>6/23/2021</a:t>
             </a:fld>
             <a:endParaRPr lang="en-US"/>
           </a:p>
@@ -2930,7 +2930,7 @@
           <a:p>
             <a:fld id="{1FD15BE6-D28F-4CB9-886B-8E7E78239579}" type="datetimeFigureOut">
               <a:rPr lang="en-US" smtClean="0"/>
-              <a:t>6/17/2021</a:t>
+              <a:t>6/23/2021</a:t>
             </a:fld>
             <a:endParaRPr lang="en-US"/>
           </a:p>
@@ -3682,7 +3682,7 @@
           <p:cNvPr id="2" name="Title 1">
             <a:extLst>
               <a:ext uri="{FF2B5EF4-FFF2-40B4-BE49-F238E27FC236}">
-                <a16:creationId xmlns:a16="http://schemas.microsoft.com/office/drawing/2014/main" id="{DA4EA114-0F60-4C31-A9DB-174085DCFF48}"/>
+                <a16:creationId xmlns:a16="http://schemas.microsoft.com/office/drawing/2014/main" id="{A2457E73-9620-45AE-A6A1-6A80A37DF4F1}"/>
               </a:ext>
             </a:extLst>
           </p:cNvPr>
@@ -3700,17 +3700,17 @@
           <a:p>
             <a:r>
               <a:rPr lang="en-US" dirty="0"/>
-              <a:t>Application: V1 data revisit</a:t>
+              <a:t>Application 2: “place cells” in hippocampus</a:t>
             </a:r>
           </a:p>
         </p:txBody>
       </p:sp>
       <p:pic>
         <p:nvPicPr>
-          <p:cNvPr id="5" name="Picture 4">
+          <p:cNvPr id="4" name="Picture 3">
             <a:extLst>
               <a:ext uri="{FF2B5EF4-FFF2-40B4-BE49-F238E27FC236}">
-                <a16:creationId xmlns:a16="http://schemas.microsoft.com/office/drawing/2014/main" id="{6D70ACEC-6423-4F6C-980E-E3835839BC0B}"/>
+                <a16:creationId xmlns:a16="http://schemas.microsoft.com/office/drawing/2014/main" id="{8AE03DB6-23DD-46F3-BF37-545FF53533FC}"/>
               </a:ext>
             </a:extLst>
           </p:cNvPr>
@@ -3718,55 +3718,22 @@
           <p:nvPr/>
         </p:nvPicPr>
         <p:blipFill>
-          <a:blip r:embed="rId2" cstate="print">
+          <a:blip r:embed="rId2">
             <a:extLst>
               <a:ext uri="{28A0092B-C50C-407E-A947-70E740481C1C}">
                 <a14:useLocalDpi xmlns:a14="http://schemas.microsoft.com/office/drawing/2010/main" val="0"/>
               </a:ext>
             </a:extLst>
           </a:blip>
+          <a:srcRect/>
           <a:stretch>
             <a:fillRect/>
           </a:stretch>
         </p:blipFill>
         <p:spPr bwMode="auto">
           <a:xfrm>
-            <a:off x="0" y="1690688"/>
-            <a:ext cx="6402916" cy="4802187"/>
-          </a:xfrm>
-          <a:prstGeom prst="rect">
-            <a:avLst/>
-          </a:prstGeom>
-          <a:noFill/>
-        </p:spPr>
-      </p:pic>
-      <p:pic>
-        <p:nvPicPr>
-          <p:cNvPr id="6" name="Picture 5">
-            <a:extLst>
-              <a:ext uri="{FF2B5EF4-FFF2-40B4-BE49-F238E27FC236}">
-                <a16:creationId xmlns:a16="http://schemas.microsoft.com/office/drawing/2014/main" id="{DCDB07EE-E18E-43A2-8B39-1CB54155D567}"/>
-              </a:ext>
-            </a:extLst>
-          </p:cNvPr>
-          <p:cNvPicPr/>
-          <p:nvPr/>
-        </p:nvPicPr>
-        <p:blipFill rotWithShape="1">
-          <a:blip r:embed="rId3" cstate="print">
-            <a:extLst>
-              <a:ext uri="{28A0092B-C50C-407E-A947-70E740481C1C}">
-                <a14:useLocalDpi xmlns:a14="http://schemas.microsoft.com/office/drawing/2010/main" val="0"/>
-              </a:ext>
-            </a:extLst>
-          </a:blip>
-          <a:srcRect t="48251"/>
-          <a:stretch/>
-        </p:blipFill>
-        <p:spPr bwMode="auto">
-          <a:xfrm>
-            <a:off x="5739848" y="1218327"/>
-            <a:ext cx="4819650" cy="1915636"/>
+            <a:off x="6015182" y="1690688"/>
+            <a:ext cx="5049982" cy="4000500"/>
           </a:xfrm>
           <a:prstGeom prst="rect">
             <a:avLst/>
@@ -3779,187 +3746,38 @@
       </p:pic>
       <p:pic>
         <p:nvPicPr>
-          <p:cNvPr id="7" name="Picture 6">
+          <p:cNvPr id="6" name="Picture 5">
             <a:extLst>
               <a:ext uri="{FF2B5EF4-FFF2-40B4-BE49-F238E27FC236}">
-                <a16:creationId xmlns:a16="http://schemas.microsoft.com/office/drawing/2014/main" id="{8F7A2D70-623F-4986-A4CA-1366B0D58C7B}"/>
+                <a16:creationId xmlns:a16="http://schemas.microsoft.com/office/drawing/2014/main" id="{D98FB3C6-9049-446C-ACF6-1D87C9E15C57}"/>
               </a:ext>
             </a:extLst>
           </p:cNvPr>
-          <p:cNvPicPr/>
+          <p:cNvPicPr>
+            <a:picLocks noChangeAspect="1"/>
+          </p:cNvPicPr>
           <p:nvPr/>
         </p:nvPicPr>
-        <p:blipFill rotWithShape="1">
-          <a:blip r:embed="rId4" cstate="print">
-            <a:extLst>
-              <a:ext uri="{28A0092B-C50C-407E-A947-70E740481C1C}">
-                <a14:useLocalDpi xmlns:a14="http://schemas.microsoft.com/office/drawing/2010/main" val="0"/>
-              </a:ext>
-            </a:extLst>
-          </a:blip>
-          <a:srcRect b="49077"/>
-          <a:stretch/>
+        <p:blipFill>
+          <a:blip r:embed="rId3"/>
+          <a:stretch>
+            <a:fillRect/>
+          </a:stretch>
         </p:blipFill>
-        <p:spPr bwMode="auto">
+        <p:spPr>
           <a:xfrm>
-            <a:off x="5739848" y="4701642"/>
-            <a:ext cx="4966252" cy="1901646"/>
+            <a:off x="681182" y="1690688"/>
+            <a:ext cx="5334000" cy="4000500"/>
           </a:xfrm>
           <a:prstGeom prst="rect">
             <a:avLst/>
           </a:prstGeom>
-          <a:noFill/>
-          <a:ln>
-            <a:noFill/>
-          </a:ln>
         </p:spPr>
       </p:pic>
-      <p:pic>
-        <p:nvPicPr>
-          <p:cNvPr id="8" name="Picture 7">
-            <a:extLst>
-              <a:ext uri="{FF2B5EF4-FFF2-40B4-BE49-F238E27FC236}">
-                <a16:creationId xmlns:a16="http://schemas.microsoft.com/office/drawing/2014/main" id="{EA24F4B0-DC39-42C7-BB1E-FFECAC563AF6}"/>
-              </a:ext>
-            </a:extLst>
-          </p:cNvPr>
-          <p:cNvPicPr/>
-          <p:nvPr/>
-        </p:nvPicPr>
-        <p:blipFill rotWithShape="1">
-          <a:blip r:embed="rId3" cstate="print">
-            <a:extLst>
-              <a:ext uri="{28A0092B-C50C-407E-A947-70E740481C1C}">
-                <a14:useLocalDpi xmlns:a14="http://schemas.microsoft.com/office/drawing/2010/main" val="0"/>
-              </a:ext>
-            </a:extLst>
-          </a:blip>
-          <a:srcRect b="49012"/>
-          <a:stretch/>
-        </p:blipFill>
-        <p:spPr bwMode="auto">
-          <a:xfrm>
-            <a:off x="5742747" y="2854881"/>
-            <a:ext cx="4816752" cy="1846761"/>
-          </a:xfrm>
-          <a:prstGeom prst="rect">
-            <a:avLst/>
-          </a:prstGeom>
-          <a:noFill/>
-          <a:ln>
-            <a:noFill/>
-          </a:ln>
-        </p:spPr>
-      </p:pic>
-      <p:sp>
-        <p:nvSpPr>
-          <p:cNvPr id="9" name="TextBox 8">
-            <a:extLst>
-              <a:ext uri="{FF2B5EF4-FFF2-40B4-BE49-F238E27FC236}">
-                <a16:creationId xmlns:a16="http://schemas.microsoft.com/office/drawing/2014/main" id="{2BE2254D-4025-4EFB-A319-C8F298BA6A65}"/>
-              </a:ext>
-            </a:extLst>
-          </p:cNvPr>
-          <p:cNvSpPr txBox="1"/>
-          <p:nvPr/>
-        </p:nvSpPr>
-        <p:spPr>
-          <a:xfrm>
-            <a:off x="10448925" y="1876425"/>
-            <a:ext cx="1297406" cy="369332"/>
-          </a:xfrm>
-          <a:prstGeom prst="rect">
-            <a:avLst/>
-          </a:prstGeom>
-          <a:noFill/>
-        </p:spPr>
-        <p:txBody>
-          <a:bodyPr wrap="none" rtlCol="0">
-            <a:spAutoFit/>
-          </a:bodyPr>
-          <a:lstStyle/>
-          <a:p>
-            <a:r>
-              <a:rPr lang="en-US" dirty="0"/>
-              <a:t>observation</a:t>
-            </a:r>
-          </a:p>
-        </p:txBody>
-      </p:sp>
-      <p:sp>
-        <p:nvSpPr>
-          <p:cNvPr id="10" name="TextBox 9">
-            <a:extLst>
-              <a:ext uri="{FF2B5EF4-FFF2-40B4-BE49-F238E27FC236}">
-                <a16:creationId xmlns:a16="http://schemas.microsoft.com/office/drawing/2014/main" id="{F23183C0-DBFB-46A5-98F0-DC951C47434B}"/>
-              </a:ext>
-            </a:extLst>
-          </p:cNvPr>
-          <p:cNvSpPr txBox="1"/>
-          <p:nvPr/>
-        </p:nvSpPr>
-        <p:spPr>
-          <a:xfrm>
-            <a:off x="10448925" y="3409950"/>
-            <a:ext cx="1245854" cy="369332"/>
-          </a:xfrm>
-          <a:prstGeom prst="rect">
-            <a:avLst/>
-          </a:prstGeom>
-          <a:noFill/>
-        </p:spPr>
-        <p:txBody>
-          <a:bodyPr wrap="none" rtlCol="0">
-            <a:spAutoFit/>
-          </a:bodyPr>
-          <a:lstStyle/>
-          <a:p>
-            <a:r>
-              <a:rPr lang="en-US" dirty="0"/>
-              <a:t>Full sample</a:t>
-            </a:r>
-          </a:p>
-        </p:txBody>
-      </p:sp>
-      <p:sp>
-        <p:nvSpPr>
-          <p:cNvPr id="11" name="TextBox 10">
-            <a:extLst>
-              <a:ext uri="{FF2B5EF4-FFF2-40B4-BE49-F238E27FC236}">
-                <a16:creationId xmlns:a16="http://schemas.microsoft.com/office/drawing/2014/main" id="{45F1B15B-BC35-4EFC-A6B3-FC0E7ACFC9EB}"/>
-              </a:ext>
-            </a:extLst>
-          </p:cNvPr>
-          <p:cNvSpPr txBox="1"/>
-          <p:nvPr/>
-        </p:nvSpPr>
-        <p:spPr>
-          <a:xfrm>
-            <a:off x="10559498" y="5310766"/>
-            <a:ext cx="1306768" cy="369332"/>
-          </a:xfrm>
-          <a:prstGeom prst="rect">
-            <a:avLst/>
-          </a:prstGeom>
-          <a:noFill/>
-        </p:spPr>
-        <p:txBody>
-          <a:bodyPr wrap="none" rtlCol="0">
-            <a:spAutoFit/>
-          </a:bodyPr>
-          <a:lstStyle/>
-          <a:p>
-            <a:r>
-              <a:rPr lang="en-US" dirty="0"/>
-              <a:t>Half Sample</a:t>
-            </a:r>
-          </a:p>
-        </p:txBody>
-      </p:sp>
     </p:spTree>
     <p:extLst>
       <p:ext uri="{BB962C8B-B14F-4D97-AF65-F5344CB8AC3E}">
-        <p14:creationId xmlns:p14="http://schemas.microsoft.com/office/powerpoint/2010/main" val="1827236680"/>
+        <p14:creationId xmlns:p14="http://schemas.microsoft.com/office/powerpoint/2010/main" val="368639937"/>
       </p:ext>
     </p:extLst>
   </p:cSld>
@@ -10541,16 +10359,13 @@
           <a:p>
             <a:r>
               <a:rPr lang="en-US" dirty="0"/>
-              <a:t>Simulation (1): </a:t>
+              <a:t>Simulation</a:t>
             </a:r>
-            <a:r>
-              <a:rPr lang="en-US" b="1" dirty="0">
-                <a:highlight>
-                  <a:srgbClr val="FFFF00"/>
-                </a:highlight>
-              </a:rPr>
-              <a:t>method-drive example</a:t>
-            </a:r>
+            <a:endParaRPr lang="en-US" b="1" dirty="0">
+              <a:highlight>
+                <a:srgbClr val="FFFF00"/>
+              </a:highlight>
+            </a:endParaRPr>
           </a:p>
         </p:txBody>
       </p:sp>
@@ -10737,7 +10552,7 @@
           <p:cNvPr id="2" name="Title 1">
             <a:extLst>
               <a:ext uri="{FF2B5EF4-FFF2-40B4-BE49-F238E27FC236}">
-                <a16:creationId xmlns:a16="http://schemas.microsoft.com/office/drawing/2014/main" id="{0FCB577E-0717-4F43-84EC-3CC34C16AFCB}"/>
+                <a16:creationId xmlns:a16="http://schemas.microsoft.com/office/drawing/2014/main" id="{DA4EA114-0F60-4C31-A9DB-174085DCFF48}"/>
               </a:ext>
             </a:extLst>
           </p:cNvPr>
@@ -10755,611 +10570,25 @@
           <a:p>
             <a:r>
               <a:rPr lang="en-US" dirty="0"/>
-              <a:t>Simulation (2): </a:t>
-            </a:r>
-            <a:r>
-              <a:rPr lang="en-US" b="1" dirty="0">
-                <a:highlight>
-                  <a:srgbClr val="FFFF00"/>
-                </a:highlight>
-              </a:rPr>
-              <a:t>problem-driven example</a:t>
+              <a:t>Application 1: V1 data (revisit)</a:t>
             </a:r>
           </a:p>
         </p:txBody>
       </p:sp>
-      <mc:AlternateContent xmlns:mc="http://schemas.openxmlformats.org/markup-compatibility/2006" xmlns:a14="http://schemas.microsoft.com/office/drawing/2010/main">
-        <mc:Choice Requires="a14">
-          <p:sp>
-            <p:nvSpPr>
-              <p:cNvPr id="4" name="Content Placeholder 2">
-                <a:extLst>
-                  <a:ext uri="{FF2B5EF4-FFF2-40B4-BE49-F238E27FC236}">
-                    <a16:creationId xmlns:a16="http://schemas.microsoft.com/office/drawing/2014/main" id="{1ED30680-74AE-436A-AD73-5EE0C607B49A}"/>
-                  </a:ext>
-                </a:extLst>
-              </p:cNvPr>
-              <p:cNvSpPr>
-                <a:spLocks noGrp="1"/>
-              </p:cNvSpPr>
-              <p:nvPr>
-                <p:ph idx="1"/>
-              </p:nvPr>
-            </p:nvSpPr>
-            <p:spPr>
-              <a:xfrm>
-                <a:off x="838200" y="1825625"/>
-                <a:ext cx="10515600" cy="4351338"/>
-              </a:xfrm>
-            </p:spPr>
-            <p:txBody>
-              <a:bodyPr/>
-              <a:lstStyle/>
-              <a:p>
-                <a14:m>
-                  <m:oMath xmlns:m="http://schemas.openxmlformats.org/officeDocument/2006/math">
-                    <m:sSub>
-                      <m:sSubPr>
-                        <m:ctrlPr>
-                          <a:rPr lang="en-US" b="0" i="1" smtClean="0">
-                            <a:latin typeface="Cambria Math" panose="02040503050406030204" pitchFamily="18" charset="0"/>
-                          </a:rPr>
-                        </m:ctrlPr>
-                      </m:sSubPr>
-                      <m:e>
-                        <m:r>
-                          <a:rPr lang="en-US" b="0" i="1" smtClean="0">
-                            <a:latin typeface="Cambria Math" panose="02040503050406030204" pitchFamily="18" charset="0"/>
-                          </a:rPr>
-                          <m:t>𝑌</m:t>
-                        </m:r>
-                      </m:e>
-                      <m:sub>
-                        <m:r>
-                          <a:rPr lang="en-US" b="0" i="1" smtClean="0">
-                            <a:latin typeface="Cambria Math" panose="02040503050406030204" pitchFamily="18" charset="0"/>
-                          </a:rPr>
-                          <m:t>𝑡</m:t>
-                        </m:r>
-                      </m:sub>
-                    </m:sSub>
-                    <m:r>
-                      <a:rPr lang="en-US" b="0" i="1" smtClean="0">
-                        <a:latin typeface="Cambria Math" panose="02040503050406030204" pitchFamily="18" charset="0"/>
-                      </a:rPr>
-                      <m:t>∼</m:t>
-                    </m:r>
-                    <m:r>
-                      <a:rPr lang="en-US" b="0" i="1" smtClean="0">
-                        <a:latin typeface="Cambria Math" panose="02040503050406030204" pitchFamily="18" charset="0"/>
-                      </a:rPr>
-                      <m:t>𝐶𝑀𝑃</m:t>
-                    </m:r>
-                    <m:r>
-                      <a:rPr lang="en-US" b="0" i="1" smtClean="0">
-                        <a:latin typeface="Cambria Math" panose="02040503050406030204" pitchFamily="18" charset="0"/>
-                      </a:rPr>
-                      <m:t>(</m:t>
-                    </m:r>
-                    <m:sSub>
-                      <m:sSubPr>
-                        <m:ctrlPr>
-                          <a:rPr lang="en-US" b="0" i="1" smtClean="0">
-                            <a:latin typeface="Cambria Math" panose="02040503050406030204" pitchFamily="18" charset="0"/>
-                          </a:rPr>
-                        </m:ctrlPr>
-                      </m:sSubPr>
-                      <m:e>
-                        <m:r>
-                          <a:rPr lang="en-US" b="0" i="1" smtClean="0">
-                            <a:latin typeface="Cambria Math" panose="02040503050406030204" pitchFamily="18" charset="0"/>
-                          </a:rPr>
-                          <m:t>𝜆</m:t>
-                        </m:r>
-                      </m:e>
-                      <m:sub>
-                        <m:r>
-                          <a:rPr lang="en-US" b="0" i="1" smtClean="0">
-                            <a:latin typeface="Cambria Math" panose="02040503050406030204" pitchFamily="18" charset="0"/>
-                          </a:rPr>
-                          <m:t>𝑡</m:t>
-                        </m:r>
-                      </m:sub>
-                    </m:sSub>
-                    <m:r>
-                      <a:rPr lang="en-US" b="0" i="1" smtClean="0">
-                        <a:latin typeface="Cambria Math" panose="02040503050406030204" pitchFamily="18" charset="0"/>
-                      </a:rPr>
-                      <m:t>,</m:t>
-                    </m:r>
-                    <m:sSub>
-                      <m:sSubPr>
-                        <m:ctrlPr>
-                          <a:rPr lang="en-US" b="0" i="1" smtClean="0">
-                            <a:latin typeface="Cambria Math" panose="02040503050406030204" pitchFamily="18" charset="0"/>
-                          </a:rPr>
-                        </m:ctrlPr>
-                      </m:sSubPr>
-                      <m:e>
-                        <m:r>
-                          <a:rPr lang="en-US" b="0" i="1" smtClean="0">
-                            <a:latin typeface="Cambria Math" panose="02040503050406030204" pitchFamily="18" charset="0"/>
-                          </a:rPr>
-                          <m:t>𝜈</m:t>
-                        </m:r>
-                      </m:e>
-                      <m:sub>
-                        <m:r>
-                          <a:rPr lang="en-US" b="0" i="1" smtClean="0">
-                            <a:latin typeface="Cambria Math" panose="02040503050406030204" pitchFamily="18" charset="0"/>
-                          </a:rPr>
-                          <m:t>𝑡</m:t>
-                        </m:r>
-                      </m:sub>
-                    </m:sSub>
-                    <m:r>
-                      <a:rPr lang="en-US" b="0" i="1" smtClean="0">
-                        <a:latin typeface="Cambria Math" panose="02040503050406030204" pitchFamily="18" charset="0"/>
-                      </a:rPr>
-                      <m:t>)</m:t>
-                    </m:r>
-                  </m:oMath>
-                </a14:m>
-                <a:r>
-                  <a:rPr lang="en-US" b="0" i="1" dirty="0">
-                    <a:latin typeface="Cambria Math" panose="02040503050406030204" pitchFamily="18" charset="0"/>
-                  </a:rPr>
-                  <a:t>	</a:t>
-                </a:r>
-                <a14:m>
-                  <m:oMath xmlns:m="http://schemas.openxmlformats.org/officeDocument/2006/math">
-                    <m:func>
-                      <m:funcPr>
-                        <m:ctrlPr>
-                          <a:rPr lang="en-US" b="0" i="1" smtClean="0">
-                            <a:latin typeface="Cambria Math" panose="02040503050406030204" pitchFamily="18" charset="0"/>
-                          </a:rPr>
-                        </m:ctrlPr>
-                      </m:funcPr>
-                      <m:fName>
-                        <m:r>
-                          <m:rPr>
-                            <m:sty m:val="p"/>
-                          </m:rPr>
-                          <a:rPr lang="en-US" b="0" i="0" smtClean="0">
-                            <a:latin typeface="Cambria Math" panose="02040503050406030204" pitchFamily="18" charset="0"/>
-                          </a:rPr>
-                          <m:t>log</m:t>
-                        </m:r>
-                      </m:fName>
-                      <m:e>
-                        <m:sSub>
-                          <m:sSubPr>
-                            <m:ctrlPr>
-                              <a:rPr lang="en-US" b="0" i="1" smtClean="0">
-                                <a:latin typeface="Cambria Math" panose="02040503050406030204" pitchFamily="18" charset="0"/>
-                              </a:rPr>
-                            </m:ctrlPr>
-                          </m:sSubPr>
-                          <m:e>
-                            <m:r>
-                              <a:rPr lang="en-US" b="0" i="1" smtClean="0">
-                                <a:latin typeface="Cambria Math" panose="02040503050406030204" pitchFamily="18" charset="0"/>
-                              </a:rPr>
-                              <m:t>𝜆</m:t>
-                            </m:r>
-                          </m:e>
-                          <m:sub>
-                            <m:r>
-                              <a:rPr lang="en-US" b="0" i="1" smtClean="0">
-                                <a:latin typeface="Cambria Math" panose="02040503050406030204" pitchFamily="18" charset="0"/>
-                              </a:rPr>
-                              <m:t>𝑡</m:t>
-                            </m:r>
-                          </m:sub>
-                        </m:sSub>
-                      </m:e>
-                    </m:func>
-                    <m:r>
-                      <a:rPr lang="en-US" b="0" i="1" smtClean="0">
-                        <a:latin typeface="Cambria Math" panose="02040503050406030204" pitchFamily="18" charset="0"/>
-                      </a:rPr>
-                      <m:t>=</m:t>
-                    </m:r>
-                    <m:sSubSup>
-                      <m:sSubSupPr>
-                        <m:ctrlPr>
-                          <a:rPr lang="en-US" b="0" i="1" smtClean="0">
-                            <a:latin typeface="Cambria Math" panose="02040503050406030204" pitchFamily="18" charset="0"/>
-                          </a:rPr>
-                        </m:ctrlPr>
-                      </m:sSubSupPr>
-                      <m:e>
-                        <m:r>
-                          <a:rPr lang="en-US" b="0" i="1" smtClean="0">
-                            <a:latin typeface="Cambria Math" panose="02040503050406030204" pitchFamily="18" charset="0"/>
-                          </a:rPr>
-                          <m:t>𝑥</m:t>
-                        </m:r>
-                      </m:e>
-                      <m:sub>
-                        <m:r>
-                          <a:rPr lang="en-US" b="0" i="1" smtClean="0">
-                            <a:latin typeface="Cambria Math" panose="02040503050406030204" pitchFamily="18" charset="0"/>
-                          </a:rPr>
-                          <m:t>𝑡</m:t>
-                        </m:r>
-                      </m:sub>
-                      <m:sup>
-                        <m:r>
-                          <a:rPr lang="en-US" b="0" i="1" smtClean="0">
-                            <a:latin typeface="Cambria Math" panose="02040503050406030204" pitchFamily="18" charset="0"/>
-                          </a:rPr>
-                          <m:t>′</m:t>
-                        </m:r>
-                      </m:sup>
-                    </m:sSubSup>
-                    <m:sSub>
-                      <m:sSubPr>
-                        <m:ctrlPr>
-                          <a:rPr lang="en-US" b="0" i="1" smtClean="0">
-                            <a:latin typeface="Cambria Math" panose="02040503050406030204" pitchFamily="18" charset="0"/>
-                          </a:rPr>
-                        </m:ctrlPr>
-                      </m:sSubPr>
-                      <m:e>
-                        <m:r>
-                          <a:rPr lang="en-US" b="0" i="1" smtClean="0">
-                            <a:latin typeface="Cambria Math" panose="02040503050406030204" pitchFamily="18" charset="0"/>
-                          </a:rPr>
-                          <m:t>𝛽</m:t>
-                        </m:r>
-                      </m:e>
-                      <m:sub>
-                        <m:r>
-                          <a:rPr lang="en-US" b="0" i="1" smtClean="0">
-                            <a:latin typeface="Cambria Math" panose="02040503050406030204" pitchFamily="18" charset="0"/>
-                          </a:rPr>
-                          <m:t>𝑡</m:t>
-                        </m:r>
-                      </m:sub>
-                    </m:sSub>
-                  </m:oMath>
-                </a14:m>
-                <a:r>
-                  <a:rPr lang="en-US" b="0" i="1" dirty="0">
-                    <a:latin typeface="Cambria Math" panose="02040503050406030204" pitchFamily="18" charset="0"/>
-                  </a:rPr>
-                  <a:t>	</a:t>
-                </a:r>
-                <a14:m>
-                  <m:oMath xmlns:m="http://schemas.openxmlformats.org/officeDocument/2006/math">
-                    <m:func>
-                      <m:funcPr>
-                        <m:ctrlPr>
-                          <a:rPr lang="en-US" b="0" i="1" smtClean="0">
-                            <a:latin typeface="Cambria Math" panose="02040503050406030204" pitchFamily="18" charset="0"/>
-                          </a:rPr>
-                        </m:ctrlPr>
-                      </m:funcPr>
-                      <m:fName>
-                        <m:r>
-                          <m:rPr>
-                            <m:sty m:val="p"/>
-                          </m:rPr>
-                          <a:rPr lang="en-US" b="0" i="0" smtClean="0">
-                            <a:latin typeface="Cambria Math" panose="02040503050406030204" pitchFamily="18" charset="0"/>
-                          </a:rPr>
-                          <m:t>log</m:t>
-                        </m:r>
-                      </m:fName>
-                      <m:e>
-                        <m:sSub>
-                          <m:sSubPr>
-                            <m:ctrlPr>
-                              <a:rPr lang="en-US" b="0" i="1" smtClean="0">
-                                <a:latin typeface="Cambria Math" panose="02040503050406030204" pitchFamily="18" charset="0"/>
-                              </a:rPr>
-                            </m:ctrlPr>
-                          </m:sSubPr>
-                          <m:e>
-                            <m:r>
-                              <a:rPr lang="en-US" b="0" i="1" smtClean="0">
-                                <a:latin typeface="Cambria Math" panose="02040503050406030204" pitchFamily="18" charset="0"/>
-                              </a:rPr>
-                              <m:t>𝜈</m:t>
-                            </m:r>
-                          </m:e>
-                          <m:sub>
-                            <m:r>
-                              <a:rPr lang="en-US" b="0" i="1" smtClean="0">
-                                <a:latin typeface="Cambria Math" panose="02040503050406030204" pitchFamily="18" charset="0"/>
-                              </a:rPr>
-                              <m:t>𝑡</m:t>
-                            </m:r>
-                          </m:sub>
-                        </m:sSub>
-                        <m:r>
-                          <a:rPr lang="en-US" b="0" i="1" smtClean="0">
-                            <a:latin typeface="Cambria Math" panose="02040503050406030204" pitchFamily="18" charset="0"/>
-                          </a:rPr>
-                          <m:t>=</m:t>
-                        </m:r>
-                        <m:sSubSup>
-                          <m:sSubSupPr>
-                            <m:ctrlPr>
-                              <a:rPr lang="en-US" b="0" i="1" smtClean="0">
-                                <a:latin typeface="Cambria Math" panose="02040503050406030204" pitchFamily="18" charset="0"/>
-                              </a:rPr>
-                            </m:ctrlPr>
-                          </m:sSubSupPr>
-                          <m:e>
-                            <m:r>
-                              <a:rPr lang="en-US" b="0" i="1" smtClean="0">
-                                <a:latin typeface="Cambria Math" panose="02040503050406030204" pitchFamily="18" charset="0"/>
-                              </a:rPr>
-                              <m:t>𝑔</m:t>
-                            </m:r>
-                          </m:e>
-                          <m:sub>
-                            <m:r>
-                              <a:rPr lang="en-US" b="0" i="1" smtClean="0">
-                                <a:latin typeface="Cambria Math" panose="02040503050406030204" pitchFamily="18" charset="0"/>
-                              </a:rPr>
-                              <m:t>𝑡</m:t>
-                            </m:r>
-                          </m:sub>
-                          <m:sup>
-                            <m:r>
-                              <a:rPr lang="en-US" b="0" i="1" smtClean="0">
-                                <a:latin typeface="Cambria Math" panose="02040503050406030204" pitchFamily="18" charset="0"/>
-                              </a:rPr>
-                              <m:t>′</m:t>
-                            </m:r>
-                          </m:sup>
-                        </m:sSubSup>
-                        <m:sSub>
-                          <m:sSubPr>
-                            <m:ctrlPr>
-                              <a:rPr lang="en-US" b="0" i="1" smtClean="0">
-                                <a:latin typeface="Cambria Math" panose="02040503050406030204" pitchFamily="18" charset="0"/>
-                              </a:rPr>
-                            </m:ctrlPr>
-                          </m:sSubPr>
-                          <m:e>
-                            <m:r>
-                              <a:rPr lang="en-US" b="0" i="1" smtClean="0">
-                                <a:latin typeface="Cambria Math" panose="02040503050406030204" pitchFamily="18" charset="0"/>
-                              </a:rPr>
-                              <m:t>𝛾</m:t>
-                            </m:r>
-                          </m:e>
-                          <m:sub>
-                            <m:r>
-                              <a:rPr lang="en-US" b="0" i="1" smtClean="0">
-                                <a:latin typeface="Cambria Math" panose="02040503050406030204" pitchFamily="18" charset="0"/>
-                              </a:rPr>
-                              <m:t>𝑡</m:t>
-                            </m:r>
-                          </m:sub>
-                        </m:sSub>
-                      </m:e>
-                    </m:func>
-                  </m:oMath>
-                </a14:m>
-                <a:endParaRPr lang="en-US" b="0" i="1" dirty="0">
-                  <a:latin typeface="Cambria Math" panose="02040503050406030204" pitchFamily="18" charset="0"/>
-                </a:endParaRPr>
-              </a:p>
-              <a:p>
-                <a14:m>
-                  <m:oMath xmlns:m="http://schemas.openxmlformats.org/officeDocument/2006/math">
-                    <m:sSub>
-                      <m:sSubPr>
-                        <m:ctrlPr>
-                          <a:rPr lang="en-US" b="0" i="1" smtClean="0">
-                            <a:latin typeface="Cambria Math" panose="02040503050406030204" pitchFamily="18" charset="0"/>
-                          </a:rPr>
-                        </m:ctrlPr>
-                      </m:sSubPr>
-                      <m:e>
-                        <m:r>
-                          <a:rPr lang="en-US" b="0" i="1" smtClean="0">
-                            <a:latin typeface="Cambria Math" panose="02040503050406030204" pitchFamily="18" charset="0"/>
-                          </a:rPr>
-                          <m:t>𝑥</m:t>
-                        </m:r>
-                      </m:e>
-                      <m:sub>
-                        <m:r>
-                          <a:rPr lang="en-US" b="0" i="1" smtClean="0">
-                            <a:latin typeface="Cambria Math" panose="02040503050406030204" pitchFamily="18" charset="0"/>
-                          </a:rPr>
-                          <m:t>𝑡</m:t>
-                        </m:r>
-                      </m:sub>
-                    </m:sSub>
-                    <m:r>
-                      <a:rPr lang="en-US" b="0" i="1" smtClean="0">
-                        <a:latin typeface="Cambria Math" panose="02040503050406030204" pitchFamily="18" charset="0"/>
-                      </a:rPr>
-                      <m:t>=1</m:t>
-                    </m:r>
-                  </m:oMath>
-                </a14:m>
-                <a:r>
-                  <a:rPr lang="en-US" dirty="0"/>
-                  <a:t>	</a:t>
-                </a:r>
-                <a14:m>
-                  <m:oMath xmlns:m="http://schemas.openxmlformats.org/officeDocument/2006/math">
-                    <m:sSub>
-                      <m:sSubPr>
-                        <m:ctrlPr>
-                          <a:rPr lang="en-US" b="0" i="1" smtClean="0">
-                            <a:latin typeface="Cambria Math" panose="02040503050406030204" pitchFamily="18" charset="0"/>
-                          </a:rPr>
-                        </m:ctrlPr>
-                      </m:sSubPr>
-                      <m:e>
-                        <m:r>
-                          <a:rPr lang="en-US" b="0" i="1" smtClean="0">
-                            <a:latin typeface="Cambria Math" panose="02040503050406030204" pitchFamily="18" charset="0"/>
-                          </a:rPr>
-                          <m:t>𝑔</m:t>
-                        </m:r>
-                      </m:e>
-                      <m:sub>
-                        <m:r>
-                          <a:rPr lang="en-US" b="0" i="1" smtClean="0">
-                            <a:latin typeface="Cambria Math" panose="02040503050406030204" pitchFamily="18" charset="0"/>
-                          </a:rPr>
-                          <m:t>𝑡</m:t>
-                        </m:r>
-                      </m:sub>
-                    </m:sSub>
-                    <m:r>
-                      <a:rPr lang="en-US" b="0" i="1" smtClean="0">
-                        <a:latin typeface="Cambria Math" panose="02040503050406030204" pitchFamily="18" charset="0"/>
-                      </a:rPr>
-                      <m:t>=1</m:t>
-                    </m:r>
-                  </m:oMath>
-                </a14:m>
-                <a:r>
-                  <a:rPr lang="en-US" dirty="0"/>
-                  <a:t>	</a:t>
-                </a:r>
-                <a14:m>
-                  <m:oMath xmlns:m="http://schemas.openxmlformats.org/officeDocument/2006/math">
-                    <m:r>
-                      <a:rPr lang="en-US" b="0" i="1" smtClean="0">
-                        <a:latin typeface="Cambria Math" panose="02040503050406030204" pitchFamily="18" charset="0"/>
-                      </a:rPr>
-                      <m:t>𝑌</m:t>
-                    </m:r>
-                    <m:r>
-                      <a:rPr lang="en-US" b="0" i="1" smtClean="0">
-                        <a:latin typeface="Cambria Math" panose="02040503050406030204" pitchFamily="18" charset="0"/>
-                        <a:ea typeface="Cambria Math" panose="02040503050406030204" pitchFamily="18" charset="0"/>
-                      </a:rPr>
-                      <m:t>∈</m:t>
-                    </m:r>
-                    <m:sSup>
-                      <m:sSupPr>
-                        <m:ctrlPr>
-                          <a:rPr lang="en-US" b="0" i="1" smtClean="0">
-                            <a:latin typeface="Cambria Math" panose="02040503050406030204" pitchFamily="18" charset="0"/>
-                            <a:ea typeface="Cambria Math" panose="02040503050406030204" pitchFamily="18" charset="0"/>
-                          </a:rPr>
-                        </m:ctrlPr>
-                      </m:sSupPr>
-                      <m:e>
-                        <m:r>
-                          <a:rPr lang="en-US" b="0" i="1" smtClean="0">
-                            <a:latin typeface="Cambria Math" panose="02040503050406030204" pitchFamily="18" charset="0"/>
-                            <a:ea typeface="Cambria Math" panose="02040503050406030204" pitchFamily="18" charset="0"/>
-                          </a:rPr>
-                          <m:t>𝑅</m:t>
-                        </m:r>
-                      </m:e>
-                      <m:sup>
-                        <m:r>
-                          <a:rPr lang="en-US" b="0" i="1" smtClean="0">
-                            <a:latin typeface="Cambria Math" panose="02040503050406030204" pitchFamily="18" charset="0"/>
-                            <a:ea typeface="Cambria Math" panose="02040503050406030204" pitchFamily="18" charset="0"/>
-                          </a:rPr>
-                          <m:t>1×</m:t>
-                        </m:r>
-                        <m:r>
-                          <a:rPr lang="en-US" b="0" i="1" smtClean="0">
-                            <a:latin typeface="Cambria Math" panose="02040503050406030204" pitchFamily="18" charset="0"/>
-                            <a:ea typeface="Cambria Math" panose="02040503050406030204" pitchFamily="18" charset="0"/>
-                          </a:rPr>
-                          <m:t>𝑇</m:t>
-                        </m:r>
-                      </m:sup>
-                    </m:sSup>
-                  </m:oMath>
-                </a14:m>
-                <a:r>
-                  <a:rPr lang="en-US" dirty="0"/>
-                  <a:t> (1 observation at each time point)</a:t>
-                </a:r>
-              </a:p>
-              <a:p>
-                <a:r>
-                  <a:rPr lang="en-US" b="1" dirty="0">
-                    <a:highlight>
-                      <a:srgbClr val="FFFF00"/>
-                    </a:highlight>
-                  </a:rPr>
-                  <a:t>CAUTION: the appropriate example is not decided yet… The plot is the old version. Will update to new plots once decide which example to show</a:t>
-                </a:r>
-              </a:p>
-            </p:txBody>
-          </p:sp>
-        </mc:Choice>
-        <mc:Fallback xmlns="">
-          <p:sp>
-            <p:nvSpPr>
-              <p:cNvPr id="4" name="Content Placeholder 2">
-                <a:extLst>
-                  <a:ext uri="{FF2B5EF4-FFF2-40B4-BE49-F238E27FC236}">
-                    <a16:creationId xmlns:a16="http://schemas.microsoft.com/office/drawing/2014/main" id="{1ED30680-74AE-436A-AD73-5EE0C607B49A}"/>
-                  </a:ext>
-                </a:extLst>
-              </p:cNvPr>
-              <p:cNvSpPr>
-                <a:spLocks noGrp="1" noRot="1" noChangeAspect="1" noMove="1" noResize="1" noEditPoints="1" noAdjustHandles="1" noChangeArrowheads="1" noChangeShapeType="1" noTextEdit="1"/>
-              </p:cNvSpPr>
-              <p:nvPr>
-                <p:ph idx="1"/>
-              </p:nvPr>
-            </p:nvSpPr>
-            <p:spPr>
-              <a:xfrm>
-                <a:off x="838200" y="1825625"/>
-                <a:ext cx="10515600" cy="4351338"/>
-              </a:xfrm>
-              <a:blipFill>
-                <a:blip r:embed="rId2"/>
-                <a:stretch>
-                  <a:fillRect l="-1043"/>
-                </a:stretch>
-              </a:blipFill>
-            </p:spPr>
-            <p:txBody>
-              <a:bodyPr/>
-              <a:lstStyle/>
-              <a:p>
-                <a:r>
-                  <a:rPr lang="en-US">
-                    <a:noFill/>
-                  </a:rPr>
-                  <a:t> </a:t>
-                </a:r>
-              </a:p>
-            </p:txBody>
-          </p:sp>
-        </mc:Fallback>
-      </mc:AlternateContent>
       <p:pic>
         <p:nvPicPr>
           <p:cNvPr id="5" name="Picture 4">
             <a:extLst>
               <a:ext uri="{FF2B5EF4-FFF2-40B4-BE49-F238E27FC236}">
-                <a16:creationId xmlns:a16="http://schemas.microsoft.com/office/drawing/2014/main" id="{A36D1B90-BDE3-4F12-90A3-7874D672FB5F}"/>
+                <a16:creationId xmlns:a16="http://schemas.microsoft.com/office/drawing/2014/main" id="{6D70ACEC-6423-4F6C-980E-E3835839BC0B}"/>
               </a:ext>
             </a:extLst>
           </p:cNvPr>
-          <p:cNvPicPr>
-            <a:picLocks noChangeAspect="1"/>
-          </p:cNvPicPr>
+          <p:cNvPicPr/>
           <p:nvPr/>
         </p:nvPicPr>
         <p:blipFill>
-          <a:blip r:embed="rId3">
+          <a:blip r:embed="rId2" cstate="print">
             <a:extLst>
               <a:ext uri="{28A0092B-C50C-407E-A947-70E740481C1C}">
                 <a14:useLocalDpi xmlns:a14="http://schemas.microsoft.com/office/drawing/2010/main" val="0"/>
@@ -11370,20 +10599,237 @@
             <a:fillRect/>
           </a:stretch>
         </p:blipFill>
-        <p:spPr>
-          <a:xfrm flipH="1">
-            <a:off x="2782595" y="4200525"/>
-            <a:ext cx="3542005" cy="1847850"/>
+        <p:spPr bwMode="auto">
+          <a:xfrm>
+            <a:off x="0" y="1690688"/>
+            <a:ext cx="6402916" cy="4802187"/>
           </a:xfrm>
           <a:prstGeom prst="rect">
             <a:avLst/>
           </a:prstGeom>
+          <a:noFill/>
         </p:spPr>
       </p:pic>
+      <p:pic>
+        <p:nvPicPr>
+          <p:cNvPr id="6" name="Picture 5">
+            <a:extLst>
+              <a:ext uri="{FF2B5EF4-FFF2-40B4-BE49-F238E27FC236}">
+                <a16:creationId xmlns:a16="http://schemas.microsoft.com/office/drawing/2014/main" id="{DCDB07EE-E18E-43A2-8B39-1CB54155D567}"/>
+              </a:ext>
+            </a:extLst>
+          </p:cNvPr>
+          <p:cNvPicPr/>
+          <p:nvPr/>
+        </p:nvPicPr>
+        <p:blipFill rotWithShape="1">
+          <a:blip r:embed="rId3" cstate="print">
+            <a:extLst>
+              <a:ext uri="{28A0092B-C50C-407E-A947-70E740481C1C}">
+                <a14:useLocalDpi xmlns:a14="http://schemas.microsoft.com/office/drawing/2010/main" val="0"/>
+              </a:ext>
+            </a:extLst>
+          </a:blip>
+          <a:srcRect t="48251"/>
+          <a:stretch/>
+        </p:blipFill>
+        <p:spPr bwMode="auto">
+          <a:xfrm>
+            <a:off x="5739848" y="1218327"/>
+            <a:ext cx="4819650" cy="1915636"/>
+          </a:xfrm>
+          <a:prstGeom prst="rect">
+            <a:avLst/>
+          </a:prstGeom>
+          <a:noFill/>
+          <a:ln>
+            <a:noFill/>
+          </a:ln>
+        </p:spPr>
+      </p:pic>
+      <p:pic>
+        <p:nvPicPr>
+          <p:cNvPr id="7" name="Picture 6">
+            <a:extLst>
+              <a:ext uri="{FF2B5EF4-FFF2-40B4-BE49-F238E27FC236}">
+                <a16:creationId xmlns:a16="http://schemas.microsoft.com/office/drawing/2014/main" id="{8F7A2D70-623F-4986-A4CA-1366B0D58C7B}"/>
+              </a:ext>
+            </a:extLst>
+          </p:cNvPr>
+          <p:cNvPicPr/>
+          <p:nvPr/>
+        </p:nvPicPr>
+        <p:blipFill rotWithShape="1">
+          <a:blip r:embed="rId4" cstate="print">
+            <a:extLst>
+              <a:ext uri="{28A0092B-C50C-407E-A947-70E740481C1C}">
+                <a14:useLocalDpi xmlns:a14="http://schemas.microsoft.com/office/drawing/2010/main" val="0"/>
+              </a:ext>
+            </a:extLst>
+          </a:blip>
+          <a:srcRect b="49077"/>
+          <a:stretch/>
+        </p:blipFill>
+        <p:spPr bwMode="auto">
+          <a:xfrm>
+            <a:off x="5739848" y="4701642"/>
+            <a:ext cx="4966252" cy="1901646"/>
+          </a:xfrm>
+          <a:prstGeom prst="rect">
+            <a:avLst/>
+          </a:prstGeom>
+          <a:noFill/>
+          <a:ln>
+            <a:noFill/>
+          </a:ln>
+        </p:spPr>
+      </p:pic>
+      <p:pic>
+        <p:nvPicPr>
+          <p:cNvPr id="8" name="Picture 7">
+            <a:extLst>
+              <a:ext uri="{FF2B5EF4-FFF2-40B4-BE49-F238E27FC236}">
+                <a16:creationId xmlns:a16="http://schemas.microsoft.com/office/drawing/2014/main" id="{EA24F4B0-DC39-42C7-BB1E-FFECAC563AF6}"/>
+              </a:ext>
+            </a:extLst>
+          </p:cNvPr>
+          <p:cNvPicPr/>
+          <p:nvPr/>
+        </p:nvPicPr>
+        <p:blipFill rotWithShape="1">
+          <a:blip r:embed="rId3" cstate="print">
+            <a:extLst>
+              <a:ext uri="{28A0092B-C50C-407E-A947-70E740481C1C}">
+                <a14:useLocalDpi xmlns:a14="http://schemas.microsoft.com/office/drawing/2010/main" val="0"/>
+              </a:ext>
+            </a:extLst>
+          </a:blip>
+          <a:srcRect b="49012"/>
+          <a:stretch/>
+        </p:blipFill>
+        <p:spPr bwMode="auto">
+          <a:xfrm>
+            <a:off x="5742747" y="2854881"/>
+            <a:ext cx="4816752" cy="1846761"/>
+          </a:xfrm>
+          <a:prstGeom prst="rect">
+            <a:avLst/>
+          </a:prstGeom>
+          <a:noFill/>
+          <a:ln>
+            <a:noFill/>
+          </a:ln>
+        </p:spPr>
+      </p:pic>
+      <p:sp>
+        <p:nvSpPr>
+          <p:cNvPr id="9" name="TextBox 8">
+            <a:extLst>
+              <a:ext uri="{FF2B5EF4-FFF2-40B4-BE49-F238E27FC236}">
+                <a16:creationId xmlns:a16="http://schemas.microsoft.com/office/drawing/2014/main" id="{2BE2254D-4025-4EFB-A319-C8F298BA6A65}"/>
+              </a:ext>
+            </a:extLst>
+          </p:cNvPr>
+          <p:cNvSpPr txBox="1"/>
+          <p:nvPr/>
+        </p:nvSpPr>
+        <p:spPr>
+          <a:xfrm>
+            <a:off x="10448925" y="1876425"/>
+            <a:ext cx="1297406" cy="369332"/>
+          </a:xfrm>
+          <a:prstGeom prst="rect">
+            <a:avLst/>
+          </a:prstGeom>
+          <a:noFill/>
+        </p:spPr>
+        <p:txBody>
+          <a:bodyPr wrap="none" rtlCol="0">
+            <a:spAutoFit/>
+          </a:bodyPr>
+          <a:lstStyle/>
+          <a:p>
+            <a:r>
+              <a:rPr lang="en-US" dirty="0"/>
+              <a:t>observation</a:t>
+            </a:r>
+          </a:p>
+        </p:txBody>
+      </p:sp>
+      <p:sp>
+        <p:nvSpPr>
+          <p:cNvPr id="10" name="TextBox 9">
+            <a:extLst>
+              <a:ext uri="{FF2B5EF4-FFF2-40B4-BE49-F238E27FC236}">
+                <a16:creationId xmlns:a16="http://schemas.microsoft.com/office/drawing/2014/main" id="{F23183C0-DBFB-46A5-98F0-DC951C47434B}"/>
+              </a:ext>
+            </a:extLst>
+          </p:cNvPr>
+          <p:cNvSpPr txBox="1"/>
+          <p:nvPr/>
+        </p:nvSpPr>
+        <p:spPr>
+          <a:xfrm>
+            <a:off x="10448925" y="3409950"/>
+            <a:ext cx="1245854" cy="369332"/>
+          </a:xfrm>
+          <a:prstGeom prst="rect">
+            <a:avLst/>
+          </a:prstGeom>
+          <a:noFill/>
+        </p:spPr>
+        <p:txBody>
+          <a:bodyPr wrap="none" rtlCol="0">
+            <a:spAutoFit/>
+          </a:bodyPr>
+          <a:lstStyle/>
+          <a:p>
+            <a:r>
+              <a:rPr lang="en-US" dirty="0"/>
+              <a:t>Full sample</a:t>
+            </a:r>
+          </a:p>
+        </p:txBody>
+      </p:sp>
+      <p:sp>
+        <p:nvSpPr>
+          <p:cNvPr id="11" name="TextBox 10">
+            <a:extLst>
+              <a:ext uri="{FF2B5EF4-FFF2-40B4-BE49-F238E27FC236}">
+                <a16:creationId xmlns:a16="http://schemas.microsoft.com/office/drawing/2014/main" id="{45F1B15B-BC35-4EFC-A6B3-FC0E7ACFC9EB}"/>
+              </a:ext>
+            </a:extLst>
+          </p:cNvPr>
+          <p:cNvSpPr txBox="1"/>
+          <p:nvPr/>
+        </p:nvSpPr>
+        <p:spPr>
+          <a:xfrm>
+            <a:off x="10559498" y="5310766"/>
+            <a:ext cx="1306768" cy="369332"/>
+          </a:xfrm>
+          <a:prstGeom prst="rect">
+            <a:avLst/>
+          </a:prstGeom>
+          <a:noFill/>
+        </p:spPr>
+        <p:txBody>
+          <a:bodyPr wrap="none" rtlCol="0">
+            <a:spAutoFit/>
+          </a:bodyPr>
+          <a:lstStyle/>
+          <a:p>
+            <a:r>
+              <a:rPr lang="en-US" dirty="0"/>
+              <a:t>Half Sample</a:t>
+            </a:r>
+          </a:p>
+        </p:txBody>
+      </p:sp>
     </p:spTree>
     <p:extLst>
       <p:ext uri="{BB962C8B-B14F-4D97-AF65-F5344CB8AC3E}">
-        <p14:creationId xmlns:p14="http://schemas.microsoft.com/office/powerpoint/2010/main" val="1668893133"/>
+        <p14:creationId xmlns:p14="http://schemas.microsoft.com/office/powerpoint/2010/main" val="1827236680"/>
       </p:ext>
     </p:extLst>
   </p:cSld>

--- a/documents/JSM_2021/15min_version.pptx
+++ b/documents/JSM_2021/15min_version.pptx
@@ -280,7 +280,7 @@
           <a:p>
             <a:fld id="{1FD15BE6-D28F-4CB9-886B-8E7E78239579}" type="datetimeFigureOut">
               <a:rPr lang="en-US" smtClean="0"/>
-              <a:t>6/23/2021</a:t>
+              <a:t>7/25/2021</a:t>
             </a:fld>
             <a:endParaRPr lang="en-US"/>
           </a:p>
@@ -478,7 +478,7 @@
           <a:p>
             <a:fld id="{1FD15BE6-D28F-4CB9-886B-8E7E78239579}" type="datetimeFigureOut">
               <a:rPr lang="en-US" smtClean="0"/>
-              <a:t>6/23/2021</a:t>
+              <a:t>7/25/2021</a:t>
             </a:fld>
             <a:endParaRPr lang="en-US"/>
           </a:p>
@@ -686,7 +686,7 @@
           <a:p>
             <a:fld id="{1FD15BE6-D28F-4CB9-886B-8E7E78239579}" type="datetimeFigureOut">
               <a:rPr lang="en-US" smtClean="0"/>
-              <a:t>6/23/2021</a:t>
+              <a:t>7/25/2021</a:t>
             </a:fld>
             <a:endParaRPr lang="en-US"/>
           </a:p>
@@ -884,7 +884,7 @@
           <a:p>
             <a:fld id="{1FD15BE6-D28F-4CB9-886B-8E7E78239579}" type="datetimeFigureOut">
               <a:rPr lang="en-US" smtClean="0"/>
-              <a:t>6/23/2021</a:t>
+              <a:t>7/25/2021</a:t>
             </a:fld>
             <a:endParaRPr lang="en-US"/>
           </a:p>
@@ -1159,7 +1159,7 @@
           <a:p>
             <a:fld id="{1FD15BE6-D28F-4CB9-886B-8E7E78239579}" type="datetimeFigureOut">
               <a:rPr lang="en-US" smtClean="0"/>
-              <a:t>6/23/2021</a:t>
+              <a:t>7/25/2021</a:t>
             </a:fld>
             <a:endParaRPr lang="en-US"/>
           </a:p>
@@ -1424,7 +1424,7 @@
           <a:p>
             <a:fld id="{1FD15BE6-D28F-4CB9-886B-8E7E78239579}" type="datetimeFigureOut">
               <a:rPr lang="en-US" smtClean="0"/>
-              <a:t>6/23/2021</a:t>
+              <a:t>7/25/2021</a:t>
             </a:fld>
             <a:endParaRPr lang="en-US"/>
           </a:p>
@@ -1836,7 +1836,7 @@
           <a:p>
             <a:fld id="{1FD15BE6-D28F-4CB9-886B-8E7E78239579}" type="datetimeFigureOut">
               <a:rPr lang="en-US" smtClean="0"/>
-              <a:t>6/23/2021</a:t>
+              <a:t>7/25/2021</a:t>
             </a:fld>
             <a:endParaRPr lang="en-US"/>
           </a:p>
@@ -1977,7 +1977,7 @@
           <a:p>
             <a:fld id="{1FD15BE6-D28F-4CB9-886B-8E7E78239579}" type="datetimeFigureOut">
               <a:rPr lang="en-US" smtClean="0"/>
-              <a:t>6/23/2021</a:t>
+              <a:t>7/25/2021</a:t>
             </a:fld>
             <a:endParaRPr lang="en-US"/>
           </a:p>
@@ -2090,7 +2090,7 @@
           <a:p>
             <a:fld id="{1FD15BE6-D28F-4CB9-886B-8E7E78239579}" type="datetimeFigureOut">
               <a:rPr lang="en-US" smtClean="0"/>
-              <a:t>6/23/2021</a:t>
+              <a:t>7/25/2021</a:t>
             </a:fld>
             <a:endParaRPr lang="en-US"/>
           </a:p>
@@ -2401,7 +2401,7 @@
           <a:p>
             <a:fld id="{1FD15BE6-D28F-4CB9-886B-8E7E78239579}" type="datetimeFigureOut">
               <a:rPr lang="en-US" smtClean="0"/>
-              <a:t>6/23/2021</a:t>
+              <a:t>7/25/2021</a:t>
             </a:fld>
             <a:endParaRPr lang="en-US"/>
           </a:p>
@@ -2689,7 +2689,7 @@
           <a:p>
             <a:fld id="{1FD15BE6-D28F-4CB9-886B-8E7E78239579}" type="datetimeFigureOut">
               <a:rPr lang="en-US" smtClean="0"/>
-              <a:t>6/23/2021</a:t>
+              <a:t>7/25/2021</a:t>
             </a:fld>
             <a:endParaRPr lang="en-US"/>
           </a:p>
@@ -2930,7 +2930,7 @@
           <a:p>
             <a:fld id="{1FD15BE6-D28F-4CB9-886B-8E7E78239579}" type="datetimeFigureOut">
               <a:rPr lang="en-US" smtClean="0"/>
-              <a:t>6/23/2021</a:t>
+              <a:t>7/25/2021</a:t>
             </a:fld>
             <a:endParaRPr lang="en-US"/>
           </a:p>
@@ -3401,12 +3401,12 @@
         </p:spPr>
         <p:txBody>
           <a:bodyPr>
-            <a:normAutofit/>
+            <a:normAutofit lnSpcReduction="10000"/>
           </a:bodyPr>
           <a:lstStyle/>
           <a:p>
             <a:r>
-              <a:rPr lang="en-US" b="1" dirty="0"/>
+              <a:rPr lang="en-US" sz="2800" b="1" dirty="0"/>
               <a:t>Ganchao Wei</a:t>
             </a:r>
           </a:p>
@@ -3707,10 +3707,10 @@
       </p:sp>
       <p:pic>
         <p:nvPicPr>
-          <p:cNvPr id="4" name="Picture 3">
+          <p:cNvPr id="5" name="Picture 4" descr="Graphical user interface&#10;&#10;Description automatically generated">
             <a:extLst>
               <a:ext uri="{FF2B5EF4-FFF2-40B4-BE49-F238E27FC236}">
-                <a16:creationId xmlns:a16="http://schemas.microsoft.com/office/drawing/2014/main" id="{8AE03DB6-23DD-46F3-BF37-545FF53533FC}"/>
+                <a16:creationId xmlns:a16="http://schemas.microsoft.com/office/drawing/2014/main" id="{E95E2E5A-8087-4EAF-8A0E-CFDCB4B7AAEC}"/>
               </a:ext>
             </a:extLst>
           </p:cNvPr>
@@ -3718,56 +3718,15 @@
           <p:nvPr/>
         </p:nvPicPr>
         <p:blipFill>
-          <a:blip r:embed="rId2">
-            <a:extLst>
-              <a:ext uri="{28A0092B-C50C-407E-A947-70E740481C1C}">
-                <a14:useLocalDpi xmlns:a14="http://schemas.microsoft.com/office/drawing/2010/main" val="0"/>
-              </a:ext>
-            </a:extLst>
-          </a:blip>
-          <a:srcRect/>
-          <a:stretch>
-            <a:fillRect/>
-          </a:stretch>
-        </p:blipFill>
-        <p:spPr bwMode="auto">
-          <a:xfrm>
-            <a:off x="6015182" y="1690688"/>
-            <a:ext cx="5049982" cy="4000500"/>
-          </a:xfrm>
-          <a:prstGeom prst="rect">
-            <a:avLst/>
-          </a:prstGeom>
-          <a:noFill/>
-          <a:ln>
-            <a:noFill/>
-          </a:ln>
-        </p:spPr>
-      </p:pic>
-      <p:pic>
-        <p:nvPicPr>
-          <p:cNvPr id="6" name="Picture 5">
-            <a:extLst>
-              <a:ext uri="{FF2B5EF4-FFF2-40B4-BE49-F238E27FC236}">
-                <a16:creationId xmlns:a16="http://schemas.microsoft.com/office/drawing/2014/main" id="{D98FB3C6-9049-446C-ACF6-1D87C9E15C57}"/>
-              </a:ext>
-            </a:extLst>
-          </p:cNvPr>
-          <p:cNvPicPr>
-            <a:picLocks noChangeAspect="1"/>
-          </p:cNvPicPr>
-          <p:nvPr/>
-        </p:nvPicPr>
-        <p:blipFill>
-          <a:blip r:embed="rId3"/>
+          <a:blip r:embed="rId2"/>
           <a:stretch>
             <a:fillRect/>
           </a:stretch>
         </p:blipFill>
         <p:spPr>
           <a:xfrm>
-            <a:off x="681182" y="1690688"/>
-            <a:ext cx="5334000" cy="4000500"/>
+            <a:off x="2494886" y="1493472"/>
+            <a:ext cx="6597004" cy="4944803"/>
           </a:xfrm>
           <a:prstGeom prst="rect">
             <a:avLst/>
@@ -10103,8 +10062,8 @@
           </a:p>
         </p:txBody>
       </p:sp>
-      <mc:AlternateContent xmlns:mc="http://schemas.openxmlformats.org/markup-compatibility/2006" xmlns:a14="http://schemas.microsoft.com/office/drawing/2010/main">
-        <mc:Choice Requires="a14">
+      <mc:AlternateContent xmlns:mc="http://schemas.openxmlformats.org/markup-compatibility/2006">
+        <mc:Choice xmlns:a14="http://schemas.microsoft.com/office/drawing/2010/main" Requires="a14">
           <p:sp>
             <p:nvSpPr>
               <p:cNvPr id="3" name="Content Placeholder 2">
@@ -10123,13 +10082,13 @@
             </p:nvSpPr>
             <p:spPr>
               <a:xfrm>
-                <a:off x="6639350" y="1825625"/>
-                <a:ext cx="4905375" cy="4351338"/>
+                <a:off x="6096000" y="1825625"/>
+                <a:ext cx="5448725" cy="4351338"/>
               </a:xfrm>
             </p:spPr>
             <p:txBody>
               <a:bodyPr>
-                <a:normAutofit fontScale="92500" lnSpcReduction="10000"/>
+                <a:normAutofit fontScale="92500"/>
               </a:bodyPr>
               <a:lstStyle/>
               <a:p>
@@ -10223,7 +10182,7 @@
             </p:txBody>
           </p:sp>
         </mc:Choice>
-        <mc:Fallback xmlns="">
+        <mc:Fallback>
           <p:sp>
             <p:nvSpPr>
               <p:cNvPr id="3" name="Content Placeholder 2">
@@ -10242,13 +10201,13 @@
             </p:nvSpPr>
             <p:spPr>
               <a:xfrm>
-                <a:off x="6639350" y="1825625"/>
-                <a:ext cx="4905375" cy="4351338"/>
+                <a:off x="6096000" y="1825625"/>
+                <a:ext cx="5448725" cy="4351338"/>
               </a:xfrm>
               <a:blipFill>
                 <a:blip r:embed="rId2"/>
                 <a:stretch>
-                  <a:fillRect l="-1863" t="-2801" r="-1118"/>
+                  <a:fillRect l="-1678" t="-2101" r="-783"/>
                 </a:stretch>
               </a:blipFill>
             </p:spPr>
@@ -10269,17 +10228,19 @@
       </mc:AlternateContent>
       <p:pic>
         <p:nvPicPr>
-          <p:cNvPr id="4" name="Picture 3">
+          <p:cNvPr id="6" name="Picture 5" descr="A picture containing diagram&#10;&#10;Description automatically generated">
             <a:extLst>
               <a:ext uri="{FF2B5EF4-FFF2-40B4-BE49-F238E27FC236}">
-                <a16:creationId xmlns:a16="http://schemas.microsoft.com/office/drawing/2014/main" id="{9FC7F0FF-8569-4F62-8985-D77A71EB0BBD}"/>
+                <a16:creationId xmlns:a16="http://schemas.microsoft.com/office/drawing/2014/main" id="{073299D3-754B-462E-A643-447FF58BB702}"/>
               </a:ext>
             </a:extLst>
           </p:cNvPr>
-          <p:cNvPicPr/>
+          <p:cNvPicPr>
+            <a:picLocks noChangeAspect="1"/>
+          </p:cNvPicPr>
           <p:nvPr/>
         </p:nvPicPr>
-        <p:blipFill>
+        <p:blipFill rotWithShape="1">
           <a:blip r:embed="rId3">
             <a:extLst>
               <a:ext uri="{28A0092B-C50C-407E-A947-70E740481C1C}">
@@ -10287,23 +10248,52 @@
               </a:ext>
             </a:extLst>
           </a:blip>
-          <a:srcRect/>
-          <a:stretch>
-            <a:fillRect/>
-          </a:stretch>
+          <a:srcRect r="46302"/>
+          <a:stretch/>
         </p:blipFill>
-        <p:spPr bwMode="auto">
+        <p:spPr>
           <a:xfrm>
-            <a:off x="838200" y="1690688"/>
-            <a:ext cx="5801150" cy="4351338"/>
+            <a:off x="1364315" y="1690688"/>
+            <a:ext cx="4188336" cy="2471933"/>
           </a:xfrm>
           <a:prstGeom prst="rect">
             <a:avLst/>
           </a:prstGeom>
-          <a:noFill/>
-          <a:ln>
-            <a:noFill/>
-          </a:ln>
+        </p:spPr>
+      </p:pic>
+      <p:pic>
+        <p:nvPicPr>
+          <p:cNvPr id="7" name="Picture 6" descr="A picture containing diagram&#10;&#10;Description automatically generated">
+            <a:extLst>
+              <a:ext uri="{FF2B5EF4-FFF2-40B4-BE49-F238E27FC236}">
+                <a16:creationId xmlns:a16="http://schemas.microsoft.com/office/drawing/2014/main" id="{E877D08F-1C36-417C-8CE9-017D57F958C9}"/>
+              </a:ext>
+            </a:extLst>
+          </p:cNvPr>
+          <p:cNvPicPr>
+            <a:picLocks noChangeAspect="1"/>
+          </p:cNvPicPr>
+          <p:nvPr/>
+        </p:nvPicPr>
+        <p:blipFill rotWithShape="1">
+          <a:blip r:embed="rId3">
+            <a:extLst>
+              <a:ext uri="{28A0092B-C50C-407E-A947-70E740481C1C}">
+                <a14:useLocalDpi xmlns:a14="http://schemas.microsoft.com/office/drawing/2010/main" val="0"/>
+              </a:ext>
+            </a:extLst>
+          </a:blip>
+          <a:srcRect l="60193"/>
+          <a:stretch/>
+        </p:blipFill>
+        <p:spPr>
+          <a:xfrm>
+            <a:off x="1364315" y="4162621"/>
+            <a:ext cx="3104885" cy="2471933"/>
+          </a:xfrm>
+          <a:prstGeom prst="rect">
+            <a:avLst/>
+          </a:prstGeom>
         </p:spPr>
       </p:pic>
     </p:spTree>
@@ -10371,45 +10361,6 @@
       </p:sp>
       <p:pic>
         <p:nvPicPr>
-          <p:cNvPr id="4" name="Picture 3">
-            <a:extLst>
-              <a:ext uri="{FF2B5EF4-FFF2-40B4-BE49-F238E27FC236}">
-                <a16:creationId xmlns:a16="http://schemas.microsoft.com/office/drawing/2014/main" id="{8406B7B5-D5F6-4213-97DB-E72B1E6F3074}"/>
-              </a:ext>
-            </a:extLst>
-          </p:cNvPr>
-          <p:cNvPicPr/>
-          <p:nvPr/>
-        </p:nvPicPr>
-        <p:blipFill>
-          <a:blip r:embed="rId2">
-            <a:extLst>
-              <a:ext uri="{28A0092B-C50C-407E-A947-70E740481C1C}">
-                <a14:useLocalDpi xmlns:a14="http://schemas.microsoft.com/office/drawing/2010/main" val="0"/>
-              </a:ext>
-            </a:extLst>
-          </a:blip>
-          <a:srcRect/>
-          <a:stretch>
-            <a:fillRect/>
-          </a:stretch>
-        </p:blipFill>
-        <p:spPr bwMode="auto">
-          <a:xfrm>
-            <a:off x="437734" y="1694895"/>
-            <a:ext cx="5657850" cy="4376737"/>
-          </a:xfrm>
-          <a:prstGeom prst="rect">
-            <a:avLst/>
-          </a:prstGeom>
-          <a:noFill/>
-          <a:ln>
-            <a:noFill/>
-          </a:ln>
-        </p:spPr>
-      </p:pic>
-      <p:pic>
-        <p:nvPicPr>
           <p:cNvPr id="5" name="Picture 4">
             <a:extLst>
               <a:ext uri="{FF2B5EF4-FFF2-40B4-BE49-F238E27FC236}">
@@ -10420,23 +10371,21 @@
           <p:cNvPicPr/>
           <p:nvPr/>
         </p:nvPicPr>
-        <p:blipFill>
-          <a:blip r:embed="rId3" cstate="print">
+        <p:blipFill rotWithShape="1">
+          <a:blip r:embed="rId2" cstate="print">
             <a:extLst>
               <a:ext uri="{28A0092B-C50C-407E-A947-70E740481C1C}">
                 <a14:useLocalDpi xmlns:a14="http://schemas.microsoft.com/office/drawing/2010/main" val="0"/>
               </a:ext>
             </a:extLst>
           </a:blip>
-          <a:srcRect/>
-          <a:stretch>
-            <a:fillRect/>
-          </a:stretch>
+          <a:srcRect l="78131" t="6357" r="3121" b="80258"/>
+          <a:stretch/>
         </p:blipFill>
         <p:spPr bwMode="auto">
           <a:xfrm>
-            <a:off x="6095168" y="1772004"/>
-            <a:ext cx="6000750" cy="4376737"/>
+            <a:off x="10608300" y="1951112"/>
+            <a:ext cx="1491000" cy="776367"/>
           </a:xfrm>
           <a:prstGeom prst="rect">
             <a:avLst/>
@@ -10461,8 +10410,8 @@
         </p:nvSpPr>
         <p:spPr>
           <a:xfrm>
-            <a:off x="1072885" y="1402672"/>
-            <a:ext cx="4387548" cy="369332"/>
+            <a:off x="1457349" y="1402672"/>
+            <a:ext cx="3546868" cy="369332"/>
           </a:xfrm>
           <a:prstGeom prst="rect">
             <a:avLst/>
@@ -10477,7 +10426,7 @@
           <a:p>
             <a:r>
               <a:rPr lang="en-US" dirty="0"/>
-              <a:t>Filtering: No window + observed information</a:t>
+              <a:t>Observed information + No Window</a:t>
             </a:r>
           </a:p>
         </p:txBody>
@@ -10496,8 +10445,8 @@
         </p:nvSpPr>
         <p:spPr>
           <a:xfrm>
-            <a:off x="6496050" y="1402672"/>
-            <a:ext cx="4287584" cy="369332"/>
+            <a:off x="6310837" y="1402672"/>
+            <a:ext cx="4174412" cy="369332"/>
           </a:xfrm>
           <a:prstGeom prst="rect">
             <a:avLst/>
@@ -10512,11 +10461,238 @@
           <a:p>
             <a:r>
               <a:rPr lang="en-US" dirty="0"/>
-              <a:t>smoothing: window + expected information</a:t>
+              <a:t>Expected Information (“Fisher”) + Window</a:t>
             </a:r>
           </a:p>
         </p:txBody>
       </p:sp>
+      <p:pic>
+        <p:nvPicPr>
+          <p:cNvPr id="8" name="Picture 7">
+            <a:extLst>
+              <a:ext uri="{FF2B5EF4-FFF2-40B4-BE49-F238E27FC236}">
+                <a16:creationId xmlns:a16="http://schemas.microsoft.com/office/drawing/2014/main" id="{2A53AF01-DD48-4A9D-9772-97630FCF9C97}"/>
+              </a:ext>
+            </a:extLst>
+          </p:cNvPr>
+          <p:cNvPicPr/>
+          <p:nvPr/>
+        </p:nvPicPr>
+        <p:blipFill>
+          <a:blip r:embed="rId3">
+            <a:extLst>
+              <a:ext uri="{28A0092B-C50C-407E-A947-70E740481C1C}">
+                <a14:useLocalDpi xmlns:a14="http://schemas.microsoft.com/office/drawing/2010/main" val="0"/>
+              </a:ext>
+            </a:extLst>
+          </a:blip>
+          <a:srcRect/>
+          <a:stretch>
+            <a:fillRect/>
+          </a:stretch>
+        </p:blipFill>
+        <p:spPr bwMode="auto">
+          <a:xfrm>
+            <a:off x="601408" y="1690686"/>
+            <a:ext cx="5324475" cy="3990975"/>
+          </a:xfrm>
+          <a:prstGeom prst="rect">
+            <a:avLst/>
+          </a:prstGeom>
+          <a:noFill/>
+          <a:ln>
+            <a:noFill/>
+          </a:ln>
+        </p:spPr>
+      </p:pic>
+      <p:pic>
+        <p:nvPicPr>
+          <p:cNvPr id="10" name="Picture 9">
+            <a:extLst>
+              <a:ext uri="{FF2B5EF4-FFF2-40B4-BE49-F238E27FC236}">
+                <a16:creationId xmlns:a16="http://schemas.microsoft.com/office/drawing/2014/main" id="{1461AA4A-624B-4618-B4A4-C6F2A12FFD06}"/>
+              </a:ext>
+            </a:extLst>
+          </p:cNvPr>
+          <p:cNvPicPr/>
+          <p:nvPr/>
+        </p:nvPicPr>
+        <p:blipFill>
+          <a:blip r:embed="rId4">
+            <a:extLst>
+              <a:ext uri="{28A0092B-C50C-407E-A947-70E740481C1C}">
+                <a14:useLocalDpi xmlns:a14="http://schemas.microsoft.com/office/drawing/2010/main" val="0"/>
+              </a:ext>
+            </a:extLst>
+          </a:blip>
+          <a:srcRect/>
+          <a:stretch>
+            <a:fillRect/>
+          </a:stretch>
+        </p:blipFill>
+        <p:spPr bwMode="auto">
+          <a:xfrm>
+            <a:off x="5760076" y="1690686"/>
+            <a:ext cx="5324475" cy="3990975"/>
+          </a:xfrm>
+          <a:prstGeom prst="rect">
+            <a:avLst/>
+          </a:prstGeom>
+          <a:noFill/>
+          <a:ln>
+            <a:noFill/>
+          </a:ln>
+        </p:spPr>
+      </p:pic>
+      <mc:AlternateContent xmlns:mc="http://schemas.openxmlformats.org/markup-compatibility/2006">
+        <mc:Choice xmlns:a14="http://schemas.microsoft.com/office/drawing/2010/main" Requires="a14">
+          <p:sp>
+            <p:nvSpPr>
+              <p:cNvPr id="3" name="TextBox 2">
+                <a:extLst>
+                  <a:ext uri="{FF2B5EF4-FFF2-40B4-BE49-F238E27FC236}">
+                    <a16:creationId xmlns:a16="http://schemas.microsoft.com/office/drawing/2014/main" id="{D592504F-E833-488F-85BE-C8DC55C6F347}"/>
+                  </a:ext>
+                </a:extLst>
+              </p:cNvPr>
+              <p:cNvSpPr txBox="1"/>
+              <p:nvPr/>
+            </p:nvSpPr>
+            <p:spPr>
+              <a:xfrm>
+                <a:off x="4426921" y="5681661"/>
+                <a:ext cx="3338158" cy="400110"/>
+              </a:xfrm>
+              <a:prstGeom prst="rect">
+                <a:avLst/>
+              </a:prstGeom>
+              <a:noFill/>
+            </p:spPr>
+            <p:txBody>
+              <a:bodyPr wrap="none" rtlCol="0">
+                <a:spAutoFit/>
+              </a:bodyPr>
+              <a:lstStyle/>
+              <a:p>
+                <a14:m>
+                  <m:oMath xmlns:m="http://schemas.openxmlformats.org/officeDocument/2006/math">
+                    <m:r>
+                      <a:rPr lang="en-US" sz="2000" b="0" i="1" smtClean="0">
+                        <a:latin typeface="Cambria Math" panose="02040503050406030204" pitchFamily="18" charset="0"/>
+                      </a:rPr>
+                      <m:t>𝑄</m:t>
+                    </m:r>
+                    <m:r>
+                      <a:rPr lang="en-US" sz="2000" b="0" i="1" smtClean="0">
+                        <a:latin typeface="Cambria Math" panose="02040503050406030204" pitchFamily="18" charset="0"/>
+                      </a:rPr>
+                      <m:t>=</m:t>
+                    </m:r>
+                    <m:sSup>
+                      <m:sSupPr>
+                        <m:ctrlPr>
+                          <a:rPr lang="en-US" sz="2000" b="0" i="1" smtClean="0">
+                            <a:latin typeface="Cambria Math" panose="02040503050406030204" pitchFamily="18" charset="0"/>
+                          </a:rPr>
+                        </m:ctrlPr>
+                      </m:sSupPr>
+                      <m:e>
+                        <m:r>
+                          <a:rPr lang="en-US" sz="2000" b="0" i="1" smtClean="0">
+                            <a:latin typeface="Cambria Math" panose="02040503050406030204" pitchFamily="18" charset="0"/>
+                          </a:rPr>
+                          <m:t>10</m:t>
+                        </m:r>
+                      </m:e>
+                      <m:sup>
+                        <m:r>
+                          <a:rPr lang="en-US" sz="2000" b="0" i="1" smtClean="0">
+                            <a:latin typeface="Cambria Math" panose="02040503050406030204" pitchFamily="18" charset="0"/>
+                          </a:rPr>
+                          <m:t>−3</m:t>
+                        </m:r>
+                      </m:sup>
+                    </m:sSup>
+                    <m:sSub>
+                      <m:sSubPr>
+                        <m:ctrlPr>
+                          <a:rPr lang="en-US" sz="2000" b="0" i="1" smtClean="0">
+                            <a:latin typeface="Cambria Math" panose="02040503050406030204" pitchFamily="18" charset="0"/>
+                          </a:rPr>
+                        </m:ctrlPr>
+                      </m:sSubPr>
+                      <m:e>
+                        <m:r>
+                          <a:rPr lang="en-US" sz="2000" b="0" i="1" smtClean="0">
+                            <a:latin typeface="Cambria Math" panose="02040503050406030204" pitchFamily="18" charset="0"/>
+                          </a:rPr>
+                          <m:t>𝐼</m:t>
+                        </m:r>
+                      </m:e>
+                      <m:sub>
+                        <m:r>
+                          <a:rPr lang="en-US" sz="2000" b="0" i="1" smtClean="0">
+                            <a:latin typeface="Cambria Math" panose="02040503050406030204" pitchFamily="18" charset="0"/>
+                          </a:rPr>
+                          <m:t>2</m:t>
+                        </m:r>
+                      </m:sub>
+                    </m:sSub>
+                  </m:oMath>
+                </a14:m>
+                <a:r>
+                  <a:rPr lang="en-US" sz="2000" dirty="0"/>
+                  <a:t>, window size = 50</a:t>
+                </a:r>
+              </a:p>
+            </p:txBody>
+          </p:sp>
+        </mc:Choice>
+        <mc:Fallback>
+          <p:sp>
+            <p:nvSpPr>
+              <p:cNvPr id="3" name="TextBox 2">
+                <a:extLst>
+                  <a:ext uri="{FF2B5EF4-FFF2-40B4-BE49-F238E27FC236}">
+                    <a16:creationId xmlns:a16="http://schemas.microsoft.com/office/drawing/2014/main" id="{D592504F-E833-488F-85BE-C8DC55C6F347}"/>
+                  </a:ext>
+                </a:extLst>
+              </p:cNvPr>
+              <p:cNvSpPr txBox="1">
+                <a:spLocks noRot="1" noChangeAspect="1" noMove="1" noResize="1" noEditPoints="1" noAdjustHandles="1" noChangeArrowheads="1" noChangeShapeType="1" noTextEdit="1"/>
+              </p:cNvSpPr>
+              <p:nvPr/>
+            </p:nvSpPr>
+            <p:spPr>
+              <a:xfrm>
+                <a:off x="4426921" y="5681661"/>
+                <a:ext cx="3338158" cy="400110"/>
+              </a:xfrm>
+              <a:prstGeom prst="rect">
+                <a:avLst/>
+              </a:prstGeom>
+              <a:blipFill>
+                <a:blip r:embed="rId5"/>
+                <a:stretch>
+                  <a:fillRect l="-547" t="-7576" r="-1095" b="-25758"/>
+                </a:stretch>
+              </a:blipFill>
+            </p:spPr>
+            <p:txBody>
+              <a:bodyPr/>
+              <a:lstStyle/>
+              <a:p>
+                <a:r>
+                  <a:rPr lang="en-US">
+                    <a:noFill/>
+                  </a:rPr>
+                  <a:t> </a:t>
+                </a:r>
+              </a:p>
+            </p:txBody>
+          </p:sp>
+        </mc:Fallback>
+      </mc:AlternateContent>
     </p:spTree>
     <p:extLst>
       <p:ext uri="{BB962C8B-B14F-4D97-AF65-F5344CB8AC3E}">

--- a/documents/JSM_2021/15min_version.pptx
+++ b/documents/JSM_2021/15min_version.pptx
@@ -6,15 +6,18 @@
   </p:sldMasterIdLst>
   <p:sldIdLst>
     <p:sldId id="256" r:id="rId2"/>
-    <p:sldId id="257" r:id="rId3"/>
-    <p:sldId id="259" r:id="rId4"/>
-    <p:sldId id="260" r:id="rId5"/>
-    <p:sldId id="261" r:id="rId6"/>
-    <p:sldId id="262" r:id="rId7"/>
-    <p:sldId id="263" r:id="rId8"/>
-    <p:sldId id="264" r:id="rId9"/>
-    <p:sldId id="266" r:id="rId10"/>
-    <p:sldId id="267" r:id="rId11"/>
+    <p:sldId id="268" r:id="rId3"/>
+    <p:sldId id="269" r:id="rId4"/>
+    <p:sldId id="257" r:id="rId5"/>
+    <p:sldId id="259" r:id="rId6"/>
+    <p:sldId id="270" r:id="rId7"/>
+    <p:sldId id="260" r:id="rId8"/>
+    <p:sldId id="261" r:id="rId9"/>
+    <p:sldId id="262" r:id="rId10"/>
+    <p:sldId id="263" r:id="rId11"/>
+    <p:sldId id="264" r:id="rId12"/>
+    <p:sldId id="266" r:id="rId13"/>
+    <p:sldId id="267" r:id="rId14"/>
   </p:sldIdLst>
   <p:sldSz cx="12192000" cy="6858000"/>
   <p:notesSz cx="6858000" cy="9144000"/>
@@ -280,7 +283,7 @@
           <a:p>
             <a:fld id="{1FD15BE6-D28F-4CB9-886B-8E7E78239579}" type="datetimeFigureOut">
               <a:rPr lang="en-US" smtClean="0"/>
-              <a:t>7/25/2021</a:t>
+              <a:t>7/27/2021</a:t>
             </a:fld>
             <a:endParaRPr lang="en-US"/>
           </a:p>
@@ -478,7 +481,7 @@
           <a:p>
             <a:fld id="{1FD15BE6-D28F-4CB9-886B-8E7E78239579}" type="datetimeFigureOut">
               <a:rPr lang="en-US" smtClean="0"/>
-              <a:t>7/25/2021</a:t>
+              <a:t>7/27/2021</a:t>
             </a:fld>
             <a:endParaRPr lang="en-US"/>
           </a:p>
@@ -686,7 +689,7 @@
           <a:p>
             <a:fld id="{1FD15BE6-D28F-4CB9-886B-8E7E78239579}" type="datetimeFigureOut">
               <a:rPr lang="en-US" smtClean="0"/>
-              <a:t>7/25/2021</a:t>
+              <a:t>7/27/2021</a:t>
             </a:fld>
             <a:endParaRPr lang="en-US"/>
           </a:p>
@@ -884,7 +887,7 @@
           <a:p>
             <a:fld id="{1FD15BE6-D28F-4CB9-886B-8E7E78239579}" type="datetimeFigureOut">
               <a:rPr lang="en-US" smtClean="0"/>
-              <a:t>7/25/2021</a:t>
+              <a:t>7/27/2021</a:t>
             </a:fld>
             <a:endParaRPr lang="en-US"/>
           </a:p>
@@ -1159,7 +1162,7 @@
           <a:p>
             <a:fld id="{1FD15BE6-D28F-4CB9-886B-8E7E78239579}" type="datetimeFigureOut">
               <a:rPr lang="en-US" smtClean="0"/>
-              <a:t>7/25/2021</a:t>
+              <a:t>7/27/2021</a:t>
             </a:fld>
             <a:endParaRPr lang="en-US"/>
           </a:p>
@@ -1424,7 +1427,7 @@
           <a:p>
             <a:fld id="{1FD15BE6-D28F-4CB9-886B-8E7E78239579}" type="datetimeFigureOut">
               <a:rPr lang="en-US" smtClean="0"/>
-              <a:t>7/25/2021</a:t>
+              <a:t>7/27/2021</a:t>
             </a:fld>
             <a:endParaRPr lang="en-US"/>
           </a:p>
@@ -1836,7 +1839,7 @@
           <a:p>
             <a:fld id="{1FD15BE6-D28F-4CB9-886B-8E7E78239579}" type="datetimeFigureOut">
               <a:rPr lang="en-US" smtClean="0"/>
-              <a:t>7/25/2021</a:t>
+              <a:t>7/27/2021</a:t>
             </a:fld>
             <a:endParaRPr lang="en-US"/>
           </a:p>
@@ -1977,7 +1980,7 @@
           <a:p>
             <a:fld id="{1FD15BE6-D28F-4CB9-886B-8E7E78239579}" type="datetimeFigureOut">
               <a:rPr lang="en-US" smtClean="0"/>
-              <a:t>7/25/2021</a:t>
+              <a:t>7/27/2021</a:t>
             </a:fld>
             <a:endParaRPr lang="en-US"/>
           </a:p>
@@ -2090,7 +2093,7 @@
           <a:p>
             <a:fld id="{1FD15BE6-D28F-4CB9-886B-8E7E78239579}" type="datetimeFigureOut">
               <a:rPr lang="en-US" smtClean="0"/>
-              <a:t>7/25/2021</a:t>
+              <a:t>7/27/2021</a:t>
             </a:fld>
             <a:endParaRPr lang="en-US"/>
           </a:p>
@@ -2401,7 +2404,7 @@
           <a:p>
             <a:fld id="{1FD15BE6-D28F-4CB9-886B-8E7E78239579}" type="datetimeFigureOut">
               <a:rPr lang="en-US" smtClean="0"/>
-              <a:t>7/25/2021</a:t>
+              <a:t>7/27/2021</a:t>
             </a:fld>
             <a:endParaRPr lang="en-US"/>
           </a:p>
@@ -2689,7 +2692,7 @@
           <a:p>
             <a:fld id="{1FD15BE6-D28F-4CB9-886B-8E7E78239579}" type="datetimeFigureOut">
               <a:rPr lang="en-US" smtClean="0"/>
-              <a:t>7/25/2021</a:t>
+              <a:t>7/27/2021</a:t>
             </a:fld>
             <a:endParaRPr lang="en-US"/>
           </a:p>
@@ -2930,7 +2933,7 @@
           <a:p>
             <a:fld id="{1FD15BE6-D28F-4CB9-886B-8E7E78239579}" type="datetimeFigureOut">
               <a:rPr lang="en-US" smtClean="0"/>
-              <a:t>7/25/2021</a:t>
+              <a:t>7/27/2021</a:t>
             </a:fld>
             <a:endParaRPr lang="en-US"/>
           </a:p>
@@ -3682,6 +3685,1004 @@
           <p:cNvPr id="2" name="Title 1">
             <a:extLst>
               <a:ext uri="{FF2B5EF4-FFF2-40B4-BE49-F238E27FC236}">
+                <a16:creationId xmlns:a16="http://schemas.microsoft.com/office/drawing/2014/main" id="{493F29EF-E59E-475C-8FD6-1A476DB1B363}"/>
+              </a:ext>
+            </a:extLst>
+          </p:cNvPr>
+          <p:cNvSpPr>
+            <a:spLocks noGrp="1"/>
+          </p:cNvSpPr>
+          <p:nvPr>
+            <p:ph type="title"/>
+          </p:nvPr>
+        </p:nvSpPr>
+        <p:spPr/>
+        <p:txBody>
+          <a:bodyPr/>
+          <a:lstStyle/>
+          <a:p>
+            <a:r>
+              <a:rPr lang="en-US" dirty="0"/>
+              <a:t>Method (3) cont.: improve adaptive filter</a:t>
+            </a:r>
+          </a:p>
+        </p:txBody>
+      </p:sp>
+      <mc:AlternateContent xmlns:mc="http://schemas.openxmlformats.org/markup-compatibility/2006" xmlns:a14="http://schemas.microsoft.com/office/drawing/2010/main">
+        <mc:Choice Requires="a14">
+          <p:sp>
+            <p:nvSpPr>
+              <p:cNvPr id="3" name="Content Placeholder 2">
+                <a:extLst>
+                  <a:ext uri="{FF2B5EF4-FFF2-40B4-BE49-F238E27FC236}">
+                    <a16:creationId xmlns:a16="http://schemas.microsoft.com/office/drawing/2014/main" id="{14C4A5D7-1A79-47AA-8987-C0C3E20CA693}"/>
+                  </a:ext>
+                </a:extLst>
+              </p:cNvPr>
+              <p:cNvSpPr>
+                <a:spLocks noGrp="1"/>
+              </p:cNvSpPr>
+              <p:nvPr>
+                <p:ph idx="1"/>
+              </p:nvPr>
+            </p:nvSpPr>
+            <p:spPr>
+              <a:xfrm>
+                <a:off x="6096000" y="1825625"/>
+                <a:ext cx="5448725" cy="4351338"/>
+              </a:xfrm>
+            </p:spPr>
+            <p:txBody>
+              <a:bodyPr>
+                <a:normAutofit fontScale="92500"/>
+              </a:bodyPr>
+              <a:lstStyle/>
+              <a:p>
+                <a:r>
+                  <a:rPr lang="en-US" dirty="0"/>
+                  <a:t>State vector estimation needs information about variance</a:t>
+                </a:r>
+              </a:p>
+              <a:p>
+                <a:pPr lvl="1"/>
+                <a:r>
+                  <a:rPr lang="en-US" dirty="0"/>
+                  <a:t>Prior + single observation: recursive prior leads posterior</a:t>
+                </a:r>
+              </a:p>
+              <a:p>
+                <a:pPr lvl="1"/>
+                <a:r>
+                  <a:rPr lang="en-US" dirty="0"/>
+                  <a:t>Use “window” to facilitate estimation</a:t>
+                </a:r>
+              </a:p>
+              <a:p>
+                <a:pPr lvl="0"/>
+                <a:r>
+                  <a:rPr lang="en-US" dirty="0">
+                    <a:solidFill>
+                      <a:prstClr val="black"/>
+                    </a:solidFill>
+                  </a:rPr>
+                  <a:t>Assume stationary state vector within window (e.g. window size = 3)</a:t>
+                </a:r>
+              </a:p>
+              <a:p>
+                <a:pPr lvl="0"/>
+                <a:r>
+                  <a:rPr lang="en-US" dirty="0">
+                    <a:solidFill>
+                      <a:prstClr val="black"/>
+                    </a:solidFill>
+                  </a:rPr>
+                  <a:t>With the “window”, the method is robust to process noise </a:t>
+                </a:r>
+                <a14:m>
+                  <m:oMath xmlns:m="http://schemas.openxmlformats.org/officeDocument/2006/math">
+                    <m:sSub>
+                      <m:sSubPr>
+                        <m:ctrlPr>
+                          <a:rPr lang="en-US" b="0" i="1" smtClean="0">
+                            <a:solidFill>
+                              <a:prstClr val="black"/>
+                            </a:solidFill>
+                            <a:latin typeface="Cambria Math" panose="02040503050406030204" pitchFamily="18" charset="0"/>
+                          </a:rPr>
+                        </m:ctrlPr>
+                      </m:sSubPr>
+                      <m:e>
+                        <m:r>
+                          <a:rPr lang="en-US" b="1" i="1" smtClean="0">
+                            <a:solidFill>
+                              <a:prstClr val="black"/>
+                            </a:solidFill>
+                            <a:latin typeface="Cambria Math" panose="02040503050406030204" pitchFamily="18" charset="0"/>
+                          </a:rPr>
+                          <m:t>𝑸</m:t>
+                        </m:r>
+                      </m:e>
+                      <m:sub>
+                        <m:r>
+                          <a:rPr lang="en-US" b="0" i="1" smtClean="0">
+                            <a:solidFill>
+                              <a:prstClr val="black"/>
+                            </a:solidFill>
+                            <a:latin typeface="Cambria Math" panose="02040503050406030204" pitchFamily="18" charset="0"/>
+                          </a:rPr>
+                          <m:t>𝑘</m:t>
+                        </m:r>
+                      </m:sub>
+                    </m:sSub>
+                  </m:oMath>
+                </a14:m>
+                <a:r>
+                  <a:rPr lang="en-US" dirty="0">
+                    <a:solidFill>
+                      <a:prstClr val="black"/>
+                    </a:solidFill>
+                  </a:rPr>
+                  <a:t> &amp; outliers</a:t>
+                </a:r>
+              </a:p>
+            </p:txBody>
+          </p:sp>
+        </mc:Choice>
+        <mc:Fallback xmlns="">
+          <p:sp>
+            <p:nvSpPr>
+              <p:cNvPr id="3" name="Content Placeholder 2">
+                <a:extLst>
+                  <a:ext uri="{FF2B5EF4-FFF2-40B4-BE49-F238E27FC236}">
+                    <a16:creationId xmlns:a16="http://schemas.microsoft.com/office/drawing/2014/main" id="{14C4A5D7-1A79-47AA-8987-C0C3E20CA693}"/>
+                  </a:ext>
+                </a:extLst>
+              </p:cNvPr>
+              <p:cNvSpPr>
+                <a:spLocks noGrp="1" noRot="1" noChangeAspect="1" noMove="1" noResize="1" noEditPoints="1" noAdjustHandles="1" noChangeArrowheads="1" noChangeShapeType="1" noTextEdit="1"/>
+              </p:cNvSpPr>
+              <p:nvPr>
+                <p:ph idx="1"/>
+              </p:nvPr>
+            </p:nvSpPr>
+            <p:spPr>
+              <a:xfrm>
+                <a:off x="6096000" y="1825625"/>
+                <a:ext cx="5448725" cy="4351338"/>
+              </a:xfrm>
+              <a:blipFill>
+                <a:blip r:embed="rId2"/>
+                <a:stretch>
+                  <a:fillRect l="-1678" t="-2101" r="-783"/>
+                </a:stretch>
+              </a:blipFill>
+            </p:spPr>
+            <p:txBody>
+              <a:bodyPr/>
+              <a:lstStyle/>
+              <a:p>
+                <a:r>
+                  <a:rPr lang="en-US">
+                    <a:noFill/>
+                  </a:rPr>
+                  <a:t> </a:t>
+                </a:r>
+              </a:p>
+            </p:txBody>
+          </p:sp>
+        </mc:Fallback>
+      </mc:AlternateContent>
+      <p:pic>
+        <p:nvPicPr>
+          <p:cNvPr id="6" name="Picture 5" descr="A picture containing diagram&#10;&#10;Description automatically generated">
+            <a:extLst>
+              <a:ext uri="{FF2B5EF4-FFF2-40B4-BE49-F238E27FC236}">
+                <a16:creationId xmlns:a16="http://schemas.microsoft.com/office/drawing/2014/main" id="{073299D3-754B-462E-A643-447FF58BB702}"/>
+              </a:ext>
+            </a:extLst>
+          </p:cNvPr>
+          <p:cNvPicPr>
+            <a:picLocks noChangeAspect="1"/>
+          </p:cNvPicPr>
+          <p:nvPr/>
+        </p:nvPicPr>
+        <p:blipFill rotWithShape="1">
+          <a:blip r:embed="rId3">
+            <a:extLst>
+              <a:ext uri="{28A0092B-C50C-407E-A947-70E740481C1C}">
+                <a14:useLocalDpi xmlns:a14="http://schemas.microsoft.com/office/drawing/2010/main" val="0"/>
+              </a:ext>
+            </a:extLst>
+          </a:blip>
+          <a:srcRect r="46302"/>
+          <a:stretch/>
+        </p:blipFill>
+        <p:spPr>
+          <a:xfrm>
+            <a:off x="1364315" y="1690688"/>
+            <a:ext cx="4188336" cy="2471933"/>
+          </a:xfrm>
+          <a:prstGeom prst="rect">
+            <a:avLst/>
+          </a:prstGeom>
+        </p:spPr>
+      </p:pic>
+      <p:pic>
+        <p:nvPicPr>
+          <p:cNvPr id="7" name="Picture 6" descr="A picture containing diagram&#10;&#10;Description automatically generated">
+            <a:extLst>
+              <a:ext uri="{FF2B5EF4-FFF2-40B4-BE49-F238E27FC236}">
+                <a16:creationId xmlns:a16="http://schemas.microsoft.com/office/drawing/2014/main" id="{E877D08F-1C36-417C-8CE9-017D57F958C9}"/>
+              </a:ext>
+            </a:extLst>
+          </p:cNvPr>
+          <p:cNvPicPr>
+            <a:picLocks noChangeAspect="1"/>
+          </p:cNvPicPr>
+          <p:nvPr/>
+        </p:nvPicPr>
+        <p:blipFill rotWithShape="1">
+          <a:blip r:embed="rId3">
+            <a:extLst>
+              <a:ext uri="{28A0092B-C50C-407E-A947-70E740481C1C}">
+                <a14:useLocalDpi xmlns:a14="http://schemas.microsoft.com/office/drawing/2010/main" val="0"/>
+              </a:ext>
+            </a:extLst>
+          </a:blip>
+          <a:srcRect l="60193"/>
+          <a:stretch/>
+        </p:blipFill>
+        <p:spPr>
+          <a:xfrm>
+            <a:off x="1364315" y="4162621"/>
+            <a:ext cx="3104885" cy="2471933"/>
+          </a:xfrm>
+          <a:prstGeom prst="rect">
+            <a:avLst/>
+          </a:prstGeom>
+        </p:spPr>
+      </p:pic>
+    </p:spTree>
+    <p:extLst>
+      <p:ext uri="{BB962C8B-B14F-4D97-AF65-F5344CB8AC3E}">
+        <p14:creationId xmlns:p14="http://schemas.microsoft.com/office/powerpoint/2010/main" val="962590286"/>
+      </p:ext>
+    </p:extLst>
+  </p:cSld>
+  <p:clrMapOvr>
+    <a:masterClrMapping/>
+  </p:clrMapOvr>
+</p:sld>
+</file>
+
+<file path=ppt/slides/slide11.xml><?xml version="1.0" encoding="utf-8"?>
+<p:sld xmlns:a="http://schemas.openxmlformats.org/drawingml/2006/main" xmlns:r="http://schemas.openxmlformats.org/officeDocument/2006/relationships" xmlns:p="http://schemas.openxmlformats.org/presentationml/2006/main">
+  <p:cSld>
+    <p:spTree>
+      <p:nvGrpSpPr>
+        <p:cNvPr id="1" name=""/>
+        <p:cNvGrpSpPr/>
+        <p:nvPr/>
+      </p:nvGrpSpPr>
+      <p:grpSpPr>
+        <a:xfrm>
+          <a:off x="0" y="0"/>
+          <a:ext cx="0" cy="0"/>
+          <a:chOff x="0" y="0"/>
+          <a:chExt cx="0" cy="0"/>
+        </a:xfrm>
+      </p:grpSpPr>
+      <p:sp>
+        <p:nvSpPr>
+          <p:cNvPr id="2" name="Title 1">
+            <a:extLst>
+              <a:ext uri="{FF2B5EF4-FFF2-40B4-BE49-F238E27FC236}">
+                <a16:creationId xmlns:a16="http://schemas.microsoft.com/office/drawing/2014/main" id="{326ED190-CFBE-49FF-B486-8D195C1B2B99}"/>
+              </a:ext>
+            </a:extLst>
+          </p:cNvPr>
+          <p:cNvSpPr>
+            <a:spLocks noGrp="1"/>
+          </p:cNvSpPr>
+          <p:nvPr>
+            <p:ph type="title"/>
+          </p:nvPr>
+        </p:nvSpPr>
+        <p:spPr/>
+        <p:txBody>
+          <a:bodyPr/>
+          <a:lstStyle/>
+          <a:p>
+            <a:r>
+              <a:rPr lang="en-US" dirty="0"/>
+              <a:t>Simulation</a:t>
+            </a:r>
+            <a:endParaRPr lang="en-US" b="1" dirty="0">
+              <a:highlight>
+                <a:srgbClr val="FFFF00"/>
+              </a:highlight>
+            </a:endParaRPr>
+          </a:p>
+        </p:txBody>
+      </p:sp>
+      <p:pic>
+        <p:nvPicPr>
+          <p:cNvPr id="5" name="Picture 4">
+            <a:extLst>
+              <a:ext uri="{FF2B5EF4-FFF2-40B4-BE49-F238E27FC236}">
+                <a16:creationId xmlns:a16="http://schemas.microsoft.com/office/drawing/2014/main" id="{DDB2D3FF-9996-4C5E-A563-3F03873ECC85}"/>
+              </a:ext>
+            </a:extLst>
+          </p:cNvPr>
+          <p:cNvPicPr/>
+          <p:nvPr/>
+        </p:nvPicPr>
+        <p:blipFill rotWithShape="1">
+          <a:blip r:embed="rId2" cstate="print">
+            <a:extLst>
+              <a:ext uri="{28A0092B-C50C-407E-A947-70E740481C1C}">
+                <a14:useLocalDpi xmlns:a14="http://schemas.microsoft.com/office/drawing/2010/main" val="0"/>
+              </a:ext>
+            </a:extLst>
+          </a:blip>
+          <a:srcRect l="78131" t="6357" r="3121" b="80258"/>
+          <a:stretch/>
+        </p:blipFill>
+        <p:spPr bwMode="auto">
+          <a:xfrm>
+            <a:off x="10608300" y="1951112"/>
+            <a:ext cx="1491000" cy="776367"/>
+          </a:xfrm>
+          <a:prstGeom prst="rect">
+            <a:avLst/>
+          </a:prstGeom>
+          <a:noFill/>
+          <a:ln>
+            <a:noFill/>
+          </a:ln>
+        </p:spPr>
+      </p:pic>
+      <p:sp>
+        <p:nvSpPr>
+          <p:cNvPr id="6" name="TextBox 5">
+            <a:extLst>
+              <a:ext uri="{FF2B5EF4-FFF2-40B4-BE49-F238E27FC236}">
+                <a16:creationId xmlns:a16="http://schemas.microsoft.com/office/drawing/2014/main" id="{FBBC0BCC-8FD9-439B-B2DD-997699836A7A}"/>
+              </a:ext>
+            </a:extLst>
+          </p:cNvPr>
+          <p:cNvSpPr txBox="1"/>
+          <p:nvPr/>
+        </p:nvSpPr>
+        <p:spPr>
+          <a:xfrm>
+            <a:off x="1457349" y="1402672"/>
+            <a:ext cx="3546868" cy="369332"/>
+          </a:xfrm>
+          <a:prstGeom prst="rect">
+            <a:avLst/>
+          </a:prstGeom>
+          <a:noFill/>
+        </p:spPr>
+        <p:txBody>
+          <a:bodyPr wrap="none" rtlCol="0">
+            <a:spAutoFit/>
+          </a:bodyPr>
+          <a:lstStyle/>
+          <a:p>
+            <a:r>
+              <a:rPr lang="en-US" dirty="0"/>
+              <a:t>Observed information + No Window</a:t>
+            </a:r>
+          </a:p>
+        </p:txBody>
+      </p:sp>
+      <p:sp>
+        <p:nvSpPr>
+          <p:cNvPr id="7" name="TextBox 6">
+            <a:extLst>
+              <a:ext uri="{FF2B5EF4-FFF2-40B4-BE49-F238E27FC236}">
+                <a16:creationId xmlns:a16="http://schemas.microsoft.com/office/drawing/2014/main" id="{5F97B4D5-C9F9-4DD8-A181-074843D666F3}"/>
+              </a:ext>
+            </a:extLst>
+          </p:cNvPr>
+          <p:cNvSpPr txBox="1"/>
+          <p:nvPr/>
+        </p:nvSpPr>
+        <p:spPr>
+          <a:xfrm>
+            <a:off x="6310837" y="1402672"/>
+            <a:ext cx="4174412" cy="369332"/>
+          </a:xfrm>
+          <a:prstGeom prst="rect">
+            <a:avLst/>
+          </a:prstGeom>
+          <a:noFill/>
+        </p:spPr>
+        <p:txBody>
+          <a:bodyPr wrap="none" rtlCol="0">
+            <a:spAutoFit/>
+          </a:bodyPr>
+          <a:lstStyle/>
+          <a:p>
+            <a:r>
+              <a:rPr lang="en-US" dirty="0"/>
+              <a:t>Expected Information (“Fisher”) + Window</a:t>
+            </a:r>
+          </a:p>
+        </p:txBody>
+      </p:sp>
+      <p:pic>
+        <p:nvPicPr>
+          <p:cNvPr id="8" name="Picture 7">
+            <a:extLst>
+              <a:ext uri="{FF2B5EF4-FFF2-40B4-BE49-F238E27FC236}">
+                <a16:creationId xmlns:a16="http://schemas.microsoft.com/office/drawing/2014/main" id="{2A53AF01-DD48-4A9D-9772-97630FCF9C97}"/>
+              </a:ext>
+            </a:extLst>
+          </p:cNvPr>
+          <p:cNvPicPr/>
+          <p:nvPr/>
+        </p:nvPicPr>
+        <p:blipFill>
+          <a:blip r:embed="rId3">
+            <a:extLst>
+              <a:ext uri="{28A0092B-C50C-407E-A947-70E740481C1C}">
+                <a14:useLocalDpi xmlns:a14="http://schemas.microsoft.com/office/drawing/2010/main" val="0"/>
+              </a:ext>
+            </a:extLst>
+          </a:blip>
+          <a:srcRect/>
+          <a:stretch>
+            <a:fillRect/>
+          </a:stretch>
+        </p:blipFill>
+        <p:spPr bwMode="auto">
+          <a:xfrm>
+            <a:off x="601408" y="1690686"/>
+            <a:ext cx="5324475" cy="3990975"/>
+          </a:xfrm>
+          <a:prstGeom prst="rect">
+            <a:avLst/>
+          </a:prstGeom>
+          <a:noFill/>
+          <a:ln>
+            <a:noFill/>
+          </a:ln>
+        </p:spPr>
+      </p:pic>
+      <p:pic>
+        <p:nvPicPr>
+          <p:cNvPr id="10" name="Picture 9">
+            <a:extLst>
+              <a:ext uri="{FF2B5EF4-FFF2-40B4-BE49-F238E27FC236}">
+                <a16:creationId xmlns:a16="http://schemas.microsoft.com/office/drawing/2014/main" id="{1461AA4A-624B-4618-B4A4-C6F2A12FFD06}"/>
+              </a:ext>
+            </a:extLst>
+          </p:cNvPr>
+          <p:cNvPicPr/>
+          <p:nvPr/>
+        </p:nvPicPr>
+        <p:blipFill>
+          <a:blip r:embed="rId4">
+            <a:extLst>
+              <a:ext uri="{28A0092B-C50C-407E-A947-70E740481C1C}">
+                <a14:useLocalDpi xmlns:a14="http://schemas.microsoft.com/office/drawing/2010/main" val="0"/>
+              </a:ext>
+            </a:extLst>
+          </a:blip>
+          <a:srcRect/>
+          <a:stretch>
+            <a:fillRect/>
+          </a:stretch>
+        </p:blipFill>
+        <p:spPr bwMode="auto">
+          <a:xfrm>
+            <a:off x="5760076" y="1690686"/>
+            <a:ext cx="5324475" cy="3990975"/>
+          </a:xfrm>
+          <a:prstGeom prst="rect">
+            <a:avLst/>
+          </a:prstGeom>
+          <a:noFill/>
+          <a:ln>
+            <a:noFill/>
+          </a:ln>
+        </p:spPr>
+      </p:pic>
+      <mc:AlternateContent xmlns:mc="http://schemas.openxmlformats.org/markup-compatibility/2006" xmlns:a14="http://schemas.microsoft.com/office/drawing/2010/main">
+        <mc:Choice Requires="a14">
+          <p:sp>
+            <p:nvSpPr>
+              <p:cNvPr id="3" name="TextBox 2">
+                <a:extLst>
+                  <a:ext uri="{FF2B5EF4-FFF2-40B4-BE49-F238E27FC236}">
+                    <a16:creationId xmlns:a16="http://schemas.microsoft.com/office/drawing/2014/main" id="{D592504F-E833-488F-85BE-C8DC55C6F347}"/>
+                  </a:ext>
+                </a:extLst>
+              </p:cNvPr>
+              <p:cNvSpPr txBox="1"/>
+              <p:nvPr/>
+            </p:nvSpPr>
+            <p:spPr>
+              <a:xfrm>
+                <a:off x="4426921" y="5681661"/>
+                <a:ext cx="3338158" cy="400110"/>
+              </a:xfrm>
+              <a:prstGeom prst="rect">
+                <a:avLst/>
+              </a:prstGeom>
+              <a:noFill/>
+            </p:spPr>
+            <p:txBody>
+              <a:bodyPr wrap="none" rtlCol="0">
+                <a:spAutoFit/>
+              </a:bodyPr>
+              <a:lstStyle/>
+              <a:p>
+                <a14:m>
+                  <m:oMath xmlns:m="http://schemas.openxmlformats.org/officeDocument/2006/math">
+                    <m:r>
+                      <a:rPr lang="en-US" sz="2000" b="0" i="1" smtClean="0">
+                        <a:latin typeface="Cambria Math" panose="02040503050406030204" pitchFamily="18" charset="0"/>
+                      </a:rPr>
+                      <m:t>𝑄</m:t>
+                    </m:r>
+                    <m:r>
+                      <a:rPr lang="en-US" sz="2000" b="0" i="1" smtClean="0">
+                        <a:latin typeface="Cambria Math" panose="02040503050406030204" pitchFamily="18" charset="0"/>
+                      </a:rPr>
+                      <m:t>=</m:t>
+                    </m:r>
+                    <m:sSup>
+                      <m:sSupPr>
+                        <m:ctrlPr>
+                          <a:rPr lang="en-US" sz="2000" b="0" i="1" smtClean="0">
+                            <a:latin typeface="Cambria Math" panose="02040503050406030204" pitchFamily="18" charset="0"/>
+                          </a:rPr>
+                        </m:ctrlPr>
+                      </m:sSupPr>
+                      <m:e>
+                        <m:r>
+                          <a:rPr lang="en-US" sz="2000" b="0" i="1" smtClean="0">
+                            <a:latin typeface="Cambria Math" panose="02040503050406030204" pitchFamily="18" charset="0"/>
+                          </a:rPr>
+                          <m:t>10</m:t>
+                        </m:r>
+                      </m:e>
+                      <m:sup>
+                        <m:r>
+                          <a:rPr lang="en-US" sz="2000" b="0" i="1" smtClean="0">
+                            <a:latin typeface="Cambria Math" panose="02040503050406030204" pitchFamily="18" charset="0"/>
+                          </a:rPr>
+                          <m:t>−3</m:t>
+                        </m:r>
+                      </m:sup>
+                    </m:sSup>
+                    <m:sSub>
+                      <m:sSubPr>
+                        <m:ctrlPr>
+                          <a:rPr lang="en-US" sz="2000" b="0" i="1" smtClean="0">
+                            <a:latin typeface="Cambria Math" panose="02040503050406030204" pitchFamily="18" charset="0"/>
+                          </a:rPr>
+                        </m:ctrlPr>
+                      </m:sSubPr>
+                      <m:e>
+                        <m:r>
+                          <a:rPr lang="en-US" sz="2000" b="0" i="1" smtClean="0">
+                            <a:latin typeface="Cambria Math" panose="02040503050406030204" pitchFamily="18" charset="0"/>
+                          </a:rPr>
+                          <m:t>𝐼</m:t>
+                        </m:r>
+                      </m:e>
+                      <m:sub>
+                        <m:r>
+                          <a:rPr lang="en-US" sz="2000" b="0" i="1" smtClean="0">
+                            <a:latin typeface="Cambria Math" panose="02040503050406030204" pitchFamily="18" charset="0"/>
+                          </a:rPr>
+                          <m:t>2</m:t>
+                        </m:r>
+                      </m:sub>
+                    </m:sSub>
+                  </m:oMath>
+                </a14:m>
+                <a:r>
+                  <a:rPr lang="en-US" sz="2000" dirty="0"/>
+                  <a:t>, window size = 50</a:t>
+                </a:r>
+              </a:p>
+            </p:txBody>
+          </p:sp>
+        </mc:Choice>
+        <mc:Fallback xmlns="">
+          <p:sp>
+            <p:nvSpPr>
+              <p:cNvPr id="3" name="TextBox 2">
+                <a:extLst>
+                  <a:ext uri="{FF2B5EF4-FFF2-40B4-BE49-F238E27FC236}">
+                    <a16:creationId xmlns:a16="http://schemas.microsoft.com/office/drawing/2014/main" id="{D592504F-E833-488F-85BE-C8DC55C6F347}"/>
+                  </a:ext>
+                </a:extLst>
+              </p:cNvPr>
+              <p:cNvSpPr txBox="1">
+                <a:spLocks noRot="1" noChangeAspect="1" noMove="1" noResize="1" noEditPoints="1" noAdjustHandles="1" noChangeArrowheads="1" noChangeShapeType="1" noTextEdit="1"/>
+              </p:cNvSpPr>
+              <p:nvPr/>
+            </p:nvSpPr>
+            <p:spPr>
+              <a:xfrm>
+                <a:off x="4426921" y="5681661"/>
+                <a:ext cx="3338158" cy="400110"/>
+              </a:xfrm>
+              <a:prstGeom prst="rect">
+                <a:avLst/>
+              </a:prstGeom>
+              <a:blipFill>
+                <a:blip r:embed="rId5"/>
+                <a:stretch>
+                  <a:fillRect l="-547" t="-7576" r="-1095" b="-25758"/>
+                </a:stretch>
+              </a:blipFill>
+            </p:spPr>
+            <p:txBody>
+              <a:bodyPr/>
+              <a:lstStyle/>
+              <a:p>
+                <a:r>
+                  <a:rPr lang="en-US">
+                    <a:noFill/>
+                  </a:rPr>
+                  <a:t> </a:t>
+                </a:r>
+              </a:p>
+            </p:txBody>
+          </p:sp>
+        </mc:Fallback>
+      </mc:AlternateContent>
+    </p:spTree>
+    <p:extLst>
+      <p:ext uri="{BB962C8B-B14F-4D97-AF65-F5344CB8AC3E}">
+        <p14:creationId xmlns:p14="http://schemas.microsoft.com/office/powerpoint/2010/main" val="3525212500"/>
+      </p:ext>
+    </p:extLst>
+  </p:cSld>
+  <p:clrMapOvr>
+    <a:masterClrMapping/>
+  </p:clrMapOvr>
+</p:sld>
+</file>
+
+<file path=ppt/slides/slide12.xml><?xml version="1.0" encoding="utf-8"?>
+<p:sld xmlns:a="http://schemas.openxmlformats.org/drawingml/2006/main" xmlns:r="http://schemas.openxmlformats.org/officeDocument/2006/relationships" xmlns:p="http://schemas.openxmlformats.org/presentationml/2006/main">
+  <p:cSld>
+    <p:spTree>
+      <p:nvGrpSpPr>
+        <p:cNvPr id="1" name=""/>
+        <p:cNvGrpSpPr/>
+        <p:nvPr/>
+      </p:nvGrpSpPr>
+      <p:grpSpPr>
+        <a:xfrm>
+          <a:off x="0" y="0"/>
+          <a:ext cx="0" cy="0"/>
+          <a:chOff x="0" y="0"/>
+          <a:chExt cx="0" cy="0"/>
+        </a:xfrm>
+      </p:grpSpPr>
+      <p:sp>
+        <p:nvSpPr>
+          <p:cNvPr id="2" name="Title 1">
+            <a:extLst>
+              <a:ext uri="{FF2B5EF4-FFF2-40B4-BE49-F238E27FC236}">
+                <a16:creationId xmlns:a16="http://schemas.microsoft.com/office/drawing/2014/main" id="{DA4EA114-0F60-4C31-A9DB-174085DCFF48}"/>
+              </a:ext>
+            </a:extLst>
+          </p:cNvPr>
+          <p:cNvSpPr>
+            <a:spLocks noGrp="1"/>
+          </p:cNvSpPr>
+          <p:nvPr>
+            <p:ph type="title"/>
+          </p:nvPr>
+        </p:nvSpPr>
+        <p:spPr/>
+        <p:txBody>
+          <a:bodyPr/>
+          <a:lstStyle/>
+          <a:p>
+            <a:r>
+              <a:rPr lang="en-US" dirty="0"/>
+              <a:t>Application 1: V1 data (revisit)</a:t>
+            </a:r>
+          </a:p>
+        </p:txBody>
+      </p:sp>
+      <p:pic>
+        <p:nvPicPr>
+          <p:cNvPr id="5" name="Picture 4">
+            <a:extLst>
+              <a:ext uri="{FF2B5EF4-FFF2-40B4-BE49-F238E27FC236}">
+                <a16:creationId xmlns:a16="http://schemas.microsoft.com/office/drawing/2014/main" id="{6D70ACEC-6423-4F6C-980E-E3835839BC0B}"/>
+              </a:ext>
+            </a:extLst>
+          </p:cNvPr>
+          <p:cNvPicPr/>
+          <p:nvPr/>
+        </p:nvPicPr>
+        <p:blipFill>
+          <a:blip r:embed="rId2" cstate="print">
+            <a:extLst>
+              <a:ext uri="{28A0092B-C50C-407E-A947-70E740481C1C}">
+                <a14:useLocalDpi xmlns:a14="http://schemas.microsoft.com/office/drawing/2010/main" val="0"/>
+              </a:ext>
+            </a:extLst>
+          </a:blip>
+          <a:stretch>
+            <a:fillRect/>
+          </a:stretch>
+        </p:blipFill>
+        <p:spPr bwMode="auto">
+          <a:xfrm>
+            <a:off x="0" y="1690688"/>
+            <a:ext cx="6402916" cy="4802187"/>
+          </a:xfrm>
+          <a:prstGeom prst="rect">
+            <a:avLst/>
+          </a:prstGeom>
+          <a:noFill/>
+        </p:spPr>
+      </p:pic>
+      <p:pic>
+        <p:nvPicPr>
+          <p:cNvPr id="6" name="Picture 5">
+            <a:extLst>
+              <a:ext uri="{FF2B5EF4-FFF2-40B4-BE49-F238E27FC236}">
+                <a16:creationId xmlns:a16="http://schemas.microsoft.com/office/drawing/2014/main" id="{DCDB07EE-E18E-43A2-8B39-1CB54155D567}"/>
+              </a:ext>
+            </a:extLst>
+          </p:cNvPr>
+          <p:cNvPicPr/>
+          <p:nvPr/>
+        </p:nvPicPr>
+        <p:blipFill rotWithShape="1">
+          <a:blip r:embed="rId3" cstate="print">
+            <a:extLst>
+              <a:ext uri="{28A0092B-C50C-407E-A947-70E740481C1C}">
+                <a14:useLocalDpi xmlns:a14="http://schemas.microsoft.com/office/drawing/2010/main" val="0"/>
+              </a:ext>
+            </a:extLst>
+          </a:blip>
+          <a:srcRect t="48251"/>
+          <a:stretch/>
+        </p:blipFill>
+        <p:spPr bwMode="auto">
+          <a:xfrm>
+            <a:off x="5739848" y="1218327"/>
+            <a:ext cx="4819650" cy="1915636"/>
+          </a:xfrm>
+          <a:prstGeom prst="rect">
+            <a:avLst/>
+          </a:prstGeom>
+          <a:noFill/>
+          <a:ln>
+            <a:noFill/>
+          </a:ln>
+        </p:spPr>
+      </p:pic>
+      <p:pic>
+        <p:nvPicPr>
+          <p:cNvPr id="7" name="Picture 6">
+            <a:extLst>
+              <a:ext uri="{FF2B5EF4-FFF2-40B4-BE49-F238E27FC236}">
+                <a16:creationId xmlns:a16="http://schemas.microsoft.com/office/drawing/2014/main" id="{8F7A2D70-623F-4986-A4CA-1366B0D58C7B}"/>
+              </a:ext>
+            </a:extLst>
+          </p:cNvPr>
+          <p:cNvPicPr/>
+          <p:nvPr/>
+        </p:nvPicPr>
+        <p:blipFill rotWithShape="1">
+          <a:blip r:embed="rId4" cstate="print">
+            <a:extLst>
+              <a:ext uri="{28A0092B-C50C-407E-A947-70E740481C1C}">
+                <a14:useLocalDpi xmlns:a14="http://schemas.microsoft.com/office/drawing/2010/main" val="0"/>
+              </a:ext>
+            </a:extLst>
+          </a:blip>
+          <a:srcRect b="49077"/>
+          <a:stretch/>
+        </p:blipFill>
+        <p:spPr bwMode="auto">
+          <a:xfrm>
+            <a:off x="5739848" y="4701642"/>
+            <a:ext cx="4966252" cy="1901646"/>
+          </a:xfrm>
+          <a:prstGeom prst="rect">
+            <a:avLst/>
+          </a:prstGeom>
+          <a:noFill/>
+          <a:ln>
+            <a:noFill/>
+          </a:ln>
+        </p:spPr>
+      </p:pic>
+      <p:pic>
+        <p:nvPicPr>
+          <p:cNvPr id="8" name="Picture 7">
+            <a:extLst>
+              <a:ext uri="{FF2B5EF4-FFF2-40B4-BE49-F238E27FC236}">
+                <a16:creationId xmlns:a16="http://schemas.microsoft.com/office/drawing/2014/main" id="{EA24F4B0-DC39-42C7-BB1E-FFECAC563AF6}"/>
+              </a:ext>
+            </a:extLst>
+          </p:cNvPr>
+          <p:cNvPicPr/>
+          <p:nvPr/>
+        </p:nvPicPr>
+        <p:blipFill rotWithShape="1">
+          <a:blip r:embed="rId3" cstate="print">
+            <a:extLst>
+              <a:ext uri="{28A0092B-C50C-407E-A947-70E740481C1C}">
+                <a14:useLocalDpi xmlns:a14="http://schemas.microsoft.com/office/drawing/2010/main" val="0"/>
+              </a:ext>
+            </a:extLst>
+          </a:blip>
+          <a:srcRect b="49012"/>
+          <a:stretch/>
+        </p:blipFill>
+        <p:spPr bwMode="auto">
+          <a:xfrm>
+            <a:off x="5742747" y="2854881"/>
+            <a:ext cx="4816752" cy="1846761"/>
+          </a:xfrm>
+          <a:prstGeom prst="rect">
+            <a:avLst/>
+          </a:prstGeom>
+          <a:noFill/>
+          <a:ln>
+            <a:noFill/>
+          </a:ln>
+        </p:spPr>
+      </p:pic>
+      <p:sp>
+        <p:nvSpPr>
+          <p:cNvPr id="9" name="TextBox 8">
+            <a:extLst>
+              <a:ext uri="{FF2B5EF4-FFF2-40B4-BE49-F238E27FC236}">
+                <a16:creationId xmlns:a16="http://schemas.microsoft.com/office/drawing/2014/main" id="{2BE2254D-4025-4EFB-A319-C8F298BA6A65}"/>
+              </a:ext>
+            </a:extLst>
+          </p:cNvPr>
+          <p:cNvSpPr txBox="1"/>
+          <p:nvPr/>
+        </p:nvSpPr>
+        <p:spPr>
+          <a:xfrm>
+            <a:off x="10448925" y="1876425"/>
+            <a:ext cx="1297406" cy="369332"/>
+          </a:xfrm>
+          <a:prstGeom prst="rect">
+            <a:avLst/>
+          </a:prstGeom>
+          <a:noFill/>
+        </p:spPr>
+        <p:txBody>
+          <a:bodyPr wrap="none" rtlCol="0">
+            <a:spAutoFit/>
+          </a:bodyPr>
+          <a:lstStyle/>
+          <a:p>
+            <a:r>
+              <a:rPr lang="en-US" dirty="0"/>
+              <a:t>observation</a:t>
+            </a:r>
+          </a:p>
+        </p:txBody>
+      </p:sp>
+      <p:sp>
+        <p:nvSpPr>
+          <p:cNvPr id="10" name="TextBox 9">
+            <a:extLst>
+              <a:ext uri="{FF2B5EF4-FFF2-40B4-BE49-F238E27FC236}">
+                <a16:creationId xmlns:a16="http://schemas.microsoft.com/office/drawing/2014/main" id="{F23183C0-DBFB-46A5-98F0-DC951C47434B}"/>
+              </a:ext>
+            </a:extLst>
+          </p:cNvPr>
+          <p:cNvSpPr txBox="1"/>
+          <p:nvPr/>
+        </p:nvSpPr>
+        <p:spPr>
+          <a:xfrm>
+            <a:off x="10448925" y="3409950"/>
+            <a:ext cx="1245854" cy="369332"/>
+          </a:xfrm>
+          <a:prstGeom prst="rect">
+            <a:avLst/>
+          </a:prstGeom>
+          <a:noFill/>
+        </p:spPr>
+        <p:txBody>
+          <a:bodyPr wrap="none" rtlCol="0">
+            <a:spAutoFit/>
+          </a:bodyPr>
+          <a:lstStyle/>
+          <a:p>
+            <a:r>
+              <a:rPr lang="en-US" dirty="0"/>
+              <a:t>Full sample</a:t>
+            </a:r>
+          </a:p>
+        </p:txBody>
+      </p:sp>
+      <p:sp>
+        <p:nvSpPr>
+          <p:cNvPr id="11" name="TextBox 10">
+            <a:extLst>
+              <a:ext uri="{FF2B5EF4-FFF2-40B4-BE49-F238E27FC236}">
+                <a16:creationId xmlns:a16="http://schemas.microsoft.com/office/drawing/2014/main" id="{45F1B15B-BC35-4EFC-A6B3-FC0E7ACFC9EB}"/>
+              </a:ext>
+            </a:extLst>
+          </p:cNvPr>
+          <p:cNvSpPr txBox="1"/>
+          <p:nvPr/>
+        </p:nvSpPr>
+        <p:spPr>
+          <a:xfrm>
+            <a:off x="10559498" y="5310766"/>
+            <a:ext cx="1306768" cy="369332"/>
+          </a:xfrm>
+          <a:prstGeom prst="rect">
+            <a:avLst/>
+          </a:prstGeom>
+          <a:noFill/>
+        </p:spPr>
+        <p:txBody>
+          <a:bodyPr wrap="none" rtlCol="0">
+            <a:spAutoFit/>
+          </a:bodyPr>
+          <a:lstStyle/>
+          <a:p>
+            <a:r>
+              <a:rPr lang="en-US" dirty="0"/>
+              <a:t>Half Sample</a:t>
+            </a:r>
+          </a:p>
+        </p:txBody>
+      </p:sp>
+    </p:spTree>
+    <p:extLst>
+      <p:ext uri="{BB962C8B-B14F-4D97-AF65-F5344CB8AC3E}">
+        <p14:creationId xmlns:p14="http://schemas.microsoft.com/office/powerpoint/2010/main" val="1827236680"/>
+      </p:ext>
+    </p:extLst>
+  </p:cSld>
+  <p:clrMapOvr>
+    <a:masterClrMapping/>
+  </p:clrMapOvr>
+</p:sld>
+</file>
+
+<file path=ppt/slides/slide13.xml><?xml version="1.0" encoding="utf-8"?>
+<p:sld xmlns:a="http://schemas.openxmlformats.org/drawingml/2006/main" xmlns:r="http://schemas.openxmlformats.org/officeDocument/2006/relationships" xmlns:p="http://schemas.openxmlformats.org/presentationml/2006/main">
+  <p:cSld>
+    <p:spTree>
+      <p:nvGrpSpPr>
+        <p:cNvPr id="1" name=""/>
+        <p:cNvGrpSpPr/>
+        <p:nvPr/>
+      </p:nvGrpSpPr>
+      <p:grpSpPr>
+        <a:xfrm>
+          <a:off x="0" y="0"/>
+          <a:ext cx="0" cy="0"/>
+          <a:chOff x="0" y="0"/>
+          <a:chExt cx="0" cy="0"/>
+        </a:xfrm>
+      </p:grpSpPr>
+      <p:sp>
+        <p:nvSpPr>
+          <p:cNvPr id="2" name="Title 1">
+            <a:extLst>
+              <a:ext uri="{FF2B5EF4-FFF2-40B4-BE49-F238E27FC236}">
                 <a16:creationId xmlns:a16="http://schemas.microsoft.com/office/drawing/2014/main" id="{A2457E73-9620-45AE-A6A1-6A80A37DF4F1}"/>
               </a:ext>
             </a:extLst>
@@ -3763,42 +4764,12 @@
           <a:chExt cx="0" cy="0"/>
         </a:xfrm>
       </p:grpSpPr>
-      <p:pic>
-        <p:nvPicPr>
-          <p:cNvPr id="3" name="Picture 2">
-            <a:extLst>
-              <a:ext uri="{FF2B5EF4-FFF2-40B4-BE49-F238E27FC236}">
-                <a16:creationId xmlns:a16="http://schemas.microsoft.com/office/drawing/2014/main" id="{7AD33313-5AF1-43D5-B4D4-8B20B62E235D}"/>
-              </a:ext>
-            </a:extLst>
-          </p:cNvPr>
-          <p:cNvPicPr>
-            <a:picLocks noChangeAspect="1"/>
-          </p:cNvPicPr>
-          <p:nvPr/>
-        </p:nvPicPr>
-        <p:blipFill>
-          <a:blip r:embed="rId2"/>
-          <a:stretch>
-            <a:fillRect/>
-          </a:stretch>
-        </p:blipFill>
-        <p:spPr>
-          <a:xfrm>
-            <a:off x="241276" y="1091516"/>
-            <a:ext cx="4201608" cy="2709674"/>
-          </a:xfrm>
-          <a:prstGeom prst="rect">
-            <a:avLst/>
-          </a:prstGeom>
-        </p:spPr>
-      </p:pic>
       <p:sp>
         <p:nvSpPr>
           <p:cNvPr id="2" name="Title 1">
             <a:extLst>
               <a:ext uri="{FF2B5EF4-FFF2-40B4-BE49-F238E27FC236}">
-                <a16:creationId xmlns:a16="http://schemas.microsoft.com/office/drawing/2014/main" id="{5C194C25-923A-4003-9EEF-624111261059}"/>
+                <a16:creationId xmlns:a16="http://schemas.microsoft.com/office/drawing/2014/main" id="{9C3DF9DD-863F-45B6-B7DF-258D7EC7EFA1}"/>
               </a:ext>
             </a:extLst>
           </p:cNvPr>
@@ -3816,107 +4787,397 @@
           <a:p>
             <a:r>
               <a:rPr lang="en-US" dirty="0"/>
-              <a:t>Problem &amp; Motivation– V1 data</a:t>
+              <a:t>Problem &amp; Motivation– Neural Spikes</a:t>
             </a:r>
+          </a:p>
+        </p:txBody>
+      </p:sp>
+      <p:sp>
+        <p:nvSpPr>
+          <p:cNvPr id="3" name="Content Placeholder 2">
+            <a:extLst>
+              <a:ext uri="{FF2B5EF4-FFF2-40B4-BE49-F238E27FC236}">
+                <a16:creationId xmlns:a16="http://schemas.microsoft.com/office/drawing/2014/main" id="{9C151736-7A85-4077-8377-624FA3C9AD25}"/>
+              </a:ext>
+            </a:extLst>
+          </p:cNvPr>
+          <p:cNvSpPr>
+            <a:spLocks noGrp="1"/>
+          </p:cNvSpPr>
+          <p:nvPr>
+            <p:ph idx="1"/>
+          </p:nvPr>
+        </p:nvSpPr>
+        <p:spPr/>
+        <p:txBody>
+          <a:bodyPr/>
+          <a:lstStyle/>
+          <a:p>
+            <a:r>
+              <a:rPr lang="en-US" dirty="0"/>
+              <a:t>Neuron &amp; Neural Spikes</a:t>
+            </a:r>
+          </a:p>
+          <a:p>
+            <a:endParaRPr lang="en-US" dirty="0"/>
           </a:p>
         </p:txBody>
       </p:sp>
       <p:pic>
         <p:nvPicPr>
-          <p:cNvPr id="7" name="Picture 6">
+          <p:cNvPr id="4" name="Picture 2" descr="Neural coding 1: How to understand what a neuron is saying. – The Brain  Bank North West">
             <a:extLst>
               <a:ext uri="{FF2B5EF4-FFF2-40B4-BE49-F238E27FC236}">
-                <a16:creationId xmlns:a16="http://schemas.microsoft.com/office/drawing/2014/main" id="{B1963FD6-6ABC-4660-AB7D-DB064050AC00}"/>
+                <a16:creationId xmlns:a16="http://schemas.microsoft.com/office/drawing/2014/main" id="{1ABA11B0-C50B-420D-897C-DF6ED282D353}"/>
               </a:ext>
             </a:extLst>
           </p:cNvPr>
           <p:cNvPicPr>
-            <a:picLocks noChangeAspect="1"/>
+            <a:picLocks noChangeAspect="1" noChangeArrowheads="1"/>
           </p:cNvPicPr>
           <p:nvPr/>
         </p:nvPicPr>
         <p:blipFill>
-          <a:blip r:embed="rId3"/>
+          <a:blip r:embed="rId2">
+            <a:extLst>
+              <a:ext uri="{28A0092B-C50C-407E-A947-70E740481C1C}">
+                <a14:useLocalDpi xmlns:a14="http://schemas.microsoft.com/office/drawing/2010/main" val="0"/>
+              </a:ext>
+            </a:extLst>
+          </a:blip>
+          <a:srcRect/>
           <a:stretch>
             <a:fillRect/>
           </a:stretch>
         </p:blipFill>
-        <p:spPr>
+        <p:spPr bwMode="auto">
           <a:xfrm>
-            <a:off x="4442885" y="1146681"/>
-            <a:ext cx="3604688" cy="2704847"/>
+            <a:off x="5564119" y="2283464"/>
+            <a:ext cx="5348906" cy="2303265"/>
           </a:xfrm>
           <a:prstGeom prst="rect">
             <a:avLst/>
           </a:prstGeom>
+          <a:noFill/>
+          <a:extLst>
+            <a:ext uri="{909E8E84-426E-40DD-AFC4-6F175D3DCCD1}">
+              <a14:hiddenFill xmlns:a14="http://schemas.microsoft.com/office/drawing/2010/main">
+                <a:solidFill>
+                  <a:srgbClr val="FFFFFF"/>
+                </a:solidFill>
+              </a14:hiddenFill>
+            </a:ext>
+          </a:extLst>
         </p:spPr>
       </p:pic>
       <p:pic>
         <p:nvPicPr>
-          <p:cNvPr id="10" name="Picture 9">
+          <p:cNvPr id="5" name="Picture 8">
             <a:extLst>
               <a:ext uri="{FF2B5EF4-FFF2-40B4-BE49-F238E27FC236}">
-                <a16:creationId xmlns:a16="http://schemas.microsoft.com/office/drawing/2014/main" id="{372A8CF0-149C-468C-B583-0F35D4C6BEB4}"/>
+                <a16:creationId xmlns:a16="http://schemas.microsoft.com/office/drawing/2014/main" id="{6F7FA54B-E7C8-4990-99ED-617DB0F10FF0}"/>
               </a:ext>
             </a:extLst>
           </p:cNvPr>
           <p:cNvPicPr>
-            <a:picLocks noChangeAspect="1"/>
+            <a:picLocks noChangeAspect="1" noChangeArrowheads="1"/>
           </p:cNvPicPr>
           <p:nvPr/>
         </p:nvPicPr>
         <p:blipFill>
-          <a:blip r:embed="rId4"/>
+          <a:blip r:embed="rId3">
+            <a:extLst>
+              <a:ext uri="{28A0092B-C50C-407E-A947-70E740481C1C}">
+                <a14:useLocalDpi xmlns:a14="http://schemas.microsoft.com/office/drawing/2010/main" val="0"/>
+              </a:ext>
+            </a:extLst>
+          </a:blip>
+          <a:srcRect/>
           <a:stretch>
             <a:fillRect/>
           </a:stretch>
         </p:blipFill>
-        <p:spPr>
+        <p:spPr bwMode="auto">
           <a:xfrm>
-            <a:off x="838200" y="3851528"/>
-            <a:ext cx="3604688" cy="2704847"/>
+            <a:off x="1278975" y="2277367"/>
+            <a:ext cx="4285144" cy="2303265"/>
           </a:xfrm>
           <a:prstGeom prst="rect">
             <a:avLst/>
           </a:prstGeom>
+          <a:noFill/>
+          <a:extLst>
+            <a:ext uri="{909E8E84-426E-40DD-AFC4-6F175D3DCCD1}">
+              <a14:hiddenFill xmlns:a14="http://schemas.microsoft.com/office/drawing/2010/main">
+                <a:solidFill>
+                  <a:srgbClr val="FFFFFF"/>
+                </a:solidFill>
+              </a14:hiddenFill>
+            </a:ext>
+          </a:extLst>
         </p:spPr>
       </p:pic>
-      <p:pic>
-        <p:nvPicPr>
-          <p:cNvPr id="11" name="Picture 10">
+      <mc:AlternateContent xmlns:mc="http://schemas.openxmlformats.org/markup-compatibility/2006">
+        <mc:Choice xmlns:a14="http://schemas.microsoft.com/office/drawing/2010/main" Requires="a14">
+          <p:sp>
+            <p:nvSpPr>
+              <p:cNvPr id="6" name="TextBox 5">
+                <a:extLst>
+                  <a:ext uri="{FF2B5EF4-FFF2-40B4-BE49-F238E27FC236}">
+                    <a16:creationId xmlns:a16="http://schemas.microsoft.com/office/drawing/2014/main" id="{8D8BA074-E304-40BC-A9F9-0BB131FBC0FC}"/>
+                  </a:ext>
+                </a:extLst>
+              </p:cNvPr>
+              <p:cNvSpPr txBox="1"/>
+              <p:nvPr/>
+            </p:nvSpPr>
+            <p:spPr>
+              <a:xfrm>
+                <a:off x="5783416" y="5256749"/>
+                <a:ext cx="5129609" cy="492827"/>
+              </a:xfrm>
+              <a:prstGeom prst="rect">
+                <a:avLst/>
+              </a:prstGeom>
+              <a:noFill/>
+            </p:spPr>
+            <p:txBody>
+              <a:bodyPr wrap="none" rtlCol="0">
+                <a:spAutoFit/>
+              </a:bodyPr>
+              <a:lstStyle/>
+              <a:p>
+                <a:r>
+                  <a:rPr lang="en-US" sz="2500" dirty="0"/>
+                  <a:t>Observation: </a:t>
+                </a:r>
+                <a14:m>
+                  <m:oMath xmlns:m="http://schemas.openxmlformats.org/officeDocument/2006/math">
+                    <m:sSubSup>
+                      <m:sSubSupPr>
+                        <m:ctrlPr>
+                          <a:rPr lang="en-US" sz="2500" b="0" i="1" smtClean="0">
+                            <a:latin typeface="Cambria Math" panose="02040503050406030204" pitchFamily="18" charset="0"/>
+                          </a:rPr>
+                        </m:ctrlPr>
+                      </m:sSubSupPr>
+                      <m:e>
+                        <m:d>
+                          <m:dPr>
+                            <m:begChr m:val="{"/>
+                            <m:endChr m:val="}"/>
+                            <m:ctrlPr>
+                              <a:rPr lang="en-US" sz="2500" b="0" i="1" smtClean="0">
+                                <a:latin typeface="Cambria Math" panose="02040503050406030204" pitchFamily="18" charset="0"/>
+                              </a:rPr>
+                            </m:ctrlPr>
+                          </m:dPr>
+                          <m:e>
+                            <m:sSub>
+                              <m:sSubPr>
+                                <m:ctrlPr>
+                                  <a:rPr lang="en-US" sz="2500" b="0" i="1" smtClean="0">
+                                    <a:latin typeface="Cambria Math" panose="02040503050406030204" pitchFamily="18" charset="0"/>
+                                  </a:rPr>
+                                </m:ctrlPr>
+                              </m:sSubPr>
+                              <m:e>
+                                <m:r>
+                                  <a:rPr lang="en-US" sz="2500" b="0" i="1" smtClean="0">
+                                    <a:latin typeface="Cambria Math" panose="02040503050406030204" pitchFamily="18" charset="0"/>
+                                  </a:rPr>
+                                  <m:t>𝑦</m:t>
+                                </m:r>
+                              </m:e>
+                              <m:sub>
+                                <m:r>
+                                  <a:rPr lang="en-US" sz="2500" b="0" i="1" smtClean="0">
+                                    <a:latin typeface="Cambria Math" panose="02040503050406030204" pitchFamily="18" charset="0"/>
+                                  </a:rPr>
+                                  <m:t>𝑘</m:t>
+                                </m:r>
+                              </m:sub>
+                            </m:sSub>
+                          </m:e>
+                        </m:d>
+                      </m:e>
+                      <m:sub>
+                        <m:r>
+                          <a:rPr lang="en-US" sz="2500" b="0" i="1" smtClean="0">
+                            <a:latin typeface="Cambria Math" panose="02040503050406030204" pitchFamily="18" charset="0"/>
+                          </a:rPr>
+                          <m:t>𝑘</m:t>
+                        </m:r>
+                        <m:r>
+                          <a:rPr lang="en-US" sz="2500" b="0" i="1" smtClean="0">
+                            <a:latin typeface="Cambria Math" panose="02040503050406030204" pitchFamily="18" charset="0"/>
+                          </a:rPr>
+                          <m:t>=0</m:t>
+                        </m:r>
+                      </m:sub>
+                      <m:sup>
+                        <m:r>
+                          <a:rPr lang="en-US" sz="2500" b="0" i="1" smtClean="0">
+                            <a:latin typeface="Cambria Math" panose="02040503050406030204" pitchFamily="18" charset="0"/>
+                          </a:rPr>
+                          <m:t>𝑇</m:t>
+                        </m:r>
+                      </m:sup>
+                    </m:sSubSup>
+                    <m:r>
+                      <a:rPr lang="en-US" sz="2500" b="0" i="1" smtClean="0">
+                        <a:latin typeface="Cambria Math" panose="02040503050406030204" pitchFamily="18" charset="0"/>
+                      </a:rPr>
+                      <m:t>, </m:t>
+                    </m:r>
+                    <m:sSub>
+                      <m:sSubPr>
+                        <m:ctrlPr>
+                          <a:rPr lang="en-US" sz="2500" b="0" i="1" smtClean="0">
+                            <a:latin typeface="Cambria Math" panose="02040503050406030204" pitchFamily="18" charset="0"/>
+                          </a:rPr>
+                        </m:ctrlPr>
+                      </m:sSubPr>
+                      <m:e>
+                        <m:r>
+                          <a:rPr lang="en-US" sz="2500" b="0" i="1" smtClean="0">
+                            <a:latin typeface="Cambria Math" panose="02040503050406030204" pitchFamily="18" charset="0"/>
+                          </a:rPr>
+                          <m:t>𝑦</m:t>
+                        </m:r>
+                      </m:e>
+                      <m:sub>
+                        <m:r>
+                          <a:rPr lang="en-US" sz="2500" b="0" i="1" smtClean="0">
+                            <a:latin typeface="Cambria Math" panose="02040503050406030204" pitchFamily="18" charset="0"/>
+                          </a:rPr>
+                          <m:t>𝑘</m:t>
+                        </m:r>
+                      </m:sub>
+                    </m:sSub>
+                    <m:r>
+                      <a:rPr lang="en-US" sz="2500" b="0" i="1" smtClean="0">
+                        <a:latin typeface="Cambria Math" panose="02040503050406030204" pitchFamily="18" charset="0"/>
+                        <a:ea typeface="Cambria Math" panose="02040503050406030204" pitchFamily="18" charset="0"/>
+                      </a:rPr>
+                      <m:t>∈{0,1,2,…}</m:t>
+                    </m:r>
+                  </m:oMath>
+                </a14:m>
+                <a:endParaRPr lang="en-US" sz="2500" dirty="0"/>
+              </a:p>
+            </p:txBody>
+          </p:sp>
+        </mc:Choice>
+        <mc:Fallback>
+          <p:sp>
+            <p:nvSpPr>
+              <p:cNvPr id="6" name="TextBox 5">
+                <a:extLst>
+                  <a:ext uri="{FF2B5EF4-FFF2-40B4-BE49-F238E27FC236}">
+                    <a16:creationId xmlns:a16="http://schemas.microsoft.com/office/drawing/2014/main" id="{8D8BA074-E304-40BC-A9F9-0BB131FBC0FC}"/>
+                  </a:ext>
+                </a:extLst>
+              </p:cNvPr>
+              <p:cNvSpPr txBox="1">
+                <a:spLocks noRot="1" noChangeAspect="1" noMove="1" noResize="1" noEditPoints="1" noAdjustHandles="1" noChangeArrowheads="1" noChangeShapeType="1" noTextEdit="1"/>
+              </p:cNvSpPr>
+              <p:nvPr/>
+            </p:nvSpPr>
+            <p:spPr>
+              <a:xfrm>
+                <a:off x="5783416" y="5256749"/>
+                <a:ext cx="5129609" cy="492827"/>
+              </a:xfrm>
+              <a:prstGeom prst="rect">
+                <a:avLst/>
+              </a:prstGeom>
+              <a:blipFill>
+                <a:blip r:embed="rId4"/>
+                <a:stretch>
+                  <a:fillRect l="-2021" t="-4938" b="-29630"/>
+                </a:stretch>
+              </a:blipFill>
+            </p:spPr>
+            <p:txBody>
+              <a:bodyPr/>
+              <a:lstStyle/>
+              <a:p>
+                <a:r>
+                  <a:rPr lang="en-US">
+                    <a:noFill/>
+                  </a:rPr>
+                  <a:t> </a:t>
+                </a:r>
+              </a:p>
+            </p:txBody>
+          </p:sp>
+        </mc:Fallback>
+      </mc:AlternateContent>
+    </p:spTree>
+    <p:extLst>
+      <p:ext uri="{BB962C8B-B14F-4D97-AF65-F5344CB8AC3E}">
+        <p14:creationId xmlns:p14="http://schemas.microsoft.com/office/powerpoint/2010/main" val="3927933319"/>
+      </p:ext>
+    </p:extLst>
+  </p:cSld>
+  <p:clrMapOvr>
+    <a:masterClrMapping/>
+  </p:clrMapOvr>
+</p:sld>
+</file>
+
+<file path=ppt/slides/slide3.xml><?xml version="1.0" encoding="utf-8"?>
+<p:sld xmlns:a="http://schemas.openxmlformats.org/drawingml/2006/main" xmlns:r="http://schemas.openxmlformats.org/officeDocument/2006/relationships" xmlns:p="http://schemas.openxmlformats.org/presentationml/2006/main">
+  <p:cSld>
+    <p:spTree>
+      <p:nvGrpSpPr>
+        <p:cNvPr id="1" name=""/>
+        <p:cNvGrpSpPr/>
+        <p:nvPr/>
+      </p:nvGrpSpPr>
+      <p:grpSpPr>
+        <a:xfrm>
+          <a:off x="0" y="0"/>
+          <a:ext cx="0" cy="0"/>
+          <a:chOff x="0" y="0"/>
+          <a:chExt cx="0" cy="0"/>
+        </a:xfrm>
+      </p:grpSpPr>
+      <p:sp>
+        <p:nvSpPr>
+          <p:cNvPr id="2" name="Title 1">
             <a:extLst>
               <a:ext uri="{FF2B5EF4-FFF2-40B4-BE49-F238E27FC236}">
-                <a16:creationId xmlns:a16="http://schemas.microsoft.com/office/drawing/2014/main" id="{F4C6D079-B802-43C7-8E75-D39DFA705E8A}"/>
+                <a16:creationId xmlns:a16="http://schemas.microsoft.com/office/drawing/2014/main" id="{9FBC97B8-6867-468B-BE2C-15BB490821B9}"/>
               </a:ext>
             </a:extLst>
           </p:cNvPr>
-          <p:cNvPicPr>
-            <a:picLocks noChangeAspect="1"/>
-          </p:cNvPicPr>
-          <p:nvPr/>
-        </p:nvPicPr>
-        <p:blipFill>
-          <a:blip r:embed="rId5"/>
-          <a:stretch>
-            <a:fillRect/>
-          </a:stretch>
-        </p:blipFill>
-        <p:spPr>
-          <a:xfrm>
-            <a:off x="4442889" y="3851528"/>
-            <a:ext cx="3604688" cy="2704847"/>
-          </a:xfrm>
-          <a:prstGeom prst="rect">
-            <a:avLst/>
-          </a:prstGeom>
-        </p:spPr>
-      </p:pic>
+          <p:cNvSpPr>
+            <a:spLocks noGrp="1"/>
+          </p:cNvSpPr>
+          <p:nvPr>
+            <p:ph type="title"/>
+          </p:nvPr>
+        </p:nvSpPr>
+        <p:spPr/>
+        <p:txBody>
+          <a:bodyPr/>
+          <a:lstStyle/>
+          <a:p>
+            <a:r>
+              <a:rPr lang="en-US" dirty="0"/>
+              <a:t>Problem &amp; Motivation– Neural Spikes</a:t>
+            </a:r>
+          </a:p>
+        </p:txBody>
+      </p:sp>
       <p:sp>
         <p:nvSpPr>
-          <p:cNvPr id="13" name="Content Placeholder 2">
+          <p:cNvPr id="4" name="Content Placeholder 2">
             <a:extLst>
               <a:ext uri="{FF2B5EF4-FFF2-40B4-BE49-F238E27FC236}">
-                <a16:creationId xmlns:a16="http://schemas.microsoft.com/office/drawing/2014/main" id="{81A1F00F-7C93-417B-A8A3-02ADAE490C44}"/>
+                <a16:creationId xmlns:a16="http://schemas.microsoft.com/office/drawing/2014/main" id="{BA042A68-670D-4BA0-8FD3-F39F0EA9F8E6}"/>
               </a:ext>
             </a:extLst>
           </p:cNvPr>
@@ -3927,8 +5188,8 @@
         </p:nvSpPr>
         <p:spPr>
           <a:xfrm>
-            <a:off x="8047574" y="1875885"/>
-            <a:ext cx="3903150" cy="4351338"/>
+            <a:off x="7331395" y="2792210"/>
+            <a:ext cx="3903150" cy="2571750"/>
           </a:xfrm>
           <a:prstGeom prst="rect">
             <a:avLst/>
@@ -4105,7 +5366,19 @@
           <a:p>
             <a:r>
               <a:rPr lang="en-US" sz="2400" dirty="0"/>
-              <a:t>non-stationary </a:t>
+              <a:t>Fano Factor = </a:t>
+            </a:r>
+            <a:r>
+              <a:rPr lang="en-US" sz="2400" b="1" dirty="0">
+                <a:solidFill>
+                  <a:schemeClr val="accent1"/>
+                </a:solidFill>
+              </a:rPr>
+              <a:t>var </a:t>
+            </a:r>
+            <a:r>
+              <a:rPr lang="en-US" sz="2400" dirty="0"/>
+              <a:t>/</a:t>
             </a:r>
             <a:r>
               <a:rPr lang="en-US" sz="2400" b="1" dirty="0">
@@ -4113,54 +5386,9 @@
                   <a:schemeClr val="accent2"/>
                 </a:solidFill>
               </a:rPr>
-              <a:t>mean</a:t>
+              <a:t> mean</a:t>
             </a:r>
-            <a:r>
-              <a:rPr lang="en-US" sz="2400" dirty="0"/>
-              <a:t> firing rate &amp; noise (</a:t>
-            </a:r>
-            <a:r>
-              <a:rPr lang="en-US" sz="2400" b="1" dirty="0">
-                <a:solidFill>
-                  <a:schemeClr val="accent1"/>
-                </a:solidFill>
-              </a:rPr>
-              <a:t>variance</a:t>
-            </a:r>
-            <a:r>
-              <a:rPr lang="en-US" sz="2400" dirty="0"/>
-              <a:t>)</a:t>
-            </a:r>
-          </a:p>
-          <a:p>
-            <a:r>
-              <a:rPr lang="en-US" sz="2400" dirty="0"/>
-              <a:t>Change in </a:t>
-            </a:r>
-            <a:r>
-              <a:rPr lang="en-US" sz="2400" b="1" dirty="0">
-                <a:solidFill>
-                  <a:schemeClr val="accent2"/>
-                </a:solidFill>
-              </a:rPr>
-              <a:t>mean</a:t>
-            </a:r>
-            <a:r>
-              <a:rPr lang="en-US" sz="2400" dirty="0"/>
-              <a:t> &amp; </a:t>
-            </a:r>
-            <a:r>
-              <a:rPr lang="en-US" sz="2400" b="1" dirty="0">
-                <a:solidFill>
-                  <a:schemeClr val="accent1"/>
-                </a:solidFill>
-              </a:rPr>
-              <a:t>variance</a:t>
-            </a:r>
-            <a:r>
-              <a:rPr lang="en-US" sz="2400" dirty="0"/>
-              <a:t> contains information</a:t>
-            </a:r>
+            <a:endParaRPr lang="en-US" sz="2400" dirty="0"/>
           </a:p>
           <a:p>
             <a:r>
@@ -4189,41 +5417,603 @@
             </a:r>
             <a:r>
               <a:rPr lang="en-US" sz="2400" dirty="0"/>
-              <a:t>, inappropriate </a:t>
+              <a:t>, inappropriate</a:t>
             </a:r>
           </a:p>
           <a:p>
             <a:r>
-              <a:rPr lang="en-US" sz="2400" b="1" dirty="0"/>
-              <a:t>track time-varying </a:t>
+              <a:rPr lang="en-US" sz="2400" dirty="0"/>
+              <a:t>Under- &amp; over-dispersion </a:t>
             </a:r>
+          </a:p>
+          <a:p>
+            <a:endParaRPr lang="en-US" sz="2400" dirty="0"/>
+          </a:p>
+        </p:txBody>
+      </p:sp>
+      <p:pic>
+        <p:nvPicPr>
+          <p:cNvPr id="5" name="Picture 4">
+            <a:extLst>
+              <a:ext uri="{FF2B5EF4-FFF2-40B4-BE49-F238E27FC236}">
+                <a16:creationId xmlns:a16="http://schemas.microsoft.com/office/drawing/2014/main" id="{DB24E932-B354-4712-B546-EA5F0263EB56}"/>
+              </a:ext>
+            </a:extLst>
+          </p:cNvPr>
+          <p:cNvPicPr>
+            <a:picLocks noChangeAspect="1"/>
+          </p:cNvPicPr>
+          <p:nvPr/>
+        </p:nvPicPr>
+        <p:blipFill>
+          <a:blip r:embed="rId2"/>
+          <a:stretch>
+            <a:fillRect/>
+          </a:stretch>
+        </p:blipFill>
+        <p:spPr>
+          <a:xfrm>
+            <a:off x="957455" y="1690688"/>
+            <a:ext cx="5695758" cy="3673272"/>
+          </a:xfrm>
+          <a:prstGeom prst="rect">
+            <a:avLst/>
+          </a:prstGeom>
+        </p:spPr>
+      </p:pic>
+    </p:spTree>
+    <p:extLst>
+      <p:ext uri="{BB962C8B-B14F-4D97-AF65-F5344CB8AC3E}">
+        <p14:creationId xmlns:p14="http://schemas.microsoft.com/office/powerpoint/2010/main" val="3376489444"/>
+      </p:ext>
+    </p:extLst>
+  </p:cSld>
+  <p:clrMapOvr>
+    <a:masterClrMapping/>
+  </p:clrMapOvr>
+</p:sld>
+</file>
+
+<file path=ppt/slides/slide4.xml><?xml version="1.0" encoding="utf-8"?>
+<p:sld xmlns:a="http://schemas.openxmlformats.org/drawingml/2006/main" xmlns:r="http://schemas.openxmlformats.org/officeDocument/2006/relationships" xmlns:p="http://schemas.openxmlformats.org/presentationml/2006/main">
+  <p:cSld>
+    <p:spTree>
+      <p:nvGrpSpPr>
+        <p:cNvPr id="1" name=""/>
+        <p:cNvGrpSpPr/>
+        <p:nvPr/>
+      </p:nvGrpSpPr>
+      <p:grpSpPr>
+        <a:xfrm>
+          <a:off x="0" y="0"/>
+          <a:ext cx="0" cy="0"/>
+          <a:chOff x="0" y="0"/>
+          <a:chExt cx="0" cy="0"/>
+        </a:xfrm>
+      </p:grpSpPr>
+      <p:sp>
+        <p:nvSpPr>
+          <p:cNvPr id="2" name="Title 1">
+            <a:extLst>
+              <a:ext uri="{FF2B5EF4-FFF2-40B4-BE49-F238E27FC236}">
+                <a16:creationId xmlns:a16="http://schemas.microsoft.com/office/drawing/2014/main" id="{5C194C25-923A-4003-9EEF-624111261059}"/>
+              </a:ext>
+            </a:extLst>
+          </p:cNvPr>
+          <p:cNvSpPr>
+            <a:spLocks noGrp="1"/>
+          </p:cNvSpPr>
+          <p:nvPr>
+            <p:ph type="title"/>
+          </p:nvPr>
+        </p:nvSpPr>
+        <p:spPr/>
+        <p:txBody>
+          <a:bodyPr/>
+          <a:lstStyle/>
+          <a:p>
             <a:r>
-              <a:rPr lang="en-US" sz="2400" b="1" dirty="0">
-                <a:solidFill>
-                  <a:schemeClr val="accent2"/>
-                </a:solidFill>
-              </a:rPr>
-              <a:t>mean</a:t>
-            </a:r>
-            <a:r>
-              <a:rPr lang="en-US" sz="2400" b="1" dirty="0"/>
-              <a:t> and </a:t>
-            </a:r>
-            <a:r>
-              <a:rPr lang="en-US" sz="2400" b="1" dirty="0">
-                <a:solidFill>
-                  <a:schemeClr val="accent1"/>
-                </a:solidFill>
-              </a:rPr>
-              <a:t>variance</a:t>
-            </a:r>
-            <a:r>
-              <a:rPr lang="en-US" sz="2400" b="1" dirty="0"/>
-              <a:t> simultaneously. </a:t>
+              <a:rPr lang="en-US" dirty="0"/>
+              <a:t>Problem &amp; Motivation– primary visual cortex (V1)</a:t>
             </a:r>
           </a:p>
         </p:txBody>
       </p:sp>
+      <p:pic>
+        <p:nvPicPr>
+          <p:cNvPr id="7" name="Picture 6">
+            <a:extLst>
+              <a:ext uri="{FF2B5EF4-FFF2-40B4-BE49-F238E27FC236}">
+                <a16:creationId xmlns:a16="http://schemas.microsoft.com/office/drawing/2014/main" id="{B1963FD6-6ABC-4660-AB7D-DB064050AC00}"/>
+              </a:ext>
+            </a:extLst>
+          </p:cNvPr>
+          <p:cNvPicPr>
+            <a:picLocks noChangeAspect="1"/>
+          </p:cNvPicPr>
+          <p:nvPr/>
+        </p:nvPicPr>
+        <p:blipFill>
+          <a:blip r:embed="rId2"/>
+          <a:stretch>
+            <a:fillRect/>
+          </a:stretch>
+        </p:blipFill>
+        <p:spPr>
+          <a:xfrm>
+            <a:off x="3995518" y="1569497"/>
+            <a:ext cx="3604688" cy="2704847"/>
+          </a:xfrm>
+          <a:prstGeom prst="rect">
+            <a:avLst/>
+          </a:prstGeom>
+        </p:spPr>
+      </p:pic>
+      <p:pic>
+        <p:nvPicPr>
+          <p:cNvPr id="10" name="Picture 9">
+            <a:extLst>
+              <a:ext uri="{FF2B5EF4-FFF2-40B4-BE49-F238E27FC236}">
+                <a16:creationId xmlns:a16="http://schemas.microsoft.com/office/drawing/2014/main" id="{372A8CF0-149C-468C-B583-0F35D4C6BEB4}"/>
+              </a:ext>
+            </a:extLst>
+          </p:cNvPr>
+          <p:cNvPicPr>
+            <a:picLocks noChangeAspect="1"/>
+          </p:cNvPicPr>
+          <p:nvPr/>
+        </p:nvPicPr>
+        <p:blipFill>
+          <a:blip r:embed="rId3"/>
+          <a:stretch>
+            <a:fillRect/>
+          </a:stretch>
+        </p:blipFill>
+        <p:spPr>
+          <a:xfrm>
+            <a:off x="510085" y="4205287"/>
+            <a:ext cx="3604688" cy="2704847"/>
+          </a:xfrm>
+          <a:prstGeom prst="rect">
+            <a:avLst/>
+          </a:prstGeom>
+        </p:spPr>
+      </p:pic>
+      <p:pic>
+        <p:nvPicPr>
+          <p:cNvPr id="11" name="Picture 10">
+            <a:extLst>
+              <a:ext uri="{FF2B5EF4-FFF2-40B4-BE49-F238E27FC236}">
+                <a16:creationId xmlns:a16="http://schemas.microsoft.com/office/drawing/2014/main" id="{F4C6D079-B802-43C7-8E75-D39DFA705E8A}"/>
+              </a:ext>
+            </a:extLst>
+          </p:cNvPr>
+          <p:cNvPicPr>
+            <a:picLocks noChangeAspect="1"/>
+          </p:cNvPicPr>
+          <p:nvPr/>
+        </p:nvPicPr>
+        <p:blipFill>
+          <a:blip r:embed="rId4"/>
+          <a:stretch>
+            <a:fillRect/>
+          </a:stretch>
+        </p:blipFill>
+        <p:spPr>
+          <a:xfrm>
+            <a:off x="3995518" y="4153153"/>
+            <a:ext cx="3604688" cy="2704847"/>
+          </a:xfrm>
+          <a:prstGeom prst="rect">
+            <a:avLst/>
+          </a:prstGeom>
+        </p:spPr>
+      </p:pic>
+      <mc:AlternateContent xmlns:mc="http://schemas.openxmlformats.org/markup-compatibility/2006">
+        <mc:Choice xmlns:a14="http://schemas.microsoft.com/office/drawing/2010/main" Requires="a14">
+          <p:sp>
+            <p:nvSpPr>
+              <p:cNvPr id="8" name="Content Placeholder 2">
+                <a:extLst>
+                  <a:ext uri="{FF2B5EF4-FFF2-40B4-BE49-F238E27FC236}">
+                    <a16:creationId xmlns:a16="http://schemas.microsoft.com/office/drawing/2014/main" id="{91513014-1AA2-4608-9AC3-6007C61B44A2}"/>
+                  </a:ext>
+                </a:extLst>
+              </p:cNvPr>
+              <p:cNvSpPr txBox="1">
+                <a:spLocks/>
+              </p:cNvSpPr>
+              <p:nvPr/>
+            </p:nvSpPr>
+            <p:spPr>
+              <a:xfrm>
+                <a:off x="7450650" y="1690686"/>
+                <a:ext cx="3903150" cy="4351338"/>
+              </a:xfrm>
+              <a:prstGeom prst="rect">
+                <a:avLst/>
+              </a:prstGeom>
+            </p:spPr>
+            <p:txBody>
+              <a:bodyPr vert="horz" lIns="91440" tIns="45720" rIns="91440" bIns="45720" rtlCol="0">
+                <a:normAutofit/>
+              </a:bodyPr>
+              <a:lstStyle>
+                <a:lvl1pPr marL="228600" indent="-228600" algn="l" defTabSz="914400" rtl="0" eaLnBrk="1" latinLnBrk="0" hangingPunct="1">
+                  <a:lnSpc>
+                    <a:spcPct val="90000"/>
+                  </a:lnSpc>
+                  <a:spcBef>
+                    <a:spcPts val="1000"/>
+                  </a:spcBef>
+                  <a:buFont typeface="Arial" panose="020B0604020202020204" pitchFamily="34" charset="0"/>
+                  <a:buChar char="•"/>
+                  <a:defRPr sz="2800" kern="1200">
+                    <a:solidFill>
+                      <a:schemeClr val="tx1"/>
+                    </a:solidFill>
+                    <a:latin typeface="+mn-lt"/>
+                    <a:ea typeface="+mn-ea"/>
+                    <a:cs typeface="+mn-cs"/>
+                  </a:defRPr>
+                </a:lvl1pPr>
+                <a:lvl2pPr marL="685800" indent="-228600" algn="l" defTabSz="914400" rtl="0" eaLnBrk="1" latinLnBrk="0" hangingPunct="1">
+                  <a:lnSpc>
+                    <a:spcPct val="90000"/>
+                  </a:lnSpc>
+                  <a:spcBef>
+                    <a:spcPts val="500"/>
+                  </a:spcBef>
+                  <a:buFont typeface="Arial" panose="020B0604020202020204" pitchFamily="34" charset="0"/>
+                  <a:buChar char="•"/>
+                  <a:defRPr sz="2400" kern="1200">
+                    <a:solidFill>
+                      <a:schemeClr val="tx1"/>
+                    </a:solidFill>
+                    <a:latin typeface="+mn-lt"/>
+                    <a:ea typeface="+mn-ea"/>
+                    <a:cs typeface="+mn-cs"/>
+                  </a:defRPr>
+                </a:lvl2pPr>
+                <a:lvl3pPr marL="1143000" indent="-228600" algn="l" defTabSz="914400" rtl="0" eaLnBrk="1" latinLnBrk="0" hangingPunct="1">
+                  <a:lnSpc>
+                    <a:spcPct val="90000"/>
+                  </a:lnSpc>
+                  <a:spcBef>
+                    <a:spcPts val="500"/>
+                  </a:spcBef>
+                  <a:buFont typeface="Arial" panose="020B0604020202020204" pitchFamily="34" charset="0"/>
+                  <a:buChar char="•"/>
+                  <a:defRPr sz="2000" kern="1200">
+                    <a:solidFill>
+                      <a:schemeClr val="tx1"/>
+                    </a:solidFill>
+                    <a:latin typeface="+mn-lt"/>
+                    <a:ea typeface="+mn-ea"/>
+                    <a:cs typeface="+mn-cs"/>
+                  </a:defRPr>
+                </a:lvl3pPr>
+                <a:lvl4pPr marL="1600200" indent="-228600" algn="l" defTabSz="914400" rtl="0" eaLnBrk="1" latinLnBrk="0" hangingPunct="1">
+                  <a:lnSpc>
+                    <a:spcPct val="90000"/>
+                  </a:lnSpc>
+                  <a:spcBef>
+                    <a:spcPts val="500"/>
+                  </a:spcBef>
+                  <a:buFont typeface="Arial" panose="020B0604020202020204" pitchFamily="34" charset="0"/>
+                  <a:buChar char="•"/>
+                  <a:defRPr sz="1800" kern="1200">
+                    <a:solidFill>
+                      <a:schemeClr val="tx1"/>
+                    </a:solidFill>
+                    <a:latin typeface="+mn-lt"/>
+                    <a:ea typeface="+mn-ea"/>
+                    <a:cs typeface="+mn-cs"/>
+                  </a:defRPr>
+                </a:lvl4pPr>
+                <a:lvl5pPr marL="2057400" indent="-228600" algn="l" defTabSz="914400" rtl="0" eaLnBrk="1" latinLnBrk="0" hangingPunct="1">
+                  <a:lnSpc>
+                    <a:spcPct val="90000"/>
+                  </a:lnSpc>
+                  <a:spcBef>
+                    <a:spcPts val="500"/>
+                  </a:spcBef>
+                  <a:buFont typeface="Arial" panose="020B0604020202020204" pitchFamily="34" charset="0"/>
+                  <a:buChar char="•"/>
+                  <a:defRPr sz="1800" kern="1200">
+                    <a:solidFill>
+                      <a:schemeClr val="tx1"/>
+                    </a:solidFill>
+                    <a:latin typeface="+mn-lt"/>
+                    <a:ea typeface="+mn-ea"/>
+                    <a:cs typeface="+mn-cs"/>
+                  </a:defRPr>
+                </a:lvl5pPr>
+                <a:lvl6pPr marL="2514600" indent="-228600" algn="l" defTabSz="914400" rtl="0" eaLnBrk="1" latinLnBrk="0" hangingPunct="1">
+                  <a:lnSpc>
+                    <a:spcPct val="90000"/>
+                  </a:lnSpc>
+                  <a:spcBef>
+                    <a:spcPts val="500"/>
+                  </a:spcBef>
+                  <a:buFont typeface="Arial" panose="020B0604020202020204" pitchFamily="34" charset="0"/>
+                  <a:buChar char="•"/>
+                  <a:defRPr sz="1800" kern="1200">
+                    <a:solidFill>
+                      <a:schemeClr val="tx1"/>
+                    </a:solidFill>
+                    <a:latin typeface="+mn-lt"/>
+                    <a:ea typeface="+mn-ea"/>
+                    <a:cs typeface="+mn-cs"/>
+                  </a:defRPr>
+                </a:lvl6pPr>
+                <a:lvl7pPr marL="2971800" indent="-228600" algn="l" defTabSz="914400" rtl="0" eaLnBrk="1" latinLnBrk="0" hangingPunct="1">
+                  <a:lnSpc>
+                    <a:spcPct val="90000"/>
+                  </a:lnSpc>
+                  <a:spcBef>
+                    <a:spcPts val="500"/>
+                  </a:spcBef>
+                  <a:buFont typeface="Arial" panose="020B0604020202020204" pitchFamily="34" charset="0"/>
+                  <a:buChar char="•"/>
+                  <a:defRPr sz="1800" kern="1200">
+                    <a:solidFill>
+                      <a:schemeClr val="tx1"/>
+                    </a:solidFill>
+                    <a:latin typeface="+mn-lt"/>
+                    <a:ea typeface="+mn-ea"/>
+                    <a:cs typeface="+mn-cs"/>
+                  </a:defRPr>
+                </a:lvl7pPr>
+                <a:lvl8pPr marL="3429000" indent="-228600" algn="l" defTabSz="914400" rtl="0" eaLnBrk="1" latinLnBrk="0" hangingPunct="1">
+                  <a:lnSpc>
+                    <a:spcPct val="90000"/>
+                  </a:lnSpc>
+                  <a:spcBef>
+                    <a:spcPts val="500"/>
+                  </a:spcBef>
+                  <a:buFont typeface="Arial" panose="020B0604020202020204" pitchFamily="34" charset="0"/>
+                  <a:buChar char="•"/>
+                  <a:defRPr sz="1800" kern="1200">
+                    <a:solidFill>
+                      <a:schemeClr val="tx1"/>
+                    </a:solidFill>
+                    <a:latin typeface="+mn-lt"/>
+                    <a:ea typeface="+mn-ea"/>
+                    <a:cs typeface="+mn-cs"/>
+                  </a:defRPr>
+                </a:lvl8pPr>
+                <a:lvl9pPr marL="3886200" indent="-228600" algn="l" defTabSz="914400" rtl="0" eaLnBrk="1" latinLnBrk="0" hangingPunct="1">
+                  <a:lnSpc>
+                    <a:spcPct val="90000"/>
+                  </a:lnSpc>
+                  <a:spcBef>
+                    <a:spcPts val="500"/>
+                  </a:spcBef>
+                  <a:buFont typeface="Arial" panose="020B0604020202020204" pitchFamily="34" charset="0"/>
+                  <a:buChar char="•"/>
+                  <a:defRPr sz="1800" kern="1200">
+                    <a:solidFill>
+                      <a:schemeClr val="tx1"/>
+                    </a:solidFill>
+                    <a:latin typeface="+mn-lt"/>
+                    <a:ea typeface="+mn-ea"/>
+                    <a:cs typeface="+mn-cs"/>
+                  </a:defRPr>
+                </a:lvl9pPr>
+              </a:lstStyle>
+              <a:p>
+                <a:r>
+                  <a:rPr lang="en-US" sz="2400" dirty="0"/>
+                  <a:t>non-stationary </a:t>
+                </a:r>
+                <a:r>
+                  <a:rPr lang="en-US" sz="2400" b="1" dirty="0">
+                    <a:solidFill>
+                      <a:schemeClr val="accent2"/>
+                    </a:solidFill>
+                  </a:rPr>
+                  <a:t>mean</a:t>
+                </a:r>
+                <a:r>
+                  <a:rPr lang="en-US" sz="2400" dirty="0"/>
+                  <a:t> firing rate &amp; noise (</a:t>
+                </a:r>
+                <a:r>
+                  <a:rPr lang="en-US" sz="2400" b="1" dirty="0">
+                    <a:solidFill>
+                      <a:schemeClr val="accent1"/>
+                    </a:solidFill>
+                  </a:rPr>
+                  <a:t>variance</a:t>
+                </a:r>
+                <a:r>
+                  <a:rPr lang="en-US" sz="2400" dirty="0"/>
+                  <a:t>)</a:t>
+                </a:r>
+              </a:p>
+              <a:p>
+                <a:r>
+                  <a:rPr lang="en-US" sz="2400" dirty="0"/>
+                  <a:t>Change in </a:t>
+                </a:r>
+                <a:r>
+                  <a:rPr lang="en-US" sz="2400" b="1" dirty="0">
+                    <a:solidFill>
+                      <a:schemeClr val="accent2"/>
+                    </a:solidFill>
+                  </a:rPr>
+                  <a:t>mean</a:t>
+                </a:r>
+                <a:r>
+                  <a:rPr lang="en-US" sz="2400" dirty="0"/>
+                  <a:t> &amp; </a:t>
+                </a:r>
+                <a:r>
+                  <a:rPr lang="en-US" sz="2400" b="1">
+                    <a:solidFill>
+                      <a:schemeClr val="accent1"/>
+                    </a:solidFill>
+                  </a:rPr>
+                  <a:t>variance</a:t>
+                </a:r>
+                <a:r>
+                  <a:rPr lang="en-US" sz="2400"/>
+                  <a:t> contain </a:t>
+                </a:r>
+                <a:r>
+                  <a:rPr lang="en-US" sz="2400" dirty="0"/>
+                  <a:t>information</a:t>
+                </a:r>
+              </a:p>
+              <a:p>
+                <a:r>
+                  <a:rPr lang="en-US" sz="2400" dirty="0"/>
+                  <a:t>Non-Poisson: </a:t>
+                </a:r>
+                <a:r>
+                  <a:rPr lang="en-US" sz="2400" b="1" dirty="0">
+                    <a:solidFill>
+                      <a:schemeClr val="accent2"/>
+                    </a:solidFill>
+                  </a:rPr>
+                  <a:t>mean</a:t>
+                </a:r>
+                <a:r>
+                  <a:rPr lang="en-US" sz="2400" dirty="0"/>
+                  <a:t> </a:t>
+                </a:r>
+                <a14:m>
+                  <m:oMath xmlns:m="http://schemas.openxmlformats.org/officeDocument/2006/math">
+                    <m:r>
+                      <a:rPr lang="en-US" sz="2400" b="0" i="1" smtClean="0">
+                        <a:latin typeface="Cambria Math" panose="02040503050406030204" pitchFamily="18" charset="0"/>
+                      </a:rPr>
+                      <m:t>≠</m:t>
+                    </m:r>
+                  </m:oMath>
+                </a14:m>
+                <a:r>
+                  <a:rPr lang="en-US" sz="2400" dirty="0"/>
+                  <a:t> </a:t>
+                </a:r>
+                <a:r>
+                  <a:rPr lang="en-US" sz="2400" b="1" dirty="0">
+                    <a:solidFill>
+                      <a:schemeClr val="accent1"/>
+                    </a:solidFill>
+                  </a:rPr>
+                  <a:t>var</a:t>
+                </a:r>
+              </a:p>
+              <a:p>
+                <a:r>
+                  <a:rPr lang="en-US" sz="2400" b="1" dirty="0"/>
+                  <a:t>track time-varying </a:t>
+                </a:r>
+                <a:r>
+                  <a:rPr lang="en-US" sz="2400" b="1" dirty="0">
+                    <a:solidFill>
+                      <a:schemeClr val="accent2"/>
+                    </a:solidFill>
+                  </a:rPr>
+                  <a:t>mean</a:t>
+                </a:r>
+                <a:r>
+                  <a:rPr lang="en-US" sz="2400" b="1" dirty="0"/>
+                  <a:t> and </a:t>
+                </a:r>
+                <a:r>
+                  <a:rPr lang="en-US" sz="2400" b="1" dirty="0">
+                    <a:solidFill>
+                      <a:schemeClr val="accent1"/>
+                    </a:solidFill>
+                  </a:rPr>
+                  <a:t>variance</a:t>
+                </a:r>
+                <a:r>
+                  <a:rPr lang="en-US" sz="2400" b="1" dirty="0"/>
+                  <a:t> simultaneously, with flexible dispersion. </a:t>
+                </a:r>
+              </a:p>
+            </p:txBody>
+          </p:sp>
+        </mc:Choice>
+        <mc:Fallback>
+          <p:sp>
+            <p:nvSpPr>
+              <p:cNvPr id="8" name="Content Placeholder 2">
+                <a:extLst>
+                  <a:ext uri="{FF2B5EF4-FFF2-40B4-BE49-F238E27FC236}">
+                    <a16:creationId xmlns:a16="http://schemas.microsoft.com/office/drawing/2014/main" id="{91513014-1AA2-4608-9AC3-6007C61B44A2}"/>
+                  </a:ext>
+                </a:extLst>
+              </p:cNvPr>
+              <p:cNvSpPr txBox="1">
+                <a:spLocks noRot="1" noChangeAspect="1" noMove="1" noResize="1" noEditPoints="1" noAdjustHandles="1" noChangeArrowheads="1" noChangeShapeType="1" noTextEdit="1"/>
+              </p:cNvSpPr>
+              <p:nvPr/>
+            </p:nvSpPr>
+            <p:spPr>
+              <a:xfrm>
+                <a:off x="7450650" y="1690686"/>
+                <a:ext cx="3903150" cy="4351338"/>
+              </a:xfrm>
+              <a:prstGeom prst="rect">
+                <a:avLst/>
+              </a:prstGeom>
+              <a:blipFill>
+                <a:blip r:embed="rId5"/>
+                <a:stretch>
+                  <a:fillRect l="-2028" t="-1961" r="-624"/>
+                </a:stretch>
+              </a:blipFill>
+            </p:spPr>
+            <p:txBody>
+              <a:bodyPr/>
+              <a:lstStyle/>
+              <a:p>
+                <a:r>
+                  <a:rPr lang="en-US">
+                    <a:noFill/>
+                  </a:rPr>
+                  <a:t> </a:t>
+                </a:r>
+              </a:p>
+            </p:txBody>
+          </p:sp>
+        </mc:Fallback>
+      </mc:AlternateContent>
+      <p:pic>
+        <p:nvPicPr>
+          <p:cNvPr id="5" name="Picture 4">
+            <a:extLst>
+              <a:ext uri="{FF2B5EF4-FFF2-40B4-BE49-F238E27FC236}">
+                <a16:creationId xmlns:a16="http://schemas.microsoft.com/office/drawing/2014/main" id="{7AF6EBBE-6448-4FBF-8488-C23D0270A8FE}"/>
+              </a:ext>
+            </a:extLst>
+          </p:cNvPr>
+          <p:cNvPicPr>
+            <a:picLocks noChangeAspect="1"/>
+          </p:cNvPicPr>
+          <p:nvPr/>
+        </p:nvPicPr>
+        <p:blipFill>
+          <a:blip r:embed="rId6"/>
+          <a:stretch>
+            <a:fillRect/>
+          </a:stretch>
+        </p:blipFill>
+        <p:spPr>
+          <a:xfrm>
+            <a:off x="413499" y="1497724"/>
+            <a:ext cx="3797859" cy="2848394"/>
+          </a:xfrm>
+          <a:prstGeom prst="rect">
+            <a:avLst/>
+          </a:prstGeom>
+        </p:spPr>
+      </p:pic>
     </p:spTree>
     <p:extLst>
       <p:ext uri="{BB962C8B-B14F-4D97-AF65-F5344CB8AC3E}">
@@ -4237,7 +6027,7 @@
 </p:sld>
 </file>
 
-<file path=ppt/slides/slide3.xml><?xml version="1.0" encoding="utf-8"?>
+<file path=ppt/slides/slide5.xml><?xml version="1.0" encoding="utf-8"?>
 <p:sld xmlns:a="http://schemas.openxmlformats.org/drawingml/2006/main" xmlns:r="http://schemas.openxmlformats.org/officeDocument/2006/relationships" xmlns:p="http://schemas.openxmlformats.org/presentationml/2006/main">
   <p:cSld>
     <p:spTree>
@@ -4312,8 +6102,8 @@
           </a:prstGeom>
         </p:spPr>
       </p:pic>
-      <mc:AlternateContent xmlns:mc="http://schemas.openxmlformats.org/markup-compatibility/2006" xmlns:a14="http://schemas.microsoft.com/office/drawing/2010/main">
-        <mc:Choice Requires="a14">
+      <mc:AlternateContent xmlns:mc="http://schemas.openxmlformats.org/markup-compatibility/2006">
+        <mc:Choice xmlns:a14="http://schemas.microsoft.com/office/drawing/2010/main" Requires="a14">
           <p:sp>
             <p:nvSpPr>
               <p:cNvPr id="3" name="Content Placeholder 2">
@@ -5042,28 +6832,8 @@
                   <a:t>Joint model of </a:t>
                 </a:r>
                 <a:r>
-                  <a:rPr lang="en-US" b="1" dirty="0">
-                    <a:solidFill>
-                      <a:schemeClr val="accent2"/>
-                    </a:solidFill>
-                  </a:rPr>
-                  <a:t>mean</a:t>
-                </a:r>
-                <a:r>
-                  <a:rPr lang="en-US" b="1" dirty="0">
-                    <a:solidFill>
-                      <a:prstClr val="black"/>
-                    </a:solidFill>
-                  </a:rPr>
-                  <a:t> and </a:t>
-                </a:r>
-                <a:r>
-                  <a:rPr lang="en-US" b="1" dirty="0">
-                    <a:solidFill>
-                      <a:schemeClr val="accent1"/>
-                    </a:solidFill>
-                  </a:rPr>
-                  <a:t>variance</a:t>
+                  <a:rPr lang="en-US" b="1" dirty="0"/>
+                  <a:t>two parameters</a:t>
                 </a:r>
                 <a:r>
                   <a:rPr lang="en-US" dirty="0">
@@ -5260,7 +7030,7 @@
             </p:txBody>
           </p:sp>
         </mc:Choice>
-        <mc:Fallback xmlns="">
+        <mc:Fallback>
           <p:sp>
             <p:nvSpPr>
               <p:cNvPr id="3" name="Content Placeholder 2">
@@ -5313,7 +7083,7 @@
 </p:sld>
 </file>
 
-<file path=ppt/slides/slide4.xml><?xml version="1.0" encoding="utf-8"?>
+<file path=ppt/slides/slide6.xml><?xml version="1.0" encoding="utf-8"?>
 <p:sld xmlns:a="http://schemas.openxmlformats.org/drawingml/2006/main" xmlns:r="http://schemas.openxmlformats.org/officeDocument/2006/relationships" xmlns:p="http://schemas.openxmlformats.org/presentationml/2006/main">
   <p:cSld>
     <p:spTree>
@@ -5335,7 +7105,7 @@
           <p:cNvPr id="2" name="Title 1">
             <a:extLst>
               <a:ext uri="{FF2B5EF4-FFF2-40B4-BE49-F238E27FC236}">
-                <a16:creationId xmlns:a16="http://schemas.microsoft.com/office/drawing/2014/main" id="{8CCDF383-ADB9-4906-BB20-41B3BDF97E09}"/>
+                <a16:creationId xmlns:a16="http://schemas.microsoft.com/office/drawing/2014/main" id="{E9B8DFDD-C94D-4C37-8204-BB04B8676C4A}"/>
               </a:ext>
             </a:extLst>
           </p:cNvPr>
@@ -5353,19 +7123,19 @@
           <a:p>
             <a:r>
               <a:rPr lang="en-US" dirty="0"/>
-              <a:t>Method (2): Adaptive Filter</a:t>
+              <a:t>Method (2): Adaptive Filter (State Space Model)</a:t>
             </a:r>
           </a:p>
         </p:txBody>
       </p:sp>
-      <mc:AlternateContent xmlns:mc="http://schemas.openxmlformats.org/markup-compatibility/2006" xmlns:a14="http://schemas.microsoft.com/office/drawing/2010/main">
-        <mc:Choice Requires="a14">
+      <mc:AlternateContent xmlns:mc="http://schemas.openxmlformats.org/markup-compatibility/2006">
+        <mc:Choice xmlns:a14="http://schemas.microsoft.com/office/drawing/2010/main" Requires="a14">
           <p:sp>
             <p:nvSpPr>
               <p:cNvPr id="3" name="Content Placeholder 2">
                 <a:extLst>
                   <a:ext uri="{FF2B5EF4-FFF2-40B4-BE49-F238E27FC236}">
-                    <a16:creationId xmlns:a16="http://schemas.microsoft.com/office/drawing/2014/main" id="{A540BDB7-046B-4C34-9C47-5440C1AC2A87}"/>
+                    <a16:creationId xmlns:a16="http://schemas.microsoft.com/office/drawing/2014/main" id="{46A62CCD-53BC-45DB-A3B7-24BF8A874A42}"/>
                   </a:ext>
                 </a:extLst>
               </p:cNvPr>
@@ -5378,48 +7148,52 @@
             </p:nvSpPr>
             <p:spPr/>
             <p:txBody>
-              <a:bodyPr>
-                <a:normAutofit fontScale="92500" lnSpcReduction="20000"/>
-              </a:bodyPr>
+              <a:bodyPr/>
               <a:lstStyle/>
               <a:p>
                 <a:r>
                   <a:rPr lang="en-US" dirty="0"/>
-                  <a:t>Approximate the CMP likelihood (</a:t>
+                  <a:t>Step k, </a:t>
                 </a:r>
                 <a14:m>
                   <m:oMath xmlns:m="http://schemas.openxmlformats.org/officeDocument/2006/math">
-                    <m:r>
-                      <a:rPr lang="en-US" b="0" i="1" smtClean="0">
-                        <a:latin typeface="Cambria Math" panose="02040503050406030204" pitchFamily="18" charset="0"/>
-                      </a:rPr>
-                      <m:t>𝑙</m:t>
-                    </m:r>
+                    <m:sSup>
+                      <m:sSupPr>
+                        <m:ctrlPr>
+                          <a:rPr lang="en-US" b="0" i="1" dirty="0" smtClean="0">
+                            <a:latin typeface="Cambria Math" panose="02040503050406030204" pitchFamily="18" charset="0"/>
+                          </a:rPr>
+                        </m:ctrlPr>
+                      </m:sSupPr>
+                      <m:e>
+                        <m:r>
+                          <a:rPr lang="en-US" i="1" dirty="0" smtClean="0">
+                            <a:latin typeface="Cambria Math" panose="02040503050406030204" pitchFamily="18" charset="0"/>
+                          </a:rPr>
+                          <m:t>𝑖</m:t>
+                        </m:r>
+                      </m:e>
+                      <m:sup>
+                        <m:r>
+                          <a:rPr lang="en-US" i="1" dirty="0" smtClean="0">
+                            <a:latin typeface="Cambria Math" panose="02040503050406030204" pitchFamily="18" charset="0"/>
+                          </a:rPr>
+                          <m:t>𝑡h</m:t>
+                        </m:r>
+                      </m:sup>
+                    </m:sSup>
                   </m:oMath>
                 </a14:m>
                 <a:r>
                   <a:rPr lang="en-US" dirty="0"/>
-                  <a:t>) by normal distribution (Laplace approximation)</a:t>
-                </a:r>
-              </a:p>
-              <a:p>
-                <a:r>
-                  <a:rPr lang="en-US" dirty="0"/>
-                  <a:t>Recursive posterior updates:</a:t>
-                </a:r>
-              </a:p>
-              <a:p>
-                <a:pPr lvl="1"/>
-                <a:r>
-                  <a:rPr lang="en-US" dirty="0"/>
-                  <a:t>step k: </a:t>
+                  <a:t> neuron: </a:t>
                 </a:r>
                 <a14:m>
                   <m:oMath xmlns:m="http://schemas.openxmlformats.org/officeDocument/2006/math">
                     <m:sSub>
                       <m:sSubPr>
                         <m:ctrlPr>
-                          <a:rPr lang="en-US" i="1">
+                          <a:rPr lang="en-US" i="1" smtClean="0">
                             <a:latin typeface="Cambria Math" panose="02040503050406030204" pitchFamily="18" charset="0"/>
                           </a:rPr>
                         </m:ctrlPr>
@@ -5539,6 +7313,9 @@
                   </a:rPr>
                   <a:t> </a:t>
                 </a:r>
+              </a:p>
+              <a:p>
+                <a:pPr lvl="1"/>
                 <a14:m>
                   <m:oMath xmlns:m="http://schemas.openxmlformats.org/officeDocument/2006/math">
                     <m:func>
@@ -5603,7 +7380,7 @@
                               </m:e>
                               <m:sub>
                                 <m:r>
-                                  <a:rPr lang="en-US" i="1">
+                                  <a:rPr lang="en-US" i="1" smtClean="0">
                                     <a:solidFill>
                                       <a:prstClr val="black"/>
                                     </a:solidFill>
@@ -5612,48 +7389,14 @@
                                   <m:t>𝑘</m:t>
                                 </m:r>
                                 <m:r>
-                                  <a:rPr lang="en-US" i="1">
+                                  <a:rPr lang="en-US" b="0" i="1" smtClean="0">
                                     <a:solidFill>
                                       <a:prstClr val="black"/>
                                     </a:solidFill>
                                     <a:latin typeface="Cambria Math" panose="02040503050406030204" pitchFamily="18" charset="0"/>
                                   </a:rPr>
-                                  <m:t>,</m:t>
+                                  <m:t>𝑖</m:t>
                                 </m:r>
-                                <m:sSub>
-                                  <m:sSubPr>
-                                    <m:ctrlPr>
-                                      <a:rPr lang="en-US" i="1">
-                                        <a:solidFill>
-                                          <a:prstClr val="black"/>
-                                        </a:solidFill>
-                                        <a:latin typeface="Cambria Math" panose="02040503050406030204" pitchFamily="18" charset="0"/>
-                                      </a:rPr>
-                                    </m:ctrlPr>
-                                  </m:sSubPr>
-                                  <m:e>
-                                    <m:r>
-                                      <a:rPr lang="en-US" i="1">
-                                        <a:solidFill>
-                                          <a:prstClr val="black"/>
-                                        </a:solidFill>
-                                        <a:latin typeface="Cambria Math" panose="02040503050406030204" pitchFamily="18" charset="0"/>
-                                      </a:rPr>
-                                      <m:t>𝑛</m:t>
-                                    </m:r>
-                                  </m:e>
-                                  <m:sub>
-                                    <m:r>
-                                      <a:rPr lang="en-US" i="1">
-                                        <a:solidFill>
-                                          <a:prstClr val="black"/>
-                                        </a:solidFill>
-                                        <a:latin typeface="Cambria Math" panose="02040503050406030204" pitchFamily="18" charset="0"/>
-                                      </a:rPr>
-                                      <m:t>𝑘</m:t>
-                                    </m:r>
-                                  </m:sub>
-                                </m:sSub>
                               </m:sub>
                             </m:sSub>
                           </m:e>
@@ -5700,6 +7443,15 @@
                             <a:latin typeface="Cambria Math" panose="02040503050406030204" pitchFamily="18" charset="0"/>
                           </a:rPr>
                           <m:t>𝑘</m:t>
+                        </m:r>
+                        <m:r>
+                          <a:rPr lang="en-US" b="0" i="1" smtClean="0">
+                            <a:solidFill>
+                              <a:prstClr val="black"/>
+                            </a:solidFill>
+                            <a:latin typeface="Cambria Math" panose="02040503050406030204" pitchFamily="18" charset="0"/>
+                          </a:rPr>
+                          <m:t>𝑖</m:t>
                         </m:r>
                       </m:sub>
                     </m:sSub>
@@ -5820,48 +7572,23 @@
                                   <m:t>𝑘</m:t>
                                 </m:r>
                                 <m:r>
-                                  <a:rPr lang="en-US" i="1">
+                                  <a:rPr lang="en-US" b="0" i="1" smtClean="0">
                                     <a:solidFill>
                                       <a:prstClr val="black"/>
                                     </a:solidFill>
                                     <a:latin typeface="Cambria Math" panose="02040503050406030204" pitchFamily="18" charset="0"/>
                                   </a:rPr>
-                                  <m:t>,</m:t>
+                                  <m:t>𝑖</m:t>
                                 </m:r>
-                                <m:sSub>
-                                  <m:sSubPr>
-                                    <m:ctrlPr>
-                                      <a:rPr lang="en-US" i="1">
-                                        <a:solidFill>
-                                          <a:prstClr val="black"/>
-                                        </a:solidFill>
-                                        <a:latin typeface="Cambria Math" panose="02040503050406030204" pitchFamily="18" charset="0"/>
-                                      </a:rPr>
-                                    </m:ctrlPr>
-                                  </m:sSubPr>
-                                  <m:e>
-                                    <m:r>
-                                      <a:rPr lang="en-US" i="1">
-                                        <a:solidFill>
-                                          <a:prstClr val="black"/>
-                                        </a:solidFill>
-                                        <a:latin typeface="Cambria Math" panose="02040503050406030204" pitchFamily="18" charset="0"/>
-                                      </a:rPr>
-                                      <m:t>𝑛</m:t>
-                                    </m:r>
-                                  </m:e>
-                                  <m:sub>
-                                    <m:r>
-                                      <a:rPr lang="en-US" i="1">
-                                        <a:solidFill>
-                                          <a:prstClr val="black"/>
-                                        </a:solidFill>
-                                        <a:latin typeface="Cambria Math" panose="02040503050406030204" pitchFamily="18" charset="0"/>
-                                      </a:rPr>
-                                      <m:t>𝑘</m:t>
-                                    </m:r>
-                                  </m:sub>
-                                </m:sSub>
+                                <m:r>
+                                  <a:rPr lang="en-US" i="1" smtClean="0">
+                                    <a:solidFill>
+                                      <a:prstClr val="black"/>
+                                    </a:solidFill>
+                                    <a:latin typeface="Cambria Math" panose="02040503050406030204" pitchFamily="18" charset="0"/>
+                                  </a:rPr>
+                                  <m:t> </m:t>
+                                </m:r>
                               </m:sub>
                             </m:sSub>
                           </m:e>
@@ -5909,6 +7636,15 @@
                           </a:rPr>
                           <m:t>𝑘</m:t>
                         </m:r>
+                        <m:r>
+                          <a:rPr lang="en-US" b="0" i="1" smtClean="0">
+                            <a:solidFill>
+                              <a:prstClr val="black"/>
+                            </a:solidFill>
+                            <a:latin typeface="Cambria Math" panose="02040503050406030204" pitchFamily="18" charset="0"/>
+                          </a:rPr>
+                          <m:t>𝑖</m:t>
+                        </m:r>
                       </m:sub>
                     </m:sSub>
                     <m:sSub>
@@ -5945,18 +7681,991 @@
                         </m:r>
                       </m:sub>
                     </m:sSub>
+                  </m:oMath>
+                </a14:m>
+                <a:endParaRPr lang="en-US" b="0" dirty="0">
+                  <a:effectLst/>
+                </a:endParaRPr>
+              </a:p>
+              <a:p>
+                <a:r>
+                  <a:rPr lang="en-US" b="0" dirty="0">
+                    <a:effectLst/>
+                  </a:rPr>
+                  <a:t>Prior (state equation): </a:t>
+                </a:r>
+                <a14:m>
+                  <m:oMath xmlns:m="http://schemas.openxmlformats.org/officeDocument/2006/math">
+                    <m:sSub>
+                      <m:sSubPr>
+                        <m:ctrlPr>
+                          <a:rPr lang="en-US" i="1" smtClean="0">
+                            <a:effectLst/>
+                            <a:latin typeface="Cambria Math" panose="02040503050406030204" pitchFamily="18" charset="0"/>
+                          </a:rPr>
+                        </m:ctrlPr>
+                      </m:sSubPr>
+                      <m:e>
+                        <m:r>
+                          <a:rPr lang="en-US" b="1" i="1">
+                            <a:effectLst/>
+                            <a:latin typeface="Cambria Math" panose="02040503050406030204" pitchFamily="18" charset="0"/>
+                            <a:ea typeface="Songti SC"/>
+                            <a:cs typeface="Times New Roman" panose="02020603050405020304" pitchFamily="18" charset="0"/>
+                          </a:rPr>
+                          <m:t>𝜽</m:t>
+                        </m:r>
+                      </m:e>
+                      <m:sub>
+                        <m:r>
+                          <a:rPr lang="en-US" i="1">
+                            <a:effectLst/>
+                            <a:latin typeface="Cambria Math" panose="02040503050406030204" pitchFamily="18" charset="0"/>
+                            <a:ea typeface="Songti SC"/>
+                            <a:cs typeface="Times New Roman" panose="02020603050405020304" pitchFamily="18" charset="0"/>
+                          </a:rPr>
+                          <m:t>𝑘</m:t>
+                        </m:r>
+                      </m:sub>
+                    </m:sSub>
                     <m:r>
                       <a:rPr lang="en-US" i="1">
-                        <a:solidFill>
-                          <a:prstClr val="black"/>
-                        </a:solidFill>
+                        <a:effectLst/>
                         <a:latin typeface="Cambria Math" panose="02040503050406030204" pitchFamily="18" charset="0"/>
+                        <a:ea typeface="Songti SC"/>
+                        <a:cs typeface="Times New Roman" panose="02020603050405020304" pitchFamily="18" charset="0"/>
                       </a:rPr>
-                      <m:t> </m:t>
+                      <m:t>=</m:t>
+                    </m:r>
+                    <m:sSub>
+                      <m:sSubPr>
+                        <m:ctrlPr>
+                          <a:rPr lang="en-US" i="1">
+                            <a:effectLst/>
+                            <a:latin typeface="Cambria Math" panose="02040503050406030204" pitchFamily="18" charset="0"/>
+                          </a:rPr>
+                        </m:ctrlPr>
+                      </m:sSubPr>
+                      <m:e>
+                        <m:r>
+                          <a:rPr lang="en-US" b="1" i="1">
+                            <a:effectLst/>
+                            <a:latin typeface="Cambria Math" panose="02040503050406030204" pitchFamily="18" charset="0"/>
+                            <a:ea typeface="Songti SC"/>
+                            <a:cs typeface="Times New Roman" panose="02020603050405020304" pitchFamily="18" charset="0"/>
+                          </a:rPr>
+                          <m:t>𝑭</m:t>
+                        </m:r>
+                      </m:e>
+                      <m:sub>
+                        <m:r>
+                          <a:rPr lang="en-US" i="1">
+                            <a:effectLst/>
+                            <a:latin typeface="Cambria Math" panose="02040503050406030204" pitchFamily="18" charset="0"/>
+                            <a:ea typeface="Songti SC"/>
+                            <a:cs typeface="Times New Roman" panose="02020603050405020304" pitchFamily="18" charset="0"/>
+                          </a:rPr>
+                          <m:t>𝑘</m:t>
+                        </m:r>
+                      </m:sub>
+                    </m:sSub>
+                    <m:sSub>
+                      <m:sSubPr>
+                        <m:ctrlPr>
+                          <a:rPr lang="en-US" i="1">
+                            <a:effectLst/>
+                            <a:latin typeface="Cambria Math" panose="02040503050406030204" pitchFamily="18" charset="0"/>
+                          </a:rPr>
+                        </m:ctrlPr>
+                      </m:sSubPr>
+                      <m:e>
+                        <m:r>
+                          <a:rPr lang="en-US" b="1" i="1">
+                            <a:effectLst/>
+                            <a:latin typeface="Cambria Math" panose="02040503050406030204" pitchFamily="18" charset="0"/>
+                            <a:ea typeface="Songti SC"/>
+                            <a:cs typeface="Times New Roman" panose="02020603050405020304" pitchFamily="18" charset="0"/>
+                          </a:rPr>
+                          <m:t>𝜽</m:t>
+                        </m:r>
+                      </m:e>
+                      <m:sub>
+                        <m:r>
+                          <a:rPr lang="en-US" i="1">
+                            <a:effectLst/>
+                            <a:latin typeface="Cambria Math" panose="02040503050406030204" pitchFamily="18" charset="0"/>
+                            <a:ea typeface="Songti SC"/>
+                            <a:cs typeface="Times New Roman" panose="02020603050405020304" pitchFamily="18" charset="0"/>
+                          </a:rPr>
+                          <m:t>𝑘</m:t>
+                        </m:r>
+                        <m:r>
+                          <a:rPr lang="en-US" i="1">
+                            <a:effectLst/>
+                            <a:latin typeface="Cambria Math" panose="02040503050406030204" pitchFamily="18" charset="0"/>
+                            <a:ea typeface="Songti SC"/>
+                            <a:cs typeface="Times New Roman" panose="02020603050405020304" pitchFamily="18" charset="0"/>
+                          </a:rPr>
+                          <m:t>−1</m:t>
+                        </m:r>
+                      </m:sub>
+                    </m:sSub>
+                    <m:r>
+                      <a:rPr lang="en-US" i="1">
+                        <a:effectLst/>
+                        <a:latin typeface="Cambria Math" panose="02040503050406030204" pitchFamily="18" charset="0"/>
+                        <a:ea typeface="Songti SC"/>
+                        <a:cs typeface="Times New Roman" panose="02020603050405020304" pitchFamily="18" charset="0"/>
+                      </a:rPr>
+                      <m:t>+</m:t>
+                    </m:r>
+                    <m:sSub>
+                      <m:sSubPr>
+                        <m:ctrlPr>
+                          <a:rPr lang="en-US" i="1">
+                            <a:effectLst/>
+                            <a:latin typeface="Cambria Math" panose="02040503050406030204" pitchFamily="18" charset="0"/>
+                          </a:rPr>
+                        </m:ctrlPr>
+                      </m:sSubPr>
+                      <m:e>
+                        <m:r>
+                          <a:rPr lang="en-US" b="1" i="1">
+                            <a:effectLst/>
+                            <a:latin typeface="Cambria Math" panose="02040503050406030204" pitchFamily="18" charset="0"/>
+                            <a:ea typeface="Songti SC"/>
+                            <a:cs typeface="Times New Roman" panose="02020603050405020304" pitchFamily="18" charset="0"/>
+                          </a:rPr>
+                          <m:t>𝒘</m:t>
+                        </m:r>
+                      </m:e>
+                      <m:sub>
+                        <m:r>
+                          <a:rPr lang="en-US" i="1">
+                            <a:effectLst/>
+                            <a:latin typeface="Cambria Math" panose="02040503050406030204" pitchFamily="18" charset="0"/>
+                            <a:ea typeface="Songti SC"/>
+                            <a:cs typeface="Times New Roman" panose="02020603050405020304" pitchFamily="18" charset="0"/>
+                          </a:rPr>
+                          <m:t>𝑘</m:t>
+                        </m:r>
+                      </m:sub>
+                    </m:sSub>
+                  </m:oMath>
+                </a14:m>
+                <a:r>
+                  <a:rPr lang="en-US" b="0" dirty="0">
+                    <a:effectLst/>
+                  </a:rPr>
+                  <a:t>,</a:t>
+                </a:r>
+                <a14:m>
+                  <m:oMath xmlns:m="http://schemas.openxmlformats.org/officeDocument/2006/math">
+                    <m:sSub>
+                      <m:sSubPr>
+                        <m:ctrlPr>
+                          <a:rPr lang="en-US" i="1">
+                            <a:latin typeface="Cambria Math" panose="02040503050406030204" pitchFamily="18" charset="0"/>
+                          </a:rPr>
+                        </m:ctrlPr>
+                      </m:sSubPr>
+                      <m:e>
+                        <m:r>
+                          <a:rPr lang="en-US" b="1" i="1">
+                            <a:latin typeface="Cambria Math" panose="02040503050406030204" pitchFamily="18" charset="0"/>
+                            <a:ea typeface="Songti SC"/>
+                            <a:cs typeface="Times New Roman" panose="02020603050405020304" pitchFamily="18" charset="0"/>
+                          </a:rPr>
+                          <m:t>𝒘</m:t>
+                        </m:r>
+                      </m:e>
+                      <m:sub>
+                        <m:r>
+                          <a:rPr lang="en-US" i="1">
+                            <a:latin typeface="Cambria Math" panose="02040503050406030204" pitchFamily="18" charset="0"/>
+                            <a:ea typeface="Songti SC"/>
+                            <a:cs typeface="Times New Roman" panose="02020603050405020304" pitchFamily="18" charset="0"/>
+                          </a:rPr>
+                          <m:t>𝑘</m:t>
+                        </m:r>
+                      </m:sub>
+                    </m:sSub>
+                    <m:r>
+                      <a:rPr lang="en-US" b="0" i="1" smtClean="0">
+                        <a:latin typeface="Cambria Math" panose="02040503050406030204" pitchFamily="18" charset="0"/>
+                        <a:ea typeface="Songti SC"/>
+                        <a:cs typeface="Times New Roman" panose="02020603050405020304" pitchFamily="18" charset="0"/>
+                      </a:rPr>
+                      <m:t>∼</m:t>
+                    </m:r>
+                    <m:r>
+                      <a:rPr lang="en-US" i="1"/>
+                      <m:t>𝑁</m:t>
+                    </m:r>
+                    <m:r>
+                      <a:rPr lang="en-US" i="1"/>
+                      <m:t>(</m:t>
+                    </m:r>
+                    <m:r>
+                      <a:rPr lang="en-US" b="1" i="1"/>
+                      <m:t>𝟎</m:t>
+                    </m:r>
+                    <m:r>
+                      <a:rPr lang="en-US" i="1"/>
+                      <m:t>, </m:t>
+                    </m:r>
+                    <m:sSub>
+                      <m:sSubPr>
+                        <m:ctrlPr>
+                          <a:rPr lang="en-US" i="1"/>
+                        </m:ctrlPr>
+                      </m:sSubPr>
+                      <m:e>
+                        <m:r>
+                          <a:rPr lang="en-US" b="1" i="1"/>
+                          <m:t>𝑸</m:t>
+                        </m:r>
+                      </m:e>
+                      <m:sub>
+                        <m:r>
+                          <a:rPr lang="en-US" i="1"/>
+                          <m:t>𝑘</m:t>
+                        </m:r>
+                      </m:sub>
+                    </m:sSub>
+                    <m:r>
+                      <a:rPr lang="en-US" i="1"/>
+                      <m:t>)</m:t>
                     </m:r>
                   </m:oMath>
                 </a14:m>
+                <a:endParaRPr lang="en-US" b="0" dirty="0">
+                  <a:effectLst/>
+                </a:endParaRPr>
+              </a:p>
+              <a:p>
+                <a:r>
+                  <a:rPr lang="en-US" b="0" dirty="0">
+                    <a:effectLst/>
+                  </a:rPr>
+                  <a:t>Posterior: </a:t>
+                </a:r>
+                <a14:m>
+                  <m:oMath xmlns:m="http://schemas.openxmlformats.org/officeDocument/2006/math">
+                    <m:r>
+                      <a:rPr lang="en-US" b="0" i="1" smtClean="0">
+                        <a:effectLst/>
+                        <a:latin typeface="Cambria Math" panose="02040503050406030204" pitchFamily="18" charset="0"/>
+                      </a:rPr>
+                      <m:t>𝑝</m:t>
+                    </m:r>
+                    <m:d>
+                      <m:dPr>
+                        <m:ctrlPr>
+                          <a:rPr lang="en-US" i="1" smtClean="0">
+                            <a:effectLst/>
+                            <a:latin typeface="Cambria Math" panose="02040503050406030204" pitchFamily="18" charset="0"/>
+                          </a:rPr>
+                        </m:ctrlPr>
+                      </m:dPr>
+                      <m:e>
+                        <m:sSub>
+                          <m:sSubPr>
+                            <m:ctrlPr>
+                              <a:rPr lang="en-US" i="1">
+                                <a:effectLst/>
+                                <a:latin typeface="Cambria Math" panose="02040503050406030204" pitchFamily="18" charset="0"/>
+                              </a:rPr>
+                            </m:ctrlPr>
+                          </m:sSubPr>
+                          <m:e>
+                            <m:r>
+                              <a:rPr lang="en-US" sz="2800" b="1" i="1">
+                                <a:effectLst/>
+                                <a:latin typeface="Cambria Math" panose="02040503050406030204" pitchFamily="18" charset="0"/>
+                                <a:ea typeface="Songti SC"/>
+                                <a:cs typeface="Times New Roman" panose="02020603050405020304" pitchFamily="18" charset="0"/>
+                              </a:rPr>
+                              <m:t>𝜽</m:t>
+                            </m:r>
+                          </m:e>
+                          <m:sub>
+                            <m:r>
+                              <a:rPr lang="en-US" sz="2800" i="1">
+                                <a:effectLst/>
+                                <a:latin typeface="Cambria Math" panose="02040503050406030204" pitchFamily="18" charset="0"/>
+                                <a:ea typeface="Songti SC"/>
+                                <a:cs typeface="Times New Roman" panose="02020603050405020304" pitchFamily="18" charset="0"/>
+                              </a:rPr>
+                              <m:t>𝑘</m:t>
+                            </m:r>
+                          </m:sub>
+                        </m:sSub>
+                      </m:e>
+                      <m:e>
+                        <m:sSub>
+                          <m:sSubPr>
+                            <m:ctrlPr>
+                              <a:rPr lang="en-US" i="1">
+                                <a:effectLst/>
+                                <a:latin typeface="Cambria Math" panose="02040503050406030204" pitchFamily="18" charset="0"/>
+                              </a:rPr>
+                            </m:ctrlPr>
+                          </m:sSubPr>
+                          <m:e>
+                            <m:r>
+                              <a:rPr lang="en-US" sz="2800" b="1" i="1">
+                                <a:effectLst/>
+                                <a:latin typeface="Cambria Math" panose="02040503050406030204" pitchFamily="18" charset="0"/>
+                                <a:ea typeface="Songti SC"/>
+                                <a:cs typeface="Times New Roman" panose="02020603050405020304" pitchFamily="18" charset="0"/>
+                              </a:rPr>
+                              <m:t>𝒀</m:t>
+                            </m:r>
+                          </m:e>
+                          <m:sub>
+                            <m:d>
+                              <m:dPr>
+                                <m:begChr m:val="["/>
+                                <m:endChr m:val="]"/>
+                                <m:ctrlPr>
+                                  <a:rPr lang="en-US" i="1">
+                                    <a:effectLst/>
+                                    <a:latin typeface="Cambria Math" panose="02040503050406030204" pitchFamily="18" charset="0"/>
+                                  </a:rPr>
+                                </m:ctrlPr>
+                              </m:dPr>
+                              <m:e>
+                                <m:r>
+                                  <a:rPr lang="en-US" sz="2800" i="1">
+                                    <a:effectLst/>
+                                    <a:latin typeface="Cambria Math" panose="02040503050406030204" pitchFamily="18" charset="0"/>
+                                    <a:ea typeface="Songti SC"/>
+                                    <a:cs typeface="Times New Roman" panose="02020603050405020304" pitchFamily="18" charset="0"/>
+                                  </a:rPr>
+                                  <m:t>𝑘</m:t>
+                                </m:r>
+                              </m:e>
+                            </m:d>
+                          </m:sub>
+                        </m:sSub>
+                      </m:e>
+                    </m:d>
+                    <m:r>
+                      <a:rPr lang="en-US" sz="2800" i="1">
+                        <a:effectLst/>
+                        <a:latin typeface="Cambria Math" panose="02040503050406030204" pitchFamily="18" charset="0"/>
+                        <a:ea typeface="Songti SC"/>
+                        <a:cs typeface="Times New Roman" panose="02020603050405020304" pitchFamily="18" charset="0"/>
+                      </a:rPr>
+                      <m:t>∝</m:t>
+                    </m:r>
+                    <m:r>
+                      <a:rPr lang="en-US" sz="2800" i="1">
+                        <a:effectLst/>
+                        <a:latin typeface="Cambria Math" panose="02040503050406030204" pitchFamily="18" charset="0"/>
+                        <a:ea typeface="Songti SC"/>
+                        <a:cs typeface="Times New Roman" panose="02020603050405020304" pitchFamily="18" charset="0"/>
+                      </a:rPr>
+                      <m:t>𝑝</m:t>
+                    </m:r>
+                    <m:d>
+                      <m:dPr>
+                        <m:ctrlPr>
+                          <a:rPr lang="en-US" i="1">
+                            <a:effectLst/>
+                            <a:latin typeface="Cambria Math" panose="02040503050406030204" pitchFamily="18" charset="0"/>
+                          </a:rPr>
+                        </m:ctrlPr>
+                      </m:dPr>
+                      <m:e>
+                        <m:sSub>
+                          <m:sSubPr>
+                            <m:ctrlPr>
+                              <a:rPr lang="en-US" i="1">
+                                <a:effectLst/>
+                                <a:latin typeface="Cambria Math" panose="02040503050406030204" pitchFamily="18" charset="0"/>
+                              </a:rPr>
+                            </m:ctrlPr>
+                          </m:sSubPr>
+                          <m:e>
+                            <m:r>
+                              <a:rPr lang="en-US" sz="2800" b="1" i="1">
+                                <a:effectLst/>
+                                <a:latin typeface="Cambria Math" panose="02040503050406030204" pitchFamily="18" charset="0"/>
+                                <a:ea typeface="Songti SC"/>
+                                <a:cs typeface="Times New Roman" panose="02020603050405020304" pitchFamily="18" charset="0"/>
+                              </a:rPr>
+                              <m:t>𝒚</m:t>
+                            </m:r>
+                          </m:e>
+                          <m:sub>
+                            <m:r>
+                              <a:rPr lang="en-US" sz="2800" i="1">
+                                <a:effectLst/>
+                                <a:latin typeface="Cambria Math" panose="02040503050406030204" pitchFamily="18" charset="0"/>
+                                <a:ea typeface="Songti SC"/>
+                                <a:cs typeface="Times New Roman" panose="02020603050405020304" pitchFamily="18" charset="0"/>
+                              </a:rPr>
+                              <m:t>𝑘</m:t>
+                            </m:r>
+                          </m:sub>
+                        </m:sSub>
+                      </m:e>
+                      <m:e>
+                        <m:sSub>
+                          <m:sSubPr>
+                            <m:ctrlPr>
+                              <a:rPr lang="en-US" i="1">
+                                <a:effectLst/>
+                                <a:latin typeface="Cambria Math" panose="02040503050406030204" pitchFamily="18" charset="0"/>
+                              </a:rPr>
+                            </m:ctrlPr>
+                          </m:sSubPr>
+                          <m:e>
+                            <m:r>
+                              <a:rPr lang="en-US" sz="2800" b="1" i="1">
+                                <a:effectLst/>
+                                <a:latin typeface="Cambria Math" panose="02040503050406030204" pitchFamily="18" charset="0"/>
+                                <a:ea typeface="Songti SC"/>
+                                <a:cs typeface="Times New Roman" panose="02020603050405020304" pitchFamily="18" charset="0"/>
+                              </a:rPr>
+                              <m:t>𝜽</m:t>
+                            </m:r>
+                          </m:e>
+                          <m:sub>
+                            <m:r>
+                              <a:rPr lang="en-US" sz="2800" i="1">
+                                <a:effectLst/>
+                                <a:latin typeface="Cambria Math" panose="02040503050406030204" pitchFamily="18" charset="0"/>
+                                <a:ea typeface="Songti SC"/>
+                                <a:cs typeface="Times New Roman" panose="02020603050405020304" pitchFamily="18" charset="0"/>
+                              </a:rPr>
+                              <m:t>𝑘</m:t>
+                            </m:r>
+                          </m:sub>
+                        </m:sSub>
+                        <m:r>
+                          <a:rPr lang="en-US" sz="2800" i="1">
+                            <a:effectLst/>
+                            <a:latin typeface="Cambria Math" panose="02040503050406030204" pitchFamily="18" charset="0"/>
+                            <a:ea typeface="Songti SC"/>
+                            <a:cs typeface="Times New Roman" panose="02020603050405020304" pitchFamily="18" charset="0"/>
+                          </a:rPr>
+                          <m:t>, </m:t>
+                        </m:r>
+                        <m:sSub>
+                          <m:sSubPr>
+                            <m:ctrlPr>
+                              <a:rPr lang="en-US" i="1">
+                                <a:effectLst/>
+                                <a:latin typeface="Cambria Math" panose="02040503050406030204" pitchFamily="18" charset="0"/>
+                              </a:rPr>
+                            </m:ctrlPr>
+                          </m:sSubPr>
+                          <m:e>
+                            <m:r>
+                              <a:rPr lang="en-US" sz="2800" b="1" i="1">
+                                <a:effectLst/>
+                                <a:latin typeface="Cambria Math" panose="02040503050406030204" pitchFamily="18" charset="0"/>
+                                <a:ea typeface="Songti SC"/>
+                                <a:cs typeface="Times New Roman" panose="02020603050405020304" pitchFamily="18" charset="0"/>
+                              </a:rPr>
+                              <m:t>𝒀</m:t>
+                            </m:r>
+                          </m:e>
+                          <m:sub>
+                            <m:d>
+                              <m:dPr>
+                                <m:begChr m:val="["/>
+                                <m:endChr m:val="]"/>
+                                <m:ctrlPr>
+                                  <a:rPr lang="en-US" i="1">
+                                    <a:effectLst/>
+                                    <a:latin typeface="Cambria Math" panose="02040503050406030204" pitchFamily="18" charset="0"/>
+                                  </a:rPr>
+                                </m:ctrlPr>
+                              </m:dPr>
+                              <m:e>
+                                <m:r>
+                                  <a:rPr lang="en-US" sz="2800" i="1">
+                                    <a:effectLst/>
+                                    <a:latin typeface="Cambria Math" panose="02040503050406030204" pitchFamily="18" charset="0"/>
+                                    <a:ea typeface="Songti SC"/>
+                                    <a:cs typeface="Times New Roman" panose="02020603050405020304" pitchFamily="18" charset="0"/>
+                                  </a:rPr>
+                                  <m:t>𝑘</m:t>
+                                </m:r>
+                              </m:e>
+                            </m:d>
+                          </m:sub>
+                        </m:sSub>
+                      </m:e>
+                    </m:d>
+                    <m:r>
+                      <a:rPr lang="en-US" sz="2800" i="1">
+                        <a:effectLst/>
+                        <a:latin typeface="Cambria Math" panose="02040503050406030204" pitchFamily="18" charset="0"/>
+                        <a:ea typeface="Songti SC"/>
+                        <a:cs typeface="Times New Roman" panose="02020603050405020304" pitchFamily="18" charset="0"/>
+                      </a:rPr>
+                      <m:t>𝑝</m:t>
+                    </m:r>
+                    <m:d>
+                      <m:dPr>
+                        <m:ctrlPr>
+                          <a:rPr lang="en-US" i="1">
+                            <a:effectLst/>
+                            <a:latin typeface="Cambria Math" panose="02040503050406030204" pitchFamily="18" charset="0"/>
+                          </a:rPr>
+                        </m:ctrlPr>
+                      </m:dPr>
+                      <m:e>
+                        <m:sSub>
+                          <m:sSubPr>
+                            <m:ctrlPr>
+                              <a:rPr lang="en-US" i="1">
+                                <a:effectLst/>
+                                <a:latin typeface="Cambria Math" panose="02040503050406030204" pitchFamily="18" charset="0"/>
+                              </a:rPr>
+                            </m:ctrlPr>
+                          </m:sSubPr>
+                          <m:e>
+                            <m:r>
+                              <a:rPr lang="en-US" sz="2800" b="1" i="1">
+                                <a:effectLst/>
+                                <a:latin typeface="Cambria Math" panose="02040503050406030204" pitchFamily="18" charset="0"/>
+                                <a:ea typeface="Songti SC"/>
+                                <a:cs typeface="Times New Roman" panose="02020603050405020304" pitchFamily="18" charset="0"/>
+                              </a:rPr>
+                              <m:t>𝜽</m:t>
+                            </m:r>
+                          </m:e>
+                          <m:sub>
+                            <m:r>
+                              <a:rPr lang="en-US" sz="2800" i="1">
+                                <a:effectLst/>
+                                <a:latin typeface="Cambria Math" panose="02040503050406030204" pitchFamily="18" charset="0"/>
+                                <a:ea typeface="Songti SC"/>
+                                <a:cs typeface="Times New Roman" panose="02020603050405020304" pitchFamily="18" charset="0"/>
+                              </a:rPr>
+                              <m:t>𝑘</m:t>
+                            </m:r>
+                          </m:sub>
+                        </m:sSub>
+                      </m:e>
+                      <m:e>
+                        <m:sSub>
+                          <m:sSubPr>
+                            <m:ctrlPr>
+                              <a:rPr lang="en-US" i="1">
+                                <a:effectLst/>
+                                <a:latin typeface="Cambria Math" panose="02040503050406030204" pitchFamily="18" charset="0"/>
+                              </a:rPr>
+                            </m:ctrlPr>
+                          </m:sSubPr>
+                          <m:e>
+                            <m:r>
+                              <a:rPr lang="en-US" sz="2800" b="1" i="1">
+                                <a:effectLst/>
+                                <a:latin typeface="Cambria Math" panose="02040503050406030204" pitchFamily="18" charset="0"/>
+                                <a:ea typeface="Songti SC"/>
+                                <a:cs typeface="Times New Roman" panose="02020603050405020304" pitchFamily="18" charset="0"/>
+                              </a:rPr>
+                              <m:t>𝒀</m:t>
+                            </m:r>
+                          </m:e>
+                          <m:sub>
+                            <m:d>
+                              <m:dPr>
+                                <m:begChr m:val="["/>
+                                <m:endChr m:val="]"/>
+                                <m:ctrlPr>
+                                  <a:rPr lang="en-US" i="1">
+                                    <a:effectLst/>
+                                    <a:latin typeface="Cambria Math" panose="02040503050406030204" pitchFamily="18" charset="0"/>
+                                  </a:rPr>
+                                </m:ctrlPr>
+                              </m:dPr>
+                              <m:e>
+                                <m:r>
+                                  <a:rPr lang="en-US" sz="2800" i="1">
+                                    <a:effectLst/>
+                                    <a:latin typeface="Cambria Math" panose="02040503050406030204" pitchFamily="18" charset="0"/>
+                                    <a:ea typeface="Songti SC"/>
+                                    <a:cs typeface="Times New Roman" panose="02020603050405020304" pitchFamily="18" charset="0"/>
+                                  </a:rPr>
+                                  <m:t>𝑘</m:t>
+                                </m:r>
+                                <m:r>
+                                  <a:rPr lang="en-US" sz="2800" i="1">
+                                    <a:effectLst/>
+                                    <a:latin typeface="Cambria Math" panose="02040503050406030204" pitchFamily="18" charset="0"/>
+                                    <a:ea typeface="Songti SC"/>
+                                    <a:cs typeface="Times New Roman" panose="02020603050405020304" pitchFamily="18" charset="0"/>
+                                  </a:rPr>
+                                  <m:t>−1</m:t>
+                                </m:r>
+                              </m:e>
+                            </m:d>
+                          </m:sub>
+                        </m:sSub>
+                      </m:e>
+                    </m:d>
+                  </m:oMath>
+                </a14:m>
                 <a:endParaRPr lang="en-US" dirty="0"/>
+              </a:p>
+              <a:p>
+                <a:r>
+                  <a:rPr lang="en-US" dirty="0"/>
+                  <a:t>Likelihood </a:t>
+                </a:r>
+                <a14:m>
+                  <m:oMath xmlns:m="http://schemas.openxmlformats.org/officeDocument/2006/math">
+                    <m:sSub>
+                      <m:sSubPr>
+                        <m:ctrlPr>
+                          <a:rPr lang="en-US" sz="2800" b="0" i="0" smtClean="0">
+                            <a:effectLst/>
+                            <a:latin typeface="Cambria Math" panose="02040503050406030204" pitchFamily="18" charset="0"/>
+                            <a:ea typeface="Songti SC"/>
+                            <a:cs typeface="Times New Roman" panose="02020603050405020304" pitchFamily="18" charset="0"/>
+                          </a:rPr>
+                        </m:ctrlPr>
+                      </m:sSubPr>
+                      <m:e>
+                        <m:r>
+                          <m:rPr>
+                            <m:sty m:val="p"/>
+                          </m:rPr>
+                          <a:rPr lang="en-US" sz="2800" b="0" i="0" smtClean="0">
+                            <a:effectLst/>
+                            <a:latin typeface="Cambria Math" panose="02040503050406030204" pitchFamily="18" charset="0"/>
+                            <a:ea typeface="Songti SC"/>
+                            <a:cs typeface="Times New Roman" panose="02020603050405020304" pitchFamily="18" charset="0"/>
+                          </a:rPr>
+                          <m:t>L</m:t>
+                        </m:r>
+                      </m:e>
+                      <m:sub>
+                        <m:r>
+                          <m:rPr>
+                            <m:sty m:val="p"/>
+                          </m:rPr>
+                          <a:rPr lang="en-US" sz="2800" b="0" i="0" smtClean="0">
+                            <a:effectLst/>
+                            <a:latin typeface="Cambria Math" panose="02040503050406030204" pitchFamily="18" charset="0"/>
+                            <a:ea typeface="Songti SC"/>
+                            <a:cs typeface="Times New Roman" panose="02020603050405020304" pitchFamily="18" charset="0"/>
+                          </a:rPr>
+                          <m:t>k</m:t>
+                        </m:r>
+                      </m:sub>
+                    </m:sSub>
+                    <m:r>
+                      <a:rPr lang="en-US" sz="2800" b="0" i="0" smtClean="0">
+                        <a:effectLst/>
+                        <a:latin typeface="Cambria Math" panose="02040503050406030204" pitchFamily="18" charset="0"/>
+                        <a:ea typeface="Songti SC"/>
+                        <a:cs typeface="Times New Roman" panose="02020603050405020304" pitchFamily="18" charset="0"/>
+                      </a:rPr>
+                      <m:t>=</m:t>
+                    </m:r>
+                    <m:r>
+                      <a:rPr lang="en-US" sz="2800" i="1" smtClean="0">
+                        <a:effectLst/>
+                        <a:latin typeface="Cambria Math" panose="02040503050406030204" pitchFamily="18" charset="0"/>
+                        <a:ea typeface="Songti SC"/>
+                        <a:cs typeface="Times New Roman" panose="02020603050405020304" pitchFamily="18" charset="0"/>
+                      </a:rPr>
+                      <m:t>𝑝</m:t>
+                    </m:r>
+                    <m:d>
+                      <m:dPr>
+                        <m:ctrlPr>
+                          <a:rPr lang="en-US" i="1">
+                            <a:effectLst/>
+                            <a:latin typeface="Cambria Math" panose="02040503050406030204" pitchFamily="18" charset="0"/>
+                          </a:rPr>
+                        </m:ctrlPr>
+                      </m:dPr>
+                      <m:e>
+                        <m:sSub>
+                          <m:sSubPr>
+                            <m:ctrlPr>
+                              <a:rPr lang="en-US" i="1">
+                                <a:effectLst/>
+                                <a:latin typeface="Cambria Math" panose="02040503050406030204" pitchFamily="18" charset="0"/>
+                              </a:rPr>
+                            </m:ctrlPr>
+                          </m:sSubPr>
+                          <m:e>
+                            <m:r>
+                              <a:rPr lang="en-US" sz="2800" b="1" i="1">
+                                <a:effectLst/>
+                                <a:latin typeface="Cambria Math" panose="02040503050406030204" pitchFamily="18" charset="0"/>
+                                <a:ea typeface="Songti SC"/>
+                                <a:cs typeface="Times New Roman" panose="02020603050405020304" pitchFamily="18" charset="0"/>
+                              </a:rPr>
+                              <m:t>𝒚</m:t>
+                            </m:r>
+                          </m:e>
+                          <m:sub>
+                            <m:r>
+                              <a:rPr lang="en-US" sz="2800" i="1">
+                                <a:effectLst/>
+                                <a:latin typeface="Cambria Math" panose="02040503050406030204" pitchFamily="18" charset="0"/>
+                                <a:ea typeface="Songti SC"/>
+                                <a:cs typeface="Times New Roman" panose="02020603050405020304" pitchFamily="18" charset="0"/>
+                              </a:rPr>
+                              <m:t>𝑘</m:t>
+                            </m:r>
+                          </m:sub>
+                        </m:sSub>
+                      </m:e>
+                      <m:e>
+                        <m:sSub>
+                          <m:sSubPr>
+                            <m:ctrlPr>
+                              <a:rPr lang="en-US" i="1">
+                                <a:effectLst/>
+                                <a:latin typeface="Cambria Math" panose="02040503050406030204" pitchFamily="18" charset="0"/>
+                              </a:rPr>
+                            </m:ctrlPr>
+                          </m:sSubPr>
+                          <m:e>
+                            <m:r>
+                              <a:rPr lang="en-US" sz="2800" b="1" i="1">
+                                <a:effectLst/>
+                                <a:latin typeface="Cambria Math" panose="02040503050406030204" pitchFamily="18" charset="0"/>
+                                <a:ea typeface="Songti SC"/>
+                                <a:cs typeface="Times New Roman" panose="02020603050405020304" pitchFamily="18" charset="0"/>
+                              </a:rPr>
+                              <m:t>𝜽</m:t>
+                            </m:r>
+                          </m:e>
+                          <m:sub>
+                            <m:r>
+                              <a:rPr lang="en-US" sz="2800" i="1">
+                                <a:effectLst/>
+                                <a:latin typeface="Cambria Math" panose="02040503050406030204" pitchFamily="18" charset="0"/>
+                                <a:ea typeface="Songti SC"/>
+                                <a:cs typeface="Times New Roman" panose="02020603050405020304" pitchFamily="18" charset="0"/>
+                              </a:rPr>
+                              <m:t>𝑘</m:t>
+                            </m:r>
+                          </m:sub>
+                        </m:sSub>
+                        <m:r>
+                          <a:rPr lang="en-US" sz="2800" i="1">
+                            <a:effectLst/>
+                            <a:latin typeface="Cambria Math" panose="02040503050406030204" pitchFamily="18" charset="0"/>
+                            <a:ea typeface="Songti SC"/>
+                            <a:cs typeface="Times New Roman" panose="02020603050405020304" pitchFamily="18" charset="0"/>
+                          </a:rPr>
+                          <m:t>, </m:t>
+                        </m:r>
+                        <m:sSub>
+                          <m:sSubPr>
+                            <m:ctrlPr>
+                              <a:rPr lang="en-US" i="1">
+                                <a:effectLst/>
+                                <a:latin typeface="Cambria Math" panose="02040503050406030204" pitchFamily="18" charset="0"/>
+                              </a:rPr>
+                            </m:ctrlPr>
+                          </m:sSubPr>
+                          <m:e>
+                            <m:r>
+                              <a:rPr lang="en-US" sz="2800" b="1" i="1">
+                                <a:effectLst/>
+                                <a:latin typeface="Cambria Math" panose="02040503050406030204" pitchFamily="18" charset="0"/>
+                                <a:ea typeface="Songti SC"/>
+                                <a:cs typeface="Times New Roman" panose="02020603050405020304" pitchFamily="18" charset="0"/>
+                              </a:rPr>
+                              <m:t>𝒀</m:t>
+                            </m:r>
+                          </m:e>
+                          <m:sub>
+                            <m:d>
+                              <m:dPr>
+                                <m:begChr m:val="["/>
+                                <m:endChr m:val="]"/>
+                                <m:ctrlPr>
+                                  <a:rPr lang="en-US" i="1">
+                                    <a:effectLst/>
+                                    <a:latin typeface="Cambria Math" panose="02040503050406030204" pitchFamily="18" charset="0"/>
+                                  </a:rPr>
+                                </m:ctrlPr>
+                              </m:dPr>
+                              <m:e>
+                                <m:r>
+                                  <a:rPr lang="en-US" sz="2800" i="1">
+                                    <a:effectLst/>
+                                    <a:latin typeface="Cambria Math" panose="02040503050406030204" pitchFamily="18" charset="0"/>
+                                    <a:ea typeface="Songti SC"/>
+                                    <a:cs typeface="Times New Roman" panose="02020603050405020304" pitchFamily="18" charset="0"/>
+                                  </a:rPr>
+                                  <m:t>𝑘</m:t>
+                                </m:r>
+                              </m:e>
+                            </m:d>
+                          </m:sub>
+                        </m:sSub>
+                      </m:e>
+                    </m:d>
+                  </m:oMath>
+                </a14:m>
+                <a:r>
+                  <a:rPr lang="en-US" dirty="0"/>
+                  <a:t> is CMP distributed (non-Gaussian)</a:t>
+                </a:r>
+                <a:r>
+                  <a:rPr lang="en-US" dirty="0">
+                    <a:sym typeface="Wingdings" panose="05000000000000000000" pitchFamily="2" charset="2"/>
+                  </a:rPr>
+                  <a:t>no closed form posterior</a:t>
+                </a:r>
+              </a:p>
+              <a:p>
+                <a:r>
+                  <a:rPr lang="en-US" dirty="0"/>
+                  <a:t>Approximate the posterior by normal distribution (Laplace approximation)</a:t>
+                </a:r>
+              </a:p>
+              <a:p>
+                <a:endParaRPr lang="en-US" dirty="0"/>
+              </a:p>
+            </p:txBody>
+          </p:sp>
+        </mc:Choice>
+        <mc:Fallback>
+          <p:sp>
+            <p:nvSpPr>
+              <p:cNvPr id="3" name="Content Placeholder 2">
+                <a:extLst>
+                  <a:ext uri="{FF2B5EF4-FFF2-40B4-BE49-F238E27FC236}">
+                    <a16:creationId xmlns:a16="http://schemas.microsoft.com/office/drawing/2014/main" id="{46A62CCD-53BC-45DB-A3B7-24BF8A874A42}"/>
+                  </a:ext>
+                </a:extLst>
+              </p:cNvPr>
+              <p:cNvSpPr>
+                <a:spLocks noGrp="1" noRot="1" noChangeAspect="1" noMove="1" noResize="1" noEditPoints="1" noAdjustHandles="1" noChangeArrowheads="1" noChangeShapeType="1" noTextEdit="1"/>
+              </p:cNvSpPr>
+              <p:nvPr>
+                <p:ph idx="1"/>
+              </p:nvPr>
+            </p:nvSpPr>
+            <p:spPr>
+              <a:blipFill>
+                <a:blip r:embed="rId2"/>
+                <a:stretch>
+                  <a:fillRect l="-1043" t="-2101"/>
+                </a:stretch>
+              </a:blipFill>
+            </p:spPr>
+            <p:txBody>
+              <a:bodyPr/>
+              <a:lstStyle/>
+              <a:p>
+                <a:r>
+                  <a:rPr lang="en-US">
+                    <a:noFill/>
+                  </a:rPr>
+                  <a:t> </a:t>
+                </a:r>
+              </a:p>
+            </p:txBody>
+          </p:sp>
+        </mc:Fallback>
+      </mc:AlternateContent>
+    </p:spTree>
+    <p:extLst>
+      <p:ext uri="{BB962C8B-B14F-4D97-AF65-F5344CB8AC3E}">
+        <p14:creationId xmlns:p14="http://schemas.microsoft.com/office/powerpoint/2010/main" val="3751441323"/>
+      </p:ext>
+    </p:extLst>
+  </p:cSld>
+  <p:clrMapOvr>
+    <a:masterClrMapping/>
+  </p:clrMapOvr>
+</p:sld>
+</file>
+
+<file path=ppt/slides/slide7.xml><?xml version="1.0" encoding="utf-8"?>
+<p:sld xmlns:a="http://schemas.openxmlformats.org/drawingml/2006/main" xmlns:r="http://schemas.openxmlformats.org/officeDocument/2006/relationships" xmlns:p="http://schemas.openxmlformats.org/presentationml/2006/main">
+  <p:cSld>
+    <p:spTree>
+      <p:nvGrpSpPr>
+        <p:cNvPr id="1" name=""/>
+        <p:cNvGrpSpPr/>
+        <p:nvPr/>
+      </p:nvGrpSpPr>
+      <p:grpSpPr>
+        <a:xfrm>
+          <a:off x="0" y="0"/>
+          <a:ext cx="0" cy="0"/>
+          <a:chOff x="0" y="0"/>
+          <a:chExt cx="0" cy="0"/>
+        </a:xfrm>
+      </p:grpSpPr>
+      <p:sp>
+        <p:nvSpPr>
+          <p:cNvPr id="2" name="Title 1">
+            <a:extLst>
+              <a:ext uri="{FF2B5EF4-FFF2-40B4-BE49-F238E27FC236}">
+                <a16:creationId xmlns:a16="http://schemas.microsoft.com/office/drawing/2014/main" id="{8CCDF383-ADB9-4906-BB20-41B3BDF97E09}"/>
+              </a:ext>
+            </a:extLst>
+          </p:cNvPr>
+          <p:cNvSpPr>
+            <a:spLocks noGrp="1"/>
+          </p:cNvSpPr>
+          <p:nvPr>
+            <p:ph type="title"/>
+          </p:nvPr>
+        </p:nvSpPr>
+        <p:spPr/>
+        <p:txBody>
+          <a:bodyPr/>
+          <a:lstStyle/>
+          <a:p>
+            <a:r>
+              <a:rPr lang="en-US" dirty="0"/>
+              <a:t>Method (2): Adaptive Filter</a:t>
+            </a:r>
+          </a:p>
+        </p:txBody>
+      </p:sp>
+      <mc:AlternateContent xmlns:mc="http://schemas.openxmlformats.org/markup-compatibility/2006">
+        <mc:Choice xmlns:a14="http://schemas.microsoft.com/office/drawing/2010/main" Requires="a14">
+          <p:sp>
+            <p:nvSpPr>
+              <p:cNvPr id="3" name="Content Placeholder 2">
+                <a:extLst>
+                  <a:ext uri="{FF2B5EF4-FFF2-40B4-BE49-F238E27FC236}">
+                    <a16:creationId xmlns:a16="http://schemas.microsoft.com/office/drawing/2014/main" id="{A540BDB7-046B-4C34-9C47-5440C1AC2A87}"/>
+                  </a:ext>
+                </a:extLst>
+              </p:cNvPr>
+              <p:cNvSpPr>
+                <a:spLocks noGrp="1"/>
+              </p:cNvSpPr>
+              <p:nvPr>
+                <p:ph idx="1"/>
+              </p:nvPr>
+            </p:nvSpPr>
+            <p:spPr/>
+            <p:txBody>
+              <a:bodyPr>
+                <a:normAutofit/>
+              </a:bodyPr>
+              <a:lstStyle/>
+              <a:p>
+                <a:r>
+                  <a:rPr lang="en-US" dirty="0"/>
+                  <a:t>Recursive posterior updates:</a:t>
+                </a:r>
               </a:p>
               <a:p>
                 <a:pPr lvl="1"/>
@@ -6515,12 +9224,31 @@
                                     </a:rPr>
                                     <m:t>𝜕</m:t>
                                   </m:r>
-                                  <m:r>
-                                    <a:rPr lang="en-US" i="1">
-                                      <a:latin typeface="Cambria Math" panose="02040503050406030204" pitchFamily="18" charset="0"/>
-                                    </a:rPr>
-                                    <m:t>𝑙</m:t>
-                                  </m:r>
+                                  <m:sSub>
+                                    <m:sSubPr>
+                                      <m:ctrlPr>
+                                        <a:rPr lang="en-US" b="0" i="1" smtClean="0">
+                                          <a:latin typeface="Cambria Math" panose="02040503050406030204" pitchFamily="18" charset="0"/>
+                                        </a:rPr>
+                                      </m:ctrlPr>
+                                    </m:sSubPr>
+                                    <m:e>
+                                      <m:r>
+                                        <a:rPr lang="en-US" i="1">
+                                          <a:latin typeface="Cambria Math" panose="02040503050406030204" pitchFamily="18" charset="0"/>
+                                        </a:rPr>
+                                        <m:t>𝑙</m:t>
+                                      </m:r>
+                                    </m:e>
+                                    <m:sub>
+                                      <m:r>
+                                        <a:rPr lang="en-US" b="0" i="1" smtClean="0">
+                                          <a:latin typeface="Cambria Math" panose="02040503050406030204" pitchFamily="18" charset="0"/>
+                                        </a:rPr>
+                                        <m:t>𝑘</m:t>
+                                      </m:r>
+                                    </m:sub>
+                                  </m:sSub>
                                 </m:num>
                                 <m:den>
                                   <m:r>
@@ -6826,12 +9554,31 @@
                                       </m:r>
                                     </m:sup>
                                   </m:sSup>
-                                  <m:r>
-                                    <a:rPr lang="en-US" i="1">
-                                      <a:latin typeface="Cambria Math" panose="02040503050406030204" pitchFamily="18" charset="0"/>
-                                    </a:rPr>
-                                    <m:t>𝑙</m:t>
-                                  </m:r>
+                                  <m:sSub>
+                                    <m:sSubPr>
+                                      <m:ctrlPr>
+                                        <a:rPr lang="en-US" b="0" i="1" smtClean="0">
+                                          <a:latin typeface="Cambria Math" panose="02040503050406030204" pitchFamily="18" charset="0"/>
+                                        </a:rPr>
+                                      </m:ctrlPr>
+                                    </m:sSubPr>
+                                    <m:e>
+                                      <m:r>
+                                        <a:rPr lang="en-US" i="1">
+                                          <a:latin typeface="Cambria Math" panose="02040503050406030204" pitchFamily="18" charset="0"/>
+                                        </a:rPr>
+                                        <m:t>𝑙</m:t>
+                                      </m:r>
+                                    </m:e>
+                                    <m:sub>
+                                      <m:r>
+                                        <a:rPr lang="en-US" b="0" i="1" smtClean="0">
+                                          <a:latin typeface="Cambria Math" panose="02040503050406030204" pitchFamily="18" charset="0"/>
+                                        </a:rPr>
+                                        <m:t>𝑘</m:t>
+                                      </m:r>
+                                    </m:sub>
+                                  </m:sSub>
                                 </m:num>
                                 <m:den>
                                   <m:r>
@@ -6963,7 +9710,7 @@
             </p:txBody>
           </p:sp>
         </mc:Choice>
-        <mc:Fallback xmlns="">
+        <mc:Fallback>
           <p:sp>
             <p:nvSpPr>
               <p:cNvPr id="3" name="Content Placeholder 2">
@@ -6984,7 +9731,7 @@
               <a:blipFill>
                 <a:blip r:embed="rId2"/>
                 <a:stretch>
-                  <a:fillRect l="-928" t="-3501"/>
+                  <a:fillRect l="-1043" t="-2241"/>
                 </a:stretch>
               </a:blipFill>
             </p:spPr>
@@ -7016,7 +9763,7 @@
 </p:sld>
 </file>
 
-<file path=ppt/slides/slide5.xml><?xml version="1.0" encoding="utf-8"?>
+<file path=ppt/slides/slide8.xml><?xml version="1.0" encoding="utf-8"?>
 <p:sld xmlns:a="http://schemas.openxmlformats.org/drawingml/2006/main" xmlns:r="http://schemas.openxmlformats.org/officeDocument/2006/relationships" xmlns:p="http://schemas.openxmlformats.org/presentationml/2006/main">
   <p:cSld>
     <p:spTree>
@@ -9377,7 +12124,7 @@
 </p:sld>
 </file>
 
-<file path=ppt/slides/slide6.xml><?xml version="1.0" encoding="utf-8"?>
+<file path=ppt/slides/slide9.xml><?xml version="1.0" encoding="utf-8"?>
 <p:sld xmlns:a="http://schemas.openxmlformats.org/drawingml/2006/main" xmlns:r="http://schemas.openxmlformats.org/officeDocument/2006/relationships" xmlns:p="http://schemas.openxmlformats.org/presentationml/2006/main">
   <p:cSld>
     <p:spTree>
@@ -9422,8 +12169,8 @@
           </a:p>
         </p:txBody>
       </p:sp>
-      <mc:AlternateContent xmlns:mc="http://schemas.openxmlformats.org/markup-compatibility/2006" xmlns:a14="http://schemas.microsoft.com/office/drawing/2010/main">
-        <mc:Choice Requires="a14">
+      <mc:AlternateContent xmlns:mc="http://schemas.openxmlformats.org/markup-compatibility/2006">
+        <mc:Choice xmlns:a14="http://schemas.microsoft.com/office/drawing/2010/main" Requires="a14">
           <p:sp>
             <p:nvSpPr>
               <p:cNvPr id="3" name="Content Placeholder 2">
@@ -9450,6 +12197,76 @@
                 <a:r>
                   <a:rPr lang="en-US" dirty="0"/>
                   <a:t>Routinely use Rauch-Tung-Striebel (RTS) Smoother</a:t>
+                </a:r>
+              </a:p>
+              <a:p>
+                <a:r>
+                  <a:rPr lang="en-US" dirty="0">
+                    <a:solidFill>
+                      <a:prstClr val="black"/>
+                    </a:solidFill>
+                  </a:rPr>
+                  <a:t>Estimate process noise </a:t>
+                </a:r>
+                <a14:m>
+                  <m:oMath xmlns:m="http://schemas.openxmlformats.org/officeDocument/2006/math">
+                    <m:sSub>
+                      <m:sSubPr>
+                        <m:ctrlPr>
+                          <a:rPr lang="en-US" b="1" i="1" smtClean="0">
+                            <a:solidFill>
+                              <a:prstClr val="black"/>
+                            </a:solidFill>
+                            <a:latin typeface="Cambria Math" panose="02040503050406030204" pitchFamily="18" charset="0"/>
+                          </a:rPr>
+                        </m:ctrlPr>
+                      </m:sSubPr>
+                      <m:e>
+                        <m:r>
+                          <a:rPr lang="en-US" b="1" i="1" smtClean="0">
+                            <a:solidFill>
+                              <a:prstClr val="black"/>
+                            </a:solidFill>
+                            <a:latin typeface="Cambria Math" panose="02040503050406030204" pitchFamily="18" charset="0"/>
+                          </a:rPr>
+                          <m:t>𝑸</m:t>
+                        </m:r>
+                      </m:e>
+                      <m:sub>
+                        <m:r>
+                          <a:rPr lang="en-US" b="0" i="1" smtClean="0">
+                            <a:solidFill>
+                              <a:prstClr val="black"/>
+                            </a:solidFill>
+                            <a:latin typeface="Cambria Math" panose="02040503050406030204" pitchFamily="18" charset="0"/>
+                          </a:rPr>
+                          <m:t>𝑘</m:t>
+                        </m:r>
+                      </m:sub>
+                    </m:sSub>
+                    <m:r>
+                      <a:rPr lang="en-US" b="0" i="1" smtClean="0">
+                        <a:solidFill>
+                          <a:prstClr val="black"/>
+                        </a:solidFill>
+                        <a:latin typeface="Cambria Math" panose="02040503050406030204" pitchFamily="18" charset="0"/>
+                      </a:rPr>
+                      <m:t>=</m:t>
+                    </m:r>
+                    <m:r>
+                      <a:rPr lang="en-US" b="1" i="1" smtClean="0">
+                        <a:solidFill>
+                          <a:prstClr val="black"/>
+                        </a:solidFill>
+                        <a:latin typeface="Cambria Math" panose="02040503050406030204" pitchFamily="18" charset="0"/>
+                      </a:rPr>
+                      <m:t>𝑸</m:t>
+                    </m:r>
+                  </m:oMath>
+                </a14:m>
+                <a:r>
+                  <a:rPr lang="en-US" dirty="0"/>
+                  <a:t> by maximizing prediction likelihood.</a:t>
                 </a:r>
               </a:p>
               <a:p>
@@ -9890,81 +12707,10 @@
                   <a:t>Sacrifice some sensitivity to observations</a:t>
                 </a:r>
               </a:p>
-              <a:p>
-                <a:pPr lvl="0"/>
-                <a:r>
-                  <a:rPr lang="en-US" dirty="0">
-                    <a:solidFill>
-                      <a:prstClr val="black"/>
-                    </a:solidFill>
-                  </a:rPr>
-                  <a:t>Estimate process noise </a:t>
-                </a:r>
-                <a14:m>
-                  <m:oMath xmlns:m="http://schemas.openxmlformats.org/officeDocument/2006/math">
-                    <m:sSub>
-                      <m:sSubPr>
-                        <m:ctrlPr>
-                          <a:rPr lang="en-US" b="1" i="1" smtClean="0">
-                            <a:solidFill>
-                              <a:prstClr val="black"/>
-                            </a:solidFill>
-                            <a:latin typeface="Cambria Math" panose="02040503050406030204" pitchFamily="18" charset="0"/>
-                          </a:rPr>
-                        </m:ctrlPr>
-                      </m:sSubPr>
-                      <m:e>
-                        <m:r>
-                          <a:rPr lang="en-US" b="1" i="1" smtClean="0">
-                            <a:solidFill>
-                              <a:prstClr val="black"/>
-                            </a:solidFill>
-                            <a:latin typeface="Cambria Math" panose="02040503050406030204" pitchFamily="18" charset="0"/>
-                          </a:rPr>
-                          <m:t>𝑸</m:t>
-                        </m:r>
-                      </m:e>
-                      <m:sub>
-                        <m:r>
-                          <a:rPr lang="en-US" b="0" i="1" smtClean="0">
-                            <a:solidFill>
-                              <a:prstClr val="black"/>
-                            </a:solidFill>
-                            <a:latin typeface="Cambria Math" panose="02040503050406030204" pitchFamily="18" charset="0"/>
-                          </a:rPr>
-                          <m:t>𝑘</m:t>
-                        </m:r>
-                      </m:sub>
-                    </m:sSub>
-                    <m:r>
-                      <a:rPr lang="en-US" b="0" i="1" smtClean="0">
-                        <a:solidFill>
-                          <a:prstClr val="black"/>
-                        </a:solidFill>
-                        <a:latin typeface="Cambria Math" panose="02040503050406030204" pitchFamily="18" charset="0"/>
-                      </a:rPr>
-                      <m:t>=</m:t>
-                    </m:r>
-                    <m:r>
-                      <a:rPr lang="en-US" b="1" i="1" smtClean="0">
-                        <a:solidFill>
-                          <a:prstClr val="black"/>
-                        </a:solidFill>
-                        <a:latin typeface="Cambria Math" panose="02040503050406030204" pitchFamily="18" charset="0"/>
-                      </a:rPr>
-                      <m:t>𝑸</m:t>
-                    </m:r>
-                  </m:oMath>
-                </a14:m>
-                <a:r>
-                  <a:rPr lang="en-US" dirty="0"/>
-                  <a:t> by maximizing prediction likelihood.</a:t>
-                </a:r>
-              </a:p>
             </p:txBody>
           </p:sp>
         </mc:Choice>
-        <mc:Fallback xmlns="">
+        <mc:Fallback>
           <p:sp>
             <p:nvSpPr>
               <p:cNvPr id="3" name="Content Placeholder 2">
@@ -9985,7 +12731,7 @@
               <a:blipFill>
                 <a:blip r:embed="rId2"/>
                 <a:stretch>
-                  <a:fillRect l="-1043" t="-2241" b="-1681"/>
+                  <a:fillRect l="-1043" t="-2241" b="-840"/>
                 </a:stretch>
               </a:blipFill>
             </p:spPr>
@@ -10008,1004 +12754,6 @@
     <p:extLst>
       <p:ext uri="{BB962C8B-B14F-4D97-AF65-F5344CB8AC3E}">
         <p14:creationId xmlns:p14="http://schemas.microsoft.com/office/powerpoint/2010/main" val="923334437"/>
-      </p:ext>
-    </p:extLst>
-  </p:cSld>
-  <p:clrMapOvr>
-    <a:masterClrMapping/>
-  </p:clrMapOvr>
-</p:sld>
-</file>
-
-<file path=ppt/slides/slide7.xml><?xml version="1.0" encoding="utf-8"?>
-<p:sld xmlns:a="http://schemas.openxmlformats.org/drawingml/2006/main" xmlns:r="http://schemas.openxmlformats.org/officeDocument/2006/relationships" xmlns:p="http://schemas.openxmlformats.org/presentationml/2006/main">
-  <p:cSld>
-    <p:spTree>
-      <p:nvGrpSpPr>
-        <p:cNvPr id="1" name=""/>
-        <p:cNvGrpSpPr/>
-        <p:nvPr/>
-      </p:nvGrpSpPr>
-      <p:grpSpPr>
-        <a:xfrm>
-          <a:off x="0" y="0"/>
-          <a:ext cx="0" cy="0"/>
-          <a:chOff x="0" y="0"/>
-          <a:chExt cx="0" cy="0"/>
-        </a:xfrm>
-      </p:grpSpPr>
-      <p:sp>
-        <p:nvSpPr>
-          <p:cNvPr id="2" name="Title 1">
-            <a:extLst>
-              <a:ext uri="{FF2B5EF4-FFF2-40B4-BE49-F238E27FC236}">
-                <a16:creationId xmlns:a16="http://schemas.microsoft.com/office/drawing/2014/main" id="{493F29EF-E59E-475C-8FD6-1A476DB1B363}"/>
-              </a:ext>
-            </a:extLst>
-          </p:cNvPr>
-          <p:cNvSpPr>
-            <a:spLocks noGrp="1"/>
-          </p:cNvSpPr>
-          <p:nvPr>
-            <p:ph type="title"/>
-          </p:nvPr>
-        </p:nvSpPr>
-        <p:spPr/>
-        <p:txBody>
-          <a:bodyPr/>
-          <a:lstStyle/>
-          <a:p>
-            <a:r>
-              <a:rPr lang="en-US" dirty="0"/>
-              <a:t>Method (3) cont.: improve adaptive filter</a:t>
-            </a:r>
-          </a:p>
-        </p:txBody>
-      </p:sp>
-      <mc:AlternateContent xmlns:mc="http://schemas.openxmlformats.org/markup-compatibility/2006">
-        <mc:Choice xmlns:a14="http://schemas.microsoft.com/office/drawing/2010/main" Requires="a14">
-          <p:sp>
-            <p:nvSpPr>
-              <p:cNvPr id="3" name="Content Placeholder 2">
-                <a:extLst>
-                  <a:ext uri="{FF2B5EF4-FFF2-40B4-BE49-F238E27FC236}">
-                    <a16:creationId xmlns:a16="http://schemas.microsoft.com/office/drawing/2014/main" id="{14C4A5D7-1A79-47AA-8987-C0C3E20CA693}"/>
-                  </a:ext>
-                </a:extLst>
-              </p:cNvPr>
-              <p:cNvSpPr>
-                <a:spLocks noGrp="1"/>
-              </p:cNvSpPr>
-              <p:nvPr>
-                <p:ph idx="1"/>
-              </p:nvPr>
-            </p:nvSpPr>
-            <p:spPr>
-              <a:xfrm>
-                <a:off x="6096000" y="1825625"/>
-                <a:ext cx="5448725" cy="4351338"/>
-              </a:xfrm>
-            </p:spPr>
-            <p:txBody>
-              <a:bodyPr>
-                <a:normAutofit fontScale="92500"/>
-              </a:bodyPr>
-              <a:lstStyle/>
-              <a:p>
-                <a:r>
-                  <a:rPr lang="en-US" dirty="0"/>
-                  <a:t>State vector estimation needs information about variance</a:t>
-                </a:r>
-              </a:p>
-              <a:p>
-                <a:pPr lvl="1"/>
-                <a:r>
-                  <a:rPr lang="en-US" dirty="0"/>
-                  <a:t>Prior + single observation: recursive prior leads posterior</a:t>
-                </a:r>
-              </a:p>
-              <a:p>
-                <a:pPr lvl="1"/>
-                <a:r>
-                  <a:rPr lang="en-US" dirty="0"/>
-                  <a:t>Use “window” to facilitate estimation</a:t>
-                </a:r>
-              </a:p>
-              <a:p>
-                <a:pPr lvl="0"/>
-                <a:r>
-                  <a:rPr lang="en-US" dirty="0">
-                    <a:solidFill>
-                      <a:prstClr val="black"/>
-                    </a:solidFill>
-                  </a:rPr>
-                  <a:t>Assume stationary state vector within window (e.g. window size = 3)</a:t>
-                </a:r>
-              </a:p>
-              <a:p>
-                <a:pPr lvl="0"/>
-                <a:r>
-                  <a:rPr lang="en-US" dirty="0">
-                    <a:solidFill>
-                      <a:prstClr val="black"/>
-                    </a:solidFill>
-                  </a:rPr>
-                  <a:t>With the “window”, the method is robust to process noise </a:t>
-                </a:r>
-                <a14:m>
-                  <m:oMath xmlns:m="http://schemas.openxmlformats.org/officeDocument/2006/math">
-                    <m:sSub>
-                      <m:sSubPr>
-                        <m:ctrlPr>
-                          <a:rPr lang="en-US" b="0" i="1" smtClean="0">
-                            <a:solidFill>
-                              <a:prstClr val="black"/>
-                            </a:solidFill>
-                            <a:latin typeface="Cambria Math" panose="02040503050406030204" pitchFamily="18" charset="0"/>
-                          </a:rPr>
-                        </m:ctrlPr>
-                      </m:sSubPr>
-                      <m:e>
-                        <m:r>
-                          <a:rPr lang="en-US" b="1" i="1" smtClean="0">
-                            <a:solidFill>
-                              <a:prstClr val="black"/>
-                            </a:solidFill>
-                            <a:latin typeface="Cambria Math" panose="02040503050406030204" pitchFamily="18" charset="0"/>
-                          </a:rPr>
-                          <m:t>𝑸</m:t>
-                        </m:r>
-                      </m:e>
-                      <m:sub>
-                        <m:r>
-                          <a:rPr lang="en-US" b="0" i="1" smtClean="0">
-                            <a:solidFill>
-                              <a:prstClr val="black"/>
-                            </a:solidFill>
-                            <a:latin typeface="Cambria Math" panose="02040503050406030204" pitchFamily="18" charset="0"/>
-                          </a:rPr>
-                          <m:t>𝑘</m:t>
-                        </m:r>
-                      </m:sub>
-                    </m:sSub>
-                  </m:oMath>
-                </a14:m>
-                <a:r>
-                  <a:rPr lang="en-US" dirty="0">
-                    <a:solidFill>
-                      <a:prstClr val="black"/>
-                    </a:solidFill>
-                  </a:rPr>
-                  <a:t> &amp; outliers</a:t>
-                </a:r>
-              </a:p>
-            </p:txBody>
-          </p:sp>
-        </mc:Choice>
-        <mc:Fallback>
-          <p:sp>
-            <p:nvSpPr>
-              <p:cNvPr id="3" name="Content Placeholder 2">
-                <a:extLst>
-                  <a:ext uri="{FF2B5EF4-FFF2-40B4-BE49-F238E27FC236}">
-                    <a16:creationId xmlns:a16="http://schemas.microsoft.com/office/drawing/2014/main" id="{14C4A5D7-1A79-47AA-8987-C0C3E20CA693}"/>
-                  </a:ext>
-                </a:extLst>
-              </p:cNvPr>
-              <p:cNvSpPr>
-                <a:spLocks noGrp="1" noRot="1" noChangeAspect="1" noMove="1" noResize="1" noEditPoints="1" noAdjustHandles="1" noChangeArrowheads="1" noChangeShapeType="1" noTextEdit="1"/>
-              </p:cNvSpPr>
-              <p:nvPr>
-                <p:ph idx="1"/>
-              </p:nvPr>
-            </p:nvSpPr>
-            <p:spPr>
-              <a:xfrm>
-                <a:off x="6096000" y="1825625"/>
-                <a:ext cx="5448725" cy="4351338"/>
-              </a:xfrm>
-              <a:blipFill>
-                <a:blip r:embed="rId2"/>
-                <a:stretch>
-                  <a:fillRect l="-1678" t="-2101" r="-783"/>
-                </a:stretch>
-              </a:blipFill>
-            </p:spPr>
-            <p:txBody>
-              <a:bodyPr/>
-              <a:lstStyle/>
-              <a:p>
-                <a:r>
-                  <a:rPr lang="en-US">
-                    <a:noFill/>
-                  </a:rPr>
-                  <a:t> </a:t>
-                </a:r>
-              </a:p>
-            </p:txBody>
-          </p:sp>
-        </mc:Fallback>
-      </mc:AlternateContent>
-      <p:pic>
-        <p:nvPicPr>
-          <p:cNvPr id="6" name="Picture 5" descr="A picture containing diagram&#10;&#10;Description automatically generated">
-            <a:extLst>
-              <a:ext uri="{FF2B5EF4-FFF2-40B4-BE49-F238E27FC236}">
-                <a16:creationId xmlns:a16="http://schemas.microsoft.com/office/drawing/2014/main" id="{073299D3-754B-462E-A643-447FF58BB702}"/>
-              </a:ext>
-            </a:extLst>
-          </p:cNvPr>
-          <p:cNvPicPr>
-            <a:picLocks noChangeAspect="1"/>
-          </p:cNvPicPr>
-          <p:nvPr/>
-        </p:nvPicPr>
-        <p:blipFill rotWithShape="1">
-          <a:blip r:embed="rId3">
-            <a:extLst>
-              <a:ext uri="{28A0092B-C50C-407E-A947-70E740481C1C}">
-                <a14:useLocalDpi xmlns:a14="http://schemas.microsoft.com/office/drawing/2010/main" val="0"/>
-              </a:ext>
-            </a:extLst>
-          </a:blip>
-          <a:srcRect r="46302"/>
-          <a:stretch/>
-        </p:blipFill>
-        <p:spPr>
-          <a:xfrm>
-            <a:off x="1364315" y="1690688"/>
-            <a:ext cx="4188336" cy="2471933"/>
-          </a:xfrm>
-          <a:prstGeom prst="rect">
-            <a:avLst/>
-          </a:prstGeom>
-        </p:spPr>
-      </p:pic>
-      <p:pic>
-        <p:nvPicPr>
-          <p:cNvPr id="7" name="Picture 6" descr="A picture containing diagram&#10;&#10;Description automatically generated">
-            <a:extLst>
-              <a:ext uri="{FF2B5EF4-FFF2-40B4-BE49-F238E27FC236}">
-                <a16:creationId xmlns:a16="http://schemas.microsoft.com/office/drawing/2014/main" id="{E877D08F-1C36-417C-8CE9-017D57F958C9}"/>
-              </a:ext>
-            </a:extLst>
-          </p:cNvPr>
-          <p:cNvPicPr>
-            <a:picLocks noChangeAspect="1"/>
-          </p:cNvPicPr>
-          <p:nvPr/>
-        </p:nvPicPr>
-        <p:blipFill rotWithShape="1">
-          <a:blip r:embed="rId3">
-            <a:extLst>
-              <a:ext uri="{28A0092B-C50C-407E-A947-70E740481C1C}">
-                <a14:useLocalDpi xmlns:a14="http://schemas.microsoft.com/office/drawing/2010/main" val="0"/>
-              </a:ext>
-            </a:extLst>
-          </a:blip>
-          <a:srcRect l="60193"/>
-          <a:stretch/>
-        </p:blipFill>
-        <p:spPr>
-          <a:xfrm>
-            <a:off x="1364315" y="4162621"/>
-            <a:ext cx="3104885" cy="2471933"/>
-          </a:xfrm>
-          <a:prstGeom prst="rect">
-            <a:avLst/>
-          </a:prstGeom>
-        </p:spPr>
-      </p:pic>
-    </p:spTree>
-    <p:extLst>
-      <p:ext uri="{BB962C8B-B14F-4D97-AF65-F5344CB8AC3E}">
-        <p14:creationId xmlns:p14="http://schemas.microsoft.com/office/powerpoint/2010/main" val="962590286"/>
-      </p:ext>
-    </p:extLst>
-  </p:cSld>
-  <p:clrMapOvr>
-    <a:masterClrMapping/>
-  </p:clrMapOvr>
-</p:sld>
-</file>
-
-<file path=ppt/slides/slide8.xml><?xml version="1.0" encoding="utf-8"?>
-<p:sld xmlns:a="http://schemas.openxmlformats.org/drawingml/2006/main" xmlns:r="http://schemas.openxmlformats.org/officeDocument/2006/relationships" xmlns:p="http://schemas.openxmlformats.org/presentationml/2006/main">
-  <p:cSld>
-    <p:spTree>
-      <p:nvGrpSpPr>
-        <p:cNvPr id="1" name=""/>
-        <p:cNvGrpSpPr/>
-        <p:nvPr/>
-      </p:nvGrpSpPr>
-      <p:grpSpPr>
-        <a:xfrm>
-          <a:off x="0" y="0"/>
-          <a:ext cx="0" cy="0"/>
-          <a:chOff x="0" y="0"/>
-          <a:chExt cx="0" cy="0"/>
-        </a:xfrm>
-      </p:grpSpPr>
-      <p:sp>
-        <p:nvSpPr>
-          <p:cNvPr id="2" name="Title 1">
-            <a:extLst>
-              <a:ext uri="{FF2B5EF4-FFF2-40B4-BE49-F238E27FC236}">
-                <a16:creationId xmlns:a16="http://schemas.microsoft.com/office/drawing/2014/main" id="{326ED190-CFBE-49FF-B486-8D195C1B2B99}"/>
-              </a:ext>
-            </a:extLst>
-          </p:cNvPr>
-          <p:cNvSpPr>
-            <a:spLocks noGrp="1"/>
-          </p:cNvSpPr>
-          <p:nvPr>
-            <p:ph type="title"/>
-          </p:nvPr>
-        </p:nvSpPr>
-        <p:spPr/>
-        <p:txBody>
-          <a:bodyPr/>
-          <a:lstStyle/>
-          <a:p>
-            <a:r>
-              <a:rPr lang="en-US" dirty="0"/>
-              <a:t>Simulation</a:t>
-            </a:r>
-            <a:endParaRPr lang="en-US" b="1" dirty="0">
-              <a:highlight>
-                <a:srgbClr val="FFFF00"/>
-              </a:highlight>
-            </a:endParaRPr>
-          </a:p>
-        </p:txBody>
-      </p:sp>
-      <p:pic>
-        <p:nvPicPr>
-          <p:cNvPr id="5" name="Picture 4">
-            <a:extLst>
-              <a:ext uri="{FF2B5EF4-FFF2-40B4-BE49-F238E27FC236}">
-                <a16:creationId xmlns:a16="http://schemas.microsoft.com/office/drawing/2014/main" id="{DDB2D3FF-9996-4C5E-A563-3F03873ECC85}"/>
-              </a:ext>
-            </a:extLst>
-          </p:cNvPr>
-          <p:cNvPicPr/>
-          <p:nvPr/>
-        </p:nvPicPr>
-        <p:blipFill rotWithShape="1">
-          <a:blip r:embed="rId2" cstate="print">
-            <a:extLst>
-              <a:ext uri="{28A0092B-C50C-407E-A947-70E740481C1C}">
-                <a14:useLocalDpi xmlns:a14="http://schemas.microsoft.com/office/drawing/2010/main" val="0"/>
-              </a:ext>
-            </a:extLst>
-          </a:blip>
-          <a:srcRect l="78131" t="6357" r="3121" b="80258"/>
-          <a:stretch/>
-        </p:blipFill>
-        <p:spPr bwMode="auto">
-          <a:xfrm>
-            <a:off x="10608300" y="1951112"/>
-            <a:ext cx="1491000" cy="776367"/>
-          </a:xfrm>
-          <a:prstGeom prst="rect">
-            <a:avLst/>
-          </a:prstGeom>
-          <a:noFill/>
-          <a:ln>
-            <a:noFill/>
-          </a:ln>
-        </p:spPr>
-      </p:pic>
-      <p:sp>
-        <p:nvSpPr>
-          <p:cNvPr id="6" name="TextBox 5">
-            <a:extLst>
-              <a:ext uri="{FF2B5EF4-FFF2-40B4-BE49-F238E27FC236}">
-                <a16:creationId xmlns:a16="http://schemas.microsoft.com/office/drawing/2014/main" id="{FBBC0BCC-8FD9-439B-B2DD-997699836A7A}"/>
-              </a:ext>
-            </a:extLst>
-          </p:cNvPr>
-          <p:cNvSpPr txBox="1"/>
-          <p:nvPr/>
-        </p:nvSpPr>
-        <p:spPr>
-          <a:xfrm>
-            <a:off x="1457349" y="1402672"/>
-            <a:ext cx="3546868" cy="369332"/>
-          </a:xfrm>
-          <a:prstGeom prst="rect">
-            <a:avLst/>
-          </a:prstGeom>
-          <a:noFill/>
-        </p:spPr>
-        <p:txBody>
-          <a:bodyPr wrap="none" rtlCol="0">
-            <a:spAutoFit/>
-          </a:bodyPr>
-          <a:lstStyle/>
-          <a:p>
-            <a:r>
-              <a:rPr lang="en-US" dirty="0"/>
-              <a:t>Observed information + No Window</a:t>
-            </a:r>
-          </a:p>
-        </p:txBody>
-      </p:sp>
-      <p:sp>
-        <p:nvSpPr>
-          <p:cNvPr id="7" name="TextBox 6">
-            <a:extLst>
-              <a:ext uri="{FF2B5EF4-FFF2-40B4-BE49-F238E27FC236}">
-                <a16:creationId xmlns:a16="http://schemas.microsoft.com/office/drawing/2014/main" id="{5F97B4D5-C9F9-4DD8-A181-074843D666F3}"/>
-              </a:ext>
-            </a:extLst>
-          </p:cNvPr>
-          <p:cNvSpPr txBox="1"/>
-          <p:nvPr/>
-        </p:nvSpPr>
-        <p:spPr>
-          <a:xfrm>
-            <a:off x="6310837" y="1402672"/>
-            <a:ext cx="4174412" cy="369332"/>
-          </a:xfrm>
-          <a:prstGeom prst="rect">
-            <a:avLst/>
-          </a:prstGeom>
-          <a:noFill/>
-        </p:spPr>
-        <p:txBody>
-          <a:bodyPr wrap="none" rtlCol="0">
-            <a:spAutoFit/>
-          </a:bodyPr>
-          <a:lstStyle/>
-          <a:p>
-            <a:r>
-              <a:rPr lang="en-US" dirty="0"/>
-              <a:t>Expected Information (“Fisher”) + Window</a:t>
-            </a:r>
-          </a:p>
-        </p:txBody>
-      </p:sp>
-      <p:pic>
-        <p:nvPicPr>
-          <p:cNvPr id="8" name="Picture 7">
-            <a:extLst>
-              <a:ext uri="{FF2B5EF4-FFF2-40B4-BE49-F238E27FC236}">
-                <a16:creationId xmlns:a16="http://schemas.microsoft.com/office/drawing/2014/main" id="{2A53AF01-DD48-4A9D-9772-97630FCF9C97}"/>
-              </a:ext>
-            </a:extLst>
-          </p:cNvPr>
-          <p:cNvPicPr/>
-          <p:nvPr/>
-        </p:nvPicPr>
-        <p:blipFill>
-          <a:blip r:embed="rId3">
-            <a:extLst>
-              <a:ext uri="{28A0092B-C50C-407E-A947-70E740481C1C}">
-                <a14:useLocalDpi xmlns:a14="http://schemas.microsoft.com/office/drawing/2010/main" val="0"/>
-              </a:ext>
-            </a:extLst>
-          </a:blip>
-          <a:srcRect/>
-          <a:stretch>
-            <a:fillRect/>
-          </a:stretch>
-        </p:blipFill>
-        <p:spPr bwMode="auto">
-          <a:xfrm>
-            <a:off x="601408" y="1690686"/>
-            <a:ext cx="5324475" cy="3990975"/>
-          </a:xfrm>
-          <a:prstGeom prst="rect">
-            <a:avLst/>
-          </a:prstGeom>
-          <a:noFill/>
-          <a:ln>
-            <a:noFill/>
-          </a:ln>
-        </p:spPr>
-      </p:pic>
-      <p:pic>
-        <p:nvPicPr>
-          <p:cNvPr id="10" name="Picture 9">
-            <a:extLst>
-              <a:ext uri="{FF2B5EF4-FFF2-40B4-BE49-F238E27FC236}">
-                <a16:creationId xmlns:a16="http://schemas.microsoft.com/office/drawing/2014/main" id="{1461AA4A-624B-4618-B4A4-C6F2A12FFD06}"/>
-              </a:ext>
-            </a:extLst>
-          </p:cNvPr>
-          <p:cNvPicPr/>
-          <p:nvPr/>
-        </p:nvPicPr>
-        <p:blipFill>
-          <a:blip r:embed="rId4">
-            <a:extLst>
-              <a:ext uri="{28A0092B-C50C-407E-A947-70E740481C1C}">
-                <a14:useLocalDpi xmlns:a14="http://schemas.microsoft.com/office/drawing/2010/main" val="0"/>
-              </a:ext>
-            </a:extLst>
-          </a:blip>
-          <a:srcRect/>
-          <a:stretch>
-            <a:fillRect/>
-          </a:stretch>
-        </p:blipFill>
-        <p:spPr bwMode="auto">
-          <a:xfrm>
-            <a:off x="5760076" y="1690686"/>
-            <a:ext cx="5324475" cy="3990975"/>
-          </a:xfrm>
-          <a:prstGeom prst="rect">
-            <a:avLst/>
-          </a:prstGeom>
-          <a:noFill/>
-          <a:ln>
-            <a:noFill/>
-          </a:ln>
-        </p:spPr>
-      </p:pic>
-      <mc:AlternateContent xmlns:mc="http://schemas.openxmlformats.org/markup-compatibility/2006">
-        <mc:Choice xmlns:a14="http://schemas.microsoft.com/office/drawing/2010/main" Requires="a14">
-          <p:sp>
-            <p:nvSpPr>
-              <p:cNvPr id="3" name="TextBox 2">
-                <a:extLst>
-                  <a:ext uri="{FF2B5EF4-FFF2-40B4-BE49-F238E27FC236}">
-                    <a16:creationId xmlns:a16="http://schemas.microsoft.com/office/drawing/2014/main" id="{D592504F-E833-488F-85BE-C8DC55C6F347}"/>
-                  </a:ext>
-                </a:extLst>
-              </p:cNvPr>
-              <p:cNvSpPr txBox="1"/>
-              <p:nvPr/>
-            </p:nvSpPr>
-            <p:spPr>
-              <a:xfrm>
-                <a:off x="4426921" y="5681661"/>
-                <a:ext cx="3338158" cy="400110"/>
-              </a:xfrm>
-              <a:prstGeom prst="rect">
-                <a:avLst/>
-              </a:prstGeom>
-              <a:noFill/>
-            </p:spPr>
-            <p:txBody>
-              <a:bodyPr wrap="none" rtlCol="0">
-                <a:spAutoFit/>
-              </a:bodyPr>
-              <a:lstStyle/>
-              <a:p>
-                <a14:m>
-                  <m:oMath xmlns:m="http://schemas.openxmlformats.org/officeDocument/2006/math">
-                    <m:r>
-                      <a:rPr lang="en-US" sz="2000" b="0" i="1" smtClean="0">
-                        <a:latin typeface="Cambria Math" panose="02040503050406030204" pitchFamily="18" charset="0"/>
-                      </a:rPr>
-                      <m:t>𝑄</m:t>
-                    </m:r>
-                    <m:r>
-                      <a:rPr lang="en-US" sz="2000" b="0" i="1" smtClean="0">
-                        <a:latin typeface="Cambria Math" panose="02040503050406030204" pitchFamily="18" charset="0"/>
-                      </a:rPr>
-                      <m:t>=</m:t>
-                    </m:r>
-                    <m:sSup>
-                      <m:sSupPr>
-                        <m:ctrlPr>
-                          <a:rPr lang="en-US" sz="2000" b="0" i="1" smtClean="0">
-                            <a:latin typeface="Cambria Math" panose="02040503050406030204" pitchFamily="18" charset="0"/>
-                          </a:rPr>
-                        </m:ctrlPr>
-                      </m:sSupPr>
-                      <m:e>
-                        <m:r>
-                          <a:rPr lang="en-US" sz="2000" b="0" i="1" smtClean="0">
-                            <a:latin typeface="Cambria Math" panose="02040503050406030204" pitchFamily="18" charset="0"/>
-                          </a:rPr>
-                          <m:t>10</m:t>
-                        </m:r>
-                      </m:e>
-                      <m:sup>
-                        <m:r>
-                          <a:rPr lang="en-US" sz="2000" b="0" i="1" smtClean="0">
-                            <a:latin typeface="Cambria Math" panose="02040503050406030204" pitchFamily="18" charset="0"/>
-                          </a:rPr>
-                          <m:t>−3</m:t>
-                        </m:r>
-                      </m:sup>
-                    </m:sSup>
-                    <m:sSub>
-                      <m:sSubPr>
-                        <m:ctrlPr>
-                          <a:rPr lang="en-US" sz="2000" b="0" i="1" smtClean="0">
-                            <a:latin typeface="Cambria Math" panose="02040503050406030204" pitchFamily="18" charset="0"/>
-                          </a:rPr>
-                        </m:ctrlPr>
-                      </m:sSubPr>
-                      <m:e>
-                        <m:r>
-                          <a:rPr lang="en-US" sz="2000" b="0" i="1" smtClean="0">
-                            <a:latin typeface="Cambria Math" panose="02040503050406030204" pitchFamily="18" charset="0"/>
-                          </a:rPr>
-                          <m:t>𝐼</m:t>
-                        </m:r>
-                      </m:e>
-                      <m:sub>
-                        <m:r>
-                          <a:rPr lang="en-US" sz="2000" b="0" i="1" smtClean="0">
-                            <a:latin typeface="Cambria Math" panose="02040503050406030204" pitchFamily="18" charset="0"/>
-                          </a:rPr>
-                          <m:t>2</m:t>
-                        </m:r>
-                      </m:sub>
-                    </m:sSub>
-                  </m:oMath>
-                </a14:m>
-                <a:r>
-                  <a:rPr lang="en-US" sz="2000" dirty="0"/>
-                  <a:t>, window size = 50</a:t>
-                </a:r>
-              </a:p>
-            </p:txBody>
-          </p:sp>
-        </mc:Choice>
-        <mc:Fallback>
-          <p:sp>
-            <p:nvSpPr>
-              <p:cNvPr id="3" name="TextBox 2">
-                <a:extLst>
-                  <a:ext uri="{FF2B5EF4-FFF2-40B4-BE49-F238E27FC236}">
-                    <a16:creationId xmlns:a16="http://schemas.microsoft.com/office/drawing/2014/main" id="{D592504F-E833-488F-85BE-C8DC55C6F347}"/>
-                  </a:ext>
-                </a:extLst>
-              </p:cNvPr>
-              <p:cNvSpPr txBox="1">
-                <a:spLocks noRot="1" noChangeAspect="1" noMove="1" noResize="1" noEditPoints="1" noAdjustHandles="1" noChangeArrowheads="1" noChangeShapeType="1" noTextEdit="1"/>
-              </p:cNvSpPr>
-              <p:nvPr/>
-            </p:nvSpPr>
-            <p:spPr>
-              <a:xfrm>
-                <a:off x="4426921" y="5681661"/>
-                <a:ext cx="3338158" cy="400110"/>
-              </a:xfrm>
-              <a:prstGeom prst="rect">
-                <a:avLst/>
-              </a:prstGeom>
-              <a:blipFill>
-                <a:blip r:embed="rId5"/>
-                <a:stretch>
-                  <a:fillRect l="-547" t="-7576" r="-1095" b="-25758"/>
-                </a:stretch>
-              </a:blipFill>
-            </p:spPr>
-            <p:txBody>
-              <a:bodyPr/>
-              <a:lstStyle/>
-              <a:p>
-                <a:r>
-                  <a:rPr lang="en-US">
-                    <a:noFill/>
-                  </a:rPr>
-                  <a:t> </a:t>
-                </a:r>
-              </a:p>
-            </p:txBody>
-          </p:sp>
-        </mc:Fallback>
-      </mc:AlternateContent>
-    </p:spTree>
-    <p:extLst>
-      <p:ext uri="{BB962C8B-B14F-4D97-AF65-F5344CB8AC3E}">
-        <p14:creationId xmlns:p14="http://schemas.microsoft.com/office/powerpoint/2010/main" val="3525212500"/>
-      </p:ext>
-    </p:extLst>
-  </p:cSld>
-  <p:clrMapOvr>
-    <a:masterClrMapping/>
-  </p:clrMapOvr>
-</p:sld>
-</file>
-
-<file path=ppt/slides/slide9.xml><?xml version="1.0" encoding="utf-8"?>
-<p:sld xmlns:a="http://schemas.openxmlformats.org/drawingml/2006/main" xmlns:r="http://schemas.openxmlformats.org/officeDocument/2006/relationships" xmlns:p="http://schemas.openxmlformats.org/presentationml/2006/main">
-  <p:cSld>
-    <p:spTree>
-      <p:nvGrpSpPr>
-        <p:cNvPr id="1" name=""/>
-        <p:cNvGrpSpPr/>
-        <p:nvPr/>
-      </p:nvGrpSpPr>
-      <p:grpSpPr>
-        <a:xfrm>
-          <a:off x="0" y="0"/>
-          <a:ext cx="0" cy="0"/>
-          <a:chOff x="0" y="0"/>
-          <a:chExt cx="0" cy="0"/>
-        </a:xfrm>
-      </p:grpSpPr>
-      <p:sp>
-        <p:nvSpPr>
-          <p:cNvPr id="2" name="Title 1">
-            <a:extLst>
-              <a:ext uri="{FF2B5EF4-FFF2-40B4-BE49-F238E27FC236}">
-                <a16:creationId xmlns:a16="http://schemas.microsoft.com/office/drawing/2014/main" id="{DA4EA114-0F60-4C31-A9DB-174085DCFF48}"/>
-              </a:ext>
-            </a:extLst>
-          </p:cNvPr>
-          <p:cNvSpPr>
-            <a:spLocks noGrp="1"/>
-          </p:cNvSpPr>
-          <p:nvPr>
-            <p:ph type="title"/>
-          </p:nvPr>
-        </p:nvSpPr>
-        <p:spPr/>
-        <p:txBody>
-          <a:bodyPr/>
-          <a:lstStyle/>
-          <a:p>
-            <a:r>
-              <a:rPr lang="en-US" dirty="0"/>
-              <a:t>Application 1: V1 data (revisit)</a:t>
-            </a:r>
-          </a:p>
-        </p:txBody>
-      </p:sp>
-      <p:pic>
-        <p:nvPicPr>
-          <p:cNvPr id="5" name="Picture 4">
-            <a:extLst>
-              <a:ext uri="{FF2B5EF4-FFF2-40B4-BE49-F238E27FC236}">
-                <a16:creationId xmlns:a16="http://schemas.microsoft.com/office/drawing/2014/main" id="{6D70ACEC-6423-4F6C-980E-E3835839BC0B}"/>
-              </a:ext>
-            </a:extLst>
-          </p:cNvPr>
-          <p:cNvPicPr/>
-          <p:nvPr/>
-        </p:nvPicPr>
-        <p:blipFill>
-          <a:blip r:embed="rId2" cstate="print">
-            <a:extLst>
-              <a:ext uri="{28A0092B-C50C-407E-A947-70E740481C1C}">
-                <a14:useLocalDpi xmlns:a14="http://schemas.microsoft.com/office/drawing/2010/main" val="0"/>
-              </a:ext>
-            </a:extLst>
-          </a:blip>
-          <a:stretch>
-            <a:fillRect/>
-          </a:stretch>
-        </p:blipFill>
-        <p:spPr bwMode="auto">
-          <a:xfrm>
-            <a:off x="0" y="1690688"/>
-            <a:ext cx="6402916" cy="4802187"/>
-          </a:xfrm>
-          <a:prstGeom prst="rect">
-            <a:avLst/>
-          </a:prstGeom>
-          <a:noFill/>
-        </p:spPr>
-      </p:pic>
-      <p:pic>
-        <p:nvPicPr>
-          <p:cNvPr id="6" name="Picture 5">
-            <a:extLst>
-              <a:ext uri="{FF2B5EF4-FFF2-40B4-BE49-F238E27FC236}">
-                <a16:creationId xmlns:a16="http://schemas.microsoft.com/office/drawing/2014/main" id="{DCDB07EE-E18E-43A2-8B39-1CB54155D567}"/>
-              </a:ext>
-            </a:extLst>
-          </p:cNvPr>
-          <p:cNvPicPr/>
-          <p:nvPr/>
-        </p:nvPicPr>
-        <p:blipFill rotWithShape="1">
-          <a:blip r:embed="rId3" cstate="print">
-            <a:extLst>
-              <a:ext uri="{28A0092B-C50C-407E-A947-70E740481C1C}">
-                <a14:useLocalDpi xmlns:a14="http://schemas.microsoft.com/office/drawing/2010/main" val="0"/>
-              </a:ext>
-            </a:extLst>
-          </a:blip>
-          <a:srcRect t="48251"/>
-          <a:stretch/>
-        </p:blipFill>
-        <p:spPr bwMode="auto">
-          <a:xfrm>
-            <a:off x="5739848" y="1218327"/>
-            <a:ext cx="4819650" cy="1915636"/>
-          </a:xfrm>
-          <a:prstGeom prst="rect">
-            <a:avLst/>
-          </a:prstGeom>
-          <a:noFill/>
-          <a:ln>
-            <a:noFill/>
-          </a:ln>
-        </p:spPr>
-      </p:pic>
-      <p:pic>
-        <p:nvPicPr>
-          <p:cNvPr id="7" name="Picture 6">
-            <a:extLst>
-              <a:ext uri="{FF2B5EF4-FFF2-40B4-BE49-F238E27FC236}">
-                <a16:creationId xmlns:a16="http://schemas.microsoft.com/office/drawing/2014/main" id="{8F7A2D70-623F-4986-A4CA-1366B0D58C7B}"/>
-              </a:ext>
-            </a:extLst>
-          </p:cNvPr>
-          <p:cNvPicPr/>
-          <p:nvPr/>
-        </p:nvPicPr>
-        <p:blipFill rotWithShape="1">
-          <a:blip r:embed="rId4" cstate="print">
-            <a:extLst>
-              <a:ext uri="{28A0092B-C50C-407E-A947-70E740481C1C}">
-                <a14:useLocalDpi xmlns:a14="http://schemas.microsoft.com/office/drawing/2010/main" val="0"/>
-              </a:ext>
-            </a:extLst>
-          </a:blip>
-          <a:srcRect b="49077"/>
-          <a:stretch/>
-        </p:blipFill>
-        <p:spPr bwMode="auto">
-          <a:xfrm>
-            <a:off x="5739848" y="4701642"/>
-            <a:ext cx="4966252" cy="1901646"/>
-          </a:xfrm>
-          <a:prstGeom prst="rect">
-            <a:avLst/>
-          </a:prstGeom>
-          <a:noFill/>
-          <a:ln>
-            <a:noFill/>
-          </a:ln>
-        </p:spPr>
-      </p:pic>
-      <p:pic>
-        <p:nvPicPr>
-          <p:cNvPr id="8" name="Picture 7">
-            <a:extLst>
-              <a:ext uri="{FF2B5EF4-FFF2-40B4-BE49-F238E27FC236}">
-                <a16:creationId xmlns:a16="http://schemas.microsoft.com/office/drawing/2014/main" id="{EA24F4B0-DC39-42C7-BB1E-FFECAC563AF6}"/>
-              </a:ext>
-            </a:extLst>
-          </p:cNvPr>
-          <p:cNvPicPr/>
-          <p:nvPr/>
-        </p:nvPicPr>
-        <p:blipFill rotWithShape="1">
-          <a:blip r:embed="rId3" cstate="print">
-            <a:extLst>
-              <a:ext uri="{28A0092B-C50C-407E-A947-70E740481C1C}">
-                <a14:useLocalDpi xmlns:a14="http://schemas.microsoft.com/office/drawing/2010/main" val="0"/>
-              </a:ext>
-            </a:extLst>
-          </a:blip>
-          <a:srcRect b="49012"/>
-          <a:stretch/>
-        </p:blipFill>
-        <p:spPr bwMode="auto">
-          <a:xfrm>
-            <a:off x="5742747" y="2854881"/>
-            <a:ext cx="4816752" cy="1846761"/>
-          </a:xfrm>
-          <a:prstGeom prst="rect">
-            <a:avLst/>
-          </a:prstGeom>
-          <a:noFill/>
-          <a:ln>
-            <a:noFill/>
-          </a:ln>
-        </p:spPr>
-      </p:pic>
-      <p:sp>
-        <p:nvSpPr>
-          <p:cNvPr id="9" name="TextBox 8">
-            <a:extLst>
-              <a:ext uri="{FF2B5EF4-FFF2-40B4-BE49-F238E27FC236}">
-                <a16:creationId xmlns:a16="http://schemas.microsoft.com/office/drawing/2014/main" id="{2BE2254D-4025-4EFB-A319-C8F298BA6A65}"/>
-              </a:ext>
-            </a:extLst>
-          </p:cNvPr>
-          <p:cNvSpPr txBox="1"/>
-          <p:nvPr/>
-        </p:nvSpPr>
-        <p:spPr>
-          <a:xfrm>
-            <a:off x="10448925" y="1876425"/>
-            <a:ext cx="1297406" cy="369332"/>
-          </a:xfrm>
-          <a:prstGeom prst="rect">
-            <a:avLst/>
-          </a:prstGeom>
-          <a:noFill/>
-        </p:spPr>
-        <p:txBody>
-          <a:bodyPr wrap="none" rtlCol="0">
-            <a:spAutoFit/>
-          </a:bodyPr>
-          <a:lstStyle/>
-          <a:p>
-            <a:r>
-              <a:rPr lang="en-US" dirty="0"/>
-              <a:t>observation</a:t>
-            </a:r>
-          </a:p>
-        </p:txBody>
-      </p:sp>
-      <p:sp>
-        <p:nvSpPr>
-          <p:cNvPr id="10" name="TextBox 9">
-            <a:extLst>
-              <a:ext uri="{FF2B5EF4-FFF2-40B4-BE49-F238E27FC236}">
-                <a16:creationId xmlns:a16="http://schemas.microsoft.com/office/drawing/2014/main" id="{F23183C0-DBFB-46A5-98F0-DC951C47434B}"/>
-              </a:ext>
-            </a:extLst>
-          </p:cNvPr>
-          <p:cNvSpPr txBox="1"/>
-          <p:nvPr/>
-        </p:nvSpPr>
-        <p:spPr>
-          <a:xfrm>
-            <a:off x="10448925" y="3409950"/>
-            <a:ext cx="1245854" cy="369332"/>
-          </a:xfrm>
-          <a:prstGeom prst="rect">
-            <a:avLst/>
-          </a:prstGeom>
-          <a:noFill/>
-        </p:spPr>
-        <p:txBody>
-          <a:bodyPr wrap="none" rtlCol="0">
-            <a:spAutoFit/>
-          </a:bodyPr>
-          <a:lstStyle/>
-          <a:p>
-            <a:r>
-              <a:rPr lang="en-US" dirty="0"/>
-              <a:t>Full sample</a:t>
-            </a:r>
-          </a:p>
-        </p:txBody>
-      </p:sp>
-      <p:sp>
-        <p:nvSpPr>
-          <p:cNvPr id="11" name="TextBox 10">
-            <a:extLst>
-              <a:ext uri="{FF2B5EF4-FFF2-40B4-BE49-F238E27FC236}">
-                <a16:creationId xmlns:a16="http://schemas.microsoft.com/office/drawing/2014/main" id="{45F1B15B-BC35-4EFC-A6B3-FC0E7ACFC9EB}"/>
-              </a:ext>
-            </a:extLst>
-          </p:cNvPr>
-          <p:cNvSpPr txBox="1"/>
-          <p:nvPr/>
-        </p:nvSpPr>
-        <p:spPr>
-          <a:xfrm>
-            <a:off x="10559498" y="5310766"/>
-            <a:ext cx="1306768" cy="369332"/>
-          </a:xfrm>
-          <a:prstGeom prst="rect">
-            <a:avLst/>
-          </a:prstGeom>
-          <a:noFill/>
-        </p:spPr>
-        <p:txBody>
-          <a:bodyPr wrap="none" rtlCol="0">
-            <a:spAutoFit/>
-          </a:bodyPr>
-          <a:lstStyle/>
-          <a:p>
-            <a:r>
-              <a:rPr lang="en-US" dirty="0"/>
-              <a:t>Half Sample</a:t>
-            </a:r>
-          </a:p>
-        </p:txBody>
-      </p:sp>
-    </p:spTree>
-    <p:extLst>
-      <p:ext uri="{BB962C8B-B14F-4D97-AF65-F5344CB8AC3E}">
-        <p14:creationId xmlns:p14="http://schemas.microsoft.com/office/powerpoint/2010/main" val="1827236680"/>
       </p:ext>
     </p:extLst>
   </p:cSld>

--- a/documents/JSM_2021/15min_version.pptx
+++ b/documents/JSM_2021/15min_version.pptx
@@ -283,7 +283,7 @@
           <a:p>
             <a:fld id="{1FD15BE6-D28F-4CB9-886B-8E7E78239579}" type="datetimeFigureOut">
               <a:rPr lang="en-US" smtClean="0"/>
-              <a:t>7/27/2021</a:t>
+              <a:t>7/28/2021</a:t>
             </a:fld>
             <a:endParaRPr lang="en-US"/>
           </a:p>
@@ -481,7 +481,7 @@
           <a:p>
             <a:fld id="{1FD15BE6-D28F-4CB9-886B-8E7E78239579}" type="datetimeFigureOut">
               <a:rPr lang="en-US" smtClean="0"/>
-              <a:t>7/27/2021</a:t>
+              <a:t>7/28/2021</a:t>
             </a:fld>
             <a:endParaRPr lang="en-US"/>
           </a:p>
@@ -689,7 +689,7 @@
           <a:p>
             <a:fld id="{1FD15BE6-D28F-4CB9-886B-8E7E78239579}" type="datetimeFigureOut">
               <a:rPr lang="en-US" smtClean="0"/>
-              <a:t>7/27/2021</a:t>
+              <a:t>7/28/2021</a:t>
             </a:fld>
             <a:endParaRPr lang="en-US"/>
           </a:p>
@@ -887,7 +887,7 @@
           <a:p>
             <a:fld id="{1FD15BE6-D28F-4CB9-886B-8E7E78239579}" type="datetimeFigureOut">
               <a:rPr lang="en-US" smtClean="0"/>
-              <a:t>7/27/2021</a:t>
+              <a:t>7/28/2021</a:t>
             </a:fld>
             <a:endParaRPr lang="en-US"/>
           </a:p>
@@ -1162,7 +1162,7 @@
           <a:p>
             <a:fld id="{1FD15BE6-D28F-4CB9-886B-8E7E78239579}" type="datetimeFigureOut">
               <a:rPr lang="en-US" smtClean="0"/>
-              <a:t>7/27/2021</a:t>
+              <a:t>7/28/2021</a:t>
             </a:fld>
             <a:endParaRPr lang="en-US"/>
           </a:p>
@@ -1427,7 +1427,7 @@
           <a:p>
             <a:fld id="{1FD15BE6-D28F-4CB9-886B-8E7E78239579}" type="datetimeFigureOut">
               <a:rPr lang="en-US" smtClean="0"/>
-              <a:t>7/27/2021</a:t>
+              <a:t>7/28/2021</a:t>
             </a:fld>
             <a:endParaRPr lang="en-US"/>
           </a:p>
@@ -1839,7 +1839,7 @@
           <a:p>
             <a:fld id="{1FD15BE6-D28F-4CB9-886B-8E7E78239579}" type="datetimeFigureOut">
               <a:rPr lang="en-US" smtClean="0"/>
-              <a:t>7/27/2021</a:t>
+              <a:t>7/28/2021</a:t>
             </a:fld>
             <a:endParaRPr lang="en-US"/>
           </a:p>
@@ -1980,7 +1980,7 @@
           <a:p>
             <a:fld id="{1FD15BE6-D28F-4CB9-886B-8E7E78239579}" type="datetimeFigureOut">
               <a:rPr lang="en-US" smtClean="0"/>
-              <a:t>7/27/2021</a:t>
+              <a:t>7/28/2021</a:t>
             </a:fld>
             <a:endParaRPr lang="en-US"/>
           </a:p>
@@ -2093,7 +2093,7 @@
           <a:p>
             <a:fld id="{1FD15BE6-D28F-4CB9-886B-8E7E78239579}" type="datetimeFigureOut">
               <a:rPr lang="en-US" smtClean="0"/>
-              <a:t>7/27/2021</a:t>
+              <a:t>7/28/2021</a:t>
             </a:fld>
             <a:endParaRPr lang="en-US"/>
           </a:p>
@@ -2404,7 +2404,7 @@
           <a:p>
             <a:fld id="{1FD15BE6-D28F-4CB9-886B-8E7E78239579}" type="datetimeFigureOut">
               <a:rPr lang="en-US" smtClean="0"/>
-              <a:t>7/27/2021</a:t>
+              <a:t>7/28/2021</a:t>
             </a:fld>
             <a:endParaRPr lang="en-US"/>
           </a:p>
@@ -2692,7 +2692,7 @@
           <a:p>
             <a:fld id="{1FD15BE6-D28F-4CB9-886B-8E7E78239579}" type="datetimeFigureOut">
               <a:rPr lang="en-US" smtClean="0"/>
-              <a:t>7/27/2021</a:t>
+              <a:t>7/28/2021</a:t>
             </a:fld>
             <a:endParaRPr lang="en-US"/>
           </a:p>
@@ -2933,7 +2933,7 @@
           <a:p>
             <a:fld id="{1FD15BE6-D28F-4CB9-886B-8E7E78239579}" type="datetimeFigureOut">
               <a:rPr lang="en-US" smtClean="0"/>
-              <a:t>7/27/2021</a:t>
+              <a:t>7/28/2021</a:t>
             </a:fld>
             <a:endParaRPr lang="en-US"/>
           </a:p>
@@ -4917,8 +4917,8 @@
           </a:extLst>
         </p:spPr>
       </p:pic>
-      <mc:AlternateContent xmlns:mc="http://schemas.openxmlformats.org/markup-compatibility/2006">
-        <mc:Choice xmlns:a14="http://schemas.microsoft.com/office/drawing/2010/main" Requires="a14">
+      <mc:AlternateContent xmlns:mc="http://schemas.openxmlformats.org/markup-compatibility/2006" xmlns:a14="http://schemas.microsoft.com/office/drawing/2010/main">
+        <mc:Choice Requires="a14">
           <p:sp>
             <p:nvSpPr>
               <p:cNvPr id="6" name="TextBox 5">
@@ -5069,7 +5069,7 @@
             </p:txBody>
           </p:sp>
         </mc:Choice>
-        <mc:Fallback>
+        <mc:Fallback xmlns="">
           <p:sp>
             <p:nvSpPr>
               <p:cNvPr id="6" name="TextBox 5">
@@ -5609,8 +5609,8 @@
           </a:prstGeom>
         </p:spPr>
       </p:pic>
-      <mc:AlternateContent xmlns:mc="http://schemas.openxmlformats.org/markup-compatibility/2006">
-        <mc:Choice xmlns:a14="http://schemas.microsoft.com/office/drawing/2010/main" Requires="a14">
+      <mc:AlternateContent xmlns:mc="http://schemas.openxmlformats.org/markup-compatibility/2006" xmlns:a14="http://schemas.microsoft.com/office/drawing/2010/main">
+        <mc:Choice Requires="a14">
           <p:sp>
             <p:nvSpPr>
               <p:cNvPr id="8" name="Content Placeholder 2">
@@ -5939,7 +5939,7 @@
             </p:txBody>
           </p:sp>
         </mc:Choice>
-        <mc:Fallback>
+        <mc:Fallback xmlns="">
           <p:sp>
             <p:nvSpPr>
               <p:cNvPr id="8" name="Content Placeholder 2">
@@ -6102,8 +6102,8 @@
           </a:prstGeom>
         </p:spPr>
       </p:pic>
-      <mc:AlternateContent xmlns:mc="http://schemas.openxmlformats.org/markup-compatibility/2006">
-        <mc:Choice xmlns:a14="http://schemas.microsoft.com/office/drawing/2010/main" Requires="a14">
+      <mc:AlternateContent xmlns:mc="http://schemas.openxmlformats.org/markup-compatibility/2006" xmlns:a14="http://schemas.microsoft.com/office/drawing/2010/main">
+        <mc:Choice Requires="a14">
           <p:sp>
             <p:nvSpPr>
               <p:cNvPr id="3" name="Content Placeholder 2">
@@ -7030,7 +7030,7 @@
             </p:txBody>
           </p:sp>
         </mc:Choice>
-        <mc:Fallback>
+        <mc:Fallback xmlns="">
           <p:sp>
             <p:nvSpPr>
               <p:cNvPr id="3" name="Content Placeholder 2">
@@ -7128,8 +7128,8 @@
           </a:p>
         </p:txBody>
       </p:sp>
-      <mc:AlternateContent xmlns:mc="http://schemas.openxmlformats.org/markup-compatibility/2006">
-        <mc:Choice xmlns:a14="http://schemas.microsoft.com/office/drawing/2010/main" Requires="a14">
+      <mc:AlternateContent xmlns:mc="http://schemas.openxmlformats.org/markup-compatibility/2006" xmlns:a14="http://schemas.microsoft.com/office/drawing/2010/main">
+        <mc:Choice Requires="a14">
           <p:sp>
             <p:nvSpPr>
               <p:cNvPr id="3" name="Content Placeholder 2">
@@ -7899,42 +7899,58 @@
                       <m:t>∼</m:t>
                     </m:r>
                     <m:r>
-                      <a:rPr lang="en-US" i="1"/>
+                      <a:rPr lang="en-US" i="1">
+                        <a:latin typeface="Cambria Math" panose="02040503050406030204" pitchFamily="18" charset="0"/>
+                      </a:rPr>
                       <m:t>𝑁</m:t>
                     </m:r>
                     <m:r>
-                      <a:rPr lang="en-US" i="1"/>
+                      <a:rPr lang="en-US" i="1">
+                        <a:latin typeface="Cambria Math" panose="02040503050406030204" pitchFamily="18" charset="0"/>
+                      </a:rPr>
                       <m:t>(</m:t>
                     </m:r>
                     <m:r>
-                      <a:rPr lang="en-US" b="1" i="1"/>
+                      <a:rPr lang="en-US" b="1" i="1">
+                        <a:latin typeface="Cambria Math" panose="02040503050406030204" pitchFamily="18" charset="0"/>
+                      </a:rPr>
                       <m:t>𝟎</m:t>
                     </m:r>
                     <m:r>
-                      <a:rPr lang="en-US" i="1"/>
+                      <a:rPr lang="en-US" i="1">
+                        <a:latin typeface="Cambria Math" panose="02040503050406030204" pitchFamily="18" charset="0"/>
+                      </a:rPr>
                       <m:t>, </m:t>
                     </m:r>
                     <m:sSub>
                       <m:sSubPr>
                         <m:ctrlPr>
-                          <a:rPr lang="en-US" i="1"/>
+                          <a:rPr lang="en-US" i="1">
+                            <a:latin typeface="Cambria Math" panose="02040503050406030204" pitchFamily="18" charset="0"/>
+                          </a:rPr>
                         </m:ctrlPr>
                       </m:sSubPr>
                       <m:e>
                         <m:r>
-                          <a:rPr lang="en-US" b="1" i="1"/>
+                          <a:rPr lang="en-US" b="1" i="1">
+                            <a:latin typeface="Cambria Math" panose="02040503050406030204" pitchFamily="18" charset="0"/>
+                          </a:rPr>
                           <m:t>𝑸</m:t>
                         </m:r>
                       </m:e>
                       <m:sub>
                         <m:r>
-                          <a:rPr lang="en-US" i="1"/>
+                          <a:rPr lang="en-US" i="1">
+                            <a:latin typeface="Cambria Math" panose="02040503050406030204" pitchFamily="18" charset="0"/>
+                          </a:rPr>
                           <m:t>𝑘</m:t>
                         </m:r>
                       </m:sub>
                     </m:sSub>
                     <m:r>
-                      <a:rPr lang="en-US" i="1"/>
+                      <a:rPr lang="en-US" i="1">
+                        <a:latin typeface="Cambria Math" panose="02040503050406030204" pitchFamily="18" charset="0"/>
+                      </a:rPr>
                       <m:t>)</m:t>
                     </m:r>
                   </m:oMath>
@@ -8326,7 +8342,7 @@
                     <m:sSub>
                       <m:sSubPr>
                         <m:ctrlPr>
-                          <a:rPr lang="en-US" sz="2800" b="0" i="0" smtClean="0">
+                          <a:rPr lang="en-US" sz="2800" b="0" i="1" smtClean="0">
                             <a:effectLst/>
                             <a:latin typeface="Cambria Math" panose="02040503050406030204" pitchFamily="18" charset="0"/>
                             <a:ea typeface="Songti SC"/>
@@ -8539,7 +8555,7 @@
             </p:txBody>
           </p:sp>
         </mc:Choice>
-        <mc:Fallback>
+        <mc:Fallback xmlns="">
           <p:sp>
             <p:nvSpPr>
               <p:cNvPr id="3" name="Content Placeholder 2">
@@ -8637,8 +8653,8 @@
           </a:p>
         </p:txBody>
       </p:sp>
-      <mc:AlternateContent xmlns:mc="http://schemas.openxmlformats.org/markup-compatibility/2006">
-        <mc:Choice xmlns:a14="http://schemas.microsoft.com/office/drawing/2010/main" Requires="a14">
+      <mc:AlternateContent xmlns:mc="http://schemas.openxmlformats.org/markup-compatibility/2006" xmlns:a14="http://schemas.microsoft.com/office/drawing/2010/main">
+        <mc:Choice Requires="a14">
           <p:sp>
             <p:nvSpPr>
               <p:cNvPr id="3" name="Content Placeholder 2">
@@ -9710,7 +9726,7 @@
             </p:txBody>
           </p:sp>
         </mc:Choice>
-        <mc:Fallback>
+        <mc:Fallback xmlns="">
           <p:sp>
             <p:nvSpPr>
               <p:cNvPr id="3" name="Content Placeholder 2">
@@ -9808,8 +9824,8 @@
           </a:p>
         </p:txBody>
       </p:sp>
-      <mc:AlternateContent xmlns:mc="http://schemas.openxmlformats.org/markup-compatibility/2006" xmlns:a14="http://schemas.microsoft.com/office/drawing/2010/main">
-        <mc:Choice Requires="a14">
+      <mc:AlternateContent xmlns:mc="http://schemas.openxmlformats.org/markup-compatibility/2006">
+        <mc:Choice xmlns:a14="http://schemas.microsoft.com/office/drawing/2010/main" Requires="a14">
           <p:sp>
             <p:nvSpPr>
               <p:cNvPr id="3" name="Content Placeholder 2">
@@ -10338,12 +10354,31 @@
                                     </m:r>
                                   </m:sup>
                                 </m:sSup>
-                                <m:r>
-                                  <a:rPr lang="en-US" i="1">
-                                    <a:latin typeface="Cambria Math" panose="02040503050406030204" pitchFamily="18" charset="0"/>
-                                  </a:rPr>
-                                  <m:t>𝑙</m:t>
-                                </m:r>
+                                <m:sSub>
+                                  <m:sSubPr>
+                                    <m:ctrlPr>
+                                      <a:rPr lang="en-US" b="0" i="1" smtClean="0">
+                                        <a:latin typeface="Cambria Math" panose="02040503050406030204" pitchFamily="18" charset="0"/>
+                                      </a:rPr>
+                                    </m:ctrlPr>
+                                  </m:sSubPr>
+                                  <m:e>
+                                    <m:r>
+                                      <a:rPr lang="en-US" i="1">
+                                        <a:latin typeface="Cambria Math" panose="02040503050406030204" pitchFamily="18" charset="0"/>
+                                      </a:rPr>
+                                      <m:t>𝑙</m:t>
+                                    </m:r>
+                                  </m:e>
+                                  <m:sub>
+                                    <m:r>
+                                      <a:rPr lang="en-US" b="0" i="1" smtClean="0">
+                                        <a:latin typeface="Cambria Math" panose="02040503050406030204" pitchFamily="18" charset="0"/>
+                                      </a:rPr>
+                                      <m:t>𝑘</m:t>
+                                    </m:r>
+                                  </m:sub>
+                                </m:sSub>
                               </m:num>
                               <m:den>
                                 <m:r>
@@ -11511,12 +11546,31 @@
                                   </a:rPr>
                                   <m:t>𝜕</m:t>
                                 </m:r>
-                                <m:r>
-                                  <a:rPr lang="en-US" i="1">
-                                    <a:latin typeface="Cambria Math" panose="02040503050406030204" pitchFamily="18" charset="0"/>
-                                  </a:rPr>
-                                  <m:t>𝑙</m:t>
-                                </m:r>
+                                <m:sSub>
+                                  <m:sSubPr>
+                                    <m:ctrlPr>
+                                      <a:rPr lang="en-US" b="0" i="1" smtClean="0">
+                                        <a:latin typeface="Cambria Math" panose="02040503050406030204" pitchFamily="18" charset="0"/>
+                                      </a:rPr>
+                                    </m:ctrlPr>
+                                  </m:sSubPr>
+                                  <m:e>
+                                    <m:r>
+                                      <a:rPr lang="en-US" i="1">
+                                        <a:latin typeface="Cambria Math" panose="02040503050406030204" pitchFamily="18" charset="0"/>
+                                      </a:rPr>
+                                      <m:t>𝑙</m:t>
+                                    </m:r>
+                                  </m:e>
+                                  <m:sub>
+                                    <m:r>
+                                      <a:rPr lang="en-US" b="0" i="1" smtClean="0">
+                                        <a:latin typeface="Cambria Math" panose="02040503050406030204" pitchFamily="18" charset="0"/>
+                                      </a:rPr>
+                                      <m:t>𝑘</m:t>
+                                    </m:r>
+                                  </m:sub>
+                                </m:sSub>
                               </m:num>
                               <m:den>
                                 <m:r>
@@ -12071,7 +12125,7 @@
             </p:txBody>
           </p:sp>
         </mc:Choice>
-        <mc:Fallback xmlns="">
+        <mc:Fallback>
           <p:sp>
             <p:nvSpPr>
               <p:cNvPr id="3" name="Content Placeholder 2">
@@ -12169,8 +12223,8 @@
           </a:p>
         </p:txBody>
       </p:sp>
-      <mc:AlternateContent xmlns:mc="http://schemas.openxmlformats.org/markup-compatibility/2006">
-        <mc:Choice xmlns:a14="http://schemas.microsoft.com/office/drawing/2010/main" Requires="a14">
+      <mc:AlternateContent xmlns:mc="http://schemas.openxmlformats.org/markup-compatibility/2006" xmlns:a14="http://schemas.microsoft.com/office/drawing/2010/main">
+        <mc:Choice Requires="a14">
           <p:sp>
             <p:nvSpPr>
               <p:cNvPr id="3" name="Content Placeholder 2">
@@ -12710,7 +12764,7 @@
             </p:txBody>
           </p:sp>
         </mc:Choice>
-        <mc:Fallback>
+        <mc:Fallback xmlns="">
           <p:sp>
             <p:nvSpPr>
               <p:cNvPr id="3" name="Content Placeholder 2">

--- a/documents/JSM_2021/15min_version.pptx
+++ b/documents/JSM_2021/15min_version.pptx
@@ -283,7 +283,7 @@
           <a:p>
             <a:fld id="{1FD15BE6-D28F-4CB9-886B-8E7E78239579}" type="datetimeFigureOut">
               <a:rPr lang="en-US" smtClean="0"/>
-              <a:t>7/28/2021</a:t>
+              <a:t>8/23/2021</a:t>
             </a:fld>
             <a:endParaRPr lang="en-US"/>
           </a:p>
@@ -481,7 +481,7 @@
           <a:p>
             <a:fld id="{1FD15BE6-D28F-4CB9-886B-8E7E78239579}" type="datetimeFigureOut">
               <a:rPr lang="en-US" smtClean="0"/>
-              <a:t>7/28/2021</a:t>
+              <a:t>8/23/2021</a:t>
             </a:fld>
             <a:endParaRPr lang="en-US"/>
           </a:p>
@@ -689,7 +689,7 @@
           <a:p>
             <a:fld id="{1FD15BE6-D28F-4CB9-886B-8E7E78239579}" type="datetimeFigureOut">
               <a:rPr lang="en-US" smtClean="0"/>
-              <a:t>7/28/2021</a:t>
+              <a:t>8/23/2021</a:t>
             </a:fld>
             <a:endParaRPr lang="en-US"/>
           </a:p>
@@ -887,7 +887,7 @@
           <a:p>
             <a:fld id="{1FD15BE6-D28F-4CB9-886B-8E7E78239579}" type="datetimeFigureOut">
               <a:rPr lang="en-US" smtClean="0"/>
-              <a:t>7/28/2021</a:t>
+              <a:t>8/23/2021</a:t>
             </a:fld>
             <a:endParaRPr lang="en-US"/>
           </a:p>
@@ -1162,7 +1162,7 @@
           <a:p>
             <a:fld id="{1FD15BE6-D28F-4CB9-886B-8E7E78239579}" type="datetimeFigureOut">
               <a:rPr lang="en-US" smtClean="0"/>
-              <a:t>7/28/2021</a:t>
+              <a:t>8/23/2021</a:t>
             </a:fld>
             <a:endParaRPr lang="en-US"/>
           </a:p>
@@ -1427,7 +1427,7 @@
           <a:p>
             <a:fld id="{1FD15BE6-D28F-4CB9-886B-8E7E78239579}" type="datetimeFigureOut">
               <a:rPr lang="en-US" smtClean="0"/>
-              <a:t>7/28/2021</a:t>
+              <a:t>8/23/2021</a:t>
             </a:fld>
             <a:endParaRPr lang="en-US"/>
           </a:p>
@@ -1839,7 +1839,7 @@
           <a:p>
             <a:fld id="{1FD15BE6-D28F-4CB9-886B-8E7E78239579}" type="datetimeFigureOut">
               <a:rPr lang="en-US" smtClean="0"/>
-              <a:t>7/28/2021</a:t>
+              <a:t>8/23/2021</a:t>
             </a:fld>
             <a:endParaRPr lang="en-US"/>
           </a:p>
@@ -1980,7 +1980,7 @@
           <a:p>
             <a:fld id="{1FD15BE6-D28F-4CB9-886B-8E7E78239579}" type="datetimeFigureOut">
               <a:rPr lang="en-US" smtClean="0"/>
-              <a:t>7/28/2021</a:t>
+              <a:t>8/23/2021</a:t>
             </a:fld>
             <a:endParaRPr lang="en-US"/>
           </a:p>
@@ -2093,7 +2093,7 @@
           <a:p>
             <a:fld id="{1FD15BE6-D28F-4CB9-886B-8E7E78239579}" type="datetimeFigureOut">
               <a:rPr lang="en-US" smtClean="0"/>
-              <a:t>7/28/2021</a:t>
+              <a:t>8/23/2021</a:t>
             </a:fld>
             <a:endParaRPr lang="en-US"/>
           </a:p>
@@ -2404,7 +2404,7 @@
           <a:p>
             <a:fld id="{1FD15BE6-D28F-4CB9-886B-8E7E78239579}" type="datetimeFigureOut">
               <a:rPr lang="en-US" smtClean="0"/>
-              <a:t>7/28/2021</a:t>
+              <a:t>8/23/2021</a:t>
             </a:fld>
             <a:endParaRPr lang="en-US"/>
           </a:p>
@@ -2692,7 +2692,7 @@
           <a:p>
             <a:fld id="{1FD15BE6-D28F-4CB9-886B-8E7E78239579}" type="datetimeFigureOut">
               <a:rPr lang="en-US" smtClean="0"/>
-              <a:t>7/28/2021</a:t>
+              <a:t>8/23/2021</a:t>
             </a:fld>
             <a:endParaRPr lang="en-US"/>
           </a:p>
@@ -2933,7 +2933,7 @@
           <a:p>
             <a:fld id="{1FD15BE6-D28F-4CB9-886B-8E7E78239579}" type="datetimeFigureOut">
               <a:rPr lang="en-US" smtClean="0"/>
-              <a:t>7/28/2021</a:t>
+              <a:t>8/23/2021</a:t>
             </a:fld>
             <a:endParaRPr lang="en-US"/>
           </a:p>
@@ -7128,8 +7128,8 @@
           </a:p>
         </p:txBody>
       </p:sp>
-      <mc:AlternateContent xmlns:mc="http://schemas.openxmlformats.org/markup-compatibility/2006" xmlns:a14="http://schemas.microsoft.com/office/drawing/2010/main">
-        <mc:Choice Requires="a14">
+      <mc:AlternateContent xmlns:mc="http://schemas.openxmlformats.org/markup-compatibility/2006">
+        <mc:Choice xmlns:a14="http://schemas.microsoft.com/office/drawing/2010/main" Requires="a14">
           <p:sp>
             <p:nvSpPr>
               <p:cNvPr id="3" name="Content Placeholder 2">
@@ -8546,7 +8546,7 @@
               <a:p>
                 <a:r>
                   <a:rPr lang="en-US" dirty="0"/>
-                  <a:t>Approximate the posterior by normal distribution (Laplace approximation)</a:t>
+                  <a:t>Approximate the posterior by normal distribution (at recursive prior)</a:t>
                 </a:r>
               </a:p>
               <a:p>
@@ -8555,7 +8555,7 @@
             </p:txBody>
           </p:sp>
         </mc:Choice>
-        <mc:Fallback xmlns="">
+        <mc:Fallback>
           <p:sp>
             <p:nvSpPr>
               <p:cNvPr id="3" name="Content Placeholder 2">
@@ -9824,8 +9824,8 @@
           </a:p>
         </p:txBody>
       </p:sp>
-      <mc:AlternateContent xmlns:mc="http://schemas.openxmlformats.org/markup-compatibility/2006">
-        <mc:Choice xmlns:a14="http://schemas.microsoft.com/office/drawing/2010/main" Requires="a14">
+      <mc:AlternateContent xmlns:mc="http://schemas.openxmlformats.org/markup-compatibility/2006" xmlns:a14="http://schemas.microsoft.com/office/drawing/2010/main">
+        <mc:Choice Requires="a14">
           <p:sp>
             <p:nvSpPr>
               <p:cNvPr id="3" name="Content Placeholder 2">
@@ -12125,7 +12125,7 @@
             </p:txBody>
           </p:sp>
         </mc:Choice>
-        <mc:Fallback>
+        <mc:Fallback xmlns="">
           <p:sp>
             <p:nvSpPr>
               <p:cNvPr id="3" name="Content Placeholder 2">
